--- a/電装全体構成_TORICA_17_LUMINOUS.pptx
+++ b/電装全体構成_TORICA_17_LUMINOUS.pptx
@@ -11,6 +11,15 @@
     <p:sldId id="257" r:id="rId5"/>
     <p:sldId id="261" r:id="rId6"/>
     <p:sldId id="262" r:id="rId7"/>
+    <p:sldId id="263" r:id="rId8"/>
+    <p:sldId id="264" r:id="rId9"/>
+    <p:sldId id="265" r:id="rId10"/>
+    <p:sldId id="266" r:id="rId11"/>
+    <p:sldId id="267" r:id="rId12"/>
+    <p:sldId id="269" r:id="rId13"/>
+    <p:sldId id="270" r:id="rId14"/>
+    <p:sldId id="271" r:id="rId15"/>
+    <p:sldId id="273" r:id="rId16"/>
   </p:sldIdLst>
   <p:sldSz cx="12192000" cy="6858000"/>
   <p:notesSz cx="6858000" cy="9144000"/>
@@ -109,6 +118,11 @@
       </a:defRPr>
     </a:lvl9pPr>
   </p:defaultTextStyle>
+  <p:extLst>
+    <p:ext uri="{EFAFB233-063F-42B5-8137-9DF3F51BA10A}">
+      <p15:sldGuideLst xmlns:p15="http://schemas.microsoft.com/office/powerpoint/2012/main"/>
+    </p:ext>
+  </p:extLst>
 </p:presentation>
 </file>
 
@@ -157,7 +171,6 @@
               <a:rPr kumimoji="1" lang="ja-JP" altLang="en-US"/>
               <a:t>マスター タイトルの書式設定</a:t>
             </a:r>
-            <a:endParaRPr kumimoji="1" lang="ja-JP" altLang="en-US"/>
           </a:p>
         </p:txBody>
       </p:sp>
@@ -222,7 +235,6 @@
               <a:rPr kumimoji="1" lang="ja-JP" altLang="en-US"/>
               <a:t>マスター サブタイトルの書式設定</a:t>
             </a:r>
-            <a:endParaRPr kumimoji="1" lang="ja-JP" altLang="en-US"/>
           </a:p>
         </p:txBody>
       </p:sp>
@@ -243,7 +255,7 @@
           <a:p>
             <a:fld id="{E1791171-5E45-4E30-AB4E-6D197D487D40}" type="datetimeFigureOut">
               <a:rPr kumimoji="1" lang="ja-JP" altLang="en-US" smtClean="0"/>
-              <a:t>2017/4/9</a:t>
+              <a:t>2017/4/11</a:t>
             </a:fld>
             <a:endParaRPr kumimoji="1" lang="ja-JP" altLang="en-US"/>
           </a:p>
@@ -340,7 +352,6 @@
               <a:rPr kumimoji="1" lang="ja-JP" altLang="en-US"/>
               <a:t>マスター タイトルの書式設定</a:t>
             </a:r>
-            <a:endParaRPr kumimoji="1" lang="ja-JP" altLang="en-US"/>
           </a:p>
         </p:txBody>
       </p:sp>
@@ -424,7 +435,6 @@
               <a:rPr kumimoji="1" lang="ja-JP" altLang="en-US"/>
               <a:t>レベル</a:t>
             </a:r>
-            <a:endParaRPr kumimoji="1" lang="ja-JP" altLang="en-US"/>
           </a:p>
         </p:txBody>
       </p:sp>
@@ -445,7 +455,7 @@
           <a:p>
             <a:fld id="{E1791171-5E45-4E30-AB4E-6D197D487D40}" type="datetimeFigureOut">
               <a:rPr kumimoji="1" lang="ja-JP" altLang="en-US" smtClean="0"/>
-              <a:t>2017/4/9</a:t>
+              <a:t>2017/4/11</a:t>
             </a:fld>
             <a:endParaRPr kumimoji="1" lang="ja-JP" altLang="en-US"/>
           </a:p>
@@ -547,7 +557,6 @@
               <a:rPr kumimoji="1" lang="ja-JP" altLang="en-US"/>
               <a:t>マスター タイトルの書式設定</a:t>
             </a:r>
-            <a:endParaRPr kumimoji="1" lang="ja-JP" altLang="en-US"/>
           </a:p>
         </p:txBody>
       </p:sp>
@@ -636,7 +645,6 @@
               <a:rPr kumimoji="1" lang="ja-JP" altLang="en-US"/>
               <a:t>レベル</a:t>
             </a:r>
-            <a:endParaRPr kumimoji="1" lang="ja-JP" altLang="en-US"/>
           </a:p>
         </p:txBody>
       </p:sp>
@@ -657,7 +665,7 @@
           <a:p>
             <a:fld id="{E1791171-5E45-4E30-AB4E-6D197D487D40}" type="datetimeFigureOut">
               <a:rPr kumimoji="1" lang="ja-JP" altLang="en-US" smtClean="0"/>
-              <a:t>2017/4/9</a:t>
+              <a:t>2017/4/11</a:t>
             </a:fld>
             <a:endParaRPr kumimoji="1" lang="ja-JP" altLang="en-US"/>
           </a:p>
@@ -754,7 +762,6 @@
               <a:rPr kumimoji="1" lang="ja-JP" altLang="en-US"/>
               <a:t>マスター タイトルの書式設定</a:t>
             </a:r>
-            <a:endParaRPr kumimoji="1" lang="ja-JP" altLang="en-US"/>
           </a:p>
         </p:txBody>
       </p:sp>
@@ -838,7 +845,6 @@
               <a:rPr kumimoji="1" lang="ja-JP" altLang="en-US"/>
               <a:t>レベル</a:t>
             </a:r>
-            <a:endParaRPr kumimoji="1" lang="ja-JP" altLang="en-US"/>
           </a:p>
         </p:txBody>
       </p:sp>
@@ -859,7 +865,7 @@
           <a:p>
             <a:fld id="{E1791171-5E45-4E30-AB4E-6D197D487D40}" type="datetimeFigureOut">
               <a:rPr kumimoji="1" lang="ja-JP" altLang="en-US" smtClean="0"/>
-              <a:t>2017/4/9</a:t>
+              <a:t>2017/4/11</a:t>
             </a:fld>
             <a:endParaRPr kumimoji="1" lang="ja-JP" altLang="en-US"/>
           </a:p>
@@ -965,7 +971,6 @@
               <a:rPr kumimoji="1" lang="ja-JP" altLang="en-US"/>
               <a:t>マスター タイトルの書式設定</a:t>
             </a:r>
-            <a:endParaRPr kumimoji="1" lang="ja-JP" altLang="en-US"/>
           </a:p>
         </p:txBody>
       </p:sp>
@@ -1105,7 +1110,7 @@
           <a:p>
             <a:fld id="{E1791171-5E45-4E30-AB4E-6D197D487D40}" type="datetimeFigureOut">
               <a:rPr kumimoji="1" lang="ja-JP" altLang="en-US" smtClean="0"/>
-              <a:t>2017/4/9</a:t>
+              <a:t>2017/4/11</a:t>
             </a:fld>
             <a:endParaRPr kumimoji="1" lang="ja-JP" altLang="en-US"/>
           </a:p>
@@ -1202,7 +1207,6 @@
               <a:rPr kumimoji="1" lang="ja-JP" altLang="en-US"/>
               <a:t>マスター タイトルの書式設定</a:t>
             </a:r>
-            <a:endParaRPr kumimoji="1" lang="ja-JP" altLang="en-US"/>
           </a:p>
         </p:txBody>
       </p:sp>
@@ -1291,7 +1295,6 @@
               <a:rPr kumimoji="1" lang="ja-JP" altLang="en-US"/>
               <a:t>レベル</a:t>
             </a:r>
-            <a:endParaRPr kumimoji="1" lang="ja-JP" altLang="en-US"/>
           </a:p>
         </p:txBody>
       </p:sp>
@@ -1380,7 +1383,6 @@
               <a:rPr kumimoji="1" lang="ja-JP" altLang="en-US"/>
               <a:t>レベル</a:t>
             </a:r>
-            <a:endParaRPr kumimoji="1" lang="ja-JP" altLang="en-US"/>
           </a:p>
         </p:txBody>
       </p:sp>
@@ -1401,7 +1403,7 @@
           <a:p>
             <a:fld id="{E1791171-5E45-4E30-AB4E-6D197D487D40}" type="datetimeFigureOut">
               <a:rPr kumimoji="1" lang="ja-JP" altLang="en-US" smtClean="0"/>
-              <a:t>2017/4/9</a:t>
+              <a:t>2017/4/11</a:t>
             </a:fld>
             <a:endParaRPr kumimoji="1" lang="ja-JP" altLang="en-US"/>
           </a:p>
@@ -1503,7 +1505,6 @@
               <a:rPr kumimoji="1" lang="ja-JP" altLang="en-US"/>
               <a:t>マスター タイトルの書式設定</a:t>
             </a:r>
-            <a:endParaRPr kumimoji="1" lang="ja-JP" altLang="en-US"/>
           </a:p>
         </p:txBody>
       </p:sp>
@@ -1657,7 +1658,6 @@
               <a:rPr kumimoji="1" lang="ja-JP" altLang="en-US"/>
               <a:t>レベル</a:t>
             </a:r>
-            <a:endParaRPr kumimoji="1" lang="ja-JP" altLang="en-US"/>
           </a:p>
         </p:txBody>
       </p:sp>
@@ -1811,7 +1811,6 @@
               <a:rPr kumimoji="1" lang="ja-JP" altLang="en-US"/>
               <a:t>レベル</a:t>
             </a:r>
-            <a:endParaRPr kumimoji="1" lang="ja-JP" altLang="en-US"/>
           </a:p>
         </p:txBody>
       </p:sp>
@@ -1832,7 +1831,7 @@
           <a:p>
             <a:fld id="{E1791171-5E45-4E30-AB4E-6D197D487D40}" type="datetimeFigureOut">
               <a:rPr kumimoji="1" lang="ja-JP" altLang="en-US" smtClean="0"/>
-              <a:t>2017/4/9</a:t>
+              <a:t>2017/4/11</a:t>
             </a:fld>
             <a:endParaRPr kumimoji="1" lang="ja-JP" altLang="en-US"/>
           </a:p>
@@ -1929,7 +1928,6 @@
               <a:rPr kumimoji="1" lang="ja-JP" altLang="en-US"/>
               <a:t>マスター タイトルの書式設定</a:t>
             </a:r>
-            <a:endParaRPr kumimoji="1" lang="ja-JP" altLang="en-US"/>
           </a:p>
         </p:txBody>
       </p:sp>
@@ -1950,7 +1948,7 @@
           <a:p>
             <a:fld id="{E1791171-5E45-4E30-AB4E-6D197D487D40}" type="datetimeFigureOut">
               <a:rPr kumimoji="1" lang="ja-JP" altLang="en-US" smtClean="0"/>
-              <a:t>2017/4/9</a:t>
+              <a:t>2017/4/11</a:t>
             </a:fld>
             <a:endParaRPr kumimoji="1" lang="ja-JP" altLang="en-US"/>
           </a:p>
@@ -2045,7 +2043,7 @@
           <a:p>
             <a:fld id="{E1791171-5E45-4E30-AB4E-6D197D487D40}" type="datetimeFigureOut">
               <a:rPr kumimoji="1" lang="ja-JP" altLang="en-US" smtClean="0"/>
-              <a:t>2017/4/9</a:t>
+              <a:t>2017/4/11</a:t>
             </a:fld>
             <a:endParaRPr kumimoji="1" lang="ja-JP" altLang="en-US"/>
           </a:p>
@@ -2151,7 +2149,6 @@
               <a:rPr kumimoji="1" lang="ja-JP" altLang="en-US"/>
               <a:t>マスター タイトルの書式設定</a:t>
             </a:r>
-            <a:endParaRPr kumimoji="1" lang="ja-JP" altLang="en-US"/>
           </a:p>
         </p:txBody>
       </p:sp>
@@ -2268,7 +2265,6 @@
               <a:rPr kumimoji="1" lang="ja-JP" altLang="en-US"/>
               <a:t>レベル</a:t>
             </a:r>
-            <a:endParaRPr kumimoji="1" lang="ja-JP" altLang="en-US"/>
           </a:p>
         </p:txBody>
       </p:sp>
@@ -2354,7 +2350,7 @@
           <a:p>
             <a:fld id="{E1791171-5E45-4E30-AB4E-6D197D487D40}" type="datetimeFigureOut">
               <a:rPr kumimoji="1" lang="ja-JP" altLang="en-US" smtClean="0"/>
-              <a:t>2017/4/9</a:t>
+              <a:t>2017/4/11</a:t>
             </a:fld>
             <a:endParaRPr kumimoji="1" lang="ja-JP" altLang="en-US"/>
           </a:p>
@@ -2460,7 +2456,6 @@
               <a:rPr kumimoji="1" lang="ja-JP" altLang="en-US"/>
               <a:t>マスター タイトルの書式設定</a:t>
             </a:r>
-            <a:endParaRPr kumimoji="1" lang="ja-JP" altLang="en-US"/>
           </a:p>
         </p:txBody>
       </p:sp>
@@ -2607,7 +2602,7 @@
           <a:p>
             <a:fld id="{E1791171-5E45-4E30-AB4E-6D197D487D40}" type="datetimeFigureOut">
               <a:rPr kumimoji="1" lang="ja-JP" altLang="en-US" smtClean="0"/>
-              <a:t>2017/4/9</a:t>
+              <a:t>2017/4/11</a:t>
             </a:fld>
             <a:endParaRPr kumimoji="1" lang="ja-JP" altLang="en-US"/>
           </a:p>
@@ -2719,7 +2714,6 @@
               <a:rPr kumimoji="1" lang="ja-JP" altLang="en-US"/>
               <a:t>マスター タイトルの書式設定</a:t>
             </a:r>
-            <a:endParaRPr kumimoji="1" lang="ja-JP" altLang="en-US"/>
           </a:p>
         </p:txBody>
       </p:sp>
@@ -2813,7 +2807,6 @@
               <a:rPr kumimoji="1" lang="ja-JP" altLang="en-US"/>
               <a:t>レベル</a:t>
             </a:r>
-            <a:endParaRPr kumimoji="1" lang="ja-JP" altLang="en-US"/>
           </a:p>
         </p:txBody>
       </p:sp>
@@ -2852,7 +2845,7 @@
           <a:p>
             <a:fld id="{E1791171-5E45-4E30-AB4E-6D197D487D40}" type="datetimeFigureOut">
               <a:rPr kumimoji="1" lang="ja-JP" altLang="en-US" smtClean="0"/>
-              <a:t>2017/4/9</a:t>
+              <a:t>2017/4/11</a:t>
             </a:fld>
             <a:endParaRPr kumimoji="1" lang="ja-JP" altLang="en-US"/>
           </a:p>
@@ -3272,7 +3265,10 @@
           <a:bodyPr/>
           <a:lstStyle/>
           <a:p>
-            <a:endParaRPr kumimoji="1" lang="ja-JP" altLang="en-US"/>
+            <a:r>
+              <a:rPr kumimoji="1" lang="ja-JP" altLang="en-US" dirty="0"/>
+              <a:t>電装全体構成</a:t>
+            </a:r>
           </a:p>
         </p:txBody>
       </p:sp>
@@ -3291,7 +3287,11 @@
           <a:bodyPr/>
           <a:lstStyle/>
           <a:p>
-            <a:endParaRPr kumimoji="1" lang="ja-JP" altLang="en-US"/>
+            <a:r>
+              <a:rPr kumimoji="1" lang="en-US" altLang="ja-JP" dirty="0"/>
+              <a:t>TORICA ‘17 LUMINOUS</a:t>
+            </a:r>
+            <a:endParaRPr kumimoji="1" lang="ja-JP" altLang="en-US" dirty="0"/>
           </a:p>
         </p:txBody>
       </p:sp>
@@ -3299,6 +3299,4079 @@
     <p:extLst>
       <p:ext uri="{BB962C8B-B14F-4D97-AF65-F5344CB8AC3E}">
         <p14:creationId xmlns:p14="http://schemas.microsoft.com/office/powerpoint/2010/main" val="3863384010"/>
+      </p:ext>
+    </p:extLst>
+  </p:cSld>
+  <p:clrMapOvr>
+    <a:masterClrMapping/>
+  </p:clrMapOvr>
+</p:sld>
+</file>
+
+<file path=ppt/slides/slide10.xml><?xml version="1.0" encoding="utf-8"?>
+<p:sld xmlns:a="http://schemas.openxmlformats.org/drawingml/2006/main" xmlns:r="http://schemas.openxmlformats.org/officeDocument/2006/relationships" xmlns:p="http://schemas.openxmlformats.org/presentationml/2006/main">
+  <p:cSld>
+    <p:spTree>
+      <p:nvGrpSpPr>
+        <p:cNvPr id="1" name=""/>
+        <p:cNvGrpSpPr/>
+        <p:nvPr/>
+      </p:nvGrpSpPr>
+      <p:grpSpPr>
+        <a:xfrm>
+          <a:off x="0" y="0"/>
+          <a:ext cx="0" cy="0"/>
+          <a:chOff x="0" y="0"/>
+          <a:chExt cx="0" cy="0"/>
+        </a:xfrm>
+      </p:grpSpPr>
+      <p:sp>
+        <p:nvSpPr>
+          <p:cNvPr id="2" name="タイトル 1"/>
+          <p:cNvSpPr>
+            <a:spLocks noGrp="1"/>
+          </p:cNvSpPr>
+          <p:nvPr>
+            <p:ph type="title"/>
+          </p:nvPr>
+        </p:nvSpPr>
+        <p:spPr/>
+        <p:txBody>
+          <a:bodyPr/>
+          <a:lstStyle/>
+          <a:p>
+            <a:r>
+              <a:rPr lang="ja-JP" altLang="en-US" dirty="0"/>
+              <a:t>駆動系主</a:t>
+            </a:r>
+            <a:r>
+              <a:rPr lang="en-US" altLang="ja-JP" dirty="0" err="1"/>
+              <a:t>μC</a:t>
+            </a:r>
+            <a:r>
+              <a:rPr lang="ja-JP" altLang="en-US" dirty="0"/>
+              <a:t>の選定</a:t>
+            </a:r>
+            <a:endParaRPr kumimoji="1" lang="ja-JP" altLang="en-US" dirty="0"/>
+          </a:p>
+        </p:txBody>
+      </p:sp>
+      <p:sp>
+        <p:nvSpPr>
+          <p:cNvPr id="3" name="コンテンツ プレースホルダー 2"/>
+          <p:cNvSpPr>
+            <a:spLocks noGrp="1"/>
+          </p:cNvSpPr>
+          <p:nvPr>
+            <p:ph idx="1"/>
+          </p:nvPr>
+        </p:nvSpPr>
+        <p:spPr/>
+        <p:txBody>
+          <a:bodyPr>
+            <a:normAutofit fontScale="92500" lnSpcReduction="10000"/>
+          </a:bodyPr>
+          <a:lstStyle/>
+          <a:p>
+            <a:r>
+              <a:rPr kumimoji="1" lang="ja-JP" altLang="en-US" dirty="0"/>
+              <a:t>二つのサーボとシリアル通信を</a:t>
+            </a:r>
+            <a:r>
+              <a:rPr lang="ja-JP" altLang="en-US" dirty="0"/>
+              <a:t>しなければならない</a:t>
+            </a:r>
+            <a:endParaRPr lang="en-US" altLang="ja-JP" dirty="0"/>
+          </a:p>
+          <a:p>
+            <a:r>
+              <a:rPr kumimoji="1" lang="ja-JP" altLang="en-US" dirty="0"/>
+              <a:t>サーボへの通信路を一本する（デイジーチェーン）ことでシリアルポート一つで制御可能</a:t>
+            </a:r>
+            <a:endParaRPr kumimoji="1" lang="en-US" altLang="ja-JP" dirty="0"/>
+          </a:p>
+          <a:p>
+            <a:pPr lvl="1"/>
+            <a:r>
+              <a:rPr lang="ja-JP" altLang="en-US" dirty="0"/>
+              <a:t>ケーブルやサーボに一か所問題が生じた場合、垂直尾翼と水平尾翼の両方が動作しなくなる</a:t>
+            </a:r>
+            <a:endParaRPr kumimoji="1" lang="en-US" altLang="ja-JP" dirty="0"/>
+          </a:p>
+          <a:p>
+            <a:r>
+              <a:rPr lang="ja-JP" altLang="en-US" dirty="0"/>
+              <a:t>デイジーチェーンを使用しない場合はシリアルポートが二つ必要</a:t>
+            </a:r>
+            <a:endParaRPr lang="en-US" altLang="ja-JP" dirty="0"/>
+          </a:p>
+          <a:p>
+            <a:pPr lvl="1"/>
+            <a:r>
+              <a:rPr lang="ja-JP" altLang="en-US" dirty="0"/>
+              <a:t>片方のケーブルやサーボに一か所問題が生じた場合でも、片方は動く</a:t>
+            </a:r>
+            <a:endParaRPr lang="en-US" altLang="ja-JP" dirty="0"/>
+          </a:p>
+          <a:p>
+            <a:pPr lvl="1"/>
+            <a:r>
+              <a:rPr kumimoji="1" lang="ja-JP" altLang="en-US" dirty="0"/>
+              <a:t>正規品の</a:t>
+            </a:r>
+            <a:r>
+              <a:rPr kumimoji="1" lang="en-US" altLang="ja-JP" dirty="0"/>
+              <a:t>Arduino</a:t>
+            </a:r>
+            <a:r>
+              <a:rPr kumimoji="1" lang="ja-JP" altLang="en-US" dirty="0"/>
+              <a:t>で</a:t>
+            </a:r>
+            <a:r>
+              <a:rPr lang="ja-JP" altLang="en-US" dirty="0"/>
+              <a:t>は</a:t>
+            </a:r>
+            <a:r>
+              <a:rPr lang="en-US" altLang="ja-JP" dirty="0"/>
+              <a:t>Arduino MEGA</a:t>
+            </a:r>
+            <a:r>
+              <a:rPr lang="ja-JP" altLang="en-US" dirty="0"/>
+              <a:t>のみが複数のシリアルポートを備える</a:t>
+            </a:r>
+            <a:endParaRPr lang="en-US" altLang="ja-JP" dirty="0"/>
+          </a:p>
+          <a:p>
+            <a:pPr lvl="2"/>
+            <a:r>
+              <a:rPr kumimoji="1" lang="ja-JP" altLang="en-US" dirty="0"/>
+              <a:t>明らかにオーバースペック。しかもでかい。</a:t>
+            </a:r>
+            <a:endParaRPr kumimoji="1" lang="en-US" altLang="ja-JP" dirty="0"/>
+          </a:p>
+          <a:p>
+            <a:pPr lvl="3"/>
+            <a:r>
+              <a:rPr lang="ja-JP" altLang="en-US" dirty="0"/>
+              <a:t>ケースが大きくなり重くなる</a:t>
+            </a:r>
+            <a:endParaRPr lang="en-US" altLang="ja-JP" dirty="0"/>
+          </a:p>
+          <a:p>
+            <a:r>
+              <a:rPr kumimoji="1" lang="en-US" altLang="ja-JP" dirty="0"/>
+              <a:t>PWM</a:t>
+            </a:r>
+            <a:r>
+              <a:rPr kumimoji="1" lang="ja-JP" altLang="en-US" dirty="0"/>
+              <a:t>制御に戻すという手もある</a:t>
+            </a:r>
+            <a:endParaRPr kumimoji="1" lang="en-US" altLang="ja-JP" dirty="0"/>
+          </a:p>
+          <a:p>
+            <a:r>
+              <a:rPr lang="ja-JP" altLang="en-US" dirty="0"/>
+              <a:t>リスクの具体的な計算が必要</a:t>
+            </a:r>
+            <a:endParaRPr kumimoji="1" lang="en-US" altLang="ja-JP" dirty="0"/>
+          </a:p>
+        </p:txBody>
+      </p:sp>
+    </p:spTree>
+    <p:extLst>
+      <p:ext uri="{BB962C8B-B14F-4D97-AF65-F5344CB8AC3E}">
+        <p14:creationId xmlns:p14="http://schemas.microsoft.com/office/powerpoint/2010/main" val="2223757221"/>
+      </p:ext>
+    </p:extLst>
+  </p:cSld>
+  <p:clrMapOvr>
+    <a:masterClrMapping/>
+  </p:clrMapOvr>
+</p:sld>
+</file>
+
+<file path=ppt/slides/slide11.xml><?xml version="1.0" encoding="utf-8"?>
+<p:sld xmlns:a="http://schemas.openxmlformats.org/drawingml/2006/main" xmlns:r="http://schemas.openxmlformats.org/officeDocument/2006/relationships" xmlns:p="http://schemas.openxmlformats.org/presentationml/2006/main">
+  <p:cSld>
+    <p:spTree>
+      <p:nvGrpSpPr>
+        <p:cNvPr id="1" name=""/>
+        <p:cNvGrpSpPr/>
+        <p:nvPr/>
+      </p:nvGrpSpPr>
+      <p:grpSpPr>
+        <a:xfrm>
+          <a:off x="0" y="0"/>
+          <a:ext cx="0" cy="0"/>
+          <a:chOff x="0" y="0"/>
+          <a:chExt cx="0" cy="0"/>
+        </a:xfrm>
+      </p:grpSpPr>
+      <p:sp>
+        <p:nvSpPr>
+          <p:cNvPr id="2" name="タイトル 1"/>
+          <p:cNvSpPr>
+            <a:spLocks noGrp="1"/>
+          </p:cNvSpPr>
+          <p:nvPr>
+            <p:ph type="title"/>
+          </p:nvPr>
+        </p:nvSpPr>
+        <p:spPr/>
+        <p:txBody>
+          <a:bodyPr/>
+          <a:lstStyle/>
+          <a:p>
+            <a:r>
+              <a:rPr lang="ja-JP" altLang="en-US" dirty="0"/>
+              <a:t>駆動系主</a:t>
+            </a:r>
+            <a:r>
+              <a:rPr lang="en-US" altLang="ja-JP" dirty="0" err="1"/>
+              <a:t>μC</a:t>
+            </a:r>
+            <a:r>
+              <a:rPr lang="ja-JP" altLang="en-US" dirty="0"/>
+              <a:t>の選定</a:t>
+            </a:r>
+            <a:br>
+              <a:rPr lang="en-US" altLang="ja-JP" dirty="0"/>
+            </a:br>
+            <a:r>
+              <a:rPr lang="ja-JP" altLang="en-US" dirty="0"/>
+              <a:t>故障リスクの推算　方式①</a:t>
+            </a:r>
+            <a:endParaRPr kumimoji="1" lang="ja-JP" altLang="en-US" dirty="0"/>
+          </a:p>
+        </p:txBody>
+      </p:sp>
+      <p:sp>
+        <p:nvSpPr>
+          <p:cNvPr id="4" name="正方形/長方形 3"/>
+          <p:cNvSpPr/>
+          <p:nvPr/>
+        </p:nvSpPr>
+        <p:spPr>
+          <a:xfrm>
+            <a:off x="7010400" y="2979190"/>
+            <a:ext cx="914400" cy="914400"/>
+          </a:xfrm>
+          <a:prstGeom prst="rect">
+            <a:avLst/>
+          </a:prstGeom>
+        </p:spPr>
+        <p:style>
+          <a:lnRef idx="2">
+            <a:schemeClr val="accent1">
+              <a:shade val="50000"/>
+            </a:schemeClr>
+          </a:lnRef>
+          <a:fillRef idx="1">
+            <a:schemeClr val="accent1"/>
+          </a:fillRef>
+          <a:effectRef idx="0">
+            <a:schemeClr val="accent1"/>
+          </a:effectRef>
+          <a:fontRef idx="minor">
+            <a:schemeClr val="lt1"/>
+          </a:fontRef>
+        </p:style>
+        <p:txBody>
+          <a:bodyPr rtlCol="0" anchor="ctr"/>
+          <a:lstStyle/>
+          <a:p>
+            <a:pPr algn="ctr"/>
+            <a:r>
+              <a:rPr lang="en-US" altLang="ja-JP" dirty="0"/>
+              <a:t>SV</a:t>
+            </a:r>
+            <a:r>
+              <a:rPr kumimoji="1" lang="en-US" altLang="ja-JP" dirty="0"/>
+              <a:t>_H</a:t>
+            </a:r>
+            <a:endParaRPr kumimoji="1" lang="ja-JP" altLang="en-US" dirty="0"/>
+          </a:p>
+        </p:txBody>
+      </p:sp>
+      <p:sp>
+        <p:nvSpPr>
+          <p:cNvPr id="5" name="正方形/長方形 4"/>
+          <p:cNvSpPr/>
+          <p:nvPr/>
+        </p:nvSpPr>
+        <p:spPr>
+          <a:xfrm>
+            <a:off x="7010400" y="4631650"/>
+            <a:ext cx="914400" cy="914400"/>
+          </a:xfrm>
+          <a:prstGeom prst="rect">
+            <a:avLst/>
+          </a:prstGeom>
+        </p:spPr>
+        <p:style>
+          <a:lnRef idx="2">
+            <a:schemeClr val="accent1">
+              <a:shade val="50000"/>
+            </a:schemeClr>
+          </a:lnRef>
+          <a:fillRef idx="1">
+            <a:schemeClr val="accent1"/>
+          </a:fillRef>
+          <a:effectRef idx="0">
+            <a:schemeClr val="accent1"/>
+          </a:effectRef>
+          <a:fontRef idx="minor">
+            <a:schemeClr val="lt1"/>
+          </a:fontRef>
+        </p:style>
+        <p:txBody>
+          <a:bodyPr rtlCol="0" anchor="ctr"/>
+          <a:lstStyle/>
+          <a:p>
+            <a:pPr algn="ctr"/>
+            <a:r>
+              <a:rPr lang="en-US" altLang="ja-JP" dirty="0"/>
+              <a:t>SV</a:t>
+            </a:r>
+            <a:r>
+              <a:rPr kumimoji="1" lang="en-US" altLang="ja-JP" dirty="0"/>
+              <a:t>_V</a:t>
+            </a:r>
+            <a:endParaRPr kumimoji="1" lang="ja-JP" altLang="en-US" dirty="0"/>
+          </a:p>
+        </p:txBody>
+      </p:sp>
+      <p:sp>
+        <p:nvSpPr>
+          <p:cNvPr id="6" name="正方形/長方形 5"/>
+          <p:cNvSpPr/>
+          <p:nvPr/>
+        </p:nvSpPr>
+        <p:spPr>
+          <a:xfrm>
+            <a:off x="925709" y="3022497"/>
+            <a:ext cx="1568324" cy="2451546"/>
+          </a:xfrm>
+          <a:prstGeom prst="rect">
+            <a:avLst/>
+          </a:prstGeom>
+        </p:spPr>
+        <p:style>
+          <a:lnRef idx="2">
+            <a:schemeClr val="accent1">
+              <a:shade val="50000"/>
+            </a:schemeClr>
+          </a:lnRef>
+          <a:fillRef idx="1">
+            <a:schemeClr val="accent1"/>
+          </a:fillRef>
+          <a:effectRef idx="0">
+            <a:schemeClr val="accent1"/>
+          </a:effectRef>
+          <a:fontRef idx="minor">
+            <a:schemeClr val="lt1"/>
+          </a:fontRef>
+        </p:style>
+        <p:txBody>
+          <a:bodyPr rtlCol="0" anchor="ctr"/>
+          <a:lstStyle/>
+          <a:p>
+            <a:pPr algn="ctr"/>
+            <a:r>
+              <a:rPr lang="en-US" altLang="ja-JP" dirty="0" err="1"/>
+              <a:t>μ</a:t>
+            </a:r>
+            <a:r>
+              <a:rPr kumimoji="1" lang="en-US" altLang="ja-JP" dirty="0" err="1"/>
+              <a:t>C</a:t>
+            </a:r>
+            <a:endParaRPr kumimoji="1" lang="ja-JP" altLang="en-US" dirty="0"/>
+          </a:p>
+        </p:txBody>
+      </p:sp>
+      <p:sp>
+        <p:nvSpPr>
+          <p:cNvPr id="7" name="正方形/長方形 6"/>
+          <p:cNvSpPr/>
+          <p:nvPr/>
+        </p:nvSpPr>
+        <p:spPr>
+          <a:xfrm>
+            <a:off x="6660930" y="1873949"/>
+            <a:ext cx="1613339" cy="394138"/>
+          </a:xfrm>
+          <a:prstGeom prst="rect">
+            <a:avLst/>
+          </a:prstGeom>
+          <a:solidFill>
+            <a:schemeClr val="accent2"/>
+          </a:solidFill>
+        </p:spPr>
+        <p:style>
+          <a:lnRef idx="2">
+            <a:schemeClr val="accent1">
+              <a:shade val="50000"/>
+            </a:schemeClr>
+          </a:lnRef>
+          <a:fillRef idx="1">
+            <a:schemeClr val="accent1"/>
+          </a:fillRef>
+          <a:effectRef idx="0">
+            <a:schemeClr val="accent1"/>
+          </a:effectRef>
+          <a:fontRef idx="minor">
+            <a:schemeClr val="lt1"/>
+          </a:fontRef>
+        </p:style>
+        <p:txBody>
+          <a:bodyPr rtlCol="0" anchor="ctr"/>
+          <a:lstStyle/>
+          <a:p>
+            <a:pPr algn="ctr"/>
+            <a:r>
+              <a:rPr kumimoji="1" lang="en-US" altLang="ja-JP" sz="1200" dirty="0"/>
+              <a:t>SV_H(Li-Po 11.1V)</a:t>
+            </a:r>
+            <a:endParaRPr kumimoji="1" lang="ja-JP" altLang="en-US" sz="1200" dirty="0"/>
+          </a:p>
+        </p:txBody>
+      </p:sp>
+      <p:sp>
+        <p:nvSpPr>
+          <p:cNvPr id="8" name="正方形/長方形 7"/>
+          <p:cNvSpPr/>
+          <p:nvPr/>
+        </p:nvSpPr>
+        <p:spPr>
+          <a:xfrm>
+            <a:off x="6660930" y="6238696"/>
+            <a:ext cx="1613339" cy="394138"/>
+          </a:xfrm>
+          <a:prstGeom prst="rect">
+            <a:avLst/>
+          </a:prstGeom>
+          <a:solidFill>
+            <a:schemeClr val="accent2"/>
+          </a:solidFill>
+        </p:spPr>
+        <p:style>
+          <a:lnRef idx="2">
+            <a:schemeClr val="accent1">
+              <a:shade val="50000"/>
+            </a:schemeClr>
+          </a:lnRef>
+          <a:fillRef idx="1">
+            <a:schemeClr val="accent1"/>
+          </a:fillRef>
+          <a:effectRef idx="0">
+            <a:schemeClr val="accent1"/>
+          </a:effectRef>
+          <a:fontRef idx="minor">
+            <a:schemeClr val="lt1"/>
+          </a:fontRef>
+        </p:style>
+        <p:txBody>
+          <a:bodyPr rtlCol="0" anchor="ctr"/>
+          <a:lstStyle/>
+          <a:p>
+            <a:pPr algn="ctr"/>
+            <a:r>
+              <a:rPr kumimoji="1" lang="en-US" altLang="ja-JP" sz="1200" dirty="0"/>
+              <a:t>SV_V</a:t>
+            </a:r>
+            <a:r>
+              <a:rPr lang="en-US" altLang="ja-JP" sz="1200" dirty="0"/>
+              <a:t>(Li-Po 11.1V)</a:t>
+            </a:r>
+            <a:endParaRPr kumimoji="1" lang="ja-JP" altLang="en-US" sz="1200" dirty="0"/>
+          </a:p>
+        </p:txBody>
+      </p:sp>
+      <p:sp>
+        <p:nvSpPr>
+          <p:cNvPr id="11" name="正方形/長方形 10"/>
+          <p:cNvSpPr/>
+          <p:nvPr/>
+        </p:nvSpPr>
+        <p:spPr>
+          <a:xfrm>
+            <a:off x="3737650" y="2984414"/>
+            <a:ext cx="1223173" cy="914400"/>
+          </a:xfrm>
+          <a:prstGeom prst="rect">
+            <a:avLst/>
+          </a:prstGeom>
+        </p:spPr>
+        <p:style>
+          <a:lnRef idx="2">
+            <a:schemeClr val="accent1">
+              <a:shade val="50000"/>
+            </a:schemeClr>
+          </a:lnRef>
+          <a:fillRef idx="1">
+            <a:schemeClr val="accent1"/>
+          </a:fillRef>
+          <a:effectRef idx="0">
+            <a:schemeClr val="accent1"/>
+          </a:effectRef>
+          <a:fontRef idx="minor">
+            <a:schemeClr val="lt1"/>
+          </a:fontRef>
+        </p:style>
+        <p:txBody>
+          <a:bodyPr rtlCol="0" anchor="ctr"/>
+          <a:lstStyle/>
+          <a:p>
+            <a:pPr algn="ctr"/>
+            <a:r>
+              <a:rPr lang="ja-JP" altLang="en-US" sz="1200" dirty="0"/>
+              <a:t>全二重</a:t>
+            </a:r>
+            <a:r>
+              <a:rPr lang="en-US" altLang="ja-JP" sz="1200" dirty="0"/>
+              <a:t>/</a:t>
+            </a:r>
+            <a:r>
+              <a:rPr lang="ja-JP" altLang="en-US" sz="1200" dirty="0"/>
+              <a:t>半二重</a:t>
+            </a:r>
+            <a:endParaRPr lang="en-US" altLang="ja-JP" sz="1200" dirty="0"/>
+          </a:p>
+          <a:p>
+            <a:pPr algn="ctr"/>
+            <a:r>
+              <a:rPr kumimoji="1" lang="ja-JP" altLang="en-US" sz="1200" dirty="0"/>
+              <a:t>変換基板</a:t>
+            </a:r>
+          </a:p>
+        </p:txBody>
+      </p:sp>
+      <p:sp>
+        <p:nvSpPr>
+          <p:cNvPr id="14" name="正方形/長方形 13"/>
+          <p:cNvSpPr/>
+          <p:nvPr/>
+        </p:nvSpPr>
+        <p:spPr>
+          <a:xfrm>
+            <a:off x="3737651" y="4559643"/>
+            <a:ext cx="1223173" cy="914400"/>
+          </a:xfrm>
+          <a:prstGeom prst="rect">
+            <a:avLst/>
+          </a:prstGeom>
+        </p:spPr>
+        <p:style>
+          <a:lnRef idx="2">
+            <a:schemeClr val="accent1">
+              <a:shade val="50000"/>
+            </a:schemeClr>
+          </a:lnRef>
+          <a:fillRef idx="1">
+            <a:schemeClr val="accent1"/>
+          </a:fillRef>
+          <a:effectRef idx="0">
+            <a:schemeClr val="accent1"/>
+          </a:effectRef>
+          <a:fontRef idx="minor">
+            <a:schemeClr val="lt1"/>
+          </a:fontRef>
+        </p:style>
+        <p:txBody>
+          <a:bodyPr rtlCol="0" anchor="ctr"/>
+          <a:lstStyle/>
+          <a:p>
+            <a:pPr algn="ctr"/>
+            <a:r>
+              <a:rPr lang="ja-JP" altLang="en-US" sz="1200" dirty="0"/>
+              <a:t>全二重</a:t>
+            </a:r>
+            <a:r>
+              <a:rPr lang="en-US" altLang="ja-JP" sz="1200" dirty="0"/>
+              <a:t>/</a:t>
+            </a:r>
+            <a:r>
+              <a:rPr lang="ja-JP" altLang="en-US" sz="1200" dirty="0"/>
+              <a:t>半二重</a:t>
+            </a:r>
+            <a:endParaRPr lang="en-US" altLang="ja-JP" sz="1200" dirty="0"/>
+          </a:p>
+          <a:p>
+            <a:pPr algn="ctr"/>
+            <a:r>
+              <a:rPr kumimoji="1" lang="ja-JP" altLang="en-US" sz="1200" dirty="0"/>
+              <a:t>変換基板</a:t>
+            </a:r>
+          </a:p>
+        </p:txBody>
+      </p:sp>
+      <p:sp>
+        <p:nvSpPr>
+          <p:cNvPr id="28" name="正方形/長方形 27"/>
+          <p:cNvSpPr/>
+          <p:nvPr/>
+        </p:nvSpPr>
+        <p:spPr>
+          <a:xfrm>
+            <a:off x="1165622" y="1825355"/>
+            <a:ext cx="1088497" cy="470338"/>
+          </a:xfrm>
+          <a:prstGeom prst="rect">
+            <a:avLst/>
+          </a:prstGeom>
+          <a:solidFill>
+            <a:schemeClr val="accent2"/>
+          </a:solidFill>
+        </p:spPr>
+        <p:style>
+          <a:lnRef idx="2">
+            <a:schemeClr val="accent1">
+              <a:shade val="50000"/>
+            </a:schemeClr>
+          </a:lnRef>
+          <a:fillRef idx="1">
+            <a:schemeClr val="accent1"/>
+          </a:fillRef>
+          <a:effectRef idx="0">
+            <a:schemeClr val="accent1"/>
+          </a:effectRef>
+          <a:fontRef idx="minor">
+            <a:schemeClr val="lt1"/>
+          </a:fontRef>
+        </p:style>
+        <p:txBody>
+          <a:bodyPr rtlCol="0" anchor="ctr"/>
+          <a:lstStyle/>
+          <a:p>
+            <a:pPr algn="ctr"/>
+            <a:r>
+              <a:rPr kumimoji="1" lang="en-US" altLang="ja-JP" sz="1200" dirty="0" err="1"/>
+              <a:t>μC_BATT</a:t>
+            </a:r>
+            <a:endParaRPr kumimoji="1" lang="en-US" altLang="ja-JP" sz="1200" dirty="0"/>
+          </a:p>
+          <a:p>
+            <a:pPr algn="ctr"/>
+            <a:r>
+              <a:rPr lang="en-US" altLang="ja-JP" sz="1200" dirty="0"/>
+              <a:t>(Li-Po 7.4V)</a:t>
+            </a:r>
+            <a:endParaRPr kumimoji="1" lang="ja-JP" altLang="en-US" sz="1200" dirty="0"/>
+          </a:p>
+        </p:txBody>
+      </p:sp>
+      <p:sp>
+        <p:nvSpPr>
+          <p:cNvPr id="29" name="四角形: 角を丸くする 28"/>
+          <p:cNvSpPr/>
+          <p:nvPr/>
+        </p:nvSpPr>
+        <p:spPr>
+          <a:xfrm>
+            <a:off x="1348435" y="2530787"/>
+            <a:ext cx="722870" cy="256616"/>
+          </a:xfrm>
+          <a:prstGeom prst="roundRect">
+            <a:avLst/>
+          </a:prstGeom>
+        </p:spPr>
+        <p:style>
+          <a:lnRef idx="2">
+            <a:schemeClr val="accent1">
+              <a:shade val="50000"/>
+            </a:schemeClr>
+          </a:lnRef>
+          <a:fillRef idx="1">
+            <a:schemeClr val="accent1"/>
+          </a:fillRef>
+          <a:effectRef idx="0">
+            <a:schemeClr val="accent1"/>
+          </a:effectRef>
+          <a:fontRef idx="minor">
+            <a:schemeClr val="lt1"/>
+          </a:fontRef>
+        </p:style>
+        <p:txBody>
+          <a:bodyPr rtlCol="0" anchor="ctr"/>
+          <a:lstStyle/>
+          <a:p>
+            <a:pPr algn="ctr"/>
+            <a:r>
+              <a:rPr lang="ja-JP" altLang="en-US" dirty="0"/>
+              <a:t>配線</a:t>
+            </a:r>
+            <a:endParaRPr kumimoji="1" lang="ja-JP" altLang="en-US" dirty="0"/>
+          </a:p>
+        </p:txBody>
+      </p:sp>
+      <p:sp>
+        <p:nvSpPr>
+          <p:cNvPr id="30" name="四角形: 角を丸くする 29"/>
+          <p:cNvSpPr/>
+          <p:nvPr/>
+        </p:nvSpPr>
+        <p:spPr>
+          <a:xfrm>
+            <a:off x="2754406" y="3313306"/>
+            <a:ext cx="722870" cy="256616"/>
+          </a:xfrm>
+          <a:prstGeom prst="roundRect">
+            <a:avLst/>
+          </a:prstGeom>
+        </p:spPr>
+        <p:style>
+          <a:lnRef idx="2">
+            <a:schemeClr val="accent1">
+              <a:shade val="50000"/>
+            </a:schemeClr>
+          </a:lnRef>
+          <a:fillRef idx="1">
+            <a:schemeClr val="accent1"/>
+          </a:fillRef>
+          <a:effectRef idx="0">
+            <a:schemeClr val="accent1"/>
+          </a:effectRef>
+          <a:fontRef idx="minor">
+            <a:schemeClr val="lt1"/>
+          </a:fontRef>
+        </p:style>
+        <p:txBody>
+          <a:bodyPr rtlCol="0" anchor="ctr"/>
+          <a:lstStyle/>
+          <a:p>
+            <a:pPr algn="ctr"/>
+            <a:r>
+              <a:rPr lang="ja-JP" altLang="en-US" dirty="0"/>
+              <a:t>配線</a:t>
+            </a:r>
+            <a:endParaRPr kumimoji="1" lang="ja-JP" altLang="en-US" dirty="0"/>
+          </a:p>
+        </p:txBody>
+      </p:sp>
+      <p:sp>
+        <p:nvSpPr>
+          <p:cNvPr id="31" name="四角形: 角を丸くする 30"/>
+          <p:cNvSpPr/>
+          <p:nvPr/>
+        </p:nvSpPr>
+        <p:spPr>
+          <a:xfrm>
+            <a:off x="2754406" y="4934699"/>
+            <a:ext cx="722870" cy="256616"/>
+          </a:xfrm>
+          <a:prstGeom prst="roundRect">
+            <a:avLst/>
+          </a:prstGeom>
+        </p:spPr>
+        <p:style>
+          <a:lnRef idx="2">
+            <a:schemeClr val="accent1">
+              <a:shade val="50000"/>
+            </a:schemeClr>
+          </a:lnRef>
+          <a:fillRef idx="1">
+            <a:schemeClr val="accent1"/>
+          </a:fillRef>
+          <a:effectRef idx="0">
+            <a:schemeClr val="accent1"/>
+          </a:effectRef>
+          <a:fontRef idx="minor">
+            <a:schemeClr val="lt1"/>
+          </a:fontRef>
+        </p:style>
+        <p:txBody>
+          <a:bodyPr rtlCol="0" anchor="ctr"/>
+          <a:lstStyle/>
+          <a:p>
+            <a:pPr algn="ctr"/>
+            <a:r>
+              <a:rPr lang="ja-JP" altLang="en-US" dirty="0"/>
+              <a:t>配線</a:t>
+            </a:r>
+            <a:endParaRPr kumimoji="1" lang="ja-JP" altLang="en-US" dirty="0"/>
+          </a:p>
+        </p:txBody>
+      </p:sp>
+      <p:sp>
+        <p:nvSpPr>
+          <p:cNvPr id="32" name="四角形: 角を丸くする 31"/>
+          <p:cNvSpPr/>
+          <p:nvPr/>
+        </p:nvSpPr>
+        <p:spPr>
+          <a:xfrm>
+            <a:off x="5221197" y="3308082"/>
+            <a:ext cx="722870" cy="256616"/>
+          </a:xfrm>
+          <a:prstGeom prst="roundRect">
+            <a:avLst/>
+          </a:prstGeom>
+        </p:spPr>
+        <p:style>
+          <a:lnRef idx="2">
+            <a:schemeClr val="accent1">
+              <a:shade val="50000"/>
+            </a:schemeClr>
+          </a:lnRef>
+          <a:fillRef idx="1">
+            <a:schemeClr val="accent1"/>
+          </a:fillRef>
+          <a:effectRef idx="0">
+            <a:schemeClr val="accent1"/>
+          </a:effectRef>
+          <a:fontRef idx="minor">
+            <a:schemeClr val="lt1"/>
+          </a:fontRef>
+        </p:style>
+        <p:txBody>
+          <a:bodyPr rtlCol="0" anchor="ctr"/>
+          <a:lstStyle/>
+          <a:p>
+            <a:pPr algn="ctr"/>
+            <a:r>
+              <a:rPr lang="ja-JP" altLang="en-US" dirty="0"/>
+              <a:t>配線</a:t>
+            </a:r>
+            <a:endParaRPr kumimoji="1" lang="ja-JP" altLang="en-US" dirty="0"/>
+          </a:p>
+        </p:txBody>
+      </p:sp>
+      <p:sp>
+        <p:nvSpPr>
+          <p:cNvPr id="33" name="四角形: 角を丸くする 32"/>
+          <p:cNvSpPr/>
+          <p:nvPr/>
+        </p:nvSpPr>
+        <p:spPr>
+          <a:xfrm>
+            <a:off x="5221197" y="4986905"/>
+            <a:ext cx="722870" cy="256616"/>
+          </a:xfrm>
+          <a:prstGeom prst="roundRect">
+            <a:avLst/>
+          </a:prstGeom>
+        </p:spPr>
+        <p:style>
+          <a:lnRef idx="2">
+            <a:schemeClr val="accent1">
+              <a:shade val="50000"/>
+            </a:schemeClr>
+          </a:lnRef>
+          <a:fillRef idx="1">
+            <a:schemeClr val="accent1"/>
+          </a:fillRef>
+          <a:effectRef idx="0">
+            <a:schemeClr val="accent1"/>
+          </a:effectRef>
+          <a:fontRef idx="minor">
+            <a:schemeClr val="lt1"/>
+          </a:fontRef>
+        </p:style>
+        <p:txBody>
+          <a:bodyPr rtlCol="0" anchor="ctr"/>
+          <a:lstStyle/>
+          <a:p>
+            <a:pPr algn="ctr"/>
+            <a:r>
+              <a:rPr lang="ja-JP" altLang="en-US" dirty="0"/>
+              <a:t>配線</a:t>
+            </a:r>
+            <a:endParaRPr kumimoji="1" lang="ja-JP" altLang="en-US" dirty="0"/>
+          </a:p>
+        </p:txBody>
+      </p:sp>
+      <p:sp>
+        <p:nvSpPr>
+          <p:cNvPr id="34" name="四角形: 角を丸くする 33"/>
+          <p:cNvSpPr/>
+          <p:nvPr/>
+        </p:nvSpPr>
+        <p:spPr>
+          <a:xfrm>
+            <a:off x="7106163" y="2503901"/>
+            <a:ext cx="722870" cy="256616"/>
+          </a:xfrm>
+          <a:prstGeom prst="roundRect">
+            <a:avLst/>
+          </a:prstGeom>
+        </p:spPr>
+        <p:style>
+          <a:lnRef idx="2">
+            <a:schemeClr val="accent1">
+              <a:shade val="50000"/>
+            </a:schemeClr>
+          </a:lnRef>
+          <a:fillRef idx="1">
+            <a:schemeClr val="accent1"/>
+          </a:fillRef>
+          <a:effectRef idx="0">
+            <a:schemeClr val="accent1"/>
+          </a:effectRef>
+          <a:fontRef idx="minor">
+            <a:schemeClr val="lt1"/>
+          </a:fontRef>
+        </p:style>
+        <p:txBody>
+          <a:bodyPr rtlCol="0" anchor="ctr"/>
+          <a:lstStyle/>
+          <a:p>
+            <a:pPr algn="ctr"/>
+            <a:r>
+              <a:rPr lang="ja-JP" altLang="en-US" dirty="0"/>
+              <a:t>配線</a:t>
+            </a:r>
+            <a:endParaRPr kumimoji="1" lang="ja-JP" altLang="en-US" dirty="0"/>
+          </a:p>
+        </p:txBody>
+      </p:sp>
+      <p:sp>
+        <p:nvSpPr>
+          <p:cNvPr id="35" name="四角形: 角を丸くする 34"/>
+          <p:cNvSpPr/>
+          <p:nvPr/>
+        </p:nvSpPr>
+        <p:spPr>
+          <a:xfrm>
+            <a:off x="7106163" y="5764065"/>
+            <a:ext cx="722870" cy="256616"/>
+          </a:xfrm>
+          <a:prstGeom prst="roundRect">
+            <a:avLst/>
+          </a:prstGeom>
+        </p:spPr>
+        <p:style>
+          <a:lnRef idx="2">
+            <a:schemeClr val="accent1">
+              <a:shade val="50000"/>
+            </a:schemeClr>
+          </a:lnRef>
+          <a:fillRef idx="1">
+            <a:schemeClr val="accent1"/>
+          </a:fillRef>
+          <a:effectRef idx="0">
+            <a:schemeClr val="accent1"/>
+          </a:effectRef>
+          <a:fontRef idx="minor">
+            <a:schemeClr val="lt1"/>
+          </a:fontRef>
+        </p:style>
+        <p:txBody>
+          <a:bodyPr rtlCol="0" anchor="ctr"/>
+          <a:lstStyle/>
+          <a:p>
+            <a:pPr algn="ctr"/>
+            <a:r>
+              <a:rPr lang="ja-JP" altLang="en-US" dirty="0"/>
+              <a:t>配線</a:t>
+            </a:r>
+            <a:endParaRPr kumimoji="1" lang="ja-JP" altLang="en-US" dirty="0"/>
+          </a:p>
+        </p:txBody>
+      </p:sp>
+      <p:cxnSp>
+        <p:nvCxnSpPr>
+          <p:cNvPr id="37" name="直線コネクタ 36"/>
+          <p:cNvCxnSpPr>
+            <a:stCxn id="28" idx="2"/>
+            <a:endCxn id="29" idx="0"/>
+          </p:cNvCxnSpPr>
+          <p:nvPr/>
+        </p:nvCxnSpPr>
+        <p:spPr>
+          <a:xfrm flipH="1">
+            <a:off x="1709870" y="2295693"/>
+            <a:ext cx="1" cy="235094"/>
+          </a:xfrm>
+          <a:prstGeom prst="line">
+            <a:avLst/>
+          </a:prstGeom>
+        </p:spPr>
+        <p:style>
+          <a:lnRef idx="3">
+            <a:schemeClr val="dk1"/>
+          </a:lnRef>
+          <a:fillRef idx="0">
+            <a:schemeClr val="dk1"/>
+          </a:fillRef>
+          <a:effectRef idx="2">
+            <a:schemeClr val="dk1"/>
+          </a:effectRef>
+          <a:fontRef idx="minor">
+            <a:schemeClr val="tx1"/>
+          </a:fontRef>
+        </p:style>
+      </p:cxnSp>
+      <p:cxnSp>
+        <p:nvCxnSpPr>
+          <p:cNvPr id="38" name="直線コネクタ 37"/>
+          <p:cNvCxnSpPr/>
+          <p:nvPr/>
+        </p:nvCxnSpPr>
+        <p:spPr>
+          <a:xfrm flipH="1">
+            <a:off x="1709869" y="2787403"/>
+            <a:ext cx="1" cy="235094"/>
+          </a:xfrm>
+          <a:prstGeom prst="line">
+            <a:avLst/>
+          </a:prstGeom>
+        </p:spPr>
+        <p:style>
+          <a:lnRef idx="3">
+            <a:schemeClr val="dk1"/>
+          </a:lnRef>
+          <a:fillRef idx="0">
+            <a:schemeClr val="dk1"/>
+          </a:fillRef>
+          <a:effectRef idx="2">
+            <a:schemeClr val="dk1"/>
+          </a:effectRef>
+          <a:fontRef idx="minor">
+            <a:schemeClr val="tx1"/>
+          </a:fontRef>
+        </p:style>
+      </p:cxnSp>
+      <p:cxnSp>
+        <p:nvCxnSpPr>
+          <p:cNvPr id="39" name="直線コネクタ 38"/>
+          <p:cNvCxnSpPr/>
+          <p:nvPr/>
+        </p:nvCxnSpPr>
+        <p:spPr>
+          <a:xfrm flipH="1">
+            <a:off x="7498493" y="2264143"/>
+            <a:ext cx="1" cy="235094"/>
+          </a:xfrm>
+          <a:prstGeom prst="line">
+            <a:avLst/>
+          </a:prstGeom>
+        </p:spPr>
+        <p:style>
+          <a:lnRef idx="3">
+            <a:schemeClr val="dk1"/>
+          </a:lnRef>
+          <a:fillRef idx="0">
+            <a:schemeClr val="dk1"/>
+          </a:fillRef>
+          <a:effectRef idx="2">
+            <a:schemeClr val="dk1"/>
+          </a:effectRef>
+          <a:fontRef idx="minor">
+            <a:schemeClr val="tx1"/>
+          </a:fontRef>
+        </p:style>
+      </p:cxnSp>
+      <p:cxnSp>
+        <p:nvCxnSpPr>
+          <p:cNvPr id="40" name="直線コネクタ 39"/>
+          <p:cNvCxnSpPr/>
+          <p:nvPr/>
+        </p:nvCxnSpPr>
+        <p:spPr>
+          <a:xfrm flipH="1">
+            <a:off x="7498493" y="2760517"/>
+            <a:ext cx="1" cy="235094"/>
+          </a:xfrm>
+          <a:prstGeom prst="line">
+            <a:avLst/>
+          </a:prstGeom>
+        </p:spPr>
+        <p:style>
+          <a:lnRef idx="3">
+            <a:schemeClr val="dk1"/>
+          </a:lnRef>
+          <a:fillRef idx="0">
+            <a:schemeClr val="dk1"/>
+          </a:fillRef>
+          <a:effectRef idx="2">
+            <a:schemeClr val="dk1"/>
+          </a:effectRef>
+          <a:fontRef idx="minor">
+            <a:schemeClr val="tx1"/>
+          </a:fontRef>
+        </p:style>
+      </p:cxnSp>
+      <p:cxnSp>
+        <p:nvCxnSpPr>
+          <p:cNvPr id="41" name="直線コネクタ 40"/>
+          <p:cNvCxnSpPr/>
+          <p:nvPr/>
+        </p:nvCxnSpPr>
+        <p:spPr>
+          <a:xfrm flipH="1">
+            <a:off x="7483046" y="5523431"/>
+            <a:ext cx="1" cy="235094"/>
+          </a:xfrm>
+          <a:prstGeom prst="line">
+            <a:avLst/>
+          </a:prstGeom>
+        </p:spPr>
+        <p:style>
+          <a:lnRef idx="3">
+            <a:schemeClr val="dk1"/>
+          </a:lnRef>
+          <a:fillRef idx="0">
+            <a:schemeClr val="dk1"/>
+          </a:fillRef>
+          <a:effectRef idx="2">
+            <a:schemeClr val="dk1"/>
+          </a:effectRef>
+          <a:fontRef idx="minor">
+            <a:schemeClr val="tx1"/>
+          </a:fontRef>
+        </p:style>
+      </p:cxnSp>
+      <p:cxnSp>
+        <p:nvCxnSpPr>
+          <p:cNvPr id="42" name="直線コネクタ 41"/>
+          <p:cNvCxnSpPr/>
+          <p:nvPr/>
+        </p:nvCxnSpPr>
+        <p:spPr>
+          <a:xfrm flipH="1">
+            <a:off x="7483046" y="6020681"/>
+            <a:ext cx="1" cy="235094"/>
+          </a:xfrm>
+          <a:prstGeom prst="line">
+            <a:avLst/>
+          </a:prstGeom>
+        </p:spPr>
+        <p:style>
+          <a:lnRef idx="3">
+            <a:schemeClr val="dk1"/>
+          </a:lnRef>
+          <a:fillRef idx="0">
+            <a:schemeClr val="dk1"/>
+          </a:fillRef>
+          <a:effectRef idx="2">
+            <a:schemeClr val="dk1"/>
+          </a:effectRef>
+          <a:fontRef idx="minor">
+            <a:schemeClr val="tx1"/>
+          </a:fontRef>
+        </p:style>
+      </p:cxnSp>
+      <p:cxnSp>
+        <p:nvCxnSpPr>
+          <p:cNvPr id="44" name="直線コネクタ 43"/>
+          <p:cNvCxnSpPr>
+            <a:stCxn id="30" idx="1"/>
+          </p:cNvCxnSpPr>
+          <p:nvPr/>
+        </p:nvCxnSpPr>
+        <p:spPr>
+          <a:xfrm flipH="1" flipV="1">
+            <a:off x="2494033" y="3436390"/>
+            <a:ext cx="260373" cy="5224"/>
+          </a:xfrm>
+          <a:prstGeom prst="line">
+            <a:avLst/>
+          </a:prstGeom>
+        </p:spPr>
+        <p:style>
+          <a:lnRef idx="3">
+            <a:schemeClr val="dk1"/>
+          </a:lnRef>
+          <a:fillRef idx="0">
+            <a:schemeClr val="dk1"/>
+          </a:fillRef>
+          <a:effectRef idx="2">
+            <a:schemeClr val="dk1"/>
+          </a:effectRef>
+          <a:fontRef idx="minor">
+            <a:schemeClr val="tx1"/>
+          </a:fontRef>
+        </p:style>
+      </p:cxnSp>
+      <p:cxnSp>
+        <p:nvCxnSpPr>
+          <p:cNvPr id="45" name="直線コネクタ 44"/>
+          <p:cNvCxnSpPr/>
+          <p:nvPr/>
+        </p:nvCxnSpPr>
+        <p:spPr>
+          <a:xfrm flipH="1" flipV="1">
+            <a:off x="3477276" y="3459681"/>
+            <a:ext cx="260373" cy="5224"/>
+          </a:xfrm>
+          <a:prstGeom prst="line">
+            <a:avLst/>
+          </a:prstGeom>
+        </p:spPr>
+        <p:style>
+          <a:lnRef idx="3">
+            <a:schemeClr val="dk1"/>
+          </a:lnRef>
+          <a:fillRef idx="0">
+            <a:schemeClr val="dk1"/>
+          </a:fillRef>
+          <a:effectRef idx="2">
+            <a:schemeClr val="dk1"/>
+          </a:effectRef>
+          <a:fontRef idx="minor">
+            <a:schemeClr val="tx1"/>
+          </a:fontRef>
+        </p:style>
+      </p:cxnSp>
+      <p:cxnSp>
+        <p:nvCxnSpPr>
+          <p:cNvPr id="46" name="直線コネクタ 45"/>
+          <p:cNvCxnSpPr/>
+          <p:nvPr/>
+        </p:nvCxnSpPr>
+        <p:spPr>
+          <a:xfrm flipH="1" flipV="1">
+            <a:off x="2494031" y="5073941"/>
+            <a:ext cx="260373" cy="5224"/>
+          </a:xfrm>
+          <a:prstGeom prst="line">
+            <a:avLst/>
+          </a:prstGeom>
+        </p:spPr>
+        <p:style>
+          <a:lnRef idx="3">
+            <a:schemeClr val="dk1"/>
+          </a:lnRef>
+          <a:fillRef idx="0">
+            <a:schemeClr val="dk1"/>
+          </a:fillRef>
+          <a:effectRef idx="2">
+            <a:schemeClr val="dk1"/>
+          </a:effectRef>
+          <a:fontRef idx="minor">
+            <a:schemeClr val="tx1"/>
+          </a:fontRef>
+        </p:style>
+      </p:cxnSp>
+      <p:cxnSp>
+        <p:nvCxnSpPr>
+          <p:cNvPr id="47" name="直線コネクタ 46"/>
+          <p:cNvCxnSpPr/>
+          <p:nvPr/>
+        </p:nvCxnSpPr>
+        <p:spPr>
+          <a:xfrm flipH="1" flipV="1">
+            <a:off x="4973935" y="3454457"/>
+            <a:ext cx="260373" cy="5224"/>
+          </a:xfrm>
+          <a:prstGeom prst="line">
+            <a:avLst/>
+          </a:prstGeom>
+        </p:spPr>
+        <p:style>
+          <a:lnRef idx="3">
+            <a:schemeClr val="dk1"/>
+          </a:lnRef>
+          <a:fillRef idx="0">
+            <a:schemeClr val="dk1"/>
+          </a:fillRef>
+          <a:effectRef idx="2">
+            <a:schemeClr val="dk1"/>
+          </a:effectRef>
+          <a:fontRef idx="minor">
+            <a:schemeClr val="tx1"/>
+          </a:fontRef>
+        </p:style>
+      </p:cxnSp>
+      <p:cxnSp>
+        <p:nvCxnSpPr>
+          <p:cNvPr id="48" name="直線コネクタ 47"/>
+          <p:cNvCxnSpPr>
+            <a:stCxn id="4" idx="1"/>
+            <a:endCxn id="32" idx="3"/>
+          </p:cNvCxnSpPr>
+          <p:nvPr/>
+        </p:nvCxnSpPr>
+        <p:spPr>
+          <a:xfrm flipH="1">
+            <a:off x="5944067" y="3436390"/>
+            <a:ext cx="1066333" cy="0"/>
+          </a:xfrm>
+          <a:prstGeom prst="line">
+            <a:avLst/>
+          </a:prstGeom>
+        </p:spPr>
+        <p:style>
+          <a:lnRef idx="3">
+            <a:schemeClr val="dk1"/>
+          </a:lnRef>
+          <a:fillRef idx="0">
+            <a:schemeClr val="dk1"/>
+          </a:fillRef>
+          <a:effectRef idx="2">
+            <a:schemeClr val="dk1"/>
+          </a:effectRef>
+          <a:fontRef idx="minor">
+            <a:schemeClr val="tx1"/>
+          </a:fontRef>
+        </p:style>
+      </p:cxnSp>
+      <p:cxnSp>
+        <p:nvCxnSpPr>
+          <p:cNvPr id="49" name="直線コネクタ 48"/>
+          <p:cNvCxnSpPr/>
+          <p:nvPr/>
+        </p:nvCxnSpPr>
+        <p:spPr>
+          <a:xfrm flipH="1" flipV="1">
+            <a:off x="3477275" y="5088850"/>
+            <a:ext cx="260373" cy="5224"/>
+          </a:xfrm>
+          <a:prstGeom prst="line">
+            <a:avLst/>
+          </a:prstGeom>
+        </p:spPr>
+        <p:style>
+          <a:lnRef idx="3">
+            <a:schemeClr val="dk1"/>
+          </a:lnRef>
+          <a:fillRef idx="0">
+            <a:schemeClr val="dk1"/>
+          </a:fillRef>
+          <a:effectRef idx="2">
+            <a:schemeClr val="dk1"/>
+          </a:effectRef>
+          <a:fontRef idx="minor">
+            <a:schemeClr val="tx1"/>
+          </a:fontRef>
+        </p:style>
+      </p:cxnSp>
+      <p:cxnSp>
+        <p:nvCxnSpPr>
+          <p:cNvPr id="50" name="直線コネクタ 49"/>
+          <p:cNvCxnSpPr/>
+          <p:nvPr/>
+        </p:nvCxnSpPr>
+        <p:spPr>
+          <a:xfrm flipH="1" flipV="1">
+            <a:off x="4960824" y="5130425"/>
+            <a:ext cx="260373" cy="5224"/>
+          </a:xfrm>
+          <a:prstGeom prst="line">
+            <a:avLst/>
+          </a:prstGeom>
+        </p:spPr>
+        <p:style>
+          <a:lnRef idx="3">
+            <a:schemeClr val="dk1"/>
+          </a:lnRef>
+          <a:fillRef idx="0">
+            <a:schemeClr val="dk1"/>
+          </a:fillRef>
+          <a:effectRef idx="2">
+            <a:schemeClr val="dk1"/>
+          </a:effectRef>
+          <a:fontRef idx="minor">
+            <a:schemeClr val="tx1"/>
+          </a:fontRef>
+        </p:style>
+      </p:cxnSp>
+      <p:cxnSp>
+        <p:nvCxnSpPr>
+          <p:cNvPr id="51" name="直線コネクタ 50"/>
+          <p:cNvCxnSpPr>
+            <a:stCxn id="5" idx="1"/>
+          </p:cNvCxnSpPr>
+          <p:nvPr/>
+        </p:nvCxnSpPr>
+        <p:spPr>
+          <a:xfrm flipH="1">
+            <a:off x="5940526" y="5088850"/>
+            <a:ext cx="1069874" cy="21139"/>
+          </a:xfrm>
+          <a:prstGeom prst="line">
+            <a:avLst/>
+          </a:prstGeom>
+        </p:spPr>
+        <p:style>
+          <a:lnRef idx="3">
+            <a:schemeClr val="dk1"/>
+          </a:lnRef>
+          <a:fillRef idx="0">
+            <a:schemeClr val="dk1"/>
+          </a:fillRef>
+          <a:effectRef idx="2">
+            <a:schemeClr val="dk1"/>
+          </a:effectRef>
+          <a:fontRef idx="minor">
+            <a:schemeClr val="tx1"/>
+          </a:fontRef>
+        </p:style>
+      </p:cxnSp>
+      <p:grpSp>
+        <p:nvGrpSpPr>
+          <p:cNvPr id="55" name="グループ化 54"/>
+          <p:cNvGrpSpPr/>
+          <p:nvPr/>
+        </p:nvGrpSpPr>
+        <p:grpSpPr>
+          <a:xfrm>
+            <a:off x="2595962" y="2802518"/>
+            <a:ext cx="3446492" cy="1153347"/>
+            <a:chOff x="2595962" y="2802518"/>
+            <a:chExt cx="3446492" cy="1153347"/>
+          </a:xfrm>
+        </p:grpSpPr>
+        <p:sp>
+          <p:nvSpPr>
+            <p:cNvPr id="53" name="正方形/長方形 52"/>
+            <p:cNvSpPr/>
+            <p:nvPr/>
+          </p:nvSpPr>
+          <p:spPr>
+            <a:xfrm>
+              <a:off x="2595962" y="2802518"/>
+              <a:ext cx="3446492" cy="1153347"/>
+            </a:xfrm>
+            <a:prstGeom prst="rect">
+              <a:avLst/>
+            </a:prstGeom>
+            <a:noFill/>
+            <a:ln w="9525" cap="flat" cmpd="sng" algn="ctr">
+              <a:solidFill>
+                <a:schemeClr val="dk1"/>
+              </a:solidFill>
+              <a:prstDash val="solid"/>
+              <a:round/>
+              <a:headEnd type="none" w="med" len="med"/>
+              <a:tailEnd type="none" w="med" len="med"/>
+            </a:ln>
+          </p:spPr>
+          <p:style>
+            <a:lnRef idx="0">
+              <a:scrgbClr r="0" g="0" b="0"/>
+            </a:lnRef>
+            <a:fillRef idx="0">
+              <a:scrgbClr r="0" g="0" b="0"/>
+            </a:fillRef>
+            <a:effectRef idx="0">
+              <a:scrgbClr r="0" g="0" b="0"/>
+            </a:effectRef>
+            <a:fontRef idx="minor">
+              <a:schemeClr val="dk1"/>
+            </a:fontRef>
+          </p:style>
+          <p:txBody>
+            <a:bodyPr rtlCol="0" anchor="ctr"/>
+            <a:lstStyle/>
+            <a:p>
+              <a:pPr algn="ctr"/>
+              <a:endParaRPr kumimoji="1" lang="ja-JP" altLang="en-US"/>
+            </a:p>
+          </p:txBody>
+        </p:sp>
+        <p:sp>
+          <p:nvSpPr>
+            <p:cNvPr id="54" name="正方形/長方形 53"/>
+            <p:cNvSpPr/>
+            <p:nvPr/>
+          </p:nvSpPr>
+          <p:spPr>
+            <a:xfrm>
+              <a:off x="2595962" y="2808764"/>
+              <a:ext cx="253817" cy="225459"/>
+            </a:xfrm>
+            <a:prstGeom prst="rect">
+              <a:avLst/>
+            </a:prstGeom>
+          </p:spPr>
+          <p:style>
+            <a:lnRef idx="2">
+              <a:schemeClr val="dk1">
+                <a:shade val="50000"/>
+              </a:schemeClr>
+            </a:lnRef>
+            <a:fillRef idx="1">
+              <a:schemeClr val="dk1"/>
+            </a:fillRef>
+            <a:effectRef idx="0">
+              <a:schemeClr val="dk1"/>
+            </a:effectRef>
+            <a:fontRef idx="minor">
+              <a:schemeClr val="lt1"/>
+            </a:fontRef>
+          </p:style>
+          <p:txBody>
+            <a:bodyPr rtlCol="0" anchor="ctr"/>
+            <a:lstStyle/>
+            <a:p>
+              <a:pPr algn="ctr"/>
+              <a:r>
+                <a:rPr lang="en-US" altLang="ja-JP" dirty="0"/>
+                <a:t>B</a:t>
+              </a:r>
+              <a:endParaRPr kumimoji="1" lang="ja-JP" altLang="en-US" dirty="0"/>
+            </a:p>
+          </p:txBody>
+        </p:sp>
+      </p:grpSp>
+      <p:grpSp>
+        <p:nvGrpSpPr>
+          <p:cNvPr id="56" name="グループ化 55"/>
+          <p:cNvGrpSpPr/>
+          <p:nvPr/>
+        </p:nvGrpSpPr>
+        <p:grpSpPr>
+          <a:xfrm>
+            <a:off x="2595962" y="4563626"/>
+            <a:ext cx="3446492" cy="1153347"/>
+            <a:chOff x="2595962" y="2802518"/>
+            <a:chExt cx="3446492" cy="1153347"/>
+          </a:xfrm>
+        </p:grpSpPr>
+        <p:sp>
+          <p:nvSpPr>
+            <p:cNvPr id="57" name="正方形/長方形 56"/>
+            <p:cNvSpPr/>
+            <p:nvPr/>
+          </p:nvSpPr>
+          <p:spPr>
+            <a:xfrm>
+              <a:off x="2595962" y="2802518"/>
+              <a:ext cx="3446492" cy="1153347"/>
+            </a:xfrm>
+            <a:prstGeom prst="rect">
+              <a:avLst/>
+            </a:prstGeom>
+            <a:noFill/>
+            <a:ln w="9525" cap="flat" cmpd="sng" algn="ctr">
+              <a:solidFill>
+                <a:schemeClr val="dk1"/>
+              </a:solidFill>
+              <a:prstDash val="solid"/>
+              <a:round/>
+              <a:headEnd type="none" w="med" len="med"/>
+              <a:tailEnd type="none" w="med" len="med"/>
+            </a:ln>
+          </p:spPr>
+          <p:style>
+            <a:lnRef idx="0">
+              <a:scrgbClr r="0" g="0" b="0"/>
+            </a:lnRef>
+            <a:fillRef idx="0">
+              <a:scrgbClr r="0" g="0" b="0"/>
+            </a:fillRef>
+            <a:effectRef idx="0">
+              <a:scrgbClr r="0" g="0" b="0"/>
+            </a:effectRef>
+            <a:fontRef idx="minor">
+              <a:schemeClr val="dk1"/>
+            </a:fontRef>
+          </p:style>
+          <p:txBody>
+            <a:bodyPr rtlCol="0" anchor="ctr"/>
+            <a:lstStyle/>
+            <a:p>
+              <a:pPr algn="ctr"/>
+              <a:endParaRPr kumimoji="1" lang="ja-JP" altLang="en-US"/>
+            </a:p>
+          </p:txBody>
+        </p:sp>
+        <p:sp>
+          <p:nvSpPr>
+            <p:cNvPr id="58" name="正方形/長方形 57"/>
+            <p:cNvSpPr/>
+            <p:nvPr/>
+          </p:nvSpPr>
+          <p:spPr>
+            <a:xfrm>
+              <a:off x="2595962" y="2808764"/>
+              <a:ext cx="253817" cy="225459"/>
+            </a:xfrm>
+            <a:prstGeom prst="rect">
+              <a:avLst/>
+            </a:prstGeom>
+          </p:spPr>
+          <p:style>
+            <a:lnRef idx="2">
+              <a:schemeClr val="dk1">
+                <a:shade val="50000"/>
+              </a:schemeClr>
+            </a:lnRef>
+            <a:fillRef idx="1">
+              <a:schemeClr val="dk1"/>
+            </a:fillRef>
+            <a:effectRef idx="0">
+              <a:schemeClr val="dk1"/>
+            </a:effectRef>
+            <a:fontRef idx="minor">
+              <a:schemeClr val="lt1"/>
+            </a:fontRef>
+          </p:style>
+          <p:txBody>
+            <a:bodyPr rtlCol="0" anchor="ctr"/>
+            <a:lstStyle/>
+            <a:p>
+              <a:pPr algn="ctr"/>
+              <a:r>
+                <a:rPr lang="en-US" altLang="ja-JP" dirty="0"/>
+                <a:t>B</a:t>
+              </a:r>
+              <a:endParaRPr kumimoji="1" lang="ja-JP" altLang="en-US" dirty="0"/>
+            </a:p>
+          </p:txBody>
+        </p:sp>
+      </p:grpSp>
+      <p:sp>
+        <p:nvSpPr>
+          <p:cNvPr id="63" name="正方形/長方形 62"/>
+          <p:cNvSpPr/>
+          <p:nvPr/>
+        </p:nvSpPr>
+        <p:spPr>
+          <a:xfrm>
+            <a:off x="6364779" y="1590397"/>
+            <a:ext cx="2093421" cy="2445397"/>
+          </a:xfrm>
+          <a:prstGeom prst="rect">
+            <a:avLst/>
+          </a:prstGeom>
+          <a:noFill/>
+          <a:ln w="9525" cap="flat" cmpd="sng" algn="ctr">
+            <a:solidFill>
+              <a:schemeClr val="dk1"/>
+            </a:solidFill>
+            <a:prstDash val="solid"/>
+            <a:round/>
+            <a:headEnd type="none" w="med" len="med"/>
+            <a:tailEnd type="none" w="med" len="med"/>
+          </a:ln>
+        </p:spPr>
+        <p:style>
+          <a:lnRef idx="0">
+            <a:scrgbClr r="0" g="0" b="0"/>
+          </a:lnRef>
+          <a:fillRef idx="0">
+            <a:scrgbClr r="0" g="0" b="0"/>
+          </a:fillRef>
+          <a:effectRef idx="0">
+            <a:scrgbClr r="0" g="0" b="0"/>
+          </a:effectRef>
+          <a:fontRef idx="minor">
+            <a:schemeClr val="dk1"/>
+          </a:fontRef>
+        </p:style>
+        <p:txBody>
+          <a:bodyPr rtlCol="0" anchor="ctr"/>
+          <a:lstStyle/>
+          <a:p>
+            <a:pPr algn="ctr"/>
+            <a:endParaRPr kumimoji="1" lang="ja-JP" altLang="en-US"/>
+          </a:p>
+        </p:txBody>
+      </p:sp>
+      <p:sp>
+        <p:nvSpPr>
+          <p:cNvPr id="64" name="正方形/長方形 63"/>
+          <p:cNvSpPr/>
+          <p:nvPr/>
+        </p:nvSpPr>
+        <p:spPr>
+          <a:xfrm>
+            <a:off x="6364779" y="1596643"/>
+            <a:ext cx="253817" cy="225459"/>
+          </a:xfrm>
+          <a:prstGeom prst="rect">
+            <a:avLst/>
+          </a:prstGeom>
+        </p:spPr>
+        <p:style>
+          <a:lnRef idx="2">
+            <a:schemeClr val="dk1">
+              <a:shade val="50000"/>
+            </a:schemeClr>
+          </a:lnRef>
+          <a:fillRef idx="1">
+            <a:schemeClr val="dk1"/>
+          </a:fillRef>
+          <a:effectRef idx="0">
+            <a:schemeClr val="dk1"/>
+          </a:effectRef>
+          <a:fontRef idx="minor">
+            <a:schemeClr val="lt1"/>
+          </a:fontRef>
+        </p:style>
+        <p:txBody>
+          <a:bodyPr rtlCol="0" anchor="ctr"/>
+          <a:lstStyle/>
+          <a:p>
+            <a:pPr algn="ctr"/>
+            <a:r>
+              <a:rPr lang="en-US" altLang="ja-JP" dirty="0"/>
+              <a:t>C</a:t>
+            </a:r>
+            <a:endParaRPr kumimoji="1" lang="ja-JP" altLang="en-US" dirty="0"/>
+          </a:p>
+        </p:txBody>
+      </p:sp>
+      <p:sp>
+        <p:nvSpPr>
+          <p:cNvPr id="65" name="正方形/長方形 64"/>
+          <p:cNvSpPr/>
+          <p:nvPr/>
+        </p:nvSpPr>
+        <p:spPr>
+          <a:xfrm>
+            <a:off x="6364779" y="4404238"/>
+            <a:ext cx="2093421" cy="2367266"/>
+          </a:xfrm>
+          <a:prstGeom prst="rect">
+            <a:avLst/>
+          </a:prstGeom>
+          <a:noFill/>
+          <a:ln w="9525" cap="flat" cmpd="sng" algn="ctr">
+            <a:solidFill>
+              <a:schemeClr val="dk1"/>
+            </a:solidFill>
+            <a:prstDash val="solid"/>
+            <a:round/>
+            <a:headEnd type="none" w="med" len="med"/>
+            <a:tailEnd type="none" w="med" len="med"/>
+          </a:ln>
+        </p:spPr>
+        <p:style>
+          <a:lnRef idx="0">
+            <a:scrgbClr r="0" g="0" b="0"/>
+          </a:lnRef>
+          <a:fillRef idx="0">
+            <a:scrgbClr r="0" g="0" b="0"/>
+          </a:fillRef>
+          <a:effectRef idx="0">
+            <a:scrgbClr r="0" g="0" b="0"/>
+          </a:effectRef>
+          <a:fontRef idx="minor">
+            <a:schemeClr val="dk1"/>
+          </a:fontRef>
+        </p:style>
+        <p:txBody>
+          <a:bodyPr rtlCol="0" anchor="ctr"/>
+          <a:lstStyle/>
+          <a:p>
+            <a:pPr algn="ctr"/>
+            <a:endParaRPr kumimoji="1" lang="ja-JP" altLang="en-US"/>
+          </a:p>
+        </p:txBody>
+      </p:sp>
+      <p:sp>
+        <p:nvSpPr>
+          <p:cNvPr id="66" name="正方形/長方形 65"/>
+          <p:cNvSpPr/>
+          <p:nvPr/>
+        </p:nvSpPr>
+        <p:spPr>
+          <a:xfrm>
+            <a:off x="6364779" y="4410483"/>
+            <a:ext cx="253817" cy="225459"/>
+          </a:xfrm>
+          <a:prstGeom prst="rect">
+            <a:avLst/>
+          </a:prstGeom>
+        </p:spPr>
+        <p:style>
+          <a:lnRef idx="2">
+            <a:schemeClr val="dk1">
+              <a:shade val="50000"/>
+            </a:schemeClr>
+          </a:lnRef>
+          <a:fillRef idx="1">
+            <a:schemeClr val="dk1"/>
+          </a:fillRef>
+          <a:effectRef idx="0">
+            <a:schemeClr val="dk1"/>
+          </a:effectRef>
+          <a:fontRef idx="minor">
+            <a:schemeClr val="lt1"/>
+          </a:fontRef>
+        </p:style>
+        <p:txBody>
+          <a:bodyPr rtlCol="0" anchor="ctr"/>
+          <a:lstStyle/>
+          <a:p>
+            <a:pPr algn="ctr"/>
+            <a:r>
+              <a:rPr lang="en-US" altLang="ja-JP" dirty="0"/>
+              <a:t>C</a:t>
+            </a:r>
+            <a:endParaRPr kumimoji="1" lang="ja-JP" altLang="en-US" dirty="0"/>
+          </a:p>
+        </p:txBody>
+      </p:sp>
+      <p:sp>
+        <p:nvSpPr>
+          <p:cNvPr id="67" name="正方形/長方形 66"/>
+          <p:cNvSpPr/>
+          <p:nvPr/>
+        </p:nvSpPr>
+        <p:spPr>
+          <a:xfrm>
+            <a:off x="652919" y="1655938"/>
+            <a:ext cx="1873293" cy="4089954"/>
+          </a:xfrm>
+          <a:prstGeom prst="rect">
+            <a:avLst/>
+          </a:prstGeom>
+          <a:noFill/>
+          <a:ln w="9525" cap="flat" cmpd="sng" algn="ctr">
+            <a:solidFill>
+              <a:schemeClr val="dk1"/>
+            </a:solidFill>
+            <a:prstDash val="solid"/>
+            <a:round/>
+            <a:headEnd type="none" w="med" len="med"/>
+            <a:tailEnd type="none" w="med" len="med"/>
+          </a:ln>
+        </p:spPr>
+        <p:style>
+          <a:lnRef idx="0">
+            <a:scrgbClr r="0" g="0" b="0"/>
+          </a:lnRef>
+          <a:fillRef idx="0">
+            <a:scrgbClr r="0" g="0" b="0"/>
+          </a:fillRef>
+          <a:effectRef idx="0">
+            <a:scrgbClr r="0" g="0" b="0"/>
+          </a:effectRef>
+          <a:fontRef idx="minor">
+            <a:schemeClr val="dk1"/>
+          </a:fontRef>
+        </p:style>
+        <p:txBody>
+          <a:bodyPr rtlCol="0" anchor="ctr"/>
+          <a:lstStyle/>
+          <a:p>
+            <a:pPr algn="ctr"/>
+            <a:endParaRPr kumimoji="1" lang="ja-JP" altLang="en-US"/>
+          </a:p>
+        </p:txBody>
+      </p:sp>
+      <p:sp>
+        <p:nvSpPr>
+          <p:cNvPr id="68" name="正方形/長方形 67"/>
+          <p:cNvSpPr/>
+          <p:nvPr/>
+        </p:nvSpPr>
+        <p:spPr>
+          <a:xfrm>
+            <a:off x="655453" y="1655938"/>
+            <a:ext cx="253817" cy="225459"/>
+          </a:xfrm>
+          <a:prstGeom prst="rect">
+            <a:avLst/>
+          </a:prstGeom>
+        </p:spPr>
+        <p:style>
+          <a:lnRef idx="2">
+            <a:schemeClr val="dk1">
+              <a:shade val="50000"/>
+            </a:schemeClr>
+          </a:lnRef>
+          <a:fillRef idx="1">
+            <a:schemeClr val="dk1"/>
+          </a:fillRef>
+          <a:effectRef idx="0">
+            <a:schemeClr val="dk1"/>
+          </a:effectRef>
+          <a:fontRef idx="minor">
+            <a:schemeClr val="lt1"/>
+          </a:fontRef>
+        </p:style>
+        <p:txBody>
+          <a:bodyPr rtlCol="0" anchor="ctr"/>
+          <a:lstStyle/>
+          <a:p>
+            <a:pPr algn="ctr"/>
+            <a:r>
+              <a:rPr lang="en-US" altLang="ja-JP" dirty="0"/>
+              <a:t>A</a:t>
+            </a:r>
+            <a:endParaRPr kumimoji="1" lang="ja-JP" altLang="en-US" dirty="0"/>
+          </a:p>
+        </p:txBody>
+      </p:sp>
+    </p:spTree>
+    <p:extLst>
+      <p:ext uri="{BB962C8B-B14F-4D97-AF65-F5344CB8AC3E}">
+        <p14:creationId xmlns:p14="http://schemas.microsoft.com/office/powerpoint/2010/main" val="3163419793"/>
+      </p:ext>
+    </p:extLst>
+  </p:cSld>
+  <p:clrMapOvr>
+    <a:masterClrMapping/>
+  </p:clrMapOvr>
+</p:sld>
+</file>
+
+<file path=ppt/slides/slide12.xml><?xml version="1.0" encoding="utf-8"?>
+<p:sld xmlns:a="http://schemas.openxmlformats.org/drawingml/2006/main" xmlns:r="http://schemas.openxmlformats.org/officeDocument/2006/relationships" xmlns:p="http://schemas.openxmlformats.org/presentationml/2006/main">
+  <p:cSld>
+    <p:spTree>
+      <p:nvGrpSpPr>
+        <p:cNvPr id="1" name=""/>
+        <p:cNvGrpSpPr/>
+        <p:nvPr/>
+      </p:nvGrpSpPr>
+      <p:grpSpPr>
+        <a:xfrm>
+          <a:off x="0" y="0"/>
+          <a:ext cx="0" cy="0"/>
+          <a:chOff x="0" y="0"/>
+          <a:chExt cx="0" cy="0"/>
+        </a:xfrm>
+      </p:grpSpPr>
+      <p:sp>
+        <p:nvSpPr>
+          <p:cNvPr id="2" name="タイトル 1"/>
+          <p:cNvSpPr>
+            <a:spLocks noGrp="1"/>
+          </p:cNvSpPr>
+          <p:nvPr>
+            <p:ph type="title"/>
+          </p:nvPr>
+        </p:nvSpPr>
+        <p:spPr/>
+        <p:txBody>
+          <a:bodyPr/>
+          <a:lstStyle/>
+          <a:p>
+            <a:r>
+              <a:rPr lang="ja-JP" altLang="en-US" dirty="0"/>
+              <a:t>駆動系主</a:t>
+            </a:r>
+            <a:r>
+              <a:rPr lang="en-US" altLang="ja-JP" dirty="0" err="1"/>
+              <a:t>μC</a:t>
+            </a:r>
+            <a:r>
+              <a:rPr lang="ja-JP" altLang="en-US" dirty="0"/>
+              <a:t>の選定</a:t>
+            </a:r>
+            <a:br>
+              <a:rPr lang="en-US" altLang="ja-JP" dirty="0"/>
+            </a:br>
+            <a:r>
+              <a:rPr lang="ja-JP" altLang="en-US" dirty="0"/>
+              <a:t>故障リスクの推算　方式②</a:t>
+            </a:r>
+            <a:endParaRPr kumimoji="1" lang="ja-JP" altLang="en-US" dirty="0"/>
+          </a:p>
+        </p:txBody>
+      </p:sp>
+      <p:sp>
+        <p:nvSpPr>
+          <p:cNvPr id="4" name="正方形/長方形 3"/>
+          <p:cNvSpPr/>
+          <p:nvPr/>
+        </p:nvSpPr>
+        <p:spPr>
+          <a:xfrm>
+            <a:off x="6586878" y="3903138"/>
+            <a:ext cx="914400" cy="914400"/>
+          </a:xfrm>
+          <a:prstGeom prst="rect">
+            <a:avLst/>
+          </a:prstGeom>
+        </p:spPr>
+        <p:style>
+          <a:lnRef idx="2">
+            <a:schemeClr val="accent1">
+              <a:shade val="50000"/>
+            </a:schemeClr>
+          </a:lnRef>
+          <a:fillRef idx="1">
+            <a:schemeClr val="accent1"/>
+          </a:fillRef>
+          <a:effectRef idx="0">
+            <a:schemeClr val="accent1"/>
+          </a:effectRef>
+          <a:fontRef idx="minor">
+            <a:schemeClr val="lt1"/>
+          </a:fontRef>
+        </p:style>
+        <p:txBody>
+          <a:bodyPr rtlCol="0" anchor="ctr"/>
+          <a:lstStyle/>
+          <a:p>
+            <a:pPr algn="ctr"/>
+            <a:r>
+              <a:rPr lang="en-US" altLang="ja-JP" dirty="0"/>
+              <a:t>SV</a:t>
+            </a:r>
+            <a:r>
+              <a:rPr kumimoji="1" lang="en-US" altLang="ja-JP" dirty="0"/>
+              <a:t>_H</a:t>
+            </a:r>
+            <a:endParaRPr kumimoji="1" lang="ja-JP" altLang="en-US" dirty="0"/>
+          </a:p>
+        </p:txBody>
+      </p:sp>
+      <p:sp>
+        <p:nvSpPr>
+          <p:cNvPr id="5" name="正方形/長方形 4"/>
+          <p:cNvSpPr/>
+          <p:nvPr/>
+        </p:nvSpPr>
+        <p:spPr>
+          <a:xfrm>
+            <a:off x="9757439" y="3909688"/>
+            <a:ext cx="914400" cy="914400"/>
+          </a:xfrm>
+          <a:prstGeom prst="rect">
+            <a:avLst/>
+          </a:prstGeom>
+        </p:spPr>
+        <p:style>
+          <a:lnRef idx="2">
+            <a:schemeClr val="accent1">
+              <a:shade val="50000"/>
+            </a:schemeClr>
+          </a:lnRef>
+          <a:fillRef idx="1">
+            <a:schemeClr val="accent1"/>
+          </a:fillRef>
+          <a:effectRef idx="0">
+            <a:schemeClr val="accent1"/>
+          </a:effectRef>
+          <a:fontRef idx="minor">
+            <a:schemeClr val="lt1"/>
+          </a:fontRef>
+        </p:style>
+        <p:txBody>
+          <a:bodyPr rtlCol="0" anchor="ctr"/>
+          <a:lstStyle/>
+          <a:p>
+            <a:pPr algn="ctr"/>
+            <a:r>
+              <a:rPr lang="en-US" altLang="ja-JP" dirty="0"/>
+              <a:t>SV</a:t>
+            </a:r>
+            <a:r>
+              <a:rPr kumimoji="1" lang="en-US" altLang="ja-JP" dirty="0"/>
+              <a:t>_V</a:t>
+            </a:r>
+            <a:endParaRPr kumimoji="1" lang="ja-JP" altLang="en-US" dirty="0"/>
+          </a:p>
+        </p:txBody>
+      </p:sp>
+      <p:sp>
+        <p:nvSpPr>
+          <p:cNvPr id="6" name="正方形/長方形 5"/>
+          <p:cNvSpPr/>
+          <p:nvPr/>
+        </p:nvSpPr>
+        <p:spPr>
+          <a:xfrm>
+            <a:off x="925709" y="3022497"/>
+            <a:ext cx="1568324" cy="2451546"/>
+          </a:xfrm>
+          <a:prstGeom prst="rect">
+            <a:avLst/>
+          </a:prstGeom>
+        </p:spPr>
+        <p:style>
+          <a:lnRef idx="2">
+            <a:schemeClr val="accent1">
+              <a:shade val="50000"/>
+            </a:schemeClr>
+          </a:lnRef>
+          <a:fillRef idx="1">
+            <a:schemeClr val="accent1"/>
+          </a:fillRef>
+          <a:effectRef idx="0">
+            <a:schemeClr val="accent1"/>
+          </a:effectRef>
+          <a:fontRef idx="minor">
+            <a:schemeClr val="lt1"/>
+          </a:fontRef>
+        </p:style>
+        <p:txBody>
+          <a:bodyPr rtlCol="0" anchor="ctr"/>
+          <a:lstStyle/>
+          <a:p>
+            <a:pPr algn="ctr"/>
+            <a:r>
+              <a:rPr lang="en-US" altLang="ja-JP" dirty="0" err="1"/>
+              <a:t>μ</a:t>
+            </a:r>
+            <a:r>
+              <a:rPr kumimoji="1" lang="en-US" altLang="ja-JP" dirty="0" err="1"/>
+              <a:t>C</a:t>
+            </a:r>
+            <a:endParaRPr kumimoji="1" lang="ja-JP" altLang="en-US" dirty="0"/>
+          </a:p>
+        </p:txBody>
+      </p:sp>
+      <p:sp>
+        <p:nvSpPr>
+          <p:cNvPr id="7" name="正方形/長方形 6"/>
+          <p:cNvSpPr/>
+          <p:nvPr/>
+        </p:nvSpPr>
+        <p:spPr>
+          <a:xfrm>
+            <a:off x="6237408" y="2797897"/>
+            <a:ext cx="1613339" cy="394138"/>
+          </a:xfrm>
+          <a:prstGeom prst="rect">
+            <a:avLst/>
+          </a:prstGeom>
+          <a:solidFill>
+            <a:schemeClr val="accent2"/>
+          </a:solidFill>
+        </p:spPr>
+        <p:style>
+          <a:lnRef idx="2">
+            <a:schemeClr val="accent1">
+              <a:shade val="50000"/>
+            </a:schemeClr>
+          </a:lnRef>
+          <a:fillRef idx="1">
+            <a:schemeClr val="accent1"/>
+          </a:fillRef>
+          <a:effectRef idx="0">
+            <a:schemeClr val="accent1"/>
+          </a:effectRef>
+          <a:fontRef idx="minor">
+            <a:schemeClr val="lt1"/>
+          </a:fontRef>
+        </p:style>
+        <p:txBody>
+          <a:bodyPr rtlCol="0" anchor="ctr"/>
+          <a:lstStyle/>
+          <a:p>
+            <a:pPr algn="ctr"/>
+            <a:r>
+              <a:rPr kumimoji="1" lang="en-US" altLang="ja-JP" sz="1200" dirty="0"/>
+              <a:t>SV_H(Li-Po 11.1V)</a:t>
+            </a:r>
+            <a:endParaRPr kumimoji="1" lang="ja-JP" altLang="en-US" sz="1200" dirty="0"/>
+          </a:p>
+        </p:txBody>
+      </p:sp>
+      <p:sp>
+        <p:nvSpPr>
+          <p:cNvPr id="8" name="正方形/長方形 7"/>
+          <p:cNvSpPr/>
+          <p:nvPr/>
+        </p:nvSpPr>
+        <p:spPr>
+          <a:xfrm>
+            <a:off x="9385314" y="2793953"/>
+            <a:ext cx="1613339" cy="394138"/>
+          </a:xfrm>
+          <a:prstGeom prst="rect">
+            <a:avLst/>
+          </a:prstGeom>
+          <a:solidFill>
+            <a:schemeClr val="accent2"/>
+          </a:solidFill>
+        </p:spPr>
+        <p:style>
+          <a:lnRef idx="2">
+            <a:schemeClr val="accent1">
+              <a:shade val="50000"/>
+            </a:schemeClr>
+          </a:lnRef>
+          <a:fillRef idx="1">
+            <a:schemeClr val="accent1"/>
+          </a:fillRef>
+          <a:effectRef idx="0">
+            <a:schemeClr val="accent1"/>
+          </a:effectRef>
+          <a:fontRef idx="minor">
+            <a:schemeClr val="lt1"/>
+          </a:fontRef>
+        </p:style>
+        <p:txBody>
+          <a:bodyPr rtlCol="0" anchor="ctr"/>
+          <a:lstStyle/>
+          <a:p>
+            <a:pPr algn="ctr"/>
+            <a:r>
+              <a:rPr kumimoji="1" lang="en-US" altLang="ja-JP" sz="1200" dirty="0"/>
+              <a:t>SV_V</a:t>
+            </a:r>
+            <a:r>
+              <a:rPr lang="en-US" altLang="ja-JP" sz="1200" dirty="0"/>
+              <a:t>(Li-Po 11.1V)</a:t>
+            </a:r>
+            <a:endParaRPr kumimoji="1" lang="ja-JP" altLang="en-US" sz="1200" dirty="0"/>
+          </a:p>
+        </p:txBody>
+      </p:sp>
+      <p:sp>
+        <p:nvSpPr>
+          <p:cNvPr id="11" name="正方形/長方形 10"/>
+          <p:cNvSpPr/>
+          <p:nvPr/>
+        </p:nvSpPr>
+        <p:spPr>
+          <a:xfrm>
+            <a:off x="3737647" y="3908362"/>
+            <a:ext cx="1223173" cy="914400"/>
+          </a:xfrm>
+          <a:prstGeom prst="rect">
+            <a:avLst/>
+          </a:prstGeom>
+        </p:spPr>
+        <p:style>
+          <a:lnRef idx="2">
+            <a:schemeClr val="accent1">
+              <a:shade val="50000"/>
+            </a:schemeClr>
+          </a:lnRef>
+          <a:fillRef idx="1">
+            <a:schemeClr val="accent1"/>
+          </a:fillRef>
+          <a:effectRef idx="0">
+            <a:schemeClr val="accent1"/>
+          </a:effectRef>
+          <a:fontRef idx="minor">
+            <a:schemeClr val="lt1"/>
+          </a:fontRef>
+        </p:style>
+        <p:txBody>
+          <a:bodyPr rtlCol="0" anchor="ctr"/>
+          <a:lstStyle/>
+          <a:p>
+            <a:pPr algn="ctr"/>
+            <a:r>
+              <a:rPr lang="ja-JP" altLang="en-US" sz="1200" dirty="0"/>
+              <a:t>全二重</a:t>
+            </a:r>
+            <a:r>
+              <a:rPr lang="en-US" altLang="ja-JP" sz="1200" dirty="0"/>
+              <a:t>/</a:t>
+            </a:r>
+            <a:r>
+              <a:rPr lang="ja-JP" altLang="en-US" sz="1200" dirty="0"/>
+              <a:t>半二重</a:t>
+            </a:r>
+            <a:endParaRPr lang="en-US" altLang="ja-JP" sz="1200" dirty="0"/>
+          </a:p>
+          <a:p>
+            <a:pPr algn="ctr"/>
+            <a:r>
+              <a:rPr kumimoji="1" lang="ja-JP" altLang="en-US" sz="1200" dirty="0"/>
+              <a:t>変換基板</a:t>
+            </a:r>
+          </a:p>
+        </p:txBody>
+      </p:sp>
+      <p:sp>
+        <p:nvSpPr>
+          <p:cNvPr id="28" name="正方形/長方形 27"/>
+          <p:cNvSpPr/>
+          <p:nvPr/>
+        </p:nvSpPr>
+        <p:spPr>
+          <a:xfrm>
+            <a:off x="1165622" y="1825355"/>
+            <a:ext cx="1088497" cy="470338"/>
+          </a:xfrm>
+          <a:prstGeom prst="rect">
+            <a:avLst/>
+          </a:prstGeom>
+          <a:solidFill>
+            <a:schemeClr val="accent2"/>
+          </a:solidFill>
+        </p:spPr>
+        <p:style>
+          <a:lnRef idx="2">
+            <a:schemeClr val="accent1">
+              <a:shade val="50000"/>
+            </a:schemeClr>
+          </a:lnRef>
+          <a:fillRef idx="1">
+            <a:schemeClr val="accent1"/>
+          </a:fillRef>
+          <a:effectRef idx="0">
+            <a:schemeClr val="accent1"/>
+          </a:effectRef>
+          <a:fontRef idx="minor">
+            <a:schemeClr val="lt1"/>
+          </a:fontRef>
+        </p:style>
+        <p:txBody>
+          <a:bodyPr rtlCol="0" anchor="ctr"/>
+          <a:lstStyle/>
+          <a:p>
+            <a:pPr algn="ctr"/>
+            <a:r>
+              <a:rPr kumimoji="1" lang="en-US" altLang="ja-JP" sz="1200" dirty="0" err="1"/>
+              <a:t>μC_BATT</a:t>
+            </a:r>
+            <a:endParaRPr kumimoji="1" lang="en-US" altLang="ja-JP" sz="1200" dirty="0"/>
+          </a:p>
+          <a:p>
+            <a:pPr algn="ctr"/>
+            <a:r>
+              <a:rPr lang="en-US" altLang="ja-JP" sz="1200" dirty="0"/>
+              <a:t>(Li-Po 7.4V)</a:t>
+            </a:r>
+            <a:endParaRPr kumimoji="1" lang="ja-JP" altLang="en-US" sz="1200" dirty="0"/>
+          </a:p>
+        </p:txBody>
+      </p:sp>
+      <p:sp>
+        <p:nvSpPr>
+          <p:cNvPr id="29" name="四角形: 角を丸くする 28"/>
+          <p:cNvSpPr/>
+          <p:nvPr/>
+        </p:nvSpPr>
+        <p:spPr>
+          <a:xfrm>
+            <a:off x="1348435" y="2530787"/>
+            <a:ext cx="722870" cy="256616"/>
+          </a:xfrm>
+          <a:prstGeom prst="roundRect">
+            <a:avLst/>
+          </a:prstGeom>
+        </p:spPr>
+        <p:style>
+          <a:lnRef idx="2">
+            <a:schemeClr val="accent1">
+              <a:shade val="50000"/>
+            </a:schemeClr>
+          </a:lnRef>
+          <a:fillRef idx="1">
+            <a:schemeClr val="accent1"/>
+          </a:fillRef>
+          <a:effectRef idx="0">
+            <a:schemeClr val="accent1"/>
+          </a:effectRef>
+          <a:fontRef idx="minor">
+            <a:schemeClr val="lt1"/>
+          </a:fontRef>
+        </p:style>
+        <p:txBody>
+          <a:bodyPr rtlCol="0" anchor="ctr"/>
+          <a:lstStyle/>
+          <a:p>
+            <a:pPr algn="ctr"/>
+            <a:r>
+              <a:rPr lang="ja-JP" altLang="en-US" dirty="0"/>
+              <a:t>配線</a:t>
+            </a:r>
+            <a:endParaRPr kumimoji="1" lang="ja-JP" altLang="en-US" dirty="0"/>
+          </a:p>
+        </p:txBody>
+      </p:sp>
+      <p:sp>
+        <p:nvSpPr>
+          <p:cNvPr id="30" name="四角形: 角を丸くする 29"/>
+          <p:cNvSpPr/>
+          <p:nvPr/>
+        </p:nvSpPr>
+        <p:spPr>
+          <a:xfrm>
+            <a:off x="2754403" y="4237254"/>
+            <a:ext cx="722870" cy="256616"/>
+          </a:xfrm>
+          <a:prstGeom prst="roundRect">
+            <a:avLst/>
+          </a:prstGeom>
+        </p:spPr>
+        <p:style>
+          <a:lnRef idx="2">
+            <a:schemeClr val="accent1">
+              <a:shade val="50000"/>
+            </a:schemeClr>
+          </a:lnRef>
+          <a:fillRef idx="1">
+            <a:schemeClr val="accent1"/>
+          </a:fillRef>
+          <a:effectRef idx="0">
+            <a:schemeClr val="accent1"/>
+          </a:effectRef>
+          <a:fontRef idx="minor">
+            <a:schemeClr val="lt1"/>
+          </a:fontRef>
+        </p:style>
+        <p:txBody>
+          <a:bodyPr rtlCol="0" anchor="ctr"/>
+          <a:lstStyle/>
+          <a:p>
+            <a:pPr algn="ctr"/>
+            <a:r>
+              <a:rPr lang="ja-JP" altLang="en-US" dirty="0"/>
+              <a:t>配線</a:t>
+            </a:r>
+            <a:endParaRPr kumimoji="1" lang="ja-JP" altLang="en-US" dirty="0"/>
+          </a:p>
+        </p:txBody>
+      </p:sp>
+      <p:sp>
+        <p:nvSpPr>
+          <p:cNvPr id="32" name="四角形: 角を丸くする 31"/>
+          <p:cNvSpPr/>
+          <p:nvPr/>
+        </p:nvSpPr>
+        <p:spPr>
+          <a:xfrm>
+            <a:off x="5221194" y="4232030"/>
+            <a:ext cx="722870" cy="256616"/>
+          </a:xfrm>
+          <a:prstGeom prst="roundRect">
+            <a:avLst/>
+          </a:prstGeom>
+        </p:spPr>
+        <p:style>
+          <a:lnRef idx="2">
+            <a:schemeClr val="accent1">
+              <a:shade val="50000"/>
+            </a:schemeClr>
+          </a:lnRef>
+          <a:fillRef idx="1">
+            <a:schemeClr val="accent1"/>
+          </a:fillRef>
+          <a:effectRef idx="0">
+            <a:schemeClr val="accent1"/>
+          </a:effectRef>
+          <a:fontRef idx="minor">
+            <a:schemeClr val="lt1"/>
+          </a:fontRef>
+        </p:style>
+        <p:txBody>
+          <a:bodyPr rtlCol="0" anchor="ctr"/>
+          <a:lstStyle/>
+          <a:p>
+            <a:pPr algn="ctr"/>
+            <a:r>
+              <a:rPr lang="ja-JP" altLang="en-US" dirty="0"/>
+              <a:t>配線</a:t>
+            </a:r>
+            <a:endParaRPr kumimoji="1" lang="ja-JP" altLang="en-US" dirty="0"/>
+          </a:p>
+        </p:txBody>
+      </p:sp>
+      <p:sp>
+        <p:nvSpPr>
+          <p:cNvPr id="33" name="四角形: 角を丸くする 32"/>
+          <p:cNvSpPr/>
+          <p:nvPr/>
+        </p:nvSpPr>
+        <p:spPr>
+          <a:xfrm>
+            <a:off x="8186293" y="4232030"/>
+            <a:ext cx="722870" cy="256616"/>
+          </a:xfrm>
+          <a:prstGeom prst="roundRect">
+            <a:avLst/>
+          </a:prstGeom>
+        </p:spPr>
+        <p:style>
+          <a:lnRef idx="2">
+            <a:schemeClr val="accent1">
+              <a:shade val="50000"/>
+            </a:schemeClr>
+          </a:lnRef>
+          <a:fillRef idx="1">
+            <a:schemeClr val="accent1"/>
+          </a:fillRef>
+          <a:effectRef idx="0">
+            <a:schemeClr val="accent1"/>
+          </a:effectRef>
+          <a:fontRef idx="minor">
+            <a:schemeClr val="lt1"/>
+          </a:fontRef>
+        </p:style>
+        <p:txBody>
+          <a:bodyPr rtlCol="0" anchor="ctr"/>
+          <a:lstStyle/>
+          <a:p>
+            <a:pPr algn="ctr"/>
+            <a:r>
+              <a:rPr lang="ja-JP" altLang="en-US" dirty="0"/>
+              <a:t>配線</a:t>
+            </a:r>
+            <a:endParaRPr kumimoji="1" lang="ja-JP" altLang="en-US" dirty="0"/>
+          </a:p>
+        </p:txBody>
+      </p:sp>
+      <p:sp>
+        <p:nvSpPr>
+          <p:cNvPr id="34" name="四角形: 角を丸くする 33"/>
+          <p:cNvSpPr/>
+          <p:nvPr/>
+        </p:nvSpPr>
+        <p:spPr>
+          <a:xfrm>
+            <a:off x="6682641" y="3427849"/>
+            <a:ext cx="722870" cy="256616"/>
+          </a:xfrm>
+          <a:prstGeom prst="roundRect">
+            <a:avLst/>
+          </a:prstGeom>
+        </p:spPr>
+        <p:style>
+          <a:lnRef idx="2">
+            <a:schemeClr val="accent1">
+              <a:shade val="50000"/>
+            </a:schemeClr>
+          </a:lnRef>
+          <a:fillRef idx="1">
+            <a:schemeClr val="accent1"/>
+          </a:fillRef>
+          <a:effectRef idx="0">
+            <a:schemeClr val="accent1"/>
+          </a:effectRef>
+          <a:fontRef idx="minor">
+            <a:schemeClr val="lt1"/>
+          </a:fontRef>
+        </p:style>
+        <p:txBody>
+          <a:bodyPr rtlCol="0" anchor="ctr"/>
+          <a:lstStyle/>
+          <a:p>
+            <a:pPr algn="ctr"/>
+            <a:r>
+              <a:rPr lang="ja-JP" altLang="en-US" dirty="0"/>
+              <a:t>配線</a:t>
+            </a:r>
+            <a:endParaRPr kumimoji="1" lang="ja-JP" altLang="en-US" dirty="0"/>
+          </a:p>
+        </p:txBody>
+      </p:sp>
+      <p:cxnSp>
+        <p:nvCxnSpPr>
+          <p:cNvPr id="37" name="直線コネクタ 36"/>
+          <p:cNvCxnSpPr>
+            <a:stCxn id="28" idx="2"/>
+            <a:endCxn id="29" idx="0"/>
+          </p:cNvCxnSpPr>
+          <p:nvPr/>
+        </p:nvCxnSpPr>
+        <p:spPr>
+          <a:xfrm flipH="1">
+            <a:off x="1709870" y="2295693"/>
+            <a:ext cx="1" cy="235094"/>
+          </a:xfrm>
+          <a:prstGeom prst="line">
+            <a:avLst/>
+          </a:prstGeom>
+        </p:spPr>
+        <p:style>
+          <a:lnRef idx="3">
+            <a:schemeClr val="dk1"/>
+          </a:lnRef>
+          <a:fillRef idx="0">
+            <a:schemeClr val="dk1"/>
+          </a:fillRef>
+          <a:effectRef idx="2">
+            <a:schemeClr val="dk1"/>
+          </a:effectRef>
+          <a:fontRef idx="minor">
+            <a:schemeClr val="tx1"/>
+          </a:fontRef>
+        </p:style>
+      </p:cxnSp>
+      <p:cxnSp>
+        <p:nvCxnSpPr>
+          <p:cNvPr id="38" name="直線コネクタ 37"/>
+          <p:cNvCxnSpPr/>
+          <p:nvPr/>
+        </p:nvCxnSpPr>
+        <p:spPr>
+          <a:xfrm flipH="1">
+            <a:off x="1709869" y="2787403"/>
+            <a:ext cx="1" cy="235094"/>
+          </a:xfrm>
+          <a:prstGeom prst="line">
+            <a:avLst/>
+          </a:prstGeom>
+        </p:spPr>
+        <p:style>
+          <a:lnRef idx="3">
+            <a:schemeClr val="dk1"/>
+          </a:lnRef>
+          <a:fillRef idx="0">
+            <a:schemeClr val="dk1"/>
+          </a:fillRef>
+          <a:effectRef idx="2">
+            <a:schemeClr val="dk1"/>
+          </a:effectRef>
+          <a:fontRef idx="minor">
+            <a:schemeClr val="tx1"/>
+          </a:fontRef>
+        </p:style>
+      </p:cxnSp>
+      <p:cxnSp>
+        <p:nvCxnSpPr>
+          <p:cNvPr id="39" name="直線コネクタ 38"/>
+          <p:cNvCxnSpPr/>
+          <p:nvPr/>
+        </p:nvCxnSpPr>
+        <p:spPr>
+          <a:xfrm flipH="1">
+            <a:off x="7074971" y="3188091"/>
+            <a:ext cx="1" cy="235094"/>
+          </a:xfrm>
+          <a:prstGeom prst="line">
+            <a:avLst/>
+          </a:prstGeom>
+        </p:spPr>
+        <p:style>
+          <a:lnRef idx="3">
+            <a:schemeClr val="dk1"/>
+          </a:lnRef>
+          <a:fillRef idx="0">
+            <a:schemeClr val="dk1"/>
+          </a:fillRef>
+          <a:effectRef idx="2">
+            <a:schemeClr val="dk1"/>
+          </a:effectRef>
+          <a:fontRef idx="minor">
+            <a:schemeClr val="tx1"/>
+          </a:fontRef>
+        </p:style>
+      </p:cxnSp>
+      <p:cxnSp>
+        <p:nvCxnSpPr>
+          <p:cNvPr id="40" name="直線コネクタ 39"/>
+          <p:cNvCxnSpPr/>
+          <p:nvPr/>
+        </p:nvCxnSpPr>
+        <p:spPr>
+          <a:xfrm flipH="1">
+            <a:off x="7074971" y="3684465"/>
+            <a:ext cx="1" cy="235094"/>
+          </a:xfrm>
+          <a:prstGeom prst="line">
+            <a:avLst/>
+          </a:prstGeom>
+        </p:spPr>
+        <p:style>
+          <a:lnRef idx="3">
+            <a:schemeClr val="dk1"/>
+          </a:lnRef>
+          <a:fillRef idx="0">
+            <a:schemeClr val="dk1"/>
+          </a:fillRef>
+          <a:effectRef idx="2">
+            <a:schemeClr val="dk1"/>
+          </a:effectRef>
+          <a:fontRef idx="minor">
+            <a:schemeClr val="tx1"/>
+          </a:fontRef>
+        </p:style>
+      </p:cxnSp>
+      <p:cxnSp>
+        <p:nvCxnSpPr>
+          <p:cNvPr id="44" name="直線コネクタ 43"/>
+          <p:cNvCxnSpPr>
+            <a:stCxn id="30" idx="1"/>
+          </p:cNvCxnSpPr>
+          <p:nvPr/>
+        </p:nvCxnSpPr>
+        <p:spPr>
+          <a:xfrm flipH="1" flipV="1">
+            <a:off x="2494030" y="4360338"/>
+            <a:ext cx="260373" cy="5224"/>
+          </a:xfrm>
+          <a:prstGeom prst="line">
+            <a:avLst/>
+          </a:prstGeom>
+        </p:spPr>
+        <p:style>
+          <a:lnRef idx="3">
+            <a:schemeClr val="dk1"/>
+          </a:lnRef>
+          <a:fillRef idx="0">
+            <a:schemeClr val="dk1"/>
+          </a:fillRef>
+          <a:effectRef idx="2">
+            <a:schemeClr val="dk1"/>
+          </a:effectRef>
+          <a:fontRef idx="minor">
+            <a:schemeClr val="tx1"/>
+          </a:fontRef>
+        </p:style>
+      </p:cxnSp>
+      <p:cxnSp>
+        <p:nvCxnSpPr>
+          <p:cNvPr id="45" name="直線コネクタ 44"/>
+          <p:cNvCxnSpPr/>
+          <p:nvPr/>
+        </p:nvCxnSpPr>
+        <p:spPr>
+          <a:xfrm flipH="1" flipV="1">
+            <a:off x="3477273" y="4383629"/>
+            <a:ext cx="260373" cy="5224"/>
+          </a:xfrm>
+          <a:prstGeom prst="line">
+            <a:avLst/>
+          </a:prstGeom>
+        </p:spPr>
+        <p:style>
+          <a:lnRef idx="3">
+            <a:schemeClr val="dk1"/>
+          </a:lnRef>
+          <a:fillRef idx="0">
+            <a:schemeClr val="dk1"/>
+          </a:fillRef>
+          <a:effectRef idx="2">
+            <a:schemeClr val="dk1"/>
+          </a:effectRef>
+          <a:fontRef idx="minor">
+            <a:schemeClr val="tx1"/>
+          </a:fontRef>
+        </p:style>
+      </p:cxnSp>
+      <p:cxnSp>
+        <p:nvCxnSpPr>
+          <p:cNvPr id="47" name="直線コネクタ 46"/>
+          <p:cNvCxnSpPr/>
+          <p:nvPr/>
+        </p:nvCxnSpPr>
+        <p:spPr>
+          <a:xfrm flipH="1" flipV="1">
+            <a:off x="4973932" y="4378405"/>
+            <a:ext cx="260373" cy="5224"/>
+          </a:xfrm>
+          <a:prstGeom prst="line">
+            <a:avLst/>
+          </a:prstGeom>
+        </p:spPr>
+        <p:style>
+          <a:lnRef idx="3">
+            <a:schemeClr val="dk1"/>
+          </a:lnRef>
+          <a:fillRef idx="0">
+            <a:schemeClr val="dk1"/>
+          </a:fillRef>
+          <a:effectRef idx="2">
+            <a:schemeClr val="dk1"/>
+          </a:effectRef>
+          <a:fontRef idx="minor">
+            <a:schemeClr val="tx1"/>
+          </a:fontRef>
+        </p:style>
+      </p:cxnSp>
+      <p:cxnSp>
+        <p:nvCxnSpPr>
+          <p:cNvPr id="48" name="直線コネクタ 47"/>
+          <p:cNvCxnSpPr>
+            <a:stCxn id="4" idx="1"/>
+            <a:endCxn id="32" idx="3"/>
+          </p:cNvCxnSpPr>
+          <p:nvPr/>
+        </p:nvCxnSpPr>
+        <p:spPr>
+          <a:xfrm flipH="1">
+            <a:off x="5944064" y="4360338"/>
+            <a:ext cx="642814" cy="0"/>
+          </a:xfrm>
+          <a:prstGeom prst="line">
+            <a:avLst/>
+          </a:prstGeom>
+        </p:spPr>
+        <p:style>
+          <a:lnRef idx="3">
+            <a:schemeClr val="dk1"/>
+          </a:lnRef>
+          <a:fillRef idx="0">
+            <a:schemeClr val="dk1"/>
+          </a:fillRef>
+          <a:effectRef idx="2">
+            <a:schemeClr val="dk1"/>
+          </a:effectRef>
+          <a:fontRef idx="minor">
+            <a:schemeClr val="tx1"/>
+          </a:fontRef>
+        </p:style>
+      </p:cxnSp>
+      <p:cxnSp>
+        <p:nvCxnSpPr>
+          <p:cNvPr id="51" name="直線コネクタ 50"/>
+          <p:cNvCxnSpPr>
+            <a:stCxn id="33" idx="1"/>
+          </p:cNvCxnSpPr>
+          <p:nvPr/>
+        </p:nvCxnSpPr>
+        <p:spPr>
+          <a:xfrm flipH="1" flipV="1">
+            <a:off x="7496439" y="4353782"/>
+            <a:ext cx="689854" cy="6556"/>
+          </a:xfrm>
+          <a:prstGeom prst="line">
+            <a:avLst/>
+          </a:prstGeom>
+        </p:spPr>
+        <p:style>
+          <a:lnRef idx="3">
+            <a:schemeClr val="dk1"/>
+          </a:lnRef>
+          <a:fillRef idx="0">
+            <a:schemeClr val="dk1"/>
+          </a:fillRef>
+          <a:effectRef idx="2">
+            <a:schemeClr val="dk1"/>
+          </a:effectRef>
+          <a:fontRef idx="minor">
+            <a:schemeClr val="tx1"/>
+          </a:fontRef>
+        </p:style>
+      </p:cxnSp>
+      <p:sp>
+        <p:nvSpPr>
+          <p:cNvPr id="52" name="四角形: 角を丸くする 51"/>
+          <p:cNvSpPr/>
+          <p:nvPr/>
+        </p:nvSpPr>
+        <p:spPr>
+          <a:xfrm>
+            <a:off x="9822309" y="3434959"/>
+            <a:ext cx="722870" cy="256616"/>
+          </a:xfrm>
+          <a:prstGeom prst="roundRect">
+            <a:avLst/>
+          </a:prstGeom>
+        </p:spPr>
+        <p:style>
+          <a:lnRef idx="2">
+            <a:schemeClr val="accent1">
+              <a:shade val="50000"/>
+            </a:schemeClr>
+          </a:lnRef>
+          <a:fillRef idx="1">
+            <a:schemeClr val="accent1"/>
+          </a:fillRef>
+          <a:effectRef idx="0">
+            <a:schemeClr val="accent1"/>
+          </a:effectRef>
+          <a:fontRef idx="minor">
+            <a:schemeClr val="lt1"/>
+          </a:fontRef>
+        </p:style>
+        <p:txBody>
+          <a:bodyPr rtlCol="0" anchor="ctr"/>
+          <a:lstStyle/>
+          <a:p>
+            <a:pPr algn="ctr"/>
+            <a:r>
+              <a:rPr lang="ja-JP" altLang="en-US" dirty="0"/>
+              <a:t>配線</a:t>
+            </a:r>
+            <a:endParaRPr kumimoji="1" lang="ja-JP" altLang="en-US" dirty="0"/>
+          </a:p>
+        </p:txBody>
+      </p:sp>
+      <p:cxnSp>
+        <p:nvCxnSpPr>
+          <p:cNvPr id="53" name="直線コネクタ 52"/>
+          <p:cNvCxnSpPr/>
+          <p:nvPr/>
+        </p:nvCxnSpPr>
+        <p:spPr>
+          <a:xfrm flipH="1">
+            <a:off x="10214639" y="3195201"/>
+            <a:ext cx="1" cy="235094"/>
+          </a:xfrm>
+          <a:prstGeom prst="line">
+            <a:avLst/>
+          </a:prstGeom>
+        </p:spPr>
+        <p:style>
+          <a:lnRef idx="3">
+            <a:schemeClr val="dk1"/>
+          </a:lnRef>
+          <a:fillRef idx="0">
+            <a:schemeClr val="dk1"/>
+          </a:fillRef>
+          <a:effectRef idx="2">
+            <a:schemeClr val="dk1"/>
+          </a:effectRef>
+          <a:fontRef idx="minor">
+            <a:schemeClr val="tx1"/>
+          </a:fontRef>
+        </p:style>
+      </p:cxnSp>
+      <p:cxnSp>
+        <p:nvCxnSpPr>
+          <p:cNvPr id="54" name="直線コネクタ 53"/>
+          <p:cNvCxnSpPr/>
+          <p:nvPr/>
+        </p:nvCxnSpPr>
+        <p:spPr>
+          <a:xfrm flipH="1">
+            <a:off x="10214639" y="3691575"/>
+            <a:ext cx="1" cy="235094"/>
+          </a:xfrm>
+          <a:prstGeom prst="line">
+            <a:avLst/>
+          </a:prstGeom>
+        </p:spPr>
+        <p:style>
+          <a:lnRef idx="3">
+            <a:schemeClr val="dk1"/>
+          </a:lnRef>
+          <a:fillRef idx="0">
+            <a:schemeClr val="dk1"/>
+          </a:fillRef>
+          <a:effectRef idx="2">
+            <a:schemeClr val="dk1"/>
+          </a:effectRef>
+          <a:fontRef idx="minor">
+            <a:schemeClr val="tx1"/>
+          </a:fontRef>
+        </p:style>
+      </p:cxnSp>
+      <p:cxnSp>
+        <p:nvCxnSpPr>
+          <p:cNvPr id="55" name="直線コネクタ 54"/>
+          <p:cNvCxnSpPr>
+            <a:stCxn id="5" idx="1"/>
+            <a:endCxn id="33" idx="3"/>
+          </p:cNvCxnSpPr>
+          <p:nvPr/>
+        </p:nvCxnSpPr>
+        <p:spPr>
+          <a:xfrm flipH="1" flipV="1">
+            <a:off x="8909163" y="4360338"/>
+            <a:ext cx="848276" cy="6550"/>
+          </a:xfrm>
+          <a:prstGeom prst="line">
+            <a:avLst/>
+          </a:prstGeom>
+        </p:spPr>
+        <p:style>
+          <a:lnRef idx="3">
+            <a:schemeClr val="dk1"/>
+          </a:lnRef>
+          <a:fillRef idx="0">
+            <a:schemeClr val="dk1"/>
+          </a:fillRef>
+          <a:effectRef idx="2">
+            <a:schemeClr val="dk1"/>
+          </a:effectRef>
+          <a:fontRef idx="minor">
+            <a:schemeClr val="tx1"/>
+          </a:fontRef>
+        </p:style>
+      </p:cxnSp>
+      <p:grpSp>
+        <p:nvGrpSpPr>
+          <p:cNvPr id="56" name="グループ化 55"/>
+          <p:cNvGrpSpPr/>
+          <p:nvPr/>
+        </p:nvGrpSpPr>
+        <p:grpSpPr>
+          <a:xfrm>
+            <a:off x="2567414" y="3777108"/>
+            <a:ext cx="3446492" cy="1153347"/>
+            <a:chOff x="2595962" y="2802518"/>
+            <a:chExt cx="3446492" cy="1153347"/>
+          </a:xfrm>
+        </p:grpSpPr>
+        <p:sp>
+          <p:nvSpPr>
+            <p:cNvPr id="57" name="正方形/長方形 56"/>
+            <p:cNvSpPr/>
+            <p:nvPr/>
+          </p:nvSpPr>
+          <p:spPr>
+            <a:xfrm>
+              <a:off x="2595962" y="2802518"/>
+              <a:ext cx="3446492" cy="1153347"/>
+            </a:xfrm>
+            <a:prstGeom prst="rect">
+              <a:avLst/>
+            </a:prstGeom>
+            <a:noFill/>
+            <a:ln w="9525" cap="flat" cmpd="sng" algn="ctr">
+              <a:solidFill>
+                <a:schemeClr val="dk1"/>
+              </a:solidFill>
+              <a:prstDash val="solid"/>
+              <a:round/>
+              <a:headEnd type="none" w="med" len="med"/>
+              <a:tailEnd type="none" w="med" len="med"/>
+            </a:ln>
+          </p:spPr>
+          <p:style>
+            <a:lnRef idx="0">
+              <a:scrgbClr r="0" g="0" b="0"/>
+            </a:lnRef>
+            <a:fillRef idx="0">
+              <a:scrgbClr r="0" g="0" b="0"/>
+            </a:fillRef>
+            <a:effectRef idx="0">
+              <a:scrgbClr r="0" g="0" b="0"/>
+            </a:effectRef>
+            <a:fontRef idx="minor">
+              <a:schemeClr val="dk1"/>
+            </a:fontRef>
+          </p:style>
+          <p:txBody>
+            <a:bodyPr rtlCol="0" anchor="ctr"/>
+            <a:lstStyle/>
+            <a:p>
+              <a:pPr algn="ctr"/>
+              <a:endParaRPr kumimoji="1" lang="ja-JP" altLang="en-US"/>
+            </a:p>
+          </p:txBody>
+        </p:sp>
+        <p:sp>
+          <p:nvSpPr>
+            <p:cNvPr id="58" name="正方形/長方形 57"/>
+            <p:cNvSpPr/>
+            <p:nvPr/>
+          </p:nvSpPr>
+          <p:spPr>
+            <a:xfrm>
+              <a:off x="2595962" y="2808764"/>
+              <a:ext cx="253817" cy="225459"/>
+            </a:xfrm>
+            <a:prstGeom prst="rect">
+              <a:avLst/>
+            </a:prstGeom>
+          </p:spPr>
+          <p:style>
+            <a:lnRef idx="2">
+              <a:schemeClr val="dk1">
+                <a:shade val="50000"/>
+              </a:schemeClr>
+            </a:lnRef>
+            <a:fillRef idx="1">
+              <a:schemeClr val="dk1"/>
+            </a:fillRef>
+            <a:effectRef idx="0">
+              <a:schemeClr val="dk1"/>
+            </a:effectRef>
+            <a:fontRef idx="minor">
+              <a:schemeClr val="lt1"/>
+            </a:fontRef>
+          </p:style>
+          <p:txBody>
+            <a:bodyPr rtlCol="0" anchor="ctr"/>
+            <a:lstStyle/>
+            <a:p>
+              <a:pPr algn="ctr"/>
+              <a:r>
+                <a:rPr lang="en-US" altLang="ja-JP" dirty="0"/>
+                <a:t>B</a:t>
+              </a:r>
+              <a:endParaRPr kumimoji="1" lang="ja-JP" altLang="en-US" dirty="0"/>
+            </a:p>
+          </p:txBody>
+        </p:sp>
+      </p:grpSp>
+      <p:sp>
+        <p:nvSpPr>
+          <p:cNvPr id="60" name="正方形/長方形 59"/>
+          <p:cNvSpPr/>
+          <p:nvPr/>
+        </p:nvSpPr>
+        <p:spPr>
+          <a:xfrm>
+            <a:off x="6063172" y="2480393"/>
+            <a:ext cx="1909854" cy="2576092"/>
+          </a:xfrm>
+          <a:prstGeom prst="rect">
+            <a:avLst/>
+          </a:prstGeom>
+          <a:noFill/>
+          <a:ln w="9525" cap="flat" cmpd="sng" algn="ctr">
+            <a:solidFill>
+              <a:schemeClr val="dk1"/>
+            </a:solidFill>
+            <a:prstDash val="solid"/>
+            <a:round/>
+            <a:headEnd type="none" w="med" len="med"/>
+            <a:tailEnd type="none" w="med" len="med"/>
+          </a:ln>
+        </p:spPr>
+        <p:style>
+          <a:lnRef idx="0">
+            <a:scrgbClr r="0" g="0" b="0"/>
+          </a:lnRef>
+          <a:fillRef idx="0">
+            <a:scrgbClr r="0" g="0" b="0"/>
+          </a:fillRef>
+          <a:effectRef idx="0">
+            <a:scrgbClr r="0" g="0" b="0"/>
+          </a:effectRef>
+          <a:fontRef idx="minor">
+            <a:schemeClr val="dk1"/>
+          </a:fontRef>
+        </p:style>
+        <p:txBody>
+          <a:bodyPr rtlCol="0" anchor="ctr"/>
+          <a:lstStyle/>
+          <a:p>
+            <a:pPr algn="ctr"/>
+            <a:endParaRPr kumimoji="1" lang="ja-JP" altLang="en-US"/>
+          </a:p>
+        </p:txBody>
+      </p:sp>
+      <p:sp>
+        <p:nvSpPr>
+          <p:cNvPr id="61" name="正方形/長方形 60"/>
+          <p:cNvSpPr/>
+          <p:nvPr/>
+        </p:nvSpPr>
+        <p:spPr>
+          <a:xfrm>
+            <a:off x="6063171" y="2486639"/>
+            <a:ext cx="253817" cy="225459"/>
+          </a:xfrm>
+          <a:prstGeom prst="rect">
+            <a:avLst/>
+          </a:prstGeom>
+        </p:spPr>
+        <p:style>
+          <a:lnRef idx="2">
+            <a:schemeClr val="dk1">
+              <a:shade val="50000"/>
+            </a:schemeClr>
+          </a:lnRef>
+          <a:fillRef idx="1">
+            <a:schemeClr val="dk1"/>
+          </a:fillRef>
+          <a:effectRef idx="0">
+            <a:schemeClr val="dk1"/>
+          </a:effectRef>
+          <a:fontRef idx="minor">
+            <a:schemeClr val="lt1"/>
+          </a:fontRef>
+        </p:style>
+        <p:txBody>
+          <a:bodyPr rtlCol="0" anchor="ctr"/>
+          <a:lstStyle/>
+          <a:p>
+            <a:pPr algn="ctr"/>
+            <a:r>
+              <a:rPr lang="en-US" altLang="ja-JP" dirty="0"/>
+              <a:t>C</a:t>
+            </a:r>
+            <a:endParaRPr kumimoji="1" lang="ja-JP" altLang="en-US" dirty="0"/>
+          </a:p>
+        </p:txBody>
+      </p:sp>
+      <p:sp>
+        <p:nvSpPr>
+          <p:cNvPr id="62" name="正方形/長方形 61"/>
+          <p:cNvSpPr/>
+          <p:nvPr/>
+        </p:nvSpPr>
+        <p:spPr>
+          <a:xfrm>
+            <a:off x="9255847" y="2480393"/>
+            <a:ext cx="1909854" cy="2576092"/>
+          </a:xfrm>
+          <a:prstGeom prst="rect">
+            <a:avLst/>
+          </a:prstGeom>
+          <a:noFill/>
+          <a:ln w="9525" cap="flat" cmpd="sng" algn="ctr">
+            <a:solidFill>
+              <a:schemeClr val="dk1"/>
+            </a:solidFill>
+            <a:prstDash val="solid"/>
+            <a:round/>
+            <a:headEnd type="none" w="med" len="med"/>
+            <a:tailEnd type="none" w="med" len="med"/>
+          </a:ln>
+        </p:spPr>
+        <p:style>
+          <a:lnRef idx="0">
+            <a:scrgbClr r="0" g="0" b="0"/>
+          </a:lnRef>
+          <a:fillRef idx="0">
+            <a:scrgbClr r="0" g="0" b="0"/>
+          </a:fillRef>
+          <a:effectRef idx="0">
+            <a:scrgbClr r="0" g="0" b="0"/>
+          </a:effectRef>
+          <a:fontRef idx="minor">
+            <a:schemeClr val="dk1"/>
+          </a:fontRef>
+        </p:style>
+        <p:txBody>
+          <a:bodyPr rtlCol="0" anchor="ctr"/>
+          <a:lstStyle/>
+          <a:p>
+            <a:pPr algn="ctr"/>
+            <a:endParaRPr kumimoji="1" lang="ja-JP" altLang="en-US"/>
+          </a:p>
+        </p:txBody>
+      </p:sp>
+      <p:sp>
+        <p:nvSpPr>
+          <p:cNvPr id="63" name="正方形/長方形 62"/>
+          <p:cNvSpPr/>
+          <p:nvPr/>
+        </p:nvSpPr>
+        <p:spPr>
+          <a:xfrm>
+            <a:off x="9255846" y="2486639"/>
+            <a:ext cx="253817" cy="225459"/>
+          </a:xfrm>
+          <a:prstGeom prst="rect">
+            <a:avLst/>
+          </a:prstGeom>
+        </p:spPr>
+        <p:style>
+          <a:lnRef idx="2">
+            <a:schemeClr val="dk1">
+              <a:shade val="50000"/>
+            </a:schemeClr>
+          </a:lnRef>
+          <a:fillRef idx="1">
+            <a:schemeClr val="dk1"/>
+          </a:fillRef>
+          <a:effectRef idx="0">
+            <a:schemeClr val="dk1"/>
+          </a:effectRef>
+          <a:fontRef idx="minor">
+            <a:schemeClr val="lt1"/>
+          </a:fontRef>
+        </p:style>
+        <p:txBody>
+          <a:bodyPr rtlCol="0" anchor="ctr"/>
+          <a:lstStyle/>
+          <a:p>
+            <a:pPr algn="ctr"/>
+            <a:r>
+              <a:rPr lang="en-US" altLang="ja-JP" dirty="0"/>
+              <a:t>C</a:t>
+            </a:r>
+            <a:endParaRPr kumimoji="1" lang="ja-JP" altLang="en-US" dirty="0"/>
+          </a:p>
+        </p:txBody>
+      </p:sp>
+      <p:sp>
+        <p:nvSpPr>
+          <p:cNvPr id="64" name="正方形/長方形 63"/>
+          <p:cNvSpPr/>
+          <p:nvPr/>
+        </p:nvSpPr>
+        <p:spPr>
+          <a:xfrm>
+            <a:off x="652919" y="1655938"/>
+            <a:ext cx="1873293" cy="4089954"/>
+          </a:xfrm>
+          <a:prstGeom prst="rect">
+            <a:avLst/>
+          </a:prstGeom>
+          <a:noFill/>
+          <a:ln w="9525" cap="flat" cmpd="sng" algn="ctr">
+            <a:solidFill>
+              <a:schemeClr val="dk1"/>
+            </a:solidFill>
+            <a:prstDash val="solid"/>
+            <a:round/>
+            <a:headEnd type="none" w="med" len="med"/>
+            <a:tailEnd type="none" w="med" len="med"/>
+          </a:ln>
+        </p:spPr>
+        <p:style>
+          <a:lnRef idx="0">
+            <a:scrgbClr r="0" g="0" b="0"/>
+          </a:lnRef>
+          <a:fillRef idx="0">
+            <a:scrgbClr r="0" g="0" b="0"/>
+          </a:fillRef>
+          <a:effectRef idx="0">
+            <a:scrgbClr r="0" g="0" b="0"/>
+          </a:effectRef>
+          <a:fontRef idx="minor">
+            <a:schemeClr val="dk1"/>
+          </a:fontRef>
+        </p:style>
+        <p:txBody>
+          <a:bodyPr rtlCol="0" anchor="ctr"/>
+          <a:lstStyle/>
+          <a:p>
+            <a:pPr algn="ctr"/>
+            <a:endParaRPr kumimoji="1" lang="ja-JP" altLang="en-US"/>
+          </a:p>
+        </p:txBody>
+      </p:sp>
+      <p:sp>
+        <p:nvSpPr>
+          <p:cNvPr id="66" name="正方形/長方形 65"/>
+          <p:cNvSpPr/>
+          <p:nvPr/>
+        </p:nvSpPr>
+        <p:spPr>
+          <a:xfrm>
+            <a:off x="655453" y="1655938"/>
+            <a:ext cx="253817" cy="225459"/>
+          </a:xfrm>
+          <a:prstGeom prst="rect">
+            <a:avLst/>
+          </a:prstGeom>
+        </p:spPr>
+        <p:style>
+          <a:lnRef idx="2">
+            <a:schemeClr val="dk1">
+              <a:shade val="50000"/>
+            </a:schemeClr>
+          </a:lnRef>
+          <a:fillRef idx="1">
+            <a:schemeClr val="dk1"/>
+          </a:fillRef>
+          <a:effectRef idx="0">
+            <a:schemeClr val="dk1"/>
+          </a:effectRef>
+          <a:fontRef idx="minor">
+            <a:schemeClr val="lt1"/>
+          </a:fontRef>
+        </p:style>
+        <p:txBody>
+          <a:bodyPr rtlCol="0" anchor="ctr"/>
+          <a:lstStyle/>
+          <a:p>
+            <a:pPr algn="ctr"/>
+            <a:r>
+              <a:rPr lang="en-US" altLang="ja-JP" dirty="0"/>
+              <a:t>A</a:t>
+            </a:r>
+            <a:endParaRPr kumimoji="1" lang="ja-JP" altLang="en-US" dirty="0"/>
+          </a:p>
+        </p:txBody>
+      </p:sp>
+    </p:spTree>
+    <p:extLst>
+      <p:ext uri="{BB962C8B-B14F-4D97-AF65-F5344CB8AC3E}">
+        <p14:creationId xmlns:p14="http://schemas.microsoft.com/office/powerpoint/2010/main" val="2238283682"/>
+      </p:ext>
+    </p:extLst>
+  </p:cSld>
+  <p:clrMapOvr>
+    <a:masterClrMapping/>
+  </p:clrMapOvr>
+</p:sld>
+</file>
+
+<file path=ppt/slides/slide13.xml><?xml version="1.0" encoding="utf-8"?>
+<p:sld xmlns:a="http://schemas.openxmlformats.org/drawingml/2006/main" xmlns:r="http://schemas.openxmlformats.org/officeDocument/2006/relationships" xmlns:p="http://schemas.openxmlformats.org/presentationml/2006/main">
+  <p:cSld>
+    <p:spTree>
+      <p:nvGrpSpPr>
+        <p:cNvPr id="1" name=""/>
+        <p:cNvGrpSpPr/>
+        <p:nvPr/>
+      </p:nvGrpSpPr>
+      <p:grpSpPr>
+        <a:xfrm>
+          <a:off x="0" y="0"/>
+          <a:ext cx="0" cy="0"/>
+          <a:chOff x="0" y="0"/>
+          <a:chExt cx="0" cy="0"/>
+        </a:xfrm>
+      </p:grpSpPr>
+      <p:sp>
+        <p:nvSpPr>
+          <p:cNvPr id="2" name="タイトル 1"/>
+          <p:cNvSpPr>
+            <a:spLocks noGrp="1"/>
+          </p:cNvSpPr>
+          <p:nvPr>
+            <p:ph type="title"/>
+          </p:nvPr>
+        </p:nvSpPr>
+        <p:spPr/>
+        <p:txBody>
+          <a:bodyPr/>
+          <a:lstStyle/>
+          <a:p>
+            <a:r>
+              <a:rPr lang="ja-JP" altLang="en-US" dirty="0"/>
+              <a:t>駆動系主</a:t>
+            </a:r>
+            <a:r>
+              <a:rPr lang="en-US" altLang="ja-JP" dirty="0" err="1"/>
+              <a:t>μC</a:t>
+            </a:r>
+            <a:r>
+              <a:rPr lang="ja-JP" altLang="en-US" dirty="0"/>
+              <a:t>の選定</a:t>
+            </a:r>
+            <a:br>
+              <a:rPr lang="en-US" altLang="ja-JP" dirty="0"/>
+            </a:br>
+            <a:r>
+              <a:rPr lang="ja-JP" altLang="en-US" dirty="0"/>
+              <a:t>故障リスクの推算</a:t>
+            </a:r>
+            <a:endParaRPr kumimoji="1" lang="ja-JP" altLang="en-US" dirty="0"/>
+          </a:p>
+        </p:txBody>
+      </p:sp>
+      <p:sp>
+        <p:nvSpPr>
+          <p:cNvPr id="3" name="コンテンツ プレースホルダー 2"/>
+          <p:cNvSpPr>
+            <a:spLocks noGrp="1"/>
+          </p:cNvSpPr>
+          <p:nvPr>
+            <p:ph idx="1"/>
+          </p:nvPr>
+        </p:nvSpPr>
+        <p:spPr/>
+        <p:txBody>
+          <a:bodyPr/>
+          <a:lstStyle/>
+          <a:p>
+            <a:r>
+              <a:rPr lang="ja-JP" altLang="en-US" dirty="0"/>
+              <a:t>水平尾翼または垂直尾翼の故障によって発生する損害をそれぞれ</a:t>
+            </a:r>
+            <a:r>
+              <a:rPr lang="en-US" altLang="ja-JP" dirty="0"/>
+              <a:t>Dh</a:t>
+            </a:r>
+            <a:r>
+              <a:rPr lang="ja-JP" altLang="en-US" dirty="0" err="1"/>
+              <a:t>、</a:t>
+            </a:r>
+            <a:r>
+              <a:rPr lang="en-US" altLang="ja-JP" dirty="0" err="1"/>
+              <a:t>Dv</a:t>
+            </a:r>
+            <a:r>
+              <a:rPr lang="ja-JP" altLang="en-US" dirty="0"/>
+              <a:t>とする。</a:t>
+            </a:r>
+            <a:endParaRPr lang="en-US" altLang="ja-JP" dirty="0"/>
+          </a:p>
+          <a:p>
+            <a:r>
+              <a:rPr lang="ja-JP" altLang="en-US" dirty="0"/>
+              <a:t>水平尾翼または垂直尾翼のどちらかが故障する確率をそれぞれ</a:t>
+            </a:r>
+            <a:r>
+              <a:rPr lang="en-US" altLang="ja-JP" dirty="0" err="1"/>
+              <a:t>Fh</a:t>
+            </a:r>
+            <a:r>
+              <a:rPr lang="ja-JP" altLang="en-US" dirty="0" err="1"/>
+              <a:t>、</a:t>
+            </a:r>
+            <a:r>
+              <a:rPr lang="en-US" altLang="ja-JP" dirty="0" err="1"/>
+              <a:t>Fv</a:t>
+            </a:r>
+            <a:r>
+              <a:rPr lang="ja-JP" altLang="en-US" dirty="0"/>
+              <a:t>とする。</a:t>
+            </a:r>
+            <a:endParaRPr lang="en-US" altLang="ja-JP" dirty="0"/>
+          </a:p>
+          <a:p>
+            <a:r>
+              <a:rPr lang="ja-JP" altLang="en-US" dirty="0"/>
+              <a:t>水平尾翼および垂直尾翼が故障する確率をそれぞれ</a:t>
+            </a:r>
+            <a:r>
+              <a:rPr lang="en-US" altLang="ja-JP" dirty="0" err="1"/>
+              <a:t>Fhv</a:t>
+            </a:r>
+            <a:r>
+              <a:rPr lang="ja-JP" altLang="en-US" dirty="0"/>
+              <a:t>とする。</a:t>
+            </a:r>
+            <a:endParaRPr lang="en-US" altLang="ja-JP" dirty="0"/>
+          </a:p>
+          <a:p>
+            <a:r>
+              <a:rPr kumimoji="1" lang="ja-JP" altLang="en-US" dirty="0"/>
+              <a:t>配線，グループ</a:t>
+            </a:r>
+            <a:r>
+              <a:rPr kumimoji="1" lang="en-US" altLang="ja-JP" dirty="0"/>
+              <a:t>A</a:t>
+            </a:r>
+            <a:r>
+              <a:rPr kumimoji="1" lang="ja-JP" altLang="en-US" dirty="0" err="1"/>
+              <a:t>，</a:t>
+            </a:r>
+            <a:r>
+              <a:rPr kumimoji="1" lang="en-US" altLang="ja-JP" dirty="0"/>
+              <a:t>B</a:t>
+            </a:r>
+            <a:r>
+              <a:rPr kumimoji="1" lang="ja-JP" altLang="en-US" dirty="0" err="1"/>
+              <a:t>，</a:t>
+            </a:r>
+            <a:r>
+              <a:rPr kumimoji="1" lang="en-US" altLang="ja-JP" dirty="0"/>
+              <a:t>C</a:t>
+            </a:r>
+            <a:r>
+              <a:rPr lang="ja-JP" altLang="en-US" dirty="0"/>
+              <a:t>が故障する確率をそれぞれ</a:t>
+            </a:r>
+            <a:r>
+              <a:rPr lang="en-US" altLang="ja-JP" dirty="0"/>
+              <a:t>F0</a:t>
+            </a:r>
+            <a:r>
+              <a:rPr lang="ja-JP" altLang="en-US" dirty="0" err="1"/>
+              <a:t>，</a:t>
+            </a:r>
+            <a:r>
+              <a:rPr lang="en-US" altLang="ja-JP" dirty="0"/>
+              <a:t>Fa</a:t>
+            </a:r>
+            <a:r>
+              <a:rPr lang="ja-JP" altLang="en-US" dirty="0"/>
+              <a:t> ，</a:t>
+            </a:r>
+            <a:r>
+              <a:rPr lang="en-US" altLang="ja-JP" dirty="0"/>
+              <a:t>Fb</a:t>
+            </a:r>
+            <a:r>
+              <a:rPr lang="ja-JP" altLang="en-US" dirty="0"/>
+              <a:t> ，</a:t>
+            </a:r>
+            <a:r>
+              <a:rPr lang="en-US" altLang="ja-JP" dirty="0"/>
+              <a:t>Fc</a:t>
+            </a:r>
+            <a:r>
+              <a:rPr lang="ja-JP" altLang="en-US" dirty="0"/>
+              <a:t>とする</a:t>
+            </a:r>
+            <a:endParaRPr lang="en-US" altLang="ja-JP" dirty="0"/>
+          </a:p>
+          <a:p>
+            <a:r>
+              <a:rPr lang="ja-JP" altLang="en-US" dirty="0"/>
+              <a:t>損害の期待値</a:t>
+            </a:r>
+            <a:r>
+              <a:rPr lang="en-US" altLang="ja-JP" dirty="0"/>
+              <a:t>D</a:t>
+            </a:r>
+            <a:r>
+              <a:rPr lang="ja-JP" altLang="en-US" dirty="0"/>
+              <a:t>を以下のように定義する</a:t>
+            </a:r>
+            <a:endParaRPr lang="en-US" altLang="ja-JP" dirty="0"/>
+          </a:p>
+          <a:p>
+            <a:pPr lvl="1"/>
+            <a:r>
+              <a:rPr lang="en-US" altLang="ja-JP" dirty="0"/>
+              <a:t>D=</a:t>
+            </a:r>
+            <a:r>
+              <a:rPr lang="en-US" altLang="ja-JP" dirty="0" err="1"/>
+              <a:t>Fh</a:t>
+            </a:r>
+            <a:r>
+              <a:rPr lang="en-US" altLang="ja-JP" dirty="0"/>
+              <a:t>*</a:t>
+            </a:r>
+            <a:r>
+              <a:rPr lang="en-US" altLang="ja-JP" dirty="0" err="1"/>
+              <a:t>Dh+Fv</a:t>
+            </a:r>
+            <a:r>
+              <a:rPr lang="en-US" altLang="ja-JP" dirty="0"/>
+              <a:t>*</a:t>
+            </a:r>
+            <a:r>
+              <a:rPr lang="en-US" altLang="ja-JP" dirty="0" err="1"/>
+              <a:t>Dv+Fhv</a:t>
+            </a:r>
+            <a:r>
+              <a:rPr lang="en-US" altLang="ja-JP" dirty="0"/>
+              <a:t>*(</a:t>
+            </a:r>
+            <a:r>
+              <a:rPr lang="en-US" altLang="ja-JP" dirty="0" err="1"/>
+              <a:t>Dh+Dv</a:t>
+            </a:r>
+            <a:r>
+              <a:rPr lang="en-US" altLang="ja-JP" dirty="0"/>
+              <a:t>)</a:t>
+            </a:r>
+          </a:p>
+          <a:p>
+            <a:endParaRPr lang="ja-JP" altLang="en-US" dirty="0"/>
+          </a:p>
+        </p:txBody>
+      </p:sp>
+    </p:spTree>
+    <p:extLst>
+      <p:ext uri="{BB962C8B-B14F-4D97-AF65-F5344CB8AC3E}">
+        <p14:creationId xmlns:p14="http://schemas.microsoft.com/office/powerpoint/2010/main" val="2030242449"/>
+      </p:ext>
+    </p:extLst>
+  </p:cSld>
+  <p:clrMapOvr>
+    <a:masterClrMapping/>
+  </p:clrMapOvr>
+</p:sld>
+</file>
+
+<file path=ppt/slides/slide14.xml><?xml version="1.0" encoding="utf-8"?>
+<p:sld xmlns:a="http://schemas.openxmlformats.org/drawingml/2006/main" xmlns:r="http://schemas.openxmlformats.org/officeDocument/2006/relationships" xmlns:p="http://schemas.openxmlformats.org/presentationml/2006/main">
+  <p:cSld>
+    <p:spTree>
+      <p:nvGrpSpPr>
+        <p:cNvPr id="1" name=""/>
+        <p:cNvGrpSpPr/>
+        <p:nvPr/>
+      </p:nvGrpSpPr>
+      <p:grpSpPr>
+        <a:xfrm>
+          <a:off x="0" y="0"/>
+          <a:ext cx="0" cy="0"/>
+          <a:chOff x="0" y="0"/>
+          <a:chExt cx="0" cy="0"/>
+        </a:xfrm>
+      </p:grpSpPr>
+      <p:sp>
+        <p:nvSpPr>
+          <p:cNvPr id="2" name="タイトル 1"/>
+          <p:cNvSpPr>
+            <a:spLocks noGrp="1"/>
+          </p:cNvSpPr>
+          <p:nvPr>
+            <p:ph type="title"/>
+          </p:nvPr>
+        </p:nvSpPr>
+        <p:spPr/>
+        <p:txBody>
+          <a:bodyPr/>
+          <a:lstStyle/>
+          <a:p>
+            <a:r>
+              <a:rPr lang="ja-JP" altLang="en-US" dirty="0"/>
+              <a:t>駆動系主</a:t>
+            </a:r>
+            <a:r>
+              <a:rPr lang="en-US" altLang="ja-JP" dirty="0" err="1"/>
+              <a:t>μC</a:t>
+            </a:r>
+            <a:r>
+              <a:rPr lang="ja-JP" altLang="en-US" dirty="0"/>
+              <a:t>の選定</a:t>
+            </a:r>
+            <a:br>
+              <a:rPr lang="en-US" altLang="ja-JP" dirty="0"/>
+            </a:br>
+            <a:r>
+              <a:rPr lang="ja-JP" altLang="en-US" dirty="0"/>
+              <a:t>故障リスクの推算</a:t>
+            </a:r>
+            <a:endParaRPr kumimoji="1" lang="ja-JP" altLang="en-US" dirty="0"/>
+          </a:p>
+        </p:txBody>
+      </p:sp>
+      <p:sp>
+        <p:nvSpPr>
+          <p:cNvPr id="3" name="コンテンツ プレースホルダー 2"/>
+          <p:cNvSpPr>
+            <a:spLocks noGrp="1"/>
+          </p:cNvSpPr>
+          <p:nvPr>
+            <p:ph idx="1"/>
+          </p:nvPr>
+        </p:nvSpPr>
+        <p:spPr>
+          <a:xfrm>
+            <a:off x="838199" y="1825625"/>
+            <a:ext cx="10515601" cy="4351338"/>
+          </a:xfrm>
+        </p:spPr>
+        <p:txBody>
+          <a:bodyPr/>
+          <a:lstStyle/>
+          <a:p>
+            <a:r>
+              <a:rPr lang="ja-JP" altLang="en-US" dirty="0"/>
+              <a:t>方式①</a:t>
+            </a:r>
+            <a:endParaRPr lang="en-US" altLang="ja-JP" dirty="0"/>
+          </a:p>
+          <a:p>
+            <a:pPr lvl="1"/>
+            <a:r>
+              <a:rPr lang="en-US" altLang="ja-JP" dirty="0" err="1"/>
+              <a:t>Fh</a:t>
+            </a:r>
+            <a:r>
+              <a:rPr lang="en-US" altLang="ja-JP" dirty="0"/>
+              <a:t>=</a:t>
+            </a:r>
+            <a:r>
+              <a:rPr lang="en-US" altLang="ja-JP" dirty="0" err="1"/>
+              <a:t>Fb+Fc</a:t>
+            </a:r>
+            <a:endParaRPr lang="en-US" altLang="ja-JP" dirty="0"/>
+          </a:p>
+          <a:p>
+            <a:pPr lvl="1"/>
+            <a:r>
+              <a:rPr lang="en-US" altLang="ja-JP" dirty="0" err="1"/>
+              <a:t>Fv</a:t>
+            </a:r>
+            <a:r>
+              <a:rPr lang="en-US" altLang="ja-JP" dirty="0"/>
+              <a:t>=</a:t>
+            </a:r>
+            <a:r>
+              <a:rPr lang="en-US" altLang="ja-JP" dirty="0" err="1"/>
+              <a:t>Fb+Fc</a:t>
+            </a:r>
+            <a:endParaRPr lang="en-US" altLang="ja-JP" dirty="0"/>
+          </a:p>
+          <a:p>
+            <a:pPr lvl="1"/>
+            <a:r>
+              <a:rPr lang="en-US" altLang="ja-JP" dirty="0" err="1"/>
+              <a:t>Fhv</a:t>
+            </a:r>
+            <a:r>
+              <a:rPr lang="en-US" altLang="ja-JP" dirty="0"/>
+              <a:t>=Fa+(</a:t>
+            </a:r>
+            <a:r>
+              <a:rPr lang="en-US" altLang="ja-JP" dirty="0" err="1"/>
+              <a:t>Fb+Fc</a:t>
+            </a:r>
+            <a:r>
+              <a:rPr lang="en-US" altLang="ja-JP" dirty="0"/>
+              <a:t>)^2</a:t>
+            </a:r>
+          </a:p>
+          <a:p>
+            <a:pPr lvl="1"/>
+            <a:r>
+              <a:rPr lang="en-US" altLang="ja-JP" dirty="0"/>
+              <a:t>D=(</a:t>
+            </a:r>
+            <a:r>
+              <a:rPr lang="en-US" altLang="ja-JP" dirty="0" err="1"/>
+              <a:t>Fa+Fb+Fc</a:t>
+            </a:r>
+            <a:r>
+              <a:rPr lang="en-US" altLang="ja-JP" dirty="0"/>
+              <a:t>+(</a:t>
+            </a:r>
+            <a:r>
+              <a:rPr lang="en-US" altLang="ja-JP" dirty="0" err="1"/>
+              <a:t>Fb+Fc</a:t>
+            </a:r>
+            <a:r>
+              <a:rPr lang="en-US" altLang="ja-JP" dirty="0"/>
+              <a:t>)^2)*(</a:t>
+            </a:r>
+            <a:r>
+              <a:rPr lang="en-US" altLang="ja-JP" dirty="0" err="1"/>
+              <a:t>Dh+Dv</a:t>
+            </a:r>
+            <a:r>
+              <a:rPr lang="en-US" altLang="ja-JP" dirty="0"/>
+              <a:t>)</a:t>
+            </a:r>
+          </a:p>
+          <a:p>
+            <a:r>
+              <a:rPr lang="ja-JP" altLang="en-US" dirty="0"/>
+              <a:t>方式②</a:t>
+            </a:r>
+            <a:endParaRPr lang="en-US" altLang="ja-JP" dirty="0"/>
+          </a:p>
+          <a:p>
+            <a:pPr lvl="1"/>
+            <a:r>
+              <a:rPr lang="en-US" altLang="ja-JP" dirty="0" err="1"/>
+              <a:t>Fh</a:t>
+            </a:r>
+            <a:r>
+              <a:rPr lang="en-US" altLang="ja-JP" dirty="0"/>
+              <a:t>=0</a:t>
+            </a:r>
+          </a:p>
+          <a:p>
+            <a:pPr lvl="1"/>
+            <a:r>
+              <a:rPr lang="en-US" altLang="ja-JP" dirty="0" err="1"/>
+              <a:t>Fv</a:t>
+            </a:r>
+            <a:r>
+              <a:rPr lang="en-US" altLang="ja-JP" dirty="0"/>
+              <a:t>=F0+Fc</a:t>
+            </a:r>
+          </a:p>
+          <a:p>
+            <a:pPr lvl="1"/>
+            <a:r>
+              <a:rPr lang="en-US" altLang="ja-JP" dirty="0" err="1"/>
+              <a:t>Fhv</a:t>
+            </a:r>
+            <a:r>
+              <a:rPr lang="en-US" altLang="ja-JP" dirty="0"/>
+              <a:t>=</a:t>
+            </a:r>
+            <a:r>
+              <a:rPr lang="en-US" altLang="ja-JP" dirty="0" err="1"/>
+              <a:t>Fa+Fb+Fc</a:t>
+            </a:r>
+            <a:endParaRPr lang="en-US" altLang="ja-JP" dirty="0"/>
+          </a:p>
+          <a:p>
+            <a:pPr lvl="1"/>
+            <a:r>
+              <a:rPr lang="en-US" altLang="ja-JP" dirty="0"/>
+              <a:t>D=(F0+Fc)*</a:t>
+            </a:r>
+            <a:r>
+              <a:rPr lang="en-US" altLang="ja-JP" dirty="0" err="1"/>
+              <a:t>Dv</a:t>
+            </a:r>
+            <a:r>
+              <a:rPr lang="en-US" altLang="ja-JP" dirty="0"/>
+              <a:t>+(</a:t>
+            </a:r>
+            <a:r>
+              <a:rPr lang="en-US" altLang="ja-JP" dirty="0" err="1"/>
+              <a:t>Fa+Fb+Fc</a:t>
+            </a:r>
+            <a:r>
+              <a:rPr lang="en-US" altLang="ja-JP" dirty="0"/>
+              <a:t>)*(</a:t>
+            </a:r>
+            <a:r>
+              <a:rPr lang="en-US" altLang="ja-JP" dirty="0" err="1"/>
+              <a:t>Dh+Dv</a:t>
+            </a:r>
+            <a:r>
+              <a:rPr lang="en-US" altLang="ja-JP" dirty="0"/>
+              <a:t>)</a:t>
+            </a:r>
+          </a:p>
+        </p:txBody>
+      </p:sp>
+    </p:spTree>
+    <p:extLst>
+      <p:ext uri="{BB962C8B-B14F-4D97-AF65-F5344CB8AC3E}">
+        <p14:creationId xmlns:p14="http://schemas.microsoft.com/office/powerpoint/2010/main" val="3929466833"/>
+      </p:ext>
+    </p:extLst>
+  </p:cSld>
+  <p:clrMapOvr>
+    <a:masterClrMapping/>
+  </p:clrMapOvr>
+</p:sld>
+</file>
+
+<file path=ppt/slides/slide15.xml><?xml version="1.0" encoding="utf-8"?>
+<p:sld xmlns:a="http://schemas.openxmlformats.org/drawingml/2006/main" xmlns:r="http://schemas.openxmlformats.org/officeDocument/2006/relationships" xmlns:p="http://schemas.openxmlformats.org/presentationml/2006/main">
+  <p:cSld>
+    <p:spTree>
+      <p:nvGrpSpPr>
+        <p:cNvPr id="1" name=""/>
+        <p:cNvGrpSpPr/>
+        <p:nvPr/>
+      </p:nvGrpSpPr>
+      <p:grpSpPr>
+        <a:xfrm>
+          <a:off x="0" y="0"/>
+          <a:ext cx="0" cy="0"/>
+          <a:chOff x="0" y="0"/>
+          <a:chExt cx="0" cy="0"/>
+        </a:xfrm>
+      </p:grpSpPr>
+      <p:sp>
+        <p:nvSpPr>
+          <p:cNvPr id="2" name="タイトル 1"/>
+          <p:cNvSpPr>
+            <a:spLocks noGrp="1"/>
+          </p:cNvSpPr>
+          <p:nvPr>
+            <p:ph type="title"/>
+          </p:nvPr>
+        </p:nvSpPr>
+        <p:spPr/>
+        <p:txBody>
+          <a:bodyPr/>
+          <a:lstStyle/>
+          <a:p>
+            <a:r>
+              <a:rPr lang="ja-JP" altLang="en-US" dirty="0"/>
+              <a:t>駆動系主</a:t>
+            </a:r>
+            <a:r>
+              <a:rPr lang="en-US" altLang="ja-JP" dirty="0" err="1"/>
+              <a:t>μC</a:t>
+            </a:r>
+            <a:r>
+              <a:rPr lang="ja-JP" altLang="en-US" dirty="0"/>
+              <a:t>の選定</a:t>
+            </a:r>
+            <a:br>
+              <a:rPr lang="en-US" altLang="ja-JP" dirty="0"/>
+            </a:br>
+            <a:r>
+              <a:rPr lang="ja-JP" altLang="en-US" dirty="0"/>
+              <a:t>故障リスクの推算</a:t>
+            </a:r>
+            <a:endParaRPr kumimoji="1" lang="ja-JP" altLang="en-US" dirty="0"/>
+          </a:p>
+        </p:txBody>
+      </p:sp>
+      <p:sp>
+        <p:nvSpPr>
+          <p:cNvPr id="3" name="コンテンツ プレースホルダー 2"/>
+          <p:cNvSpPr>
+            <a:spLocks noGrp="1"/>
+          </p:cNvSpPr>
+          <p:nvPr>
+            <p:ph idx="1"/>
+          </p:nvPr>
+        </p:nvSpPr>
+        <p:spPr>
+          <a:xfrm>
+            <a:off x="838199" y="1825625"/>
+            <a:ext cx="10515601" cy="4351338"/>
+          </a:xfrm>
+        </p:spPr>
+        <p:txBody>
+          <a:bodyPr>
+            <a:normAutofit fontScale="85000" lnSpcReduction="20000"/>
+          </a:bodyPr>
+          <a:lstStyle/>
+          <a:p>
+            <a:pPr marL="0" indent="0">
+              <a:buNone/>
+            </a:pPr>
+            <a:r>
+              <a:rPr lang="en-US" altLang="ja-JP" dirty="0"/>
+              <a:t>Dh=</a:t>
+            </a:r>
+            <a:r>
+              <a:rPr lang="en-US" altLang="ja-JP" dirty="0" err="1"/>
+              <a:t>Dv</a:t>
+            </a:r>
+            <a:r>
+              <a:rPr lang="en-US" altLang="ja-JP" dirty="0"/>
+              <a:t>=1</a:t>
+            </a:r>
+          </a:p>
+          <a:p>
+            <a:pPr marL="0" indent="0">
+              <a:buNone/>
+            </a:pPr>
+            <a:r>
+              <a:rPr lang="en-US" altLang="ja-JP" dirty="0"/>
+              <a:t>F0=Fa=Fc=0.01</a:t>
+            </a:r>
+          </a:p>
+          <a:p>
+            <a:pPr marL="0" indent="0">
+              <a:buNone/>
+            </a:pPr>
+            <a:r>
+              <a:rPr lang="en-US" altLang="ja-JP" dirty="0"/>
+              <a:t>Fb=0.02</a:t>
+            </a:r>
+          </a:p>
+          <a:p>
+            <a:pPr marL="0" indent="0">
+              <a:buNone/>
+            </a:pPr>
+            <a:r>
+              <a:rPr lang="en-US" altLang="ja-JP" dirty="0"/>
+              <a:t>(</a:t>
+            </a:r>
+            <a:r>
+              <a:rPr lang="ja-JP" altLang="en-US" dirty="0"/>
+              <a:t>自作の配線のみが壊れ、既製品は壊れないと仮定）とすると</a:t>
+            </a:r>
+            <a:endParaRPr lang="en-US" altLang="ja-JP" dirty="0"/>
+          </a:p>
+          <a:p>
+            <a:r>
+              <a:rPr lang="ja-JP" altLang="en-US" dirty="0"/>
+              <a:t>方式①</a:t>
+            </a:r>
+            <a:endParaRPr lang="en-US" altLang="ja-JP" dirty="0"/>
+          </a:p>
+          <a:p>
+            <a:pPr lvl="1"/>
+            <a:r>
+              <a:rPr lang="en-US" altLang="ja-JP" dirty="0"/>
+              <a:t>D=(0.04+(0.03)^2)*2=0.0818</a:t>
+            </a:r>
+          </a:p>
+          <a:p>
+            <a:r>
+              <a:rPr lang="ja-JP" altLang="en-US" dirty="0"/>
+              <a:t>方式②</a:t>
+            </a:r>
+            <a:endParaRPr lang="en-US" altLang="ja-JP" dirty="0"/>
+          </a:p>
+          <a:p>
+            <a:pPr lvl="1"/>
+            <a:r>
+              <a:rPr lang="en-US" altLang="ja-JP" dirty="0"/>
+              <a:t>D =(0.02)*1+(0.04)*2=0.1000</a:t>
+            </a:r>
+          </a:p>
+          <a:p>
+            <a:r>
+              <a:rPr lang="ja-JP" altLang="en-US" dirty="0"/>
+              <a:t>差</a:t>
+            </a:r>
+            <a:r>
+              <a:rPr lang="en-US" altLang="ja-JP" dirty="0"/>
+              <a:t>=0.0182</a:t>
+            </a:r>
+          </a:p>
+          <a:p>
+            <a:r>
+              <a:rPr lang="ja-JP" altLang="en-US" dirty="0"/>
+              <a:t>結論</a:t>
+            </a:r>
+            <a:endParaRPr lang="en-US" altLang="ja-JP" dirty="0"/>
+          </a:p>
+          <a:p>
+            <a:pPr lvl="1"/>
+            <a:r>
+              <a:rPr lang="ja-JP" altLang="en-US" sz="1900" dirty="0"/>
+              <a:t>損害とその</a:t>
+            </a:r>
+            <a:r>
+              <a:rPr lang="ja-JP" altLang="en-US" sz="1900"/>
+              <a:t>期待値を直接比較</a:t>
+            </a:r>
+            <a:r>
+              <a:rPr lang="ja-JP" altLang="en-US" sz="1900" dirty="0"/>
+              <a:t>するのには違和感があるかもしれないが一応の参考として</a:t>
+            </a:r>
+            <a:endParaRPr lang="en-US" altLang="ja-JP" sz="1900" dirty="0"/>
+          </a:p>
+          <a:p>
+            <a:pPr lvl="1"/>
+            <a:r>
+              <a:rPr lang="ja-JP" altLang="en-US" dirty="0"/>
+              <a:t>この仮定において、方式②の①に対するリスクの大きさ（損害の期待値）は片方の尾翼が動作不良になった場合に発生する損害の</a:t>
+            </a:r>
+            <a:r>
+              <a:rPr lang="en-US" altLang="ja-JP" dirty="0"/>
+              <a:t>0.0182</a:t>
+            </a:r>
+            <a:r>
+              <a:rPr lang="ja-JP" altLang="en-US" dirty="0"/>
+              <a:t>倍</a:t>
+            </a:r>
+            <a:endParaRPr lang="en-US" altLang="ja-JP" dirty="0"/>
+          </a:p>
+        </p:txBody>
+      </p:sp>
+    </p:spTree>
+    <p:extLst>
+      <p:ext uri="{BB962C8B-B14F-4D97-AF65-F5344CB8AC3E}">
+        <p14:creationId xmlns:p14="http://schemas.microsoft.com/office/powerpoint/2010/main" val="426820599"/>
       </p:ext>
     </p:extLst>
   </p:cSld>
@@ -3941,8 +8014,8 @@
         </p:nvSpPr>
         <p:spPr>
           <a:xfrm>
-            <a:off x="4637013" y="787397"/>
-            <a:ext cx="961700" cy="470338"/>
+            <a:off x="4541615" y="787397"/>
+            <a:ext cx="1088497" cy="470338"/>
           </a:xfrm>
           <a:prstGeom prst="rect">
             <a:avLst/>
@@ -3973,8 +8046,16 @@
           <a:p>
             <a:pPr algn="ctr"/>
             <a:r>
-              <a:rPr kumimoji="1" lang="en-US" altLang="ja-JP" sz="1200" dirty="0"/>
+              <a:rPr kumimoji="1" lang="en-US" altLang="ja-JP" sz="1200" dirty="0" err="1"/>
               <a:t>μC_BATT</a:t>
+            </a:r>
+            <a:endParaRPr kumimoji="1" lang="en-US" altLang="ja-JP" sz="1200" dirty="0"/>
+          </a:p>
+          <a:p>
+            <a:pPr algn="ctr"/>
+            <a:r>
+              <a:rPr lang="en-US" altLang="ja-JP" sz="1200" dirty="0"/>
+              <a:t>(Li-Po 7.4V)</a:t>
             </a:r>
             <a:endParaRPr kumimoji="1" lang="ja-JP" altLang="en-US" sz="1200" dirty="0"/>
           </a:p>
@@ -5928,7 +10009,7 @@
           <a:p>
             <a:pPr algn="ctr"/>
             <a:r>
-              <a:rPr kumimoji="1" lang="en-US" altLang="ja-JP" sz="1200" dirty="0"/>
+              <a:rPr kumimoji="1" lang="en-US" altLang="ja-JP" sz="1200" dirty="0" err="1"/>
               <a:t>μC_BATT</a:t>
             </a:r>
             <a:endParaRPr kumimoji="1" lang="ja-JP" altLang="en-US" sz="1200" dirty="0"/>
@@ -9658,6 +13739,3478 @@
     <p:extLst>
       <p:ext uri="{BB962C8B-B14F-4D97-AF65-F5344CB8AC3E}">
         <p14:creationId xmlns:p14="http://schemas.microsoft.com/office/powerpoint/2010/main" val="685934473"/>
+      </p:ext>
+    </p:extLst>
+  </p:cSld>
+  <p:clrMapOvr>
+    <a:masterClrMapping/>
+  </p:clrMapOvr>
+</p:sld>
+</file>
+
+<file path=ppt/slides/slide7.xml><?xml version="1.0" encoding="utf-8"?>
+<p:sld xmlns:a="http://schemas.openxmlformats.org/drawingml/2006/main" xmlns:r="http://schemas.openxmlformats.org/officeDocument/2006/relationships" xmlns:p="http://schemas.openxmlformats.org/presentationml/2006/main">
+  <p:cSld>
+    <p:spTree>
+      <p:nvGrpSpPr>
+        <p:cNvPr id="1" name=""/>
+        <p:cNvGrpSpPr/>
+        <p:nvPr/>
+      </p:nvGrpSpPr>
+      <p:grpSpPr>
+        <a:xfrm>
+          <a:off x="0" y="0"/>
+          <a:ext cx="0" cy="0"/>
+          <a:chOff x="0" y="0"/>
+          <a:chExt cx="0" cy="0"/>
+        </a:xfrm>
+      </p:grpSpPr>
+      <p:sp>
+        <p:nvSpPr>
+          <p:cNvPr id="2" name="正方形/長方形 1"/>
+          <p:cNvSpPr/>
+          <p:nvPr/>
+        </p:nvSpPr>
+        <p:spPr>
+          <a:xfrm>
+            <a:off x="3302877" y="1254462"/>
+            <a:ext cx="2054764" cy="2013510"/>
+          </a:xfrm>
+          <a:prstGeom prst="rect">
+            <a:avLst/>
+          </a:prstGeom>
+        </p:spPr>
+        <p:style>
+          <a:lnRef idx="2">
+            <a:schemeClr val="accent1">
+              <a:shade val="50000"/>
+            </a:schemeClr>
+          </a:lnRef>
+          <a:fillRef idx="1">
+            <a:schemeClr val="accent1"/>
+          </a:fillRef>
+          <a:effectRef idx="0">
+            <a:schemeClr val="accent1"/>
+          </a:effectRef>
+          <a:fontRef idx="minor">
+            <a:schemeClr val="lt1"/>
+          </a:fontRef>
+        </p:style>
+        <p:txBody>
+          <a:bodyPr rtlCol="0" anchor="ctr"/>
+          <a:lstStyle/>
+          <a:p>
+            <a:pPr algn="ctr"/>
+            <a:r>
+              <a:rPr kumimoji="1" lang="ja-JP" altLang="en-US" dirty="0"/>
+              <a:t>ピトー管</a:t>
+            </a:r>
+            <a:endParaRPr kumimoji="1" lang="en-US" altLang="ja-JP" dirty="0"/>
+          </a:p>
+          <a:p>
+            <a:pPr algn="ctr"/>
+            <a:r>
+              <a:rPr kumimoji="1" lang="ja-JP" altLang="en-US" dirty="0"/>
+              <a:t>基板</a:t>
+            </a:r>
+          </a:p>
+        </p:txBody>
+      </p:sp>
+      <p:sp>
+        <p:nvSpPr>
+          <p:cNvPr id="3" name="正方形/長方形 2"/>
+          <p:cNvSpPr/>
+          <p:nvPr/>
+        </p:nvSpPr>
+        <p:spPr>
+          <a:xfrm>
+            <a:off x="4243551" y="3724127"/>
+            <a:ext cx="1182413" cy="1678807"/>
+          </a:xfrm>
+          <a:prstGeom prst="rect">
+            <a:avLst/>
+          </a:prstGeom>
+        </p:spPr>
+        <p:style>
+          <a:lnRef idx="2">
+            <a:schemeClr val="accent1">
+              <a:shade val="50000"/>
+            </a:schemeClr>
+          </a:lnRef>
+          <a:fillRef idx="1">
+            <a:schemeClr val="accent1"/>
+          </a:fillRef>
+          <a:effectRef idx="0">
+            <a:schemeClr val="accent1"/>
+          </a:effectRef>
+          <a:fontRef idx="minor">
+            <a:schemeClr val="lt1"/>
+          </a:fontRef>
+        </p:style>
+        <p:txBody>
+          <a:bodyPr rtlCol="0" anchor="ctr"/>
+          <a:lstStyle/>
+          <a:p>
+            <a:pPr algn="ctr"/>
+            <a:r>
+              <a:rPr kumimoji="1" lang="en-US" altLang="ja-JP" sz="1600" dirty="0"/>
+              <a:t>I2C</a:t>
+            </a:r>
+          </a:p>
+          <a:p>
+            <a:pPr algn="ctr"/>
+            <a:r>
+              <a:rPr kumimoji="1" lang="ja-JP" altLang="en-US" sz="1600" dirty="0"/>
+              <a:t>ロジックレベル</a:t>
+            </a:r>
+            <a:endParaRPr kumimoji="1" lang="en-US" altLang="ja-JP" sz="1600" dirty="0"/>
+          </a:p>
+          <a:p>
+            <a:pPr algn="ctr"/>
+            <a:r>
+              <a:rPr kumimoji="1" lang="ja-JP" altLang="en-US" sz="1600" dirty="0"/>
+              <a:t>変換基板</a:t>
+            </a:r>
+          </a:p>
+        </p:txBody>
+      </p:sp>
+      <p:sp>
+        <p:nvSpPr>
+          <p:cNvPr id="5" name="正方形/長方形 4"/>
+          <p:cNvSpPr/>
+          <p:nvPr/>
+        </p:nvSpPr>
+        <p:spPr>
+          <a:xfrm>
+            <a:off x="10826309" y="2709400"/>
+            <a:ext cx="977461" cy="1383574"/>
+          </a:xfrm>
+          <a:prstGeom prst="rect">
+            <a:avLst/>
+          </a:prstGeom>
+        </p:spPr>
+        <p:style>
+          <a:lnRef idx="2">
+            <a:schemeClr val="accent1">
+              <a:shade val="50000"/>
+            </a:schemeClr>
+          </a:lnRef>
+          <a:fillRef idx="1">
+            <a:schemeClr val="accent1"/>
+          </a:fillRef>
+          <a:effectRef idx="0">
+            <a:schemeClr val="accent1"/>
+          </a:effectRef>
+          <a:fontRef idx="minor">
+            <a:schemeClr val="lt1"/>
+          </a:fontRef>
+        </p:style>
+        <p:txBody>
+          <a:bodyPr rtlCol="0" anchor="ctr"/>
+          <a:lstStyle/>
+          <a:p>
+            <a:pPr algn="ctr"/>
+            <a:r>
+              <a:rPr kumimoji="1" lang="en-US" altLang="ja-JP" dirty="0"/>
+              <a:t>SDC</a:t>
+            </a:r>
+            <a:endParaRPr kumimoji="1" lang="ja-JP" altLang="en-US" dirty="0"/>
+          </a:p>
+        </p:txBody>
+      </p:sp>
+      <p:sp>
+        <p:nvSpPr>
+          <p:cNvPr id="6" name="正方形/長方形 5"/>
+          <p:cNvSpPr/>
+          <p:nvPr/>
+        </p:nvSpPr>
+        <p:spPr>
+          <a:xfrm>
+            <a:off x="6927625" y="1255330"/>
+            <a:ext cx="1959520" cy="5297870"/>
+          </a:xfrm>
+          <a:prstGeom prst="rect">
+            <a:avLst/>
+          </a:prstGeom>
+        </p:spPr>
+        <p:style>
+          <a:lnRef idx="2">
+            <a:schemeClr val="accent1">
+              <a:shade val="50000"/>
+            </a:schemeClr>
+          </a:lnRef>
+          <a:fillRef idx="1">
+            <a:schemeClr val="accent1"/>
+          </a:fillRef>
+          <a:effectRef idx="0">
+            <a:schemeClr val="accent1"/>
+          </a:effectRef>
+          <a:fontRef idx="minor">
+            <a:schemeClr val="lt1"/>
+          </a:fontRef>
+        </p:style>
+        <p:txBody>
+          <a:bodyPr rtlCol="0" anchor="ctr"/>
+          <a:lstStyle/>
+          <a:p>
+            <a:pPr algn="ctr"/>
+            <a:r>
+              <a:rPr lang="en-US" altLang="ja-JP" dirty="0" err="1"/>
+              <a:t>μ</a:t>
+            </a:r>
+            <a:r>
+              <a:rPr kumimoji="1" lang="en-US" altLang="ja-JP" dirty="0" err="1"/>
+              <a:t>C</a:t>
+            </a:r>
+            <a:endParaRPr kumimoji="1" lang="en-US" altLang="ja-JP" dirty="0"/>
+          </a:p>
+        </p:txBody>
+      </p:sp>
+      <p:sp>
+        <p:nvSpPr>
+          <p:cNvPr id="7" name="矢印: 右 6"/>
+          <p:cNvSpPr/>
+          <p:nvPr/>
+        </p:nvSpPr>
+        <p:spPr>
+          <a:xfrm>
+            <a:off x="5404939" y="1813153"/>
+            <a:ext cx="1519404" cy="609600"/>
+          </a:xfrm>
+          <a:prstGeom prst="rightArrow">
+            <a:avLst/>
+          </a:prstGeom>
+        </p:spPr>
+        <p:style>
+          <a:lnRef idx="2">
+            <a:schemeClr val="accent1">
+              <a:shade val="50000"/>
+            </a:schemeClr>
+          </a:lnRef>
+          <a:fillRef idx="1">
+            <a:schemeClr val="accent1"/>
+          </a:fillRef>
+          <a:effectRef idx="0">
+            <a:schemeClr val="accent1"/>
+          </a:effectRef>
+          <a:fontRef idx="minor">
+            <a:schemeClr val="lt1"/>
+          </a:fontRef>
+        </p:style>
+        <p:txBody>
+          <a:bodyPr rtlCol="0" anchor="ctr"/>
+          <a:lstStyle/>
+          <a:p>
+            <a:pPr algn="ctr"/>
+            <a:r>
+              <a:rPr kumimoji="1" lang="en-US" altLang="ja-JP" sz="1400" dirty="0"/>
+              <a:t>UART</a:t>
+            </a:r>
+            <a:endParaRPr kumimoji="1" lang="ja-JP" altLang="en-US" sz="1400" dirty="0"/>
+          </a:p>
+        </p:txBody>
+      </p:sp>
+      <p:sp>
+        <p:nvSpPr>
+          <p:cNvPr id="8" name="矢印: 右 7"/>
+          <p:cNvSpPr/>
+          <p:nvPr/>
+        </p:nvSpPr>
+        <p:spPr>
+          <a:xfrm>
+            <a:off x="5424652" y="4484860"/>
+            <a:ext cx="1518744" cy="609600"/>
+          </a:xfrm>
+          <a:prstGeom prst="rightArrow">
+            <a:avLst/>
+          </a:prstGeom>
+        </p:spPr>
+        <p:style>
+          <a:lnRef idx="2">
+            <a:schemeClr val="accent1">
+              <a:shade val="50000"/>
+            </a:schemeClr>
+          </a:lnRef>
+          <a:fillRef idx="1">
+            <a:schemeClr val="accent1"/>
+          </a:fillRef>
+          <a:effectRef idx="0">
+            <a:schemeClr val="accent1"/>
+          </a:effectRef>
+          <a:fontRef idx="minor">
+            <a:schemeClr val="lt1"/>
+          </a:fontRef>
+        </p:style>
+        <p:txBody>
+          <a:bodyPr rtlCol="0" anchor="ctr"/>
+          <a:lstStyle/>
+          <a:p>
+            <a:pPr algn="ctr"/>
+            <a:r>
+              <a:rPr kumimoji="1" lang="en-US" altLang="ja-JP" sz="1400" dirty="0"/>
+              <a:t>I2C(5V)</a:t>
+            </a:r>
+            <a:endParaRPr kumimoji="1" lang="ja-JP" altLang="en-US" sz="1400" dirty="0"/>
+          </a:p>
+        </p:txBody>
+      </p:sp>
+      <p:sp>
+        <p:nvSpPr>
+          <p:cNvPr id="11" name="正方形/長方形 10"/>
+          <p:cNvSpPr/>
+          <p:nvPr/>
+        </p:nvSpPr>
+        <p:spPr>
+          <a:xfrm>
+            <a:off x="10826309" y="1264972"/>
+            <a:ext cx="977461" cy="1063947"/>
+          </a:xfrm>
+          <a:prstGeom prst="rect">
+            <a:avLst/>
+          </a:prstGeom>
+        </p:spPr>
+        <p:style>
+          <a:lnRef idx="2">
+            <a:schemeClr val="accent1">
+              <a:shade val="50000"/>
+            </a:schemeClr>
+          </a:lnRef>
+          <a:fillRef idx="1">
+            <a:schemeClr val="accent1"/>
+          </a:fillRef>
+          <a:effectRef idx="0">
+            <a:schemeClr val="accent1"/>
+          </a:effectRef>
+          <a:fontRef idx="minor">
+            <a:schemeClr val="lt1"/>
+          </a:fontRef>
+        </p:style>
+        <p:txBody>
+          <a:bodyPr rtlCol="0" anchor="ctr"/>
+          <a:lstStyle/>
+          <a:p>
+            <a:pPr algn="ctr"/>
+            <a:r>
+              <a:rPr kumimoji="1" lang="ja-JP" altLang="en-US" dirty="0"/>
+              <a:t>表示器</a:t>
+            </a:r>
+          </a:p>
+        </p:txBody>
+      </p:sp>
+      <p:sp>
+        <p:nvSpPr>
+          <p:cNvPr id="12" name="矢印: 右 11"/>
+          <p:cNvSpPr/>
+          <p:nvPr/>
+        </p:nvSpPr>
+        <p:spPr>
+          <a:xfrm>
+            <a:off x="8887149" y="1550654"/>
+            <a:ext cx="1939160" cy="609600"/>
+          </a:xfrm>
+          <a:prstGeom prst="rightArrow">
+            <a:avLst/>
+          </a:prstGeom>
+        </p:spPr>
+        <p:style>
+          <a:lnRef idx="2">
+            <a:schemeClr val="accent1">
+              <a:shade val="50000"/>
+            </a:schemeClr>
+          </a:lnRef>
+          <a:fillRef idx="1">
+            <a:schemeClr val="accent1"/>
+          </a:fillRef>
+          <a:effectRef idx="0">
+            <a:schemeClr val="accent1"/>
+          </a:effectRef>
+          <a:fontRef idx="minor">
+            <a:schemeClr val="lt1"/>
+          </a:fontRef>
+        </p:style>
+        <p:txBody>
+          <a:bodyPr rtlCol="0" anchor="ctr"/>
+          <a:lstStyle/>
+          <a:p>
+            <a:pPr algn="ctr"/>
+            <a:r>
+              <a:rPr lang="ja-JP" altLang="en-US" sz="1400" dirty="0"/>
+              <a:t>デジタル</a:t>
+            </a:r>
+            <a:endParaRPr kumimoji="1" lang="ja-JP" altLang="en-US" sz="1400" dirty="0"/>
+          </a:p>
+        </p:txBody>
+      </p:sp>
+      <p:sp>
+        <p:nvSpPr>
+          <p:cNvPr id="13" name="正方形/長方形 12"/>
+          <p:cNvSpPr/>
+          <p:nvPr/>
+        </p:nvSpPr>
+        <p:spPr>
+          <a:xfrm>
+            <a:off x="4260630" y="5496170"/>
+            <a:ext cx="1182413" cy="1057030"/>
+          </a:xfrm>
+          <a:prstGeom prst="rect">
+            <a:avLst/>
+          </a:prstGeom>
+        </p:spPr>
+        <p:style>
+          <a:lnRef idx="2">
+            <a:schemeClr val="accent1">
+              <a:shade val="50000"/>
+            </a:schemeClr>
+          </a:lnRef>
+          <a:fillRef idx="1">
+            <a:schemeClr val="accent1"/>
+          </a:fillRef>
+          <a:effectRef idx="0">
+            <a:schemeClr val="accent1"/>
+          </a:effectRef>
+          <a:fontRef idx="minor">
+            <a:schemeClr val="lt1"/>
+          </a:fontRef>
+        </p:style>
+        <p:txBody>
+          <a:bodyPr rtlCol="0" anchor="ctr"/>
+          <a:lstStyle/>
+          <a:p>
+            <a:pPr algn="ctr"/>
+            <a:r>
+              <a:rPr lang="en-US" altLang="ja-JP" dirty="0"/>
+              <a:t>MB1260</a:t>
+            </a:r>
+          </a:p>
+          <a:p>
+            <a:pPr algn="ctr"/>
+            <a:r>
+              <a:rPr lang="en-US" altLang="ja-JP" dirty="0"/>
+              <a:t>(</a:t>
+            </a:r>
+            <a:r>
+              <a:rPr lang="ja-JP" altLang="en-US" dirty="0"/>
+              <a:t>高度計</a:t>
+            </a:r>
+            <a:r>
+              <a:rPr lang="en-US" altLang="ja-JP" dirty="0"/>
+              <a:t>)</a:t>
+            </a:r>
+            <a:endParaRPr kumimoji="1" lang="ja-JP" altLang="en-US" dirty="0"/>
+          </a:p>
+        </p:txBody>
+      </p:sp>
+      <p:sp>
+        <p:nvSpPr>
+          <p:cNvPr id="14" name="矢印: 右 13"/>
+          <p:cNvSpPr/>
+          <p:nvPr/>
+        </p:nvSpPr>
+        <p:spPr>
+          <a:xfrm>
+            <a:off x="5443043" y="5813287"/>
+            <a:ext cx="1487867" cy="609600"/>
+          </a:xfrm>
+          <a:prstGeom prst="rightArrow">
+            <a:avLst/>
+          </a:prstGeom>
+        </p:spPr>
+        <p:style>
+          <a:lnRef idx="2">
+            <a:schemeClr val="accent1">
+              <a:shade val="50000"/>
+            </a:schemeClr>
+          </a:lnRef>
+          <a:fillRef idx="1">
+            <a:schemeClr val="accent1"/>
+          </a:fillRef>
+          <a:effectRef idx="0">
+            <a:schemeClr val="accent1"/>
+          </a:effectRef>
+          <a:fontRef idx="minor">
+            <a:schemeClr val="lt1"/>
+          </a:fontRef>
+        </p:style>
+        <p:txBody>
+          <a:bodyPr rtlCol="0" anchor="ctr"/>
+          <a:lstStyle/>
+          <a:p>
+            <a:pPr algn="ctr"/>
+            <a:r>
+              <a:rPr kumimoji="1" lang="en-US" altLang="ja-JP" sz="1400" dirty="0"/>
+              <a:t>PWM</a:t>
+            </a:r>
+            <a:endParaRPr kumimoji="1" lang="ja-JP" altLang="en-US" sz="1400" dirty="0"/>
+          </a:p>
+        </p:txBody>
+      </p:sp>
+      <p:sp>
+        <p:nvSpPr>
+          <p:cNvPr id="15" name="正方形/長方形 14"/>
+          <p:cNvSpPr/>
+          <p:nvPr/>
+        </p:nvSpPr>
+        <p:spPr>
+          <a:xfrm>
+            <a:off x="7408798" y="140551"/>
+            <a:ext cx="1111186" cy="470338"/>
+          </a:xfrm>
+          <a:prstGeom prst="rect">
+            <a:avLst/>
+          </a:prstGeom>
+          <a:solidFill>
+            <a:schemeClr val="accent2"/>
+          </a:solidFill>
+        </p:spPr>
+        <p:style>
+          <a:lnRef idx="2">
+            <a:schemeClr val="accent1">
+              <a:shade val="50000"/>
+            </a:schemeClr>
+          </a:lnRef>
+          <a:fillRef idx="1">
+            <a:schemeClr val="accent1"/>
+          </a:fillRef>
+          <a:effectRef idx="0">
+            <a:schemeClr val="accent1"/>
+          </a:effectRef>
+          <a:fontRef idx="minor">
+            <a:schemeClr val="lt1"/>
+          </a:fontRef>
+        </p:style>
+        <p:txBody>
+          <a:bodyPr rtlCol="0" anchor="ctr"/>
+          <a:lstStyle/>
+          <a:p>
+            <a:pPr algn="ctr"/>
+            <a:r>
+              <a:rPr kumimoji="1" lang="en-US" altLang="ja-JP" sz="1200" dirty="0" err="1"/>
+              <a:t>μC_BATT</a:t>
+            </a:r>
+            <a:endParaRPr kumimoji="1" lang="en-US" altLang="ja-JP" sz="1200" dirty="0"/>
+          </a:p>
+          <a:p>
+            <a:pPr algn="ctr"/>
+            <a:r>
+              <a:rPr kumimoji="1" lang="en-US" altLang="ja-JP" sz="1200" dirty="0"/>
+              <a:t>(Li-Po 7.4V)</a:t>
+            </a:r>
+            <a:endParaRPr kumimoji="1" lang="ja-JP" altLang="en-US" sz="1200" dirty="0"/>
+          </a:p>
+        </p:txBody>
+      </p:sp>
+      <p:sp>
+        <p:nvSpPr>
+          <p:cNvPr id="16" name="正方形/長方形 15"/>
+          <p:cNvSpPr/>
+          <p:nvPr/>
+        </p:nvSpPr>
+        <p:spPr>
+          <a:xfrm>
+            <a:off x="317289" y="1260666"/>
+            <a:ext cx="1471445" cy="1330134"/>
+          </a:xfrm>
+          <a:prstGeom prst="rect">
+            <a:avLst/>
+          </a:prstGeom>
+        </p:spPr>
+        <p:style>
+          <a:lnRef idx="2">
+            <a:schemeClr val="accent1">
+              <a:shade val="50000"/>
+            </a:schemeClr>
+          </a:lnRef>
+          <a:fillRef idx="1">
+            <a:schemeClr val="accent1"/>
+          </a:fillRef>
+          <a:effectRef idx="0">
+            <a:schemeClr val="accent1"/>
+          </a:effectRef>
+          <a:fontRef idx="minor">
+            <a:schemeClr val="lt1"/>
+          </a:fontRef>
+        </p:style>
+        <p:txBody>
+          <a:bodyPr rtlCol="0" anchor="ctr"/>
+          <a:lstStyle/>
+          <a:p>
+            <a:pPr algn="ctr"/>
+            <a:r>
+              <a:rPr lang="ja-JP" altLang="en-US" dirty="0"/>
+              <a:t>差圧センサ</a:t>
+            </a:r>
+            <a:endParaRPr kumimoji="1" lang="ja-JP" altLang="en-US" dirty="0"/>
+          </a:p>
+        </p:txBody>
+      </p:sp>
+      <p:sp>
+        <p:nvSpPr>
+          <p:cNvPr id="21" name="矢印: 右 20"/>
+          <p:cNvSpPr/>
+          <p:nvPr/>
+        </p:nvSpPr>
+        <p:spPr>
+          <a:xfrm>
+            <a:off x="1787927" y="1804544"/>
+            <a:ext cx="1518744" cy="321888"/>
+          </a:xfrm>
+          <a:prstGeom prst="rightArrow">
+            <a:avLst>
+              <a:gd name="adj1" fmla="val 46197"/>
+              <a:gd name="adj2" fmla="val 44824"/>
+            </a:avLst>
+          </a:prstGeom>
+        </p:spPr>
+        <p:style>
+          <a:lnRef idx="2">
+            <a:schemeClr val="accent1">
+              <a:shade val="50000"/>
+            </a:schemeClr>
+          </a:lnRef>
+          <a:fillRef idx="1">
+            <a:schemeClr val="accent1"/>
+          </a:fillRef>
+          <a:effectRef idx="0">
+            <a:schemeClr val="accent1"/>
+          </a:effectRef>
+          <a:fontRef idx="minor">
+            <a:schemeClr val="lt1"/>
+          </a:fontRef>
+        </p:style>
+        <p:txBody>
+          <a:bodyPr rtlCol="0" anchor="ctr"/>
+          <a:lstStyle/>
+          <a:p>
+            <a:pPr algn="ctr"/>
+            <a:r>
+              <a:rPr kumimoji="1" lang="ja-JP" altLang="en-US" sz="1200" dirty="0"/>
+              <a:t>差動アナログ</a:t>
+            </a:r>
+          </a:p>
+        </p:txBody>
+      </p:sp>
+      <p:sp>
+        <p:nvSpPr>
+          <p:cNvPr id="24" name="正方形/長方形 23"/>
+          <p:cNvSpPr/>
+          <p:nvPr/>
+        </p:nvSpPr>
+        <p:spPr>
+          <a:xfrm>
+            <a:off x="869727" y="4189995"/>
+            <a:ext cx="1855081" cy="915189"/>
+          </a:xfrm>
+          <a:prstGeom prst="rect">
+            <a:avLst/>
+          </a:prstGeom>
+        </p:spPr>
+        <p:style>
+          <a:lnRef idx="2">
+            <a:schemeClr val="accent1">
+              <a:shade val="50000"/>
+            </a:schemeClr>
+          </a:lnRef>
+          <a:fillRef idx="1">
+            <a:schemeClr val="accent1"/>
+          </a:fillRef>
+          <a:effectRef idx="0">
+            <a:schemeClr val="accent1"/>
+          </a:effectRef>
+          <a:fontRef idx="minor">
+            <a:schemeClr val="lt1"/>
+          </a:fontRef>
+        </p:style>
+        <p:txBody>
+          <a:bodyPr rtlCol="0" anchor="ctr"/>
+          <a:lstStyle/>
+          <a:p>
+            <a:pPr algn="ctr"/>
+            <a:r>
+              <a:rPr kumimoji="1" lang="en-US" altLang="ja-JP" dirty="0"/>
+              <a:t>MPU9250</a:t>
+            </a:r>
+          </a:p>
+          <a:p>
+            <a:pPr algn="ctr"/>
+            <a:r>
+              <a:rPr lang="en-US" altLang="ja-JP" dirty="0"/>
+              <a:t>(</a:t>
+            </a:r>
+            <a:r>
+              <a:rPr lang="ja-JP" altLang="en-US" dirty="0"/>
+              <a:t>慣性計測装置</a:t>
+            </a:r>
+            <a:r>
+              <a:rPr lang="en-US" altLang="ja-JP" dirty="0"/>
+              <a:t>)</a:t>
+            </a:r>
+            <a:endParaRPr kumimoji="1" lang="ja-JP" altLang="en-US" dirty="0"/>
+          </a:p>
+        </p:txBody>
+      </p:sp>
+      <p:sp>
+        <p:nvSpPr>
+          <p:cNvPr id="25" name="矢印: 右 24"/>
+          <p:cNvSpPr/>
+          <p:nvPr/>
+        </p:nvSpPr>
+        <p:spPr>
+          <a:xfrm>
+            <a:off x="2709039" y="4474201"/>
+            <a:ext cx="1502978" cy="609600"/>
+          </a:xfrm>
+          <a:prstGeom prst="rightArrow">
+            <a:avLst/>
+          </a:prstGeom>
+        </p:spPr>
+        <p:style>
+          <a:lnRef idx="2">
+            <a:schemeClr val="accent1">
+              <a:shade val="50000"/>
+            </a:schemeClr>
+          </a:lnRef>
+          <a:fillRef idx="1">
+            <a:schemeClr val="accent1"/>
+          </a:fillRef>
+          <a:effectRef idx="0">
+            <a:schemeClr val="accent1"/>
+          </a:effectRef>
+          <a:fontRef idx="minor">
+            <a:schemeClr val="lt1"/>
+          </a:fontRef>
+        </p:style>
+        <p:txBody>
+          <a:bodyPr rtlCol="0" anchor="ctr"/>
+          <a:lstStyle/>
+          <a:p>
+            <a:pPr algn="ctr"/>
+            <a:r>
+              <a:rPr kumimoji="1" lang="en-US" altLang="ja-JP" sz="1400" dirty="0"/>
+              <a:t>I2C(3.3V)</a:t>
+            </a:r>
+            <a:endParaRPr kumimoji="1" lang="ja-JP" altLang="en-US" sz="1400" dirty="0"/>
+          </a:p>
+        </p:txBody>
+      </p:sp>
+      <p:sp>
+        <p:nvSpPr>
+          <p:cNvPr id="26" name="矢印: 左 25"/>
+          <p:cNvSpPr/>
+          <p:nvPr/>
+        </p:nvSpPr>
+        <p:spPr>
+          <a:xfrm rot="10800000">
+            <a:off x="8887149" y="1399028"/>
+            <a:ext cx="1939157" cy="132504"/>
+          </a:xfrm>
+          <a:prstGeom prst="leftArrow">
+            <a:avLst/>
+          </a:prstGeom>
+          <a:solidFill>
+            <a:schemeClr val="accent2"/>
+          </a:solidFill>
+        </p:spPr>
+        <p:style>
+          <a:lnRef idx="2">
+            <a:schemeClr val="accent1">
+              <a:shade val="50000"/>
+            </a:schemeClr>
+          </a:lnRef>
+          <a:fillRef idx="1">
+            <a:schemeClr val="accent1"/>
+          </a:fillRef>
+          <a:effectRef idx="0">
+            <a:schemeClr val="accent1"/>
+          </a:effectRef>
+          <a:fontRef idx="minor">
+            <a:schemeClr val="lt1"/>
+          </a:fontRef>
+        </p:style>
+        <p:txBody>
+          <a:bodyPr rtlCol="0" anchor="ctr"/>
+          <a:lstStyle/>
+          <a:p>
+            <a:pPr algn="ctr"/>
+            <a:endParaRPr kumimoji="1" lang="ja-JP" altLang="en-US"/>
+          </a:p>
+        </p:txBody>
+      </p:sp>
+      <p:sp>
+        <p:nvSpPr>
+          <p:cNvPr id="27" name="矢印: 左 26"/>
+          <p:cNvSpPr/>
+          <p:nvPr/>
+        </p:nvSpPr>
+        <p:spPr>
+          <a:xfrm rot="10800000" flipV="1">
+            <a:off x="8887148" y="2863915"/>
+            <a:ext cx="1939158" cy="160560"/>
+          </a:xfrm>
+          <a:prstGeom prst="leftArrow">
+            <a:avLst/>
+          </a:prstGeom>
+          <a:solidFill>
+            <a:schemeClr val="accent2"/>
+          </a:solidFill>
+        </p:spPr>
+        <p:style>
+          <a:lnRef idx="2">
+            <a:schemeClr val="accent1">
+              <a:shade val="50000"/>
+            </a:schemeClr>
+          </a:lnRef>
+          <a:fillRef idx="1">
+            <a:schemeClr val="accent1"/>
+          </a:fillRef>
+          <a:effectRef idx="0">
+            <a:schemeClr val="accent1"/>
+          </a:effectRef>
+          <a:fontRef idx="minor">
+            <a:schemeClr val="lt1"/>
+          </a:fontRef>
+        </p:style>
+        <p:txBody>
+          <a:bodyPr rtlCol="0" anchor="ctr"/>
+          <a:lstStyle/>
+          <a:p>
+            <a:pPr algn="ctr"/>
+            <a:endParaRPr kumimoji="1" lang="ja-JP" altLang="en-US"/>
+          </a:p>
+        </p:txBody>
+      </p:sp>
+      <p:sp>
+        <p:nvSpPr>
+          <p:cNvPr id="30" name="矢印: 左 29"/>
+          <p:cNvSpPr/>
+          <p:nvPr/>
+        </p:nvSpPr>
+        <p:spPr>
+          <a:xfrm>
+            <a:off x="5450926" y="5537557"/>
+            <a:ext cx="1471445" cy="120868"/>
+          </a:xfrm>
+          <a:prstGeom prst="leftArrow">
+            <a:avLst/>
+          </a:prstGeom>
+          <a:solidFill>
+            <a:schemeClr val="accent2"/>
+          </a:solidFill>
+        </p:spPr>
+        <p:style>
+          <a:lnRef idx="2">
+            <a:schemeClr val="accent1">
+              <a:shade val="50000"/>
+            </a:schemeClr>
+          </a:lnRef>
+          <a:fillRef idx="1">
+            <a:schemeClr val="accent1"/>
+          </a:fillRef>
+          <a:effectRef idx="0">
+            <a:schemeClr val="accent1"/>
+          </a:effectRef>
+          <a:fontRef idx="minor">
+            <a:schemeClr val="lt1"/>
+          </a:fontRef>
+        </p:style>
+        <p:txBody>
+          <a:bodyPr rtlCol="0" anchor="ctr"/>
+          <a:lstStyle/>
+          <a:p>
+            <a:pPr algn="ctr"/>
+            <a:endParaRPr kumimoji="1" lang="ja-JP" altLang="en-US"/>
+          </a:p>
+        </p:txBody>
+      </p:sp>
+      <p:sp>
+        <p:nvSpPr>
+          <p:cNvPr id="31" name="矢印: 左 30"/>
+          <p:cNvSpPr/>
+          <p:nvPr/>
+        </p:nvSpPr>
+        <p:spPr>
+          <a:xfrm>
+            <a:off x="1795298" y="1324133"/>
+            <a:ext cx="1476380" cy="130251"/>
+          </a:xfrm>
+          <a:prstGeom prst="leftArrow">
+            <a:avLst/>
+          </a:prstGeom>
+          <a:solidFill>
+            <a:schemeClr val="accent2"/>
+          </a:solidFill>
+        </p:spPr>
+        <p:style>
+          <a:lnRef idx="2">
+            <a:schemeClr val="accent1">
+              <a:shade val="50000"/>
+            </a:schemeClr>
+          </a:lnRef>
+          <a:fillRef idx="1">
+            <a:schemeClr val="accent1"/>
+          </a:fillRef>
+          <a:effectRef idx="0">
+            <a:schemeClr val="accent1"/>
+          </a:effectRef>
+          <a:fontRef idx="minor">
+            <a:schemeClr val="lt1"/>
+          </a:fontRef>
+        </p:style>
+        <p:txBody>
+          <a:bodyPr rtlCol="0" anchor="ctr"/>
+          <a:lstStyle/>
+          <a:p>
+            <a:pPr algn="ctr"/>
+            <a:endParaRPr kumimoji="1" lang="ja-JP" altLang="en-US"/>
+          </a:p>
+        </p:txBody>
+      </p:sp>
+      <p:sp>
+        <p:nvSpPr>
+          <p:cNvPr id="34" name="正方形/長方形 33"/>
+          <p:cNvSpPr/>
+          <p:nvPr/>
+        </p:nvSpPr>
+        <p:spPr>
+          <a:xfrm>
+            <a:off x="-1" y="0"/>
+            <a:ext cx="1797269" cy="567559"/>
+          </a:xfrm>
+          <a:prstGeom prst="rect">
+            <a:avLst/>
+          </a:prstGeom>
+        </p:spPr>
+        <p:style>
+          <a:lnRef idx="0">
+            <a:schemeClr val="dk1"/>
+          </a:lnRef>
+          <a:fillRef idx="3">
+            <a:schemeClr val="dk1"/>
+          </a:fillRef>
+          <a:effectRef idx="3">
+            <a:schemeClr val="dk1"/>
+          </a:effectRef>
+          <a:fontRef idx="minor">
+            <a:schemeClr val="lt1"/>
+          </a:fontRef>
+        </p:style>
+        <p:txBody>
+          <a:bodyPr rtlCol="0" anchor="ctr"/>
+          <a:lstStyle/>
+          <a:p>
+            <a:pPr algn="ctr"/>
+            <a:r>
+              <a:rPr lang="ja-JP" altLang="en-US" sz="2800" dirty="0"/>
+              <a:t>計測系</a:t>
+            </a:r>
+            <a:endParaRPr kumimoji="1" lang="ja-JP" altLang="en-US" sz="2800" dirty="0"/>
+          </a:p>
+        </p:txBody>
+      </p:sp>
+      <p:sp>
+        <p:nvSpPr>
+          <p:cNvPr id="35" name="矢印: 左右 34"/>
+          <p:cNvSpPr/>
+          <p:nvPr/>
+        </p:nvSpPr>
+        <p:spPr>
+          <a:xfrm>
+            <a:off x="8887148" y="3128928"/>
+            <a:ext cx="1939160" cy="719767"/>
+          </a:xfrm>
+          <a:prstGeom prst="leftRightArrow">
+            <a:avLst/>
+          </a:prstGeom>
+        </p:spPr>
+        <p:style>
+          <a:lnRef idx="2">
+            <a:schemeClr val="accent1">
+              <a:shade val="50000"/>
+            </a:schemeClr>
+          </a:lnRef>
+          <a:fillRef idx="1">
+            <a:schemeClr val="accent1"/>
+          </a:fillRef>
+          <a:effectRef idx="0">
+            <a:schemeClr val="accent1"/>
+          </a:effectRef>
+          <a:fontRef idx="minor">
+            <a:schemeClr val="lt1"/>
+          </a:fontRef>
+        </p:style>
+        <p:txBody>
+          <a:bodyPr rtlCol="0" anchor="ctr"/>
+          <a:lstStyle/>
+          <a:p>
+            <a:pPr algn="ctr"/>
+            <a:r>
+              <a:rPr lang="en-US" altLang="ja-JP" sz="1200" dirty="0"/>
+              <a:t>SPI</a:t>
+            </a:r>
+            <a:endParaRPr lang="ja-JP" altLang="en-US" sz="1200" dirty="0"/>
+          </a:p>
+        </p:txBody>
+      </p:sp>
+      <p:sp>
+        <p:nvSpPr>
+          <p:cNvPr id="37" name="正方形/長方形 36"/>
+          <p:cNvSpPr/>
+          <p:nvPr/>
+        </p:nvSpPr>
+        <p:spPr>
+          <a:xfrm>
+            <a:off x="1797268" y="-5526"/>
+            <a:ext cx="1761478" cy="567559"/>
+          </a:xfrm>
+          <a:prstGeom prst="rect">
+            <a:avLst/>
+          </a:prstGeom>
+        </p:spPr>
+        <p:style>
+          <a:lnRef idx="0">
+            <a:schemeClr val="dk1"/>
+          </a:lnRef>
+          <a:fillRef idx="3">
+            <a:schemeClr val="dk1"/>
+          </a:fillRef>
+          <a:effectRef idx="3">
+            <a:schemeClr val="dk1"/>
+          </a:effectRef>
+          <a:fontRef idx="minor">
+            <a:schemeClr val="lt1"/>
+          </a:fontRef>
+        </p:style>
+        <p:txBody>
+          <a:bodyPr rtlCol="0" anchor="ctr"/>
+          <a:lstStyle/>
+          <a:p>
+            <a:pPr algn="ctr"/>
+            <a:r>
+              <a:rPr lang="en-US" altLang="ja-JP" sz="2800" b="1" dirty="0"/>
+              <a:t>170411</a:t>
+            </a:r>
+            <a:endParaRPr kumimoji="1" lang="ja-JP" altLang="en-US" sz="2800" b="1" dirty="0"/>
+          </a:p>
+        </p:txBody>
+      </p:sp>
+      <p:sp>
+        <p:nvSpPr>
+          <p:cNvPr id="38" name="正方形/長方形 37"/>
+          <p:cNvSpPr/>
+          <p:nvPr/>
+        </p:nvSpPr>
+        <p:spPr>
+          <a:xfrm>
+            <a:off x="2218999" y="4899304"/>
+            <a:ext cx="513692" cy="210485"/>
+          </a:xfrm>
+          <a:prstGeom prst="rect">
+            <a:avLst/>
+          </a:prstGeom>
+          <a:solidFill>
+            <a:schemeClr val="accent6"/>
+          </a:solidFill>
+        </p:spPr>
+        <p:style>
+          <a:lnRef idx="2">
+            <a:schemeClr val="accent1">
+              <a:shade val="50000"/>
+            </a:schemeClr>
+          </a:lnRef>
+          <a:fillRef idx="1">
+            <a:schemeClr val="accent1"/>
+          </a:fillRef>
+          <a:effectRef idx="0">
+            <a:schemeClr val="accent1"/>
+          </a:effectRef>
+          <a:fontRef idx="minor">
+            <a:schemeClr val="lt1"/>
+          </a:fontRef>
+        </p:style>
+        <p:txBody>
+          <a:bodyPr rtlCol="0" anchor="ctr"/>
+          <a:lstStyle/>
+          <a:p>
+            <a:pPr algn="ctr"/>
+            <a:r>
+              <a:rPr kumimoji="1" lang="en-US" altLang="ja-JP" sz="1200" dirty="0"/>
+              <a:t>3.3V</a:t>
+            </a:r>
+            <a:endParaRPr kumimoji="1" lang="ja-JP" altLang="en-US" sz="1200" dirty="0"/>
+          </a:p>
+        </p:txBody>
+      </p:sp>
+      <p:sp>
+        <p:nvSpPr>
+          <p:cNvPr id="39" name="正方形/長方形 38"/>
+          <p:cNvSpPr/>
+          <p:nvPr/>
+        </p:nvSpPr>
+        <p:spPr>
+          <a:xfrm>
+            <a:off x="4569371" y="5195946"/>
+            <a:ext cx="840827" cy="193540"/>
+          </a:xfrm>
+          <a:prstGeom prst="rect">
+            <a:avLst/>
+          </a:prstGeom>
+          <a:solidFill>
+            <a:schemeClr val="accent6"/>
+          </a:solidFill>
+        </p:spPr>
+        <p:style>
+          <a:lnRef idx="2">
+            <a:schemeClr val="accent1">
+              <a:shade val="50000"/>
+            </a:schemeClr>
+          </a:lnRef>
+          <a:fillRef idx="1">
+            <a:schemeClr val="accent1"/>
+          </a:fillRef>
+          <a:effectRef idx="0">
+            <a:schemeClr val="accent1"/>
+          </a:effectRef>
+          <a:fontRef idx="minor">
+            <a:schemeClr val="lt1"/>
+          </a:fontRef>
+        </p:style>
+        <p:txBody>
+          <a:bodyPr rtlCol="0" anchor="ctr"/>
+          <a:lstStyle/>
+          <a:p>
+            <a:pPr algn="ctr"/>
+            <a:r>
+              <a:rPr kumimoji="1" lang="en-US" altLang="ja-JP" sz="1200" dirty="0"/>
+              <a:t>3.3V/5V</a:t>
+            </a:r>
+            <a:endParaRPr kumimoji="1" lang="ja-JP" altLang="en-US" sz="1200" dirty="0"/>
+          </a:p>
+        </p:txBody>
+      </p:sp>
+      <p:sp>
+        <p:nvSpPr>
+          <p:cNvPr id="40" name="矢印: 左 39"/>
+          <p:cNvSpPr/>
+          <p:nvPr/>
+        </p:nvSpPr>
+        <p:spPr>
+          <a:xfrm>
+            <a:off x="5467351" y="4149269"/>
+            <a:ext cx="1471445" cy="120868"/>
+          </a:xfrm>
+          <a:prstGeom prst="leftArrow">
+            <a:avLst/>
+          </a:prstGeom>
+          <a:solidFill>
+            <a:schemeClr val="accent2"/>
+          </a:solidFill>
+        </p:spPr>
+        <p:style>
+          <a:lnRef idx="2">
+            <a:schemeClr val="accent1">
+              <a:shade val="50000"/>
+            </a:schemeClr>
+          </a:lnRef>
+          <a:fillRef idx="1">
+            <a:schemeClr val="accent1"/>
+          </a:fillRef>
+          <a:effectRef idx="0">
+            <a:schemeClr val="accent1"/>
+          </a:effectRef>
+          <a:fontRef idx="minor">
+            <a:schemeClr val="lt1"/>
+          </a:fontRef>
+        </p:style>
+        <p:txBody>
+          <a:bodyPr rtlCol="0" anchor="ctr"/>
+          <a:lstStyle/>
+          <a:p>
+            <a:pPr algn="ctr"/>
+            <a:endParaRPr kumimoji="1" lang="ja-JP" altLang="en-US"/>
+          </a:p>
+        </p:txBody>
+      </p:sp>
+      <p:sp>
+        <p:nvSpPr>
+          <p:cNvPr id="42" name="矢印: 左 41"/>
+          <p:cNvSpPr/>
+          <p:nvPr/>
+        </p:nvSpPr>
+        <p:spPr>
+          <a:xfrm>
+            <a:off x="5445996" y="3860950"/>
+            <a:ext cx="1471445" cy="120868"/>
+          </a:xfrm>
+          <a:prstGeom prst="leftArrow">
+            <a:avLst/>
+          </a:prstGeom>
+          <a:solidFill>
+            <a:schemeClr val="accent2"/>
+          </a:solidFill>
+        </p:spPr>
+        <p:style>
+          <a:lnRef idx="2">
+            <a:schemeClr val="accent1">
+              <a:shade val="50000"/>
+            </a:schemeClr>
+          </a:lnRef>
+          <a:fillRef idx="1">
+            <a:schemeClr val="accent1"/>
+          </a:fillRef>
+          <a:effectRef idx="0">
+            <a:schemeClr val="accent1"/>
+          </a:effectRef>
+          <a:fontRef idx="minor">
+            <a:schemeClr val="lt1"/>
+          </a:fontRef>
+        </p:style>
+        <p:txBody>
+          <a:bodyPr rtlCol="0" anchor="ctr"/>
+          <a:lstStyle/>
+          <a:p>
+            <a:pPr algn="ctr"/>
+            <a:endParaRPr kumimoji="1" lang="ja-JP" altLang="en-US"/>
+          </a:p>
+        </p:txBody>
+      </p:sp>
+      <p:sp>
+        <p:nvSpPr>
+          <p:cNvPr id="4" name="矢印: 上向き折線 3"/>
+          <p:cNvSpPr/>
+          <p:nvPr/>
+        </p:nvSpPr>
+        <p:spPr>
+          <a:xfrm rot="10800000">
+            <a:off x="1177156" y="3440562"/>
+            <a:ext cx="5750138" cy="725567"/>
+          </a:xfrm>
+          <a:prstGeom prst="bentUpArrow">
+            <a:avLst>
+              <a:gd name="adj1" fmla="val 7154"/>
+              <a:gd name="adj2" fmla="val 30099"/>
+              <a:gd name="adj3" fmla="val 32648"/>
+            </a:avLst>
+          </a:prstGeom>
+          <a:solidFill>
+            <a:schemeClr val="accent2"/>
+          </a:solidFill>
+        </p:spPr>
+        <p:style>
+          <a:lnRef idx="2">
+            <a:schemeClr val="accent1">
+              <a:shade val="50000"/>
+            </a:schemeClr>
+          </a:lnRef>
+          <a:fillRef idx="1">
+            <a:schemeClr val="accent1"/>
+          </a:fillRef>
+          <a:effectRef idx="0">
+            <a:schemeClr val="accent1"/>
+          </a:effectRef>
+          <a:fontRef idx="minor">
+            <a:schemeClr val="lt1"/>
+          </a:fontRef>
+        </p:style>
+        <p:txBody>
+          <a:bodyPr rtlCol="0" anchor="ctr"/>
+          <a:lstStyle/>
+          <a:p>
+            <a:pPr algn="ctr"/>
+            <a:endParaRPr kumimoji="1" lang="ja-JP" altLang="en-US"/>
+          </a:p>
+        </p:txBody>
+      </p:sp>
+      <p:sp>
+        <p:nvSpPr>
+          <p:cNvPr id="43" name="正方形/長方形 42"/>
+          <p:cNvSpPr/>
+          <p:nvPr/>
+        </p:nvSpPr>
+        <p:spPr>
+          <a:xfrm>
+            <a:off x="6944041" y="3342117"/>
+            <a:ext cx="513692" cy="210485"/>
+          </a:xfrm>
+          <a:prstGeom prst="rect">
+            <a:avLst/>
+          </a:prstGeom>
+          <a:solidFill>
+            <a:srgbClr val="0070C0"/>
+          </a:solidFill>
+        </p:spPr>
+        <p:style>
+          <a:lnRef idx="2">
+            <a:schemeClr val="accent1">
+              <a:shade val="50000"/>
+            </a:schemeClr>
+          </a:lnRef>
+          <a:fillRef idx="1">
+            <a:schemeClr val="accent1"/>
+          </a:fillRef>
+          <a:effectRef idx="0">
+            <a:schemeClr val="accent1"/>
+          </a:effectRef>
+          <a:fontRef idx="minor">
+            <a:schemeClr val="lt1"/>
+          </a:fontRef>
+        </p:style>
+        <p:txBody>
+          <a:bodyPr rtlCol="0" anchor="ctr"/>
+          <a:lstStyle/>
+          <a:p>
+            <a:pPr algn="ctr"/>
+            <a:r>
+              <a:rPr kumimoji="1" lang="en-US" altLang="ja-JP" sz="1200" dirty="0"/>
+              <a:t>3.3V</a:t>
+            </a:r>
+            <a:endParaRPr kumimoji="1" lang="ja-JP" altLang="en-US" sz="1200" dirty="0"/>
+          </a:p>
+        </p:txBody>
+      </p:sp>
+      <p:sp>
+        <p:nvSpPr>
+          <p:cNvPr id="44" name="正方形/長方形 43"/>
+          <p:cNvSpPr/>
+          <p:nvPr/>
+        </p:nvSpPr>
+        <p:spPr>
+          <a:xfrm>
+            <a:off x="6950622" y="3803892"/>
+            <a:ext cx="513692" cy="210485"/>
+          </a:xfrm>
+          <a:prstGeom prst="rect">
+            <a:avLst/>
+          </a:prstGeom>
+          <a:solidFill>
+            <a:srgbClr val="0070C0"/>
+          </a:solidFill>
+        </p:spPr>
+        <p:style>
+          <a:lnRef idx="2">
+            <a:schemeClr val="accent1">
+              <a:shade val="50000"/>
+            </a:schemeClr>
+          </a:lnRef>
+          <a:fillRef idx="1">
+            <a:schemeClr val="accent1"/>
+          </a:fillRef>
+          <a:effectRef idx="0">
+            <a:schemeClr val="accent1"/>
+          </a:effectRef>
+          <a:fontRef idx="minor">
+            <a:schemeClr val="lt1"/>
+          </a:fontRef>
+        </p:style>
+        <p:txBody>
+          <a:bodyPr rtlCol="0" anchor="ctr"/>
+          <a:lstStyle/>
+          <a:p>
+            <a:pPr algn="ctr"/>
+            <a:r>
+              <a:rPr kumimoji="1" lang="en-US" altLang="ja-JP" sz="1200" dirty="0"/>
+              <a:t>3.3V</a:t>
+            </a:r>
+            <a:endParaRPr kumimoji="1" lang="ja-JP" altLang="en-US" sz="1200" dirty="0"/>
+          </a:p>
+        </p:txBody>
+      </p:sp>
+      <p:sp>
+        <p:nvSpPr>
+          <p:cNvPr id="45" name="正方形/長方形 44"/>
+          <p:cNvSpPr/>
+          <p:nvPr/>
+        </p:nvSpPr>
+        <p:spPr>
+          <a:xfrm>
+            <a:off x="6950622" y="4124825"/>
+            <a:ext cx="513692" cy="210485"/>
+          </a:xfrm>
+          <a:prstGeom prst="rect">
+            <a:avLst/>
+          </a:prstGeom>
+          <a:solidFill>
+            <a:srgbClr val="0070C0"/>
+          </a:solidFill>
+        </p:spPr>
+        <p:style>
+          <a:lnRef idx="2">
+            <a:schemeClr val="accent1">
+              <a:shade val="50000"/>
+            </a:schemeClr>
+          </a:lnRef>
+          <a:fillRef idx="1">
+            <a:schemeClr val="accent1"/>
+          </a:fillRef>
+          <a:effectRef idx="0">
+            <a:schemeClr val="accent1"/>
+          </a:effectRef>
+          <a:fontRef idx="minor">
+            <a:schemeClr val="lt1"/>
+          </a:fontRef>
+        </p:style>
+        <p:txBody>
+          <a:bodyPr rtlCol="0" anchor="ctr"/>
+          <a:lstStyle/>
+          <a:p>
+            <a:pPr algn="ctr"/>
+            <a:r>
+              <a:rPr kumimoji="1" lang="en-US" altLang="ja-JP" sz="1200" dirty="0"/>
+              <a:t>5V</a:t>
+            </a:r>
+            <a:endParaRPr kumimoji="1" lang="ja-JP" altLang="en-US" sz="1200" dirty="0"/>
+          </a:p>
+        </p:txBody>
+      </p:sp>
+      <p:sp>
+        <p:nvSpPr>
+          <p:cNvPr id="46" name="正方形/長方形 45"/>
+          <p:cNvSpPr/>
+          <p:nvPr/>
+        </p:nvSpPr>
+        <p:spPr>
+          <a:xfrm>
+            <a:off x="8373453" y="1360037"/>
+            <a:ext cx="513692" cy="210485"/>
+          </a:xfrm>
+          <a:prstGeom prst="rect">
+            <a:avLst/>
+          </a:prstGeom>
+          <a:solidFill>
+            <a:srgbClr val="0070C0"/>
+          </a:solidFill>
+        </p:spPr>
+        <p:style>
+          <a:lnRef idx="2">
+            <a:schemeClr val="accent1">
+              <a:shade val="50000"/>
+            </a:schemeClr>
+          </a:lnRef>
+          <a:fillRef idx="1">
+            <a:schemeClr val="accent1"/>
+          </a:fillRef>
+          <a:effectRef idx="0">
+            <a:schemeClr val="accent1"/>
+          </a:effectRef>
+          <a:fontRef idx="minor">
+            <a:schemeClr val="lt1"/>
+          </a:fontRef>
+        </p:style>
+        <p:txBody>
+          <a:bodyPr rtlCol="0" anchor="ctr"/>
+          <a:lstStyle/>
+          <a:p>
+            <a:pPr algn="ctr"/>
+            <a:r>
+              <a:rPr kumimoji="1" lang="en-US" altLang="ja-JP" sz="1200" dirty="0"/>
+              <a:t>5V</a:t>
+            </a:r>
+            <a:endParaRPr kumimoji="1" lang="ja-JP" altLang="en-US" sz="1200" dirty="0"/>
+          </a:p>
+        </p:txBody>
+      </p:sp>
+      <p:sp>
+        <p:nvSpPr>
+          <p:cNvPr id="47" name="正方形/長方形 46"/>
+          <p:cNvSpPr/>
+          <p:nvPr/>
+        </p:nvSpPr>
+        <p:spPr>
+          <a:xfrm>
+            <a:off x="8370498" y="2838951"/>
+            <a:ext cx="513692" cy="210485"/>
+          </a:xfrm>
+          <a:prstGeom prst="rect">
+            <a:avLst/>
+          </a:prstGeom>
+          <a:solidFill>
+            <a:srgbClr val="0070C0"/>
+          </a:solidFill>
+        </p:spPr>
+        <p:style>
+          <a:lnRef idx="2">
+            <a:schemeClr val="accent1">
+              <a:shade val="50000"/>
+            </a:schemeClr>
+          </a:lnRef>
+          <a:fillRef idx="1">
+            <a:schemeClr val="accent1"/>
+          </a:fillRef>
+          <a:effectRef idx="0">
+            <a:schemeClr val="accent1"/>
+          </a:effectRef>
+          <a:fontRef idx="minor">
+            <a:schemeClr val="lt1"/>
+          </a:fontRef>
+        </p:style>
+        <p:txBody>
+          <a:bodyPr rtlCol="0" anchor="ctr"/>
+          <a:lstStyle/>
+          <a:p>
+            <a:pPr algn="ctr"/>
+            <a:r>
+              <a:rPr kumimoji="1" lang="en-US" altLang="ja-JP" sz="1200" dirty="0"/>
+              <a:t>5V</a:t>
+            </a:r>
+            <a:endParaRPr kumimoji="1" lang="ja-JP" altLang="en-US" sz="1200" dirty="0"/>
+          </a:p>
+        </p:txBody>
+      </p:sp>
+      <p:sp>
+        <p:nvSpPr>
+          <p:cNvPr id="48" name="正方形/長方形 47"/>
+          <p:cNvSpPr/>
+          <p:nvPr/>
+        </p:nvSpPr>
+        <p:spPr>
+          <a:xfrm>
+            <a:off x="3299590" y="1279455"/>
+            <a:ext cx="513692" cy="210485"/>
+          </a:xfrm>
+          <a:prstGeom prst="rect">
+            <a:avLst/>
+          </a:prstGeom>
+          <a:solidFill>
+            <a:srgbClr val="0070C0"/>
+          </a:solidFill>
+        </p:spPr>
+        <p:style>
+          <a:lnRef idx="2">
+            <a:schemeClr val="accent1">
+              <a:shade val="50000"/>
+            </a:schemeClr>
+          </a:lnRef>
+          <a:fillRef idx="1">
+            <a:schemeClr val="accent1"/>
+          </a:fillRef>
+          <a:effectRef idx="0">
+            <a:schemeClr val="accent1"/>
+          </a:effectRef>
+          <a:fontRef idx="minor">
+            <a:schemeClr val="lt1"/>
+          </a:fontRef>
+        </p:style>
+        <p:txBody>
+          <a:bodyPr rtlCol="0" anchor="ctr"/>
+          <a:lstStyle/>
+          <a:p>
+            <a:pPr algn="ctr"/>
+            <a:r>
+              <a:rPr kumimoji="1" lang="en-US" altLang="ja-JP" sz="1200" dirty="0"/>
+              <a:t>5V</a:t>
+            </a:r>
+            <a:endParaRPr kumimoji="1" lang="ja-JP" altLang="en-US" sz="1200" dirty="0"/>
+          </a:p>
+        </p:txBody>
+      </p:sp>
+      <p:sp>
+        <p:nvSpPr>
+          <p:cNvPr id="51" name="正方形/長方形 50"/>
+          <p:cNvSpPr/>
+          <p:nvPr/>
+        </p:nvSpPr>
+        <p:spPr>
+          <a:xfrm>
+            <a:off x="6935178" y="5492748"/>
+            <a:ext cx="513692" cy="210485"/>
+          </a:xfrm>
+          <a:prstGeom prst="rect">
+            <a:avLst/>
+          </a:prstGeom>
+          <a:solidFill>
+            <a:srgbClr val="0070C0"/>
+          </a:solidFill>
+        </p:spPr>
+        <p:style>
+          <a:lnRef idx="2">
+            <a:schemeClr val="accent1">
+              <a:shade val="50000"/>
+            </a:schemeClr>
+          </a:lnRef>
+          <a:fillRef idx="1">
+            <a:schemeClr val="accent1"/>
+          </a:fillRef>
+          <a:effectRef idx="0">
+            <a:schemeClr val="accent1"/>
+          </a:effectRef>
+          <a:fontRef idx="minor">
+            <a:schemeClr val="lt1"/>
+          </a:fontRef>
+        </p:style>
+        <p:txBody>
+          <a:bodyPr rtlCol="0" anchor="ctr"/>
+          <a:lstStyle/>
+          <a:p>
+            <a:pPr algn="ctr"/>
+            <a:r>
+              <a:rPr kumimoji="1" lang="en-US" altLang="ja-JP" sz="1200" dirty="0"/>
+              <a:t>5V</a:t>
+            </a:r>
+            <a:endParaRPr kumimoji="1" lang="ja-JP" altLang="en-US" sz="1200" dirty="0"/>
+          </a:p>
+        </p:txBody>
+      </p:sp>
+      <p:sp>
+        <p:nvSpPr>
+          <p:cNvPr id="53" name="正方形/長方形 52"/>
+          <p:cNvSpPr/>
+          <p:nvPr/>
+        </p:nvSpPr>
+        <p:spPr>
+          <a:xfrm>
+            <a:off x="6930249" y="1902700"/>
+            <a:ext cx="513692" cy="210485"/>
+          </a:xfrm>
+          <a:prstGeom prst="rect">
+            <a:avLst/>
+          </a:prstGeom>
+          <a:solidFill>
+            <a:srgbClr val="0070C0"/>
+          </a:solidFill>
+        </p:spPr>
+        <p:style>
+          <a:lnRef idx="2">
+            <a:schemeClr val="accent1">
+              <a:shade val="50000"/>
+            </a:schemeClr>
+          </a:lnRef>
+          <a:fillRef idx="1">
+            <a:schemeClr val="accent1"/>
+          </a:fillRef>
+          <a:effectRef idx="0">
+            <a:schemeClr val="accent1"/>
+          </a:effectRef>
+          <a:fontRef idx="minor">
+            <a:schemeClr val="lt1"/>
+          </a:fontRef>
+        </p:style>
+        <p:txBody>
+          <a:bodyPr rtlCol="0" anchor="ctr"/>
+          <a:lstStyle/>
+          <a:p>
+            <a:pPr algn="ctr"/>
+            <a:r>
+              <a:rPr kumimoji="1" lang="en-US" altLang="ja-JP" sz="1200" dirty="0"/>
+              <a:t>RX</a:t>
+            </a:r>
+            <a:endParaRPr kumimoji="1" lang="ja-JP" altLang="en-US" sz="1200" dirty="0"/>
+          </a:p>
+        </p:txBody>
+      </p:sp>
+      <p:sp>
+        <p:nvSpPr>
+          <p:cNvPr id="54" name="正方形/長方形 53"/>
+          <p:cNvSpPr/>
+          <p:nvPr/>
+        </p:nvSpPr>
+        <p:spPr>
+          <a:xfrm>
+            <a:off x="6923016" y="2160254"/>
+            <a:ext cx="513692" cy="210485"/>
+          </a:xfrm>
+          <a:prstGeom prst="rect">
+            <a:avLst/>
+          </a:prstGeom>
+          <a:solidFill>
+            <a:srgbClr val="0070C0"/>
+          </a:solidFill>
+        </p:spPr>
+        <p:style>
+          <a:lnRef idx="2">
+            <a:schemeClr val="accent1">
+              <a:shade val="50000"/>
+            </a:schemeClr>
+          </a:lnRef>
+          <a:fillRef idx="1">
+            <a:schemeClr val="accent1"/>
+          </a:fillRef>
+          <a:effectRef idx="0">
+            <a:schemeClr val="accent1"/>
+          </a:effectRef>
+          <a:fontRef idx="minor">
+            <a:schemeClr val="lt1"/>
+          </a:fontRef>
+        </p:style>
+        <p:txBody>
+          <a:bodyPr rtlCol="0" anchor="ctr"/>
+          <a:lstStyle/>
+          <a:p>
+            <a:pPr algn="ctr"/>
+            <a:r>
+              <a:rPr kumimoji="1" lang="en-US" altLang="ja-JP" sz="1200" dirty="0"/>
+              <a:t>TX</a:t>
+            </a:r>
+            <a:endParaRPr kumimoji="1" lang="ja-JP" altLang="en-US" sz="1200" dirty="0"/>
+          </a:p>
+        </p:txBody>
+      </p:sp>
+      <p:sp>
+        <p:nvSpPr>
+          <p:cNvPr id="55" name="正方形/長方形 54"/>
+          <p:cNvSpPr/>
+          <p:nvPr/>
+        </p:nvSpPr>
+        <p:spPr>
+          <a:xfrm>
+            <a:off x="6930914" y="6012844"/>
+            <a:ext cx="513692" cy="210485"/>
+          </a:xfrm>
+          <a:prstGeom prst="rect">
+            <a:avLst/>
+          </a:prstGeom>
+          <a:solidFill>
+            <a:schemeClr val="accent5">
+              <a:lumMod val="75000"/>
+            </a:schemeClr>
+          </a:solidFill>
+        </p:spPr>
+        <p:style>
+          <a:lnRef idx="2">
+            <a:schemeClr val="accent1">
+              <a:shade val="50000"/>
+            </a:schemeClr>
+          </a:lnRef>
+          <a:fillRef idx="1">
+            <a:schemeClr val="accent1"/>
+          </a:fillRef>
+          <a:effectRef idx="0">
+            <a:schemeClr val="accent1"/>
+          </a:effectRef>
+          <a:fontRef idx="minor">
+            <a:schemeClr val="lt1"/>
+          </a:fontRef>
+        </p:style>
+        <p:txBody>
+          <a:bodyPr rtlCol="0" anchor="ctr"/>
+          <a:lstStyle/>
+          <a:p>
+            <a:pPr algn="ctr"/>
+            <a:r>
+              <a:rPr kumimoji="1" lang="en-US" altLang="ja-JP" sz="1200" dirty="0"/>
+              <a:t>D</a:t>
+            </a:r>
+            <a:endParaRPr kumimoji="1" lang="ja-JP" altLang="en-US" sz="1200" dirty="0"/>
+          </a:p>
+        </p:txBody>
+      </p:sp>
+      <p:sp>
+        <p:nvSpPr>
+          <p:cNvPr id="56" name="正方形/長方形 55"/>
+          <p:cNvSpPr/>
+          <p:nvPr/>
+        </p:nvSpPr>
+        <p:spPr>
+          <a:xfrm>
+            <a:off x="6939445" y="4536500"/>
+            <a:ext cx="513692" cy="210485"/>
+          </a:xfrm>
+          <a:prstGeom prst="rect">
+            <a:avLst/>
+          </a:prstGeom>
+          <a:solidFill>
+            <a:srgbClr val="0070C0"/>
+          </a:solidFill>
+        </p:spPr>
+        <p:style>
+          <a:lnRef idx="2">
+            <a:schemeClr val="accent1">
+              <a:shade val="50000"/>
+            </a:schemeClr>
+          </a:lnRef>
+          <a:fillRef idx="1">
+            <a:schemeClr val="accent1"/>
+          </a:fillRef>
+          <a:effectRef idx="0">
+            <a:schemeClr val="accent1"/>
+          </a:effectRef>
+          <a:fontRef idx="minor">
+            <a:schemeClr val="lt1"/>
+          </a:fontRef>
+        </p:style>
+        <p:txBody>
+          <a:bodyPr rtlCol="0" anchor="ctr"/>
+          <a:lstStyle/>
+          <a:p>
+            <a:pPr algn="ctr"/>
+            <a:r>
+              <a:rPr kumimoji="1" lang="en-US" altLang="ja-JP" sz="1200" dirty="0"/>
+              <a:t>SDA</a:t>
+            </a:r>
+            <a:endParaRPr kumimoji="1" lang="ja-JP" altLang="en-US" sz="1200" dirty="0"/>
+          </a:p>
+        </p:txBody>
+      </p:sp>
+      <p:sp>
+        <p:nvSpPr>
+          <p:cNvPr id="57" name="正方形/長方形 56"/>
+          <p:cNvSpPr/>
+          <p:nvPr/>
+        </p:nvSpPr>
+        <p:spPr>
+          <a:xfrm>
+            <a:off x="6939445" y="4751796"/>
+            <a:ext cx="513692" cy="210485"/>
+          </a:xfrm>
+          <a:prstGeom prst="rect">
+            <a:avLst/>
+          </a:prstGeom>
+          <a:solidFill>
+            <a:srgbClr val="0070C0"/>
+          </a:solidFill>
+        </p:spPr>
+        <p:style>
+          <a:lnRef idx="2">
+            <a:schemeClr val="accent1">
+              <a:shade val="50000"/>
+            </a:schemeClr>
+          </a:lnRef>
+          <a:fillRef idx="1">
+            <a:schemeClr val="accent1"/>
+          </a:fillRef>
+          <a:effectRef idx="0">
+            <a:schemeClr val="accent1"/>
+          </a:effectRef>
+          <a:fontRef idx="minor">
+            <a:schemeClr val="lt1"/>
+          </a:fontRef>
+        </p:style>
+        <p:txBody>
+          <a:bodyPr rtlCol="0" anchor="ctr"/>
+          <a:lstStyle/>
+          <a:p>
+            <a:pPr algn="ctr"/>
+            <a:r>
+              <a:rPr lang="en-US" altLang="ja-JP" sz="1200" dirty="0"/>
+              <a:t>SCL</a:t>
+            </a:r>
+            <a:endParaRPr kumimoji="1" lang="ja-JP" altLang="en-US" sz="1200" dirty="0"/>
+          </a:p>
+        </p:txBody>
+      </p:sp>
+      <p:sp>
+        <p:nvSpPr>
+          <p:cNvPr id="58" name="正方形/長方形 57"/>
+          <p:cNvSpPr/>
+          <p:nvPr/>
+        </p:nvSpPr>
+        <p:spPr>
+          <a:xfrm>
+            <a:off x="8286750" y="3163738"/>
+            <a:ext cx="597440" cy="173899"/>
+          </a:xfrm>
+          <a:prstGeom prst="rect">
+            <a:avLst/>
+          </a:prstGeom>
+          <a:solidFill>
+            <a:srgbClr val="0070C0"/>
+          </a:solidFill>
+        </p:spPr>
+        <p:style>
+          <a:lnRef idx="2">
+            <a:schemeClr val="accent1">
+              <a:shade val="50000"/>
+            </a:schemeClr>
+          </a:lnRef>
+          <a:fillRef idx="1">
+            <a:schemeClr val="accent1"/>
+          </a:fillRef>
+          <a:effectRef idx="0">
+            <a:schemeClr val="accent1"/>
+          </a:effectRef>
+          <a:fontRef idx="minor">
+            <a:schemeClr val="lt1"/>
+          </a:fontRef>
+        </p:style>
+        <p:txBody>
+          <a:bodyPr rtlCol="0" anchor="ctr"/>
+          <a:lstStyle/>
+          <a:p>
+            <a:pPr algn="ctr"/>
+            <a:r>
+              <a:rPr kumimoji="1" lang="en-US" altLang="ja-JP" sz="1200" dirty="0"/>
+              <a:t>MISO</a:t>
+            </a:r>
+            <a:endParaRPr kumimoji="1" lang="ja-JP" altLang="en-US" sz="1200" dirty="0"/>
+          </a:p>
+        </p:txBody>
+      </p:sp>
+      <p:sp>
+        <p:nvSpPr>
+          <p:cNvPr id="59" name="正方形/長方形 58"/>
+          <p:cNvSpPr/>
+          <p:nvPr/>
+        </p:nvSpPr>
+        <p:spPr>
+          <a:xfrm>
+            <a:off x="8286750" y="3390106"/>
+            <a:ext cx="597440" cy="210485"/>
+          </a:xfrm>
+          <a:prstGeom prst="rect">
+            <a:avLst/>
+          </a:prstGeom>
+          <a:solidFill>
+            <a:srgbClr val="0070C0"/>
+          </a:solidFill>
+        </p:spPr>
+        <p:style>
+          <a:lnRef idx="2">
+            <a:schemeClr val="accent1">
+              <a:shade val="50000"/>
+            </a:schemeClr>
+          </a:lnRef>
+          <a:fillRef idx="1">
+            <a:schemeClr val="accent1"/>
+          </a:fillRef>
+          <a:effectRef idx="0">
+            <a:schemeClr val="accent1"/>
+          </a:effectRef>
+          <a:fontRef idx="minor">
+            <a:schemeClr val="lt1"/>
+          </a:fontRef>
+        </p:style>
+        <p:txBody>
+          <a:bodyPr rtlCol="0" anchor="ctr"/>
+          <a:lstStyle/>
+          <a:p>
+            <a:pPr algn="ctr"/>
+            <a:r>
+              <a:rPr lang="en-US" altLang="ja-JP" sz="1200" dirty="0"/>
+              <a:t>MOSI</a:t>
+            </a:r>
+            <a:endParaRPr kumimoji="1" lang="ja-JP" altLang="en-US" sz="1200" dirty="0"/>
+          </a:p>
+        </p:txBody>
+      </p:sp>
+      <p:sp>
+        <p:nvSpPr>
+          <p:cNvPr id="60" name="正方形/長方形 59"/>
+          <p:cNvSpPr/>
+          <p:nvPr/>
+        </p:nvSpPr>
+        <p:spPr>
+          <a:xfrm>
+            <a:off x="8286750" y="3658727"/>
+            <a:ext cx="597440" cy="210485"/>
+          </a:xfrm>
+          <a:prstGeom prst="rect">
+            <a:avLst/>
+          </a:prstGeom>
+          <a:solidFill>
+            <a:srgbClr val="0070C0"/>
+          </a:solidFill>
+        </p:spPr>
+        <p:style>
+          <a:lnRef idx="2">
+            <a:schemeClr val="accent1">
+              <a:shade val="50000"/>
+            </a:schemeClr>
+          </a:lnRef>
+          <a:fillRef idx="1">
+            <a:schemeClr val="accent1"/>
+          </a:fillRef>
+          <a:effectRef idx="0">
+            <a:schemeClr val="accent1"/>
+          </a:effectRef>
+          <a:fontRef idx="minor">
+            <a:schemeClr val="lt1"/>
+          </a:fontRef>
+        </p:style>
+        <p:txBody>
+          <a:bodyPr rtlCol="0" anchor="ctr"/>
+          <a:lstStyle/>
+          <a:p>
+            <a:pPr algn="ctr"/>
+            <a:r>
+              <a:rPr lang="en-US" altLang="ja-JP" sz="1200" dirty="0"/>
+              <a:t>SCLK</a:t>
+            </a:r>
+            <a:endParaRPr kumimoji="1" lang="ja-JP" altLang="en-US" sz="1200" dirty="0"/>
+          </a:p>
+        </p:txBody>
+      </p:sp>
+      <p:sp>
+        <p:nvSpPr>
+          <p:cNvPr id="61" name="正方形/長方形 60"/>
+          <p:cNvSpPr/>
+          <p:nvPr/>
+        </p:nvSpPr>
+        <p:spPr>
+          <a:xfrm>
+            <a:off x="4832793" y="1860881"/>
+            <a:ext cx="513692" cy="210485"/>
+          </a:xfrm>
+          <a:prstGeom prst="rect">
+            <a:avLst/>
+          </a:prstGeom>
+          <a:solidFill>
+            <a:srgbClr val="0070C0"/>
+          </a:solidFill>
+        </p:spPr>
+        <p:style>
+          <a:lnRef idx="2">
+            <a:schemeClr val="accent1">
+              <a:shade val="50000"/>
+            </a:schemeClr>
+          </a:lnRef>
+          <a:fillRef idx="1">
+            <a:schemeClr val="accent1"/>
+          </a:fillRef>
+          <a:effectRef idx="0">
+            <a:schemeClr val="accent1"/>
+          </a:effectRef>
+          <a:fontRef idx="minor">
+            <a:schemeClr val="lt1"/>
+          </a:fontRef>
+        </p:style>
+        <p:txBody>
+          <a:bodyPr rtlCol="0" anchor="ctr"/>
+          <a:lstStyle/>
+          <a:p>
+            <a:pPr algn="ctr"/>
+            <a:r>
+              <a:rPr kumimoji="1" lang="en-US" altLang="ja-JP" sz="1200" dirty="0"/>
+              <a:t>RX</a:t>
+            </a:r>
+            <a:endParaRPr kumimoji="1" lang="ja-JP" altLang="en-US" sz="1200" dirty="0"/>
+          </a:p>
+        </p:txBody>
+      </p:sp>
+      <p:sp>
+        <p:nvSpPr>
+          <p:cNvPr id="62" name="正方形/長方形 61"/>
+          <p:cNvSpPr/>
+          <p:nvPr/>
+        </p:nvSpPr>
+        <p:spPr>
+          <a:xfrm>
+            <a:off x="4825560" y="2118435"/>
+            <a:ext cx="513692" cy="210485"/>
+          </a:xfrm>
+          <a:prstGeom prst="rect">
+            <a:avLst/>
+          </a:prstGeom>
+          <a:solidFill>
+            <a:srgbClr val="0070C0"/>
+          </a:solidFill>
+        </p:spPr>
+        <p:style>
+          <a:lnRef idx="2">
+            <a:schemeClr val="accent1">
+              <a:shade val="50000"/>
+            </a:schemeClr>
+          </a:lnRef>
+          <a:fillRef idx="1">
+            <a:schemeClr val="accent1"/>
+          </a:fillRef>
+          <a:effectRef idx="0">
+            <a:schemeClr val="accent1"/>
+          </a:effectRef>
+          <a:fontRef idx="minor">
+            <a:schemeClr val="lt1"/>
+          </a:fontRef>
+        </p:style>
+        <p:txBody>
+          <a:bodyPr rtlCol="0" anchor="ctr"/>
+          <a:lstStyle/>
+          <a:p>
+            <a:pPr algn="ctr"/>
+            <a:r>
+              <a:rPr kumimoji="1" lang="en-US" altLang="ja-JP" sz="1200" dirty="0"/>
+              <a:t>TX</a:t>
+            </a:r>
+            <a:endParaRPr kumimoji="1" lang="ja-JP" altLang="en-US" sz="1200" dirty="0"/>
+          </a:p>
+        </p:txBody>
+      </p:sp>
+      <p:sp>
+        <p:nvSpPr>
+          <p:cNvPr id="63" name="矢印: 左 62"/>
+          <p:cNvSpPr/>
+          <p:nvPr/>
+        </p:nvSpPr>
+        <p:spPr>
+          <a:xfrm rot="16200000">
+            <a:off x="7594082" y="847541"/>
+            <a:ext cx="643573" cy="170268"/>
+          </a:xfrm>
+          <a:prstGeom prst="leftArrow">
+            <a:avLst/>
+          </a:prstGeom>
+          <a:solidFill>
+            <a:schemeClr val="accent2"/>
+          </a:solidFill>
+        </p:spPr>
+        <p:style>
+          <a:lnRef idx="2">
+            <a:schemeClr val="accent1">
+              <a:shade val="50000"/>
+            </a:schemeClr>
+          </a:lnRef>
+          <a:fillRef idx="1">
+            <a:schemeClr val="accent1"/>
+          </a:fillRef>
+          <a:effectRef idx="0">
+            <a:schemeClr val="accent1"/>
+          </a:effectRef>
+          <a:fontRef idx="minor">
+            <a:schemeClr val="lt1"/>
+          </a:fontRef>
+        </p:style>
+        <p:txBody>
+          <a:bodyPr rtlCol="0" anchor="ctr"/>
+          <a:lstStyle/>
+          <a:p>
+            <a:pPr algn="ctr"/>
+            <a:endParaRPr kumimoji="1" lang="ja-JP" altLang="en-US"/>
+          </a:p>
+        </p:txBody>
+      </p:sp>
+      <p:sp>
+        <p:nvSpPr>
+          <p:cNvPr id="64" name="矢印: 上向き折線 63"/>
+          <p:cNvSpPr/>
+          <p:nvPr/>
+        </p:nvSpPr>
+        <p:spPr>
+          <a:xfrm rot="10800000">
+            <a:off x="4222526" y="309052"/>
+            <a:ext cx="3186272" cy="939505"/>
+          </a:xfrm>
+          <a:prstGeom prst="bentUpArrow">
+            <a:avLst>
+              <a:gd name="adj1" fmla="val 7154"/>
+              <a:gd name="adj2" fmla="val 14385"/>
+              <a:gd name="adj3" fmla="val 19468"/>
+            </a:avLst>
+          </a:prstGeom>
+          <a:solidFill>
+            <a:schemeClr val="accent2"/>
+          </a:solidFill>
+        </p:spPr>
+        <p:style>
+          <a:lnRef idx="2">
+            <a:schemeClr val="accent1">
+              <a:shade val="50000"/>
+            </a:schemeClr>
+          </a:lnRef>
+          <a:fillRef idx="1">
+            <a:schemeClr val="accent1"/>
+          </a:fillRef>
+          <a:effectRef idx="0">
+            <a:schemeClr val="accent1"/>
+          </a:effectRef>
+          <a:fontRef idx="minor">
+            <a:schemeClr val="lt1"/>
+          </a:fontRef>
+        </p:style>
+        <p:txBody>
+          <a:bodyPr rtlCol="0" anchor="ctr"/>
+          <a:lstStyle/>
+          <a:p>
+            <a:pPr algn="ctr"/>
+            <a:endParaRPr kumimoji="1" lang="ja-JP" altLang="en-US"/>
+          </a:p>
+        </p:txBody>
+      </p:sp>
+      <p:sp>
+        <p:nvSpPr>
+          <p:cNvPr id="65" name="正方形/長方形 64"/>
+          <p:cNvSpPr/>
+          <p:nvPr/>
+        </p:nvSpPr>
+        <p:spPr>
+          <a:xfrm>
+            <a:off x="6965729" y="6082732"/>
+            <a:ext cx="513692" cy="210485"/>
+          </a:xfrm>
+          <a:prstGeom prst="rect">
+            <a:avLst/>
+          </a:prstGeom>
+          <a:solidFill>
+            <a:srgbClr val="0070C0"/>
+          </a:solidFill>
+        </p:spPr>
+        <p:style>
+          <a:lnRef idx="2">
+            <a:schemeClr val="accent1">
+              <a:shade val="50000"/>
+            </a:schemeClr>
+          </a:lnRef>
+          <a:fillRef idx="1">
+            <a:schemeClr val="accent1"/>
+          </a:fillRef>
+          <a:effectRef idx="0">
+            <a:schemeClr val="accent1"/>
+          </a:effectRef>
+          <a:fontRef idx="minor">
+            <a:schemeClr val="lt1"/>
+          </a:fontRef>
+        </p:style>
+        <p:txBody>
+          <a:bodyPr rtlCol="0" anchor="ctr"/>
+          <a:lstStyle/>
+          <a:p>
+            <a:pPr algn="ctr"/>
+            <a:r>
+              <a:rPr kumimoji="1" lang="en-US" altLang="ja-JP" sz="1200" dirty="0"/>
+              <a:t>D</a:t>
+            </a:r>
+            <a:endParaRPr kumimoji="1" lang="ja-JP" altLang="en-US" sz="1200" dirty="0"/>
+          </a:p>
+        </p:txBody>
+      </p:sp>
+      <p:sp>
+        <p:nvSpPr>
+          <p:cNvPr id="67" name="正方形/長方形 66"/>
+          <p:cNvSpPr/>
+          <p:nvPr/>
+        </p:nvSpPr>
+        <p:spPr>
+          <a:xfrm>
+            <a:off x="8378707" y="1724526"/>
+            <a:ext cx="513692" cy="210485"/>
+          </a:xfrm>
+          <a:prstGeom prst="rect">
+            <a:avLst/>
+          </a:prstGeom>
+          <a:solidFill>
+            <a:schemeClr val="accent5">
+              <a:lumMod val="75000"/>
+            </a:schemeClr>
+          </a:solidFill>
+        </p:spPr>
+        <p:style>
+          <a:lnRef idx="2">
+            <a:schemeClr val="accent1">
+              <a:shade val="50000"/>
+            </a:schemeClr>
+          </a:lnRef>
+          <a:fillRef idx="1">
+            <a:schemeClr val="accent1"/>
+          </a:fillRef>
+          <a:effectRef idx="0">
+            <a:schemeClr val="accent1"/>
+          </a:effectRef>
+          <a:fontRef idx="minor">
+            <a:schemeClr val="lt1"/>
+          </a:fontRef>
+        </p:style>
+        <p:txBody>
+          <a:bodyPr rtlCol="0" anchor="ctr"/>
+          <a:lstStyle/>
+          <a:p>
+            <a:pPr algn="ctr"/>
+            <a:r>
+              <a:rPr kumimoji="1" lang="en-US" altLang="ja-JP" sz="1200" dirty="0"/>
+              <a:t>D</a:t>
+            </a:r>
+            <a:endParaRPr kumimoji="1" lang="ja-JP" altLang="en-US" sz="1200" dirty="0"/>
+          </a:p>
+        </p:txBody>
+      </p:sp>
+      <p:sp>
+        <p:nvSpPr>
+          <p:cNvPr id="66" name="正方形/長方形 65"/>
+          <p:cNvSpPr/>
+          <p:nvPr/>
+        </p:nvSpPr>
+        <p:spPr>
+          <a:xfrm>
+            <a:off x="8286750" y="1797866"/>
+            <a:ext cx="513692" cy="210485"/>
+          </a:xfrm>
+          <a:prstGeom prst="rect">
+            <a:avLst/>
+          </a:prstGeom>
+          <a:solidFill>
+            <a:srgbClr val="0070C0"/>
+          </a:solidFill>
+        </p:spPr>
+        <p:style>
+          <a:lnRef idx="2">
+            <a:schemeClr val="accent1">
+              <a:shade val="50000"/>
+            </a:schemeClr>
+          </a:lnRef>
+          <a:fillRef idx="1">
+            <a:schemeClr val="accent1"/>
+          </a:fillRef>
+          <a:effectRef idx="0">
+            <a:schemeClr val="accent1"/>
+          </a:effectRef>
+          <a:fontRef idx="minor">
+            <a:schemeClr val="lt1"/>
+          </a:fontRef>
+        </p:style>
+        <p:txBody>
+          <a:bodyPr rtlCol="0" anchor="ctr"/>
+          <a:lstStyle/>
+          <a:p>
+            <a:pPr algn="ctr"/>
+            <a:r>
+              <a:rPr kumimoji="1" lang="en-US" altLang="ja-JP" sz="1200" dirty="0"/>
+              <a:t>D</a:t>
+            </a:r>
+            <a:endParaRPr kumimoji="1" lang="ja-JP" altLang="en-US" sz="1200" dirty="0"/>
+          </a:p>
+        </p:txBody>
+      </p:sp>
+      <p:cxnSp>
+        <p:nvCxnSpPr>
+          <p:cNvPr id="68" name="直線コネクタ 67"/>
+          <p:cNvCxnSpPr/>
+          <p:nvPr/>
+        </p:nvCxnSpPr>
+        <p:spPr>
+          <a:xfrm flipH="1" flipV="1">
+            <a:off x="8775311" y="2216637"/>
+            <a:ext cx="2162832" cy="2898"/>
+          </a:xfrm>
+          <a:prstGeom prst="line">
+            <a:avLst/>
+          </a:prstGeom>
+          <a:ln>
+            <a:headEnd type="oval" w="med" len="med"/>
+            <a:tailEnd type="oval" w="med" len="med"/>
+          </a:ln>
+        </p:spPr>
+        <p:style>
+          <a:lnRef idx="3">
+            <a:schemeClr val="dk1"/>
+          </a:lnRef>
+          <a:fillRef idx="0">
+            <a:schemeClr val="dk1"/>
+          </a:fillRef>
+          <a:effectRef idx="2">
+            <a:schemeClr val="dk1"/>
+          </a:effectRef>
+          <a:fontRef idx="minor">
+            <a:schemeClr val="tx1"/>
+          </a:fontRef>
+        </p:style>
+      </p:cxnSp>
+      <p:cxnSp>
+        <p:nvCxnSpPr>
+          <p:cNvPr id="69" name="直線コネクタ 68"/>
+          <p:cNvCxnSpPr/>
+          <p:nvPr/>
+        </p:nvCxnSpPr>
+        <p:spPr>
+          <a:xfrm flipH="1" flipV="1">
+            <a:off x="8800442" y="3987958"/>
+            <a:ext cx="2162832" cy="2898"/>
+          </a:xfrm>
+          <a:prstGeom prst="line">
+            <a:avLst/>
+          </a:prstGeom>
+          <a:ln>
+            <a:headEnd type="oval" w="med" len="med"/>
+            <a:tailEnd type="oval" w="med" len="med"/>
+          </a:ln>
+        </p:spPr>
+        <p:style>
+          <a:lnRef idx="3">
+            <a:schemeClr val="dk1"/>
+          </a:lnRef>
+          <a:fillRef idx="0">
+            <a:schemeClr val="dk1"/>
+          </a:fillRef>
+          <a:effectRef idx="2">
+            <a:schemeClr val="dk1"/>
+          </a:effectRef>
+          <a:fontRef idx="minor">
+            <a:schemeClr val="tx1"/>
+          </a:fontRef>
+        </p:style>
+      </p:cxnSp>
+      <p:cxnSp>
+        <p:nvCxnSpPr>
+          <p:cNvPr id="70" name="直線コネクタ 69"/>
+          <p:cNvCxnSpPr/>
+          <p:nvPr/>
+        </p:nvCxnSpPr>
+        <p:spPr>
+          <a:xfrm flipH="1" flipV="1">
+            <a:off x="4628495" y="559955"/>
+            <a:ext cx="2924830" cy="2078"/>
+          </a:xfrm>
+          <a:prstGeom prst="line">
+            <a:avLst/>
+          </a:prstGeom>
+          <a:ln>
+            <a:headEnd type="oval" w="med" len="med"/>
+            <a:tailEnd type="oval" w="med" len="med"/>
+          </a:ln>
+        </p:spPr>
+        <p:style>
+          <a:lnRef idx="3">
+            <a:schemeClr val="dk1"/>
+          </a:lnRef>
+          <a:fillRef idx="0">
+            <a:schemeClr val="dk1"/>
+          </a:fillRef>
+          <a:effectRef idx="2">
+            <a:schemeClr val="dk1"/>
+          </a:effectRef>
+          <a:fontRef idx="minor">
+            <a:schemeClr val="tx1"/>
+          </a:fontRef>
+        </p:style>
+      </p:cxnSp>
+      <p:cxnSp>
+        <p:nvCxnSpPr>
+          <p:cNvPr id="72" name="直線コネクタ 71"/>
+          <p:cNvCxnSpPr/>
+          <p:nvPr/>
+        </p:nvCxnSpPr>
+        <p:spPr>
+          <a:xfrm flipV="1">
+            <a:off x="4628494" y="560994"/>
+            <a:ext cx="1" cy="783976"/>
+          </a:xfrm>
+          <a:prstGeom prst="line">
+            <a:avLst/>
+          </a:prstGeom>
+          <a:ln>
+            <a:headEnd type="oval" w="med" len="med"/>
+            <a:tailEnd type="oval" w="med" len="med"/>
+          </a:ln>
+        </p:spPr>
+        <p:style>
+          <a:lnRef idx="3">
+            <a:schemeClr val="dk1"/>
+          </a:lnRef>
+          <a:fillRef idx="0">
+            <a:schemeClr val="dk1"/>
+          </a:fillRef>
+          <a:effectRef idx="2">
+            <a:schemeClr val="dk1"/>
+          </a:effectRef>
+          <a:fontRef idx="minor">
+            <a:schemeClr val="tx1"/>
+          </a:fontRef>
+        </p:style>
+      </p:cxnSp>
+      <p:cxnSp>
+        <p:nvCxnSpPr>
+          <p:cNvPr id="75" name="直線コネクタ 74"/>
+          <p:cNvCxnSpPr/>
+          <p:nvPr/>
+        </p:nvCxnSpPr>
+        <p:spPr>
+          <a:xfrm flipV="1">
+            <a:off x="7552339" y="570011"/>
+            <a:ext cx="1" cy="783976"/>
+          </a:xfrm>
+          <a:prstGeom prst="line">
+            <a:avLst/>
+          </a:prstGeom>
+          <a:ln>
+            <a:headEnd type="oval" w="med" len="med"/>
+            <a:tailEnd type="oval" w="med" len="med"/>
+          </a:ln>
+        </p:spPr>
+        <p:style>
+          <a:lnRef idx="3">
+            <a:schemeClr val="dk1"/>
+          </a:lnRef>
+          <a:fillRef idx="0">
+            <a:schemeClr val="dk1"/>
+          </a:fillRef>
+          <a:effectRef idx="2">
+            <a:schemeClr val="dk1"/>
+          </a:effectRef>
+          <a:fontRef idx="minor">
+            <a:schemeClr val="tx1"/>
+          </a:fontRef>
+        </p:style>
+      </p:cxnSp>
+      <p:cxnSp>
+        <p:nvCxnSpPr>
+          <p:cNvPr id="76" name="直線コネクタ 75"/>
+          <p:cNvCxnSpPr/>
+          <p:nvPr/>
+        </p:nvCxnSpPr>
+        <p:spPr>
+          <a:xfrm flipH="1" flipV="1">
+            <a:off x="5378666" y="5094246"/>
+            <a:ext cx="1674101" cy="10050"/>
+          </a:xfrm>
+          <a:prstGeom prst="line">
+            <a:avLst/>
+          </a:prstGeom>
+          <a:ln>
+            <a:headEnd type="oval" w="med" len="med"/>
+            <a:tailEnd type="oval" w="med" len="med"/>
+          </a:ln>
+        </p:spPr>
+        <p:style>
+          <a:lnRef idx="3">
+            <a:schemeClr val="dk1"/>
+          </a:lnRef>
+          <a:fillRef idx="0">
+            <a:schemeClr val="dk1"/>
+          </a:fillRef>
+          <a:effectRef idx="2">
+            <a:schemeClr val="dk1"/>
+          </a:effectRef>
+          <a:fontRef idx="minor">
+            <a:schemeClr val="tx1"/>
+          </a:fontRef>
+        </p:style>
+      </p:cxnSp>
+      <p:cxnSp>
+        <p:nvCxnSpPr>
+          <p:cNvPr id="78" name="直線コネクタ 77"/>
+          <p:cNvCxnSpPr/>
+          <p:nvPr/>
+        </p:nvCxnSpPr>
+        <p:spPr>
+          <a:xfrm flipH="1" flipV="1">
+            <a:off x="5357641" y="6462862"/>
+            <a:ext cx="1674101" cy="10050"/>
+          </a:xfrm>
+          <a:prstGeom prst="line">
+            <a:avLst/>
+          </a:prstGeom>
+          <a:ln>
+            <a:headEnd type="oval" w="med" len="med"/>
+            <a:tailEnd type="oval" w="med" len="med"/>
+          </a:ln>
+        </p:spPr>
+        <p:style>
+          <a:lnRef idx="3">
+            <a:schemeClr val="dk1"/>
+          </a:lnRef>
+          <a:fillRef idx="0">
+            <a:schemeClr val="dk1"/>
+          </a:fillRef>
+          <a:effectRef idx="2">
+            <a:schemeClr val="dk1"/>
+          </a:effectRef>
+          <a:fontRef idx="minor">
+            <a:schemeClr val="tx1"/>
+          </a:fontRef>
+        </p:style>
+      </p:cxnSp>
+      <p:cxnSp>
+        <p:nvCxnSpPr>
+          <p:cNvPr id="79" name="直線コネクタ 78"/>
+          <p:cNvCxnSpPr/>
+          <p:nvPr/>
+        </p:nvCxnSpPr>
+        <p:spPr>
+          <a:xfrm flipH="1">
+            <a:off x="1797267" y="3626887"/>
+            <a:ext cx="5242857" cy="4415"/>
+          </a:xfrm>
+          <a:prstGeom prst="line">
+            <a:avLst/>
+          </a:prstGeom>
+          <a:ln>
+            <a:headEnd type="oval" w="med" len="med"/>
+            <a:tailEnd type="oval" w="med" len="med"/>
+          </a:ln>
+        </p:spPr>
+        <p:style>
+          <a:lnRef idx="3">
+            <a:schemeClr val="dk1"/>
+          </a:lnRef>
+          <a:fillRef idx="0">
+            <a:schemeClr val="dk1"/>
+          </a:fillRef>
+          <a:effectRef idx="2">
+            <a:schemeClr val="dk1"/>
+          </a:effectRef>
+          <a:fontRef idx="minor">
+            <a:schemeClr val="tx1"/>
+          </a:fontRef>
+        </p:style>
+      </p:cxnSp>
+      <p:cxnSp>
+        <p:nvCxnSpPr>
+          <p:cNvPr id="82" name="直線コネクタ 81"/>
+          <p:cNvCxnSpPr/>
+          <p:nvPr/>
+        </p:nvCxnSpPr>
+        <p:spPr>
+          <a:xfrm flipH="1" flipV="1">
+            <a:off x="1796282" y="3639260"/>
+            <a:ext cx="985" cy="675046"/>
+          </a:xfrm>
+          <a:prstGeom prst="line">
+            <a:avLst/>
+          </a:prstGeom>
+          <a:ln>
+            <a:headEnd type="oval" w="med" len="med"/>
+            <a:tailEnd type="oval" w="med" len="med"/>
+          </a:ln>
+        </p:spPr>
+        <p:style>
+          <a:lnRef idx="3">
+            <a:schemeClr val="dk1"/>
+          </a:lnRef>
+          <a:fillRef idx="0">
+            <a:schemeClr val="dk1"/>
+          </a:fillRef>
+          <a:effectRef idx="2">
+            <a:schemeClr val="dk1"/>
+          </a:effectRef>
+          <a:fontRef idx="minor">
+            <a:schemeClr val="tx1"/>
+          </a:fontRef>
+        </p:style>
+      </p:cxnSp>
+      <p:cxnSp>
+        <p:nvCxnSpPr>
+          <p:cNvPr id="84" name="直線コネクタ 83"/>
+          <p:cNvCxnSpPr/>
+          <p:nvPr/>
+        </p:nvCxnSpPr>
+        <p:spPr>
+          <a:xfrm flipH="1">
+            <a:off x="1734808" y="2470068"/>
+            <a:ext cx="1658491" cy="4727"/>
+          </a:xfrm>
+          <a:prstGeom prst="line">
+            <a:avLst/>
+          </a:prstGeom>
+          <a:ln>
+            <a:headEnd type="oval" w="med" len="med"/>
+            <a:tailEnd type="oval" w="med" len="med"/>
+          </a:ln>
+        </p:spPr>
+        <p:style>
+          <a:lnRef idx="3">
+            <a:schemeClr val="dk1"/>
+          </a:lnRef>
+          <a:fillRef idx="0">
+            <a:schemeClr val="dk1"/>
+          </a:fillRef>
+          <a:effectRef idx="2">
+            <a:schemeClr val="dk1"/>
+          </a:effectRef>
+          <a:fontRef idx="minor">
+            <a:schemeClr val="tx1"/>
+          </a:fontRef>
+        </p:style>
+      </p:cxnSp>
+      <p:sp>
+        <p:nvSpPr>
+          <p:cNvPr id="93" name="正方形/長方形 92"/>
+          <p:cNvSpPr/>
+          <p:nvPr/>
+        </p:nvSpPr>
+        <p:spPr>
+          <a:xfrm>
+            <a:off x="3314856" y="2048577"/>
+            <a:ext cx="427692" cy="177093"/>
+          </a:xfrm>
+          <a:prstGeom prst="rect">
+            <a:avLst/>
+          </a:prstGeom>
+          <a:solidFill>
+            <a:srgbClr val="0070C0"/>
+          </a:solidFill>
+        </p:spPr>
+        <p:style>
+          <a:lnRef idx="2">
+            <a:schemeClr val="accent1">
+              <a:shade val="50000"/>
+            </a:schemeClr>
+          </a:lnRef>
+          <a:fillRef idx="1">
+            <a:schemeClr val="accent1"/>
+          </a:fillRef>
+          <a:effectRef idx="0">
+            <a:schemeClr val="accent1"/>
+          </a:effectRef>
+          <a:fontRef idx="minor">
+            <a:schemeClr val="lt1"/>
+          </a:fontRef>
+        </p:style>
+        <p:txBody>
+          <a:bodyPr rtlCol="0" anchor="ctr"/>
+          <a:lstStyle/>
+          <a:p>
+            <a:pPr algn="ctr"/>
+            <a:r>
+              <a:rPr kumimoji="1" lang="en-US" altLang="ja-JP" sz="1000" dirty="0"/>
+              <a:t>-IN</a:t>
+            </a:r>
+            <a:endParaRPr kumimoji="1" lang="ja-JP" altLang="en-US" sz="1000" dirty="0"/>
+          </a:p>
+        </p:txBody>
+      </p:sp>
+      <p:sp>
+        <p:nvSpPr>
+          <p:cNvPr id="94" name="正方形/長方形 93"/>
+          <p:cNvSpPr/>
+          <p:nvPr/>
+        </p:nvSpPr>
+        <p:spPr>
+          <a:xfrm>
+            <a:off x="3306671" y="1828172"/>
+            <a:ext cx="427692" cy="177093"/>
+          </a:xfrm>
+          <a:prstGeom prst="rect">
+            <a:avLst/>
+          </a:prstGeom>
+          <a:solidFill>
+            <a:srgbClr val="0070C0"/>
+          </a:solidFill>
+        </p:spPr>
+        <p:style>
+          <a:lnRef idx="2">
+            <a:schemeClr val="accent1">
+              <a:shade val="50000"/>
+            </a:schemeClr>
+          </a:lnRef>
+          <a:fillRef idx="1">
+            <a:schemeClr val="accent1"/>
+          </a:fillRef>
+          <a:effectRef idx="0">
+            <a:schemeClr val="accent1"/>
+          </a:effectRef>
+          <a:fontRef idx="minor">
+            <a:schemeClr val="lt1"/>
+          </a:fontRef>
+        </p:style>
+        <p:txBody>
+          <a:bodyPr rtlCol="0" anchor="ctr"/>
+          <a:lstStyle/>
+          <a:p>
+            <a:pPr algn="ctr"/>
+            <a:r>
+              <a:rPr kumimoji="1" lang="en-US" altLang="ja-JP" sz="1000" dirty="0"/>
+              <a:t>+IN</a:t>
+            </a:r>
+            <a:endParaRPr kumimoji="1" lang="ja-JP" altLang="en-US" sz="1000" dirty="0"/>
+          </a:p>
+        </p:txBody>
+      </p:sp>
+      <p:sp>
+        <p:nvSpPr>
+          <p:cNvPr id="95" name="四角形: 角を丸くする 94"/>
+          <p:cNvSpPr/>
+          <p:nvPr/>
+        </p:nvSpPr>
+        <p:spPr>
+          <a:xfrm>
+            <a:off x="209550" y="1162050"/>
+            <a:ext cx="3686175" cy="1547350"/>
+          </a:xfrm>
+          <a:prstGeom prst="roundRect">
+            <a:avLst/>
+          </a:prstGeom>
+          <a:noFill/>
+          <a:ln w="28575" cap="flat" cmpd="sng" algn="ctr">
+            <a:solidFill>
+              <a:schemeClr val="dk1"/>
+            </a:solidFill>
+            <a:prstDash val="sysDot"/>
+            <a:round/>
+            <a:headEnd type="none" w="med" len="med"/>
+            <a:tailEnd type="none" w="med" len="med"/>
+          </a:ln>
+        </p:spPr>
+        <p:style>
+          <a:lnRef idx="0">
+            <a:scrgbClr r="0" g="0" b="0"/>
+          </a:lnRef>
+          <a:fillRef idx="0">
+            <a:scrgbClr r="0" g="0" b="0"/>
+          </a:fillRef>
+          <a:effectRef idx="0">
+            <a:scrgbClr r="0" g="0" b="0"/>
+          </a:effectRef>
+          <a:fontRef idx="minor">
+            <a:schemeClr val="dk1"/>
+          </a:fontRef>
+        </p:style>
+        <p:txBody>
+          <a:bodyPr rtlCol="0" anchor="ctr"/>
+          <a:lstStyle/>
+          <a:p>
+            <a:pPr algn="ctr"/>
+            <a:endParaRPr kumimoji="1" lang="ja-JP" altLang="en-US"/>
+          </a:p>
+        </p:txBody>
+      </p:sp>
+      <p:sp>
+        <p:nvSpPr>
+          <p:cNvPr id="96" name="テキスト ボックス 95"/>
+          <p:cNvSpPr txBox="1"/>
+          <p:nvPr/>
+        </p:nvSpPr>
+        <p:spPr>
+          <a:xfrm>
+            <a:off x="2406109" y="2702456"/>
+            <a:ext cx="425116" cy="369332"/>
+          </a:xfrm>
+          <a:prstGeom prst="rect">
+            <a:avLst/>
+          </a:prstGeom>
+          <a:solidFill>
+            <a:schemeClr val="tx1"/>
+          </a:solidFill>
+        </p:spPr>
+        <p:txBody>
+          <a:bodyPr wrap="none" rtlCol="0">
+            <a:spAutoFit/>
+          </a:bodyPr>
+          <a:lstStyle/>
+          <a:p>
+            <a:r>
+              <a:rPr kumimoji="1" lang="en-US" altLang="ja-JP" dirty="0">
+                <a:solidFill>
+                  <a:schemeClr val="bg1"/>
+                </a:solidFill>
+              </a:rPr>
+              <a:t>x3</a:t>
+            </a:r>
+            <a:endParaRPr kumimoji="1" lang="ja-JP" altLang="en-US" dirty="0">
+              <a:solidFill>
+                <a:schemeClr val="bg1"/>
+              </a:solidFill>
+            </a:endParaRPr>
+          </a:p>
+        </p:txBody>
+      </p:sp>
+      <p:sp>
+        <p:nvSpPr>
+          <p:cNvPr id="71" name="四角形: 角を丸くする 70"/>
+          <p:cNvSpPr/>
+          <p:nvPr/>
+        </p:nvSpPr>
+        <p:spPr>
+          <a:xfrm>
+            <a:off x="608117" y="3291600"/>
+            <a:ext cx="7009824" cy="2161173"/>
+          </a:xfrm>
+          <a:prstGeom prst="roundRect">
+            <a:avLst/>
+          </a:prstGeom>
+          <a:noFill/>
+          <a:ln w="28575" cap="flat" cmpd="sng" algn="ctr">
+            <a:solidFill>
+              <a:schemeClr val="dk1"/>
+            </a:solidFill>
+            <a:prstDash val="sysDot"/>
+            <a:round/>
+            <a:headEnd type="none" w="med" len="med"/>
+            <a:tailEnd type="none" w="med" len="med"/>
+          </a:ln>
+        </p:spPr>
+        <p:style>
+          <a:lnRef idx="0">
+            <a:scrgbClr r="0" g="0" b="0"/>
+          </a:lnRef>
+          <a:fillRef idx="0">
+            <a:scrgbClr r="0" g="0" b="0"/>
+          </a:fillRef>
+          <a:effectRef idx="0">
+            <a:scrgbClr r="0" g="0" b="0"/>
+          </a:effectRef>
+          <a:fontRef idx="minor">
+            <a:schemeClr val="dk1"/>
+          </a:fontRef>
+        </p:style>
+        <p:txBody>
+          <a:bodyPr rtlCol="0" anchor="ctr"/>
+          <a:lstStyle/>
+          <a:p>
+            <a:pPr algn="ctr"/>
+            <a:endParaRPr kumimoji="1" lang="ja-JP" altLang="en-US"/>
+          </a:p>
+        </p:txBody>
+      </p:sp>
+      <p:sp>
+        <p:nvSpPr>
+          <p:cNvPr id="73" name="テキスト ボックス 72"/>
+          <p:cNvSpPr txBox="1"/>
+          <p:nvPr/>
+        </p:nvSpPr>
+        <p:spPr>
+          <a:xfrm>
+            <a:off x="1053011" y="5448364"/>
+            <a:ext cx="2592232" cy="369332"/>
+          </a:xfrm>
+          <a:prstGeom prst="rect">
+            <a:avLst/>
+          </a:prstGeom>
+          <a:solidFill>
+            <a:schemeClr val="tx1"/>
+          </a:solidFill>
+        </p:spPr>
+        <p:txBody>
+          <a:bodyPr wrap="square" rtlCol="0">
+            <a:spAutoFit/>
+          </a:bodyPr>
+          <a:lstStyle/>
+          <a:p>
+            <a:r>
+              <a:rPr kumimoji="1" lang="en-US" altLang="ja-JP" dirty="0">
+                <a:solidFill>
+                  <a:schemeClr val="bg1"/>
+                </a:solidFill>
+              </a:rPr>
+              <a:t>P</a:t>
+            </a:r>
+            <a:r>
+              <a:rPr kumimoji="1" lang="ja-JP" altLang="en-US" dirty="0">
+                <a:solidFill>
+                  <a:schemeClr val="bg1"/>
+                </a:solidFill>
+              </a:rPr>
+              <a:t>の要望により廃止</a:t>
+            </a:r>
+            <a:r>
+              <a:rPr kumimoji="1" lang="en-US" altLang="ja-JP" sz="1000" dirty="0">
+                <a:solidFill>
+                  <a:schemeClr val="bg1"/>
+                </a:solidFill>
+              </a:rPr>
+              <a:t>170410</a:t>
+            </a:r>
+            <a:endParaRPr kumimoji="1" lang="ja-JP" altLang="en-US" sz="1000" dirty="0">
+              <a:solidFill>
+                <a:schemeClr val="bg1"/>
+              </a:solidFill>
+            </a:endParaRPr>
+          </a:p>
+        </p:txBody>
+      </p:sp>
+    </p:spTree>
+    <p:extLst>
+      <p:ext uri="{BB962C8B-B14F-4D97-AF65-F5344CB8AC3E}">
+        <p14:creationId xmlns:p14="http://schemas.microsoft.com/office/powerpoint/2010/main" val="1762455208"/>
+      </p:ext>
+    </p:extLst>
+  </p:cSld>
+  <p:clrMapOvr>
+    <a:masterClrMapping/>
+  </p:clrMapOvr>
+</p:sld>
+</file>
+
+<file path=ppt/slides/slide8.xml><?xml version="1.0" encoding="utf-8"?>
+<p:sld xmlns:a="http://schemas.openxmlformats.org/drawingml/2006/main" xmlns:r="http://schemas.openxmlformats.org/officeDocument/2006/relationships" xmlns:p="http://schemas.openxmlformats.org/presentationml/2006/main">
+  <p:cSld>
+    <p:spTree>
+      <p:nvGrpSpPr>
+        <p:cNvPr id="1" name=""/>
+        <p:cNvGrpSpPr/>
+        <p:nvPr/>
+      </p:nvGrpSpPr>
+      <p:grpSpPr>
+        <a:xfrm>
+          <a:off x="0" y="0"/>
+          <a:ext cx="0" cy="0"/>
+          <a:chOff x="0" y="0"/>
+          <a:chExt cx="0" cy="0"/>
+        </a:xfrm>
+      </p:grpSpPr>
+      <p:sp>
+        <p:nvSpPr>
+          <p:cNvPr id="2" name="タイトル 1"/>
+          <p:cNvSpPr>
+            <a:spLocks noGrp="1"/>
+          </p:cNvSpPr>
+          <p:nvPr>
+            <p:ph type="title"/>
+          </p:nvPr>
+        </p:nvSpPr>
+        <p:spPr/>
+        <p:txBody>
+          <a:bodyPr/>
+          <a:lstStyle/>
+          <a:p>
+            <a:r>
+              <a:rPr kumimoji="1" lang="ja-JP" altLang="en-US" dirty="0"/>
+              <a:t>計測系主</a:t>
+            </a:r>
+            <a:r>
+              <a:rPr kumimoji="1" lang="en-US" altLang="ja-JP" dirty="0" err="1"/>
+              <a:t>μC</a:t>
+            </a:r>
+            <a:r>
+              <a:rPr kumimoji="1" lang="ja-JP" altLang="en-US" dirty="0"/>
+              <a:t>への</a:t>
+            </a:r>
+            <a:r>
+              <a:rPr kumimoji="1" lang="en-US" altLang="ja-JP" dirty="0" err="1"/>
+              <a:t>Genuino</a:t>
+            </a:r>
+            <a:r>
+              <a:rPr kumimoji="1" lang="en-US" altLang="ja-JP" dirty="0"/>
+              <a:t> 101</a:t>
+            </a:r>
+            <a:r>
+              <a:rPr kumimoji="1" lang="ja-JP" altLang="en-US" dirty="0"/>
+              <a:t>の採用検討</a:t>
+            </a:r>
+          </a:p>
+        </p:txBody>
+      </p:sp>
+      <p:sp>
+        <p:nvSpPr>
+          <p:cNvPr id="3" name="コンテンツ プレースホルダー 2"/>
+          <p:cNvSpPr>
+            <a:spLocks noGrp="1"/>
+          </p:cNvSpPr>
+          <p:nvPr>
+            <p:ph idx="1"/>
+          </p:nvPr>
+        </p:nvSpPr>
+        <p:spPr/>
+        <p:txBody>
+          <a:bodyPr>
+            <a:normAutofit fontScale="55000" lnSpcReduction="20000"/>
+          </a:bodyPr>
+          <a:lstStyle/>
+          <a:p>
+            <a:r>
+              <a:rPr lang="ja-JP" altLang="en-US" dirty="0"/>
+              <a:t>電装系の小型軽量化が期待できる</a:t>
+            </a:r>
+            <a:endParaRPr lang="en-US" altLang="ja-JP" dirty="0"/>
+          </a:p>
+          <a:p>
+            <a:r>
+              <a:rPr lang="ja-JP" altLang="en-US" dirty="0"/>
+              <a:t>高動作周波数と大容量メモリによって、各基板を集約したうえで安定した動作が可能</a:t>
+            </a:r>
+            <a:endParaRPr lang="en-US" altLang="ja-JP" dirty="0"/>
+          </a:p>
+          <a:p>
+            <a:r>
+              <a:rPr lang="en-US" altLang="ja-JP" dirty="0"/>
+              <a:t>4980</a:t>
+            </a:r>
+            <a:r>
+              <a:rPr lang="ja-JP" altLang="en-US" dirty="0"/>
+              <a:t>円</a:t>
+            </a:r>
+            <a:endParaRPr lang="en-US" altLang="ja-JP" dirty="0"/>
+          </a:p>
+          <a:p>
+            <a:r>
+              <a:rPr lang="ja-JP" altLang="en-US" dirty="0"/>
+              <a:t>スペック</a:t>
+            </a:r>
+          </a:p>
+          <a:p>
+            <a:pPr lvl="1"/>
+            <a:r>
+              <a:rPr lang="en-US" altLang="ja-JP" dirty="0"/>
+              <a:t>CPU: Intel Curie</a:t>
+            </a:r>
+          </a:p>
+          <a:p>
+            <a:pPr lvl="1"/>
+            <a:r>
+              <a:rPr lang="ja-JP" altLang="en-US" dirty="0"/>
+              <a:t>動作電圧</a:t>
+            </a:r>
+            <a:r>
+              <a:rPr lang="en-US" altLang="ja-JP" dirty="0"/>
+              <a:t>: 3.3 V </a:t>
+            </a:r>
+            <a:r>
+              <a:rPr lang="ja-JP" altLang="en-US" dirty="0"/>
+              <a:t>（</a:t>
+            </a:r>
+            <a:r>
+              <a:rPr lang="en-US" altLang="ja-JP" dirty="0"/>
+              <a:t>5 V</a:t>
+            </a:r>
+            <a:r>
+              <a:rPr lang="ja-JP" altLang="en-US" dirty="0"/>
+              <a:t>トレラント）</a:t>
+            </a:r>
+          </a:p>
+          <a:p>
+            <a:pPr lvl="1"/>
+            <a:r>
+              <a:rPr lang="ja-JP" altLang="en-US" dirty="0"/>
+              <a:t>推奨入力電圧</a:t>
+            </a:r>
+            <a:r>
+              <a:rPr lang="en-US" altLang="ja-JP" dirty="0"/>
+              <a:t>: 7-12 V</a:t>
+            </a:r>
+          </a:p>
+          <a:p>
+            <a:pPr lvl="1"/>
+            <a:r>
+              <a:rPr lang="ja-JP" altLang="en-US" dirty="0"/>
+              <a:t>最大入力電圧</a:t>
+            </a:r>
+            <a:r>
+              <a:rPr lang="en-US" altLang="ja-JP" dirty="0"/>
+              <a:t>: 7-20 V</a:t>
+            </a:r>
+          </a:p>
+          <a:p>
+            <a:pPr lvl="1"/>
+            <a:r>
+              <a:rPr lang="ja-JP" altLang="en-US" dirty="0"/>
+              <a:t>デジタル入出力端子</a:t>
+            </a:r>
+            <a:r>
+              <a:rPr lang="en-US" altLang="ja-JP" dirty="0"/>
+              <a:t>: 14 </a:t>
+            </a:r>
+            <a:r>
+              <a:rPr lang="ja-JP" altLang="en-US" dirty="0"/>
+              <a:t>本 （内 </a:t>
+            </a:r>
+            <a:r>
+              <a:rPr lang="en-US" altLang="ja-JP" dirty="0"/>
+              <a:t>4 </a:t>
+            </a:r>
+            <a:r>
+              <a:rPr lang="ja-JP" altLang="en-US" dirty="0"/>
+              <a:t>本が</a:t>
+            </a:r>
+            <a:r>
+              <a:rPr lang="en-US" altLang="ja-JP" dirty="0"/>
+              <a:t>PWM</a:t>
+            </a:r>
+            <a:r>
+              <a:rPr lang="ja-JP" altLang="en-US" dirty="0"/>
+              <a:t>出力可能）</a:t>
+            </a:r>
+          </a:p>
+          <a:p>
+            <a:pPr lvl="1"/>
+            <a:r>
+              <a:rPr lang="ja-JP" altLang="en-US" dirty="0"/>
+              <a:t>アナログ入出力端子</a:t>
+            </a:r>
+            <a:r>
+              <a:rPr lang="en-US" altLang="ja-JP" dirty="0"/>
+              <a:t>: 6 </a:t>
+            </a:r>
+            <a:r>
+              <a:rPr lang="ja-JP" altLang="en-US" dirty="0"/>
+              <a:t>本</a:t>
+            </a:r>
+          </a:p>
+          <a:p>
+            <a:pPr lvl="1"/>
+            <a:r>
+              <a:rPr lang="en-US" altLang="ja-JP" dirty="0"/>
+              <a:t>I/O</a:t>
+            </a:r>
+            <a:r>
+              <a:rPr lang="ja-JP" altLang="en-US" dirty="0"/>
+              <a:t>ピン最大出力電流</a:t>
+            </a:r>
+            <a:r>
+              <a:rPr lang="en-US" altLang="ja-JP" dirty="0"/>
+              <a:t>: 4 mA</a:t>
+            </a:r>
+          </a:p>
+          <a:p>
+            <a:pPr lvl="1"/>
+            <a:r>
+              <a:rPr lang="ja-JP" altLang="en-US" dirty="0"/>
+              <a:t>フラッシュメモリ</a:t>
+            </a:r>
+            <a:r>
+              <a:rPr lang="en-US" altLang="ja-JP" dirty="0"/>
+              <a:t>: 196 KB</a:t>
+            </a:r>
+          </a:p>
+          <a:p>
+            <a:pPr lvl="1"/>
+            <a:r>
+              <a:rPr lang="en-US" altLang="ja-JP" dirty="0"/>
+              <a:t>SRAM: 24 KB</a:t>
+            </a:r>
+          </a:p>
+          <a:p>
+            <a:pPr lvl="1"/>
+            <a:r>
+              <a:rPr lang="ja-JP" altLang="en-US" dirty="0"/>
+              <a:t>動作周波数</a:t>
+            </a:r>
+            <a:r>
+              <a:rPr lang="en-US" altLang="ja-JP" dirty="0"/>
+              <a:t>: 32 MHz</a:t>
+            </a:r>
+          </a:p>
+          <a:p>
+            <a:pPr lvl="1"/>
+            <a:r>
+              <a:rPr lang="ja-JP" altLang="en-US" dirty="0"/>
+              <a:t>特徴</a:t>
+            </a:r>
+            <a:r>
+              <a:rPr lang="en-US" altLang="ja-JP" dirty="0"/>
+              <a:t>:</a:t>
+            </a:r>
+          </a:p>
+          <a:p>
+            <a:pPr lvl="1"/>
+            <a:r>
+              <a:rPr lang="en-US" altLang="ja-JP" dirty="0"/>
+              <a:t>BLE</a:t>
+            </a:r>
+            <a:r>
+              <a:rPr lang="ja-JP" altLang="en-US" dirty="0"/>
+              <a:t>（</a:t>
+            </a:r>
+            <a:r>
+              <a:rPr lang="en-US" altLang="ja-JP" dirty="0"/>
+              <a:t>Bluetooth Low Energy</a:t>
+            </a:r>
+            <a:r>
+              <a:rPr lang="ja-JP" altLang="en-US" dirty="0"/>
+              <a:t>）</a:t>
+            </a:r>
+          </a:p>
+          <a:p>
+            <a:pPr lvl="1"/>
+            <a:r>
+              <a:rPr lang="en-US" altLang="ja-JP" dirty="0"/>
+              <a:t>6</a:t>
+            </a:r>
+            <a:r>
+              <a:rPr lang="ja-JP" altLang="en-US" dirty="0"/>
+              <a:t>自由度の慣性計測装置（</a:t>
+            </a:r>
+            <a:r>
+              <a:rPr lang="en-US" altLang="ja-JP" dirty="0"/>
+              <a:t>3</a:t>
+            </a:r>
+            <a:r>
+              <a:rPr lang="ja-JP" altLang="en-US" dirty="0"/>
+              <a:t>軸の加速度センサと</a:t>
+            </a:r>
+            <a:r>
+              <a:rPr lang="en-US" altLang="ja-JP" dirty="0"/>
+              <a:t>3</a:t>
+            </a:r>
+            <a:r>
+              <a:rPr lang="ja-JP" altLang="en-US" dirty="0"/>
+              <a:t>軸のジャイロセンサ）</a:t>
+            </a:r>
+          </a:p>
+          <a:p>
+            <a:pPr lvl="1"/>
+            <a:r>
+              <a:rPr lang="ja-JP" altLang="en-US" dirty="0"/>
+              <a:t>サイズ</a:t>
+            </a:r>
+            <a:r>
+              <a:rPr lang="en-US" altLang="ja-JP" dirty="0"/>
+              <a:t>: 68.6 mm × 53.4 mm</a:t>
+            </a:r>
+            <a:endParaRPr kumimoji="1" lang="ja-JP" altLang="en-US" dirty="0"/>
+          </a:p>
+        </p:txBody>
+      </p:sp>
+    </p:spTree>
+    <p:extLst>
+      <p:ext uri="{BB962C8B-B14F-4D97-AF65-F5344CB8AC3E}">
+        <p14:creationId xmlns:p14="http://schemas.microsoft.com/office/powerpoint/2010/main" val="1668184529"/>
+      </p:ext>
+    </p:extLst>
+  </p:cSld>
+  <p:clrMapOvr>
+    <a:masterClrMapping/>
+  </p:clrMapOvr>
+</p:sld>
+</file>
+
+<file path=ppt/slides/slide9.xml><?xml version="1.0" encoding="utf-8"?>
+<p:sld xmlns:a="http://schemas.openxmlformats.org/drawingml/2006/main" xmlns:r="http://schemas.openxmlformats.org/officeDocument/2006/relationships" xmlns:p="http://schemas.openxmlformats.org/presentationml/2006/main">
+  <p:cSld>
+    <p:spTree>
+      <p:nvGrpSpPr>
+        <p:cNvPr id="1" name=""/>
+        <p:cNvGrpSpPr/>
+        <p:nvPr/>
+      </p:nvGrpSpPr>
+      <p:grpSpPr>
+        <a:xfrm>
+          <a:off x="0" y="0"/>
+          <a:ext cx="0" cy="0"/>
+          <a:chOff x="0" y="0"/>
+          <a:chExt cx="0" cy="0"/>
+        </a:xfrm>
+      </p:grpSpPr>
+      <p:sp>
+        <p:nvSpPr>
+          <p:cNvPr id="2" name="タイトル 1"/>
+          <p:cNvSpPr>
+            <a:spLocks noGrp="1"/>
+          </p:cNvSpPr>
+          <p:nvPr>
+            <p:ph type="title"/>
+          </p:nvPr>
+        </p:nvSpPr>
+        <p:spPr/>
+        <p:txBody>
+          <a:bodyPr/>
+          <a:lstStyle/>
+          <a:p>
+            <a:r>
+              <a:rPr lang="ja-JP" altLang="en-US" dirty="0"/>
+              <a:t>計測系主</a:t>
+            </a:r>
+            <a:r>
+              <a:rPr lang="en-US" altLang="ja-JP" dirty="0" err="1"/>
+              <a:t>μC</a:t>
+            </a:r>
+            <a:r>
+              <a:rPr lang="ja-JP" altLang="en-US" dirty="0"/>
+              <a:t>への</a:t>
+            </a:r>
+            <a:r>
+              <a:rPr lang="en-US" altLang="ja-JP" dirty="0" err="1"/>
+              <a:t>Genuino</a:t>
+            </a:r>
+            <a:r>
+              <a:rPr lang="en-US" altLang="ja-JP" dirty="0"/>
+              <a:t> 101</a:t>
+            </a:r>
+            <a:r>
+              <a:rPr lang="ja-JP" altLang="en-US" dirty="0"/>
+              <a:t>の採用検討</a:t>
+            </a:r>
+            <a:endParaRPr kumimoji="1" lang="ja-JP" altLang="en-US" dirty="0"/>
+          </a:p>
+        </p:txBody>
+      </p:sp>
+      <p:sp>
+        <p:nvSpPr>
+          <p:cNvPr id="3" name="コンテンツ プレースホルダー 2"/>
+          <p:cNvSpPr>
+            <a:spLocks noGrp="1"/>
+          </p:cNvSpPr>
+          <p:nvPr>
+            <p:ph idx="1"/>
+          </p:nvPr>
+        </p:nvSpPr>
+        <p:spPr/>
+        <p:txBody>
+          <a:bodyPr/>
+          <a:lstStyle/>
+          <a:p>
+            <a:r>
+              <a:rPr kumimoji="1" lang="ja-JP" altLang="en-US" dirty="0"/>
+              <a:t>デメリット</a:t>
+            </a:r>
+            <a:endParaRPr kumimoji="1" lang="en-US" altLang="ja-JP" dirty="0"/>
+          </a:p>
+          <a:p>
+            <a:pPr lvl="1"/>
+            <a:r>
+              <a:rPr lang="en-US" altLang="ja-JP" dirty="0"/>
+              <a:t>3.3V</a:t>
+            </a:r>
+            <a:r>
+              <a:rPr lang="ja-JP" altLang="en-US" dirty="0"/>
+              <a:t>動作なので</a:t>
+            </a:r>
+            <a:r>
+              <a:rPr lang="en-US" altLang="ja-JP" dirty="0"/>
+              <a:t>LED</a:t>
+            </a:r>
+            <a:r>
+              <a:rPr lang="ja-JP" altLang="en-US" dirty="0"/>
+              <a:t>表示器を十分な明るさで駆動できないかも</a:t>
+            </a:r>
+            <a:endParaRPr lang="en-US" altLang="ja-JP" dirty="0"/>
+          </a:p>
+          <a:p>
+            <a:pPr lvl="2"/>
+            <a:r>
+              <a:rPr kumimoji="1" lang="ja-JP" altLang="en-US" dirty="0"/>
+              <a:t>間にトランジスタを</a:t>
+            </a:r>
+            <a:r>
+              <a:rPr lang="ja-JP" altLang="en-US" dirty="0"/>
+              <a:t>噛まして</a:t>
+            </a:r>
+            <a:r>
+              <a:rPr kumimoji="1" lang="ja-JP" altLang="en-US" dirty="0"/>
+              <a:t>駆動可能</a:t>
+            </a:r>
+            <a:endParaRPr lang="en-US" altLang="ja-JP" dirty="0"/>
+          </a:p>
+          <a:p>
+            <a:pPr lvl="3"/>
+            <a:r>
+              <a:rPr kumimoji="1" lang="ja-JP" altLang="en-US" dirty="0"/>
+              <a:t>この方法は去年の高度計表示器で実績あり</a:t>
+            </a:r>
+            <a:endParaRPr lang="en-US" altLang="ja-JP" dirty="0"/>
+          </a:p>
+          <a:p>
+            <a:pPr lvl="1"/>
+            <a:r>
+              <a:rPr kumimoji="1" lang="en-US" altLang="ja-JP" dirty="0"/>
+              <a:t>Bluetooth</a:t>
+            </a:r>
+            <a:r>
+              <a:rPr kumimoji="1" lang="ja-JP" altLang="en-US" dirty="0"/>
+              <a:t>や</a:t>
+            </a:r>
+            <a:r>
+              <a:rPr kumimoji="1" lang="en-US" altLang="ja-JP" dirty="0"/>
+              <a:t>6</a:t>
+            </a:r>
+            <a:r>
+              <a:rPr kumimoji="1" lang="ja-JP" altLang="en-US" dirty="0"/>
+              <a:t>軸</a:t>
+            </a:r>
+            <a:r>
+              <a:rPr lang="ja-JP" altLang="en-US" dirty="0"/>
+              <a:t>慣性センサがついていてオーバースペック気味</a:t>
+            </a:r>
+            <a:endParaRPr lang="en-US" altLang="ja-JP" dirty="0"/>
+          </a:p>
+          <a:p>
+            <a:pPr lvl="2"/>
+            <a:r>
+              <a:rPr lang="ja-JP" altLang="en-US" dirty="0"/>
+              <a:t>若干高価</a:t>
+            </a:r>
+            <a:endParaRPr lang="en-US" altLang="ja-JP" dirty="0"/>
+          </a:p>
+          <a:p>
+            <a:pPr lvl="2"/>
+            <a:r>
+              <a:rPr lang="ja-JP" altLang="en-US" dirty="0"/>
+              <a:t>正規品の</a:t>
+            </a:r>
+            <a:r>
+              <a:rPr lang="en-US" altLang="ja-JP" dirty="0"/>
+              <a:t>Arduino</a:t>
+            </a:r>
+            <a:r>
+              <a:rPr lang="ja-JP" altLang="en-US" dirty="0"/>
+              <a:t>で</a:t>
+            </a:r>
+            <a:r>
+              <a:rPr lang="en-US" altLang="ja-JP" dirty="0"/>
+              <a:t>32MHz</a:t>
+            </a:r>
+            <a:r>
+              <a:rPr lang="ja-JP" altLang="en-US" dirty="0"/>
+              <a:t>動作するものがこれしかなかった</a:t>
+            </a:r>
+            <a:endParaRPr lang="en-US" altLang="ja-JP" dirty="0"/>
+          </a:p>
+        </p:txBody>
+      </p:sp>
+    </p:spTree>
+    <p:extLst>
+      <p:ext uri="{BB962C8B-B14F-4D97-AF65-F5344CB8AC3E}">
+        <p14:creationId xmlns:p14="http://schemas.microsoft.com/office/powerpoint/2010/main" val="274004437"/>
       </p:ext>
     </p:extLst>
   </p:cSld>

--- a/電装全体構成_TORICA_17_LUMINOUS.pptx
+++ b/電装全体構成_TORICA_17_LUMINOUS.pptx
@@ -17,9 +17,12 @@
     <p:sldId id="266" r:id="rId11"/>
     <p:sldId id="267" r:id="rId12"/>
     <p:sldId id="269" r:id="rId13"/>
-    <p:sldId id="270" r:id="rId14"/>
-    <p:sldId id="271" r:id="rId15"/>
-    <p:sldId id="273" r:id="rId16"/>
+    <p:sldId id="274" r:id="rId14"/>
+    <p:sldId id="270" r:id="rId15"/>
+    <p:sldId id="271" r:id="rId16"/>
+    <p:sldId id="275" r:id="rId17"/>
+    <p:sldId id="273" r:id="rId18"/>
+    <p:sldId id="276" r:id="rId19"/>
   </p:sldIdLst>
   <p:sldSz cx="12192000" cy="6858000"/>
   <p:notesSz cx="6858000" cy="9144000"/>
@@ -6694,7 +6697,7 @@
             </a:br>
             <a:r>
               <a:rPr lang="ja-JP" altLang="en-US" dirty="0"/>
-              <a:t>故障リスクの推算</a:t>
+              <a:t>故障リスクの推算　方式③</a:t>
             </a:r>
             <a:endParaRPr kumimoji="1" lang="ja-JP" altLang="en-US" dirty="0"/>
           </a:p>
@@ -6702,205 +6705,1492 @@
       </p:sp>
       <p:sp>
         <p:nvSpPr>
-          <p:cNvPr id="3" name="コンテンツ プレースホルダー 2"/>
-          <p:cNvSpPr>
-            <a:spLocks noGrp="1"/>
-          </p:cNvSpPr>
-          <p:nvPr>
-            <p:ph idx="1"/>
-          </p:nvPr>
-        </p:nvSpPr>
-        <p:spPr/>
-        <p:txBody>
-          <a:bodyPr/>
-          <a:lstStyle/>
-          <a:p>
+          <p:cNvPr id="4" name="正方形/長方形 3"/>
+          <p:cNvSpPr/>
+          <p:nvPr/>
+        </p:nvSpPr>
+        <p:spPr>
+          <a:xfrm>
+            <a:off x="6586878" y="3903138"/>
+            <a:ext cx="914400" cy="914400"/>
+          </a:xfrm>
+          <a:prstGeom prst="rect">
+            <a:avLst/>
+          </a:prstGeom>
+        </p:spPr>
+        <p:style>
+          <a:lnRef idx="2">
+            <a:schemeClr val="accent1">
+              <a:shade val="50000"/>
+            </a:schemeClr>
+          </a:lnRef>
+          <a:fillRef idx="1">
+            <a:schemeClr val="accent1"/>
+          </a:fillRef>
+          <a:effectRef idx="0">
+            <a:schemeClr val="accent1"/>
+          </a:effectRef>
+          <a:fontRef idx="minor">
+            <a:schemeClr val="lt1"/>
+          </a:fontRef>
+        </p:style>
+        <p:txBody>
+          <a:bodyPr rtlCol="0" anchor="ctr"/>
+          <a:lstStyle/>
+          <a:p>
+            <a:pPr algn="ctr"/>
+            <a:r>
+              <a:rPr lang="en-US" altLang="ja-JP" dirty="0"/>
+              <a:t>SV</a:t>
+            </a:r>
+            <a:r>
+              <a:rPr kumimoji="1" lang="en-US" altLang="ja-JP" dirty="0"/>
+              <a:t>_H</a:t>
+            </a:r>
+            <a:endParaRPr kumimoji="1" lang="ja-JP" altLang="en-US" dirty="0"/>
+          </a:p>
+        </p:txBody>
+      </p:sp>
+      <p:sp>
+        <p:nvSpPr>
+          <p:cNvPr id="5" name="正方形/長方形 4"/>
+          <p:cNvSpPr/>
+          <p:nvPr/>
+        </p:nvSpPr>
+        <p:spPr>
+          <a:xfrm>
+            <a:off x="9757439" y="3909688"/>
+            <a:ext cx="914400" cy="914400"/>
+          </a:xfrm>
+          <a:prstGeom prst="rect">
+            <a:avLst/>
+          </a:prstGeom>
+        </p:spPr>
+        <p:style>
+          <a:lnRef idx="2">
+            <a:schemeClr val="accent1">
+              <a:shade val="50000"/>
+            </a:schemeClr>
+          </a:lnRef>
+          <a:fillRef idx="1">
+            <a:schemeClr val="accent1"/>
+          </a:fillRef>
+          <a:effectRef idx="0">
+            <a:schemeClr val="accent1"/>
+          </a:effectRef>
+          <a:fontRef idx="minor">
+            <a:schemeClr val="lt1"/>
+          </a:fontRef>
+        </p:style>
+        <p:txBody>
+          <a:bodyPr rtlCol="0" anchor="ctr"/>
+          <a:lstStyle/>
+          <a:p>
+            <a:pPr algn="ctr"/>
+            <a:r>
+              <a:rPr lang="en-US" altLang="ja-JP" dirty="0"/>
+              <a:t>SV</a:t>
+            </a:r>
+            <a:r>
+              <a:rPr kumimoji="1" lang="en-US" altLang="ja-JP" dirty="0"/>
+              <a:t>_V</a:t>
+            </a:r>
+            <a:endParaRPr kumimoji="1" lang="ja-JP" altLang="en-US" dirty="0"/>
+          </a:p>
+        </p:txBody>
+      </p:sp>
+      <p:sp>
+        <p:nvSpPr>
+          <p:cNvPr id="6" name="正方形/長方形 5"/>
+          <p:cNvSpPr/>
+          <p:nvPr/>
+        </p:nvSpPr>
+        <p:spPr>
+          <a:xfrm>
+            <a:off x="925709" y="3022497"/>
+            <a:ext cx="1568324" cy="2451546"/>
+          </a:xfrm>
+          <a:prstGeom prst="rect">
+            <a:avLst/>
+          </a:prstGeom>
+        </p:spPr>
+        <p:style>
+          <a:lnRef idx="2">
+            <a:schemeClr val="accent1">
+              <a:shade val="50000"/>
+            </a:schemeClr>
+          </a:lnRef>
+          <a:fillRef idx="1">
+            <a:schemeClr val="accent1"/>
+          </a:fillRef>
+          <a:effectRef idx="0">
+            <a:schemeClr val="accent1"/>
+          </a:effectRef>
+          <a:fontRef idx="minor">
+            <a:schemeClr val="lt1"/>
+          </a:fontRef>
+        </p:style>
+        <p:txBody>
+          <a:bodyPr rtlCol="0" anchor="ctr"/>
+          <a:lstStyle/>
+          <a:p>
+            <a:pPr algn="ctr"/>
+            <a:r>
+              <a:rPr lang="en-US" altLang="ja-JP" dirty="0" err="1"/>
+              <a:t>μ</a:t>
+            </a:r>
+            <a:r>
+              <a:rPr kumimoji="1" lang="en-US" altLang="ja-JP" dirty="0" err="1"/>
+              <a:t>C</a:t>
+            </a:r>
+            <a:endParaRPr kumimoji="1" lang="ja-JP" altLang="en-US" dirty="0"/>
+          </a:p>
+        </p:txBody>
+      </p:sp>
+      <p:sp>
+        <p:nvSpPr>
+          <p:cNvPr id="7" name="正方形/長方形 6"/>
+          <p:cNvSpPr/>
+          <p:nvPr/>
+        </p:nvSpPr>
+        <p:spPr>
+          <a:xfrm>
+            <a:off x="6237408" y="2797897"/>
+            <a:ext cx="1613339" cy="394138"/>
+          </a:xfrm>
+          <a:prstGeom prst="rect">
+            <a:avLst/>
+          </a:prstGeom>
+          <a:solidFill>
+            <a:schemeClr val="accent2"/>
+          </a:solidFill>
+        </p:spPr>
+        <p:style>
+          <a:lnRef idx="2">
+            <a:schemeClr val="accent1">
+              <a:shade val="50000"/>
+            </a:schemeClr>
+          </a:lnRef>
+          <a:fillRef idx="1">
+            <a:schemeClr val="accent1"/>
+          </a:fillRef>
+          <a:effectRef idx="0">
+            <a:schemeClr val="accent1"/>
+          </a:effectRef>
+          <a:fontRef idx="minor">
+            <a:schemeClr val="lt1"/>
+          </a:fontRef>
+        </p:style>
+        <p:txBody>
+          <a:bodyPr rtlCol="0" anchor="ctr"/>
+          <a:lstStyle/>
+          <a:p>
+            <a:pPr algn="ctr"/>
+            <a:r>
+              <a:rPr kumimoji="1" lang="en-US" altLang="ja-JP" sz="1200" dirty="0"/>
+              <a:t>SV_H(Li-Po 11.1V)</a:t>
+            </a:r>
+            <a:endParaRPr kumimoji="1" lang="ja-JP" altLang="en-US" sz="1200" dirty="0"/>
+          </a:p>
+        </p:txBody>
+      </p:sp>
+      <p:sp>
+        <p:nvSpPr>
+          <p:cNvPr id="8" name="正方形/長方形 7"/>
+          <p:cNvSpPr/>
+          <p:nvPr/>
+        </p:nvSpPr>
+        <p:spPr>
+          <a:xfrm>
+            <a:off x="9385314" y="2793953"/>
+            <a:ext cx="1613339" cy="394138"/>
+          </a:xfrm>
+          <a:prstGeom prst="rect">
+            <a:avLst/>
+          </a:prstGeom>
+          <a:solidFill>
+            <a:schemeClr val="accent2"/>
+          </a:solidFill>
+        </p:spPr>
+        <p:style>
+          <a:lnRef idx="2">
+            <a:schemeClr val="accent1">
+              <a:shade val="50000"/>
+            </a:schemeClr>
+          </a:lnRef>
+          <a:fillRef idx="1">
+            <a:schemeClr val="accent1"/>
+          </a:fillRef>
+          <a:effectRef idx="0">
+            <a:schemeClr val="accent1"/>
+          </a:effectRef>
+          <a:fontRef idx="minor">
+            <a:schemeClr val="lt1"/>
+          </a:fontRef>
+        </p:style>
+        <p:txBody>
+          <a:bodyPr rtlCol="0" anchor="ctr"/>
+          <a:lstStyle/>
+          <a:p>
+            <a:pPr algn="ctr"/>
+            <a:r>
+              <a:rPr kumimoji="1" lang="en-US" altLang="ja-JP" sz="1200" dirty="0"/>
+              <a:t>SV_V</a:t>
+            </a:r>
+            <a:r>
+              <a:rPr lang="en-US" altLang="ja-JP" sz="1200" dirty="0"/>
+              <a:t>(Li-Po 11.1V)</a:t>
+            </a:r>
+            <a:endParaRPr kumimoji="1" lang="ja-JP" altLang="en-US" sz="1200" dirty="0"/>
+          </a:p>
+        </p:txBody>
+      </p:sp>
+      <p:sp>
+        <p:nvSpPr>
+          <p:cNvPr id="11" name="正方形/長方形 10"/>
+          <p:cNvSpPr/>
+          <p:nvPr/>
+        </p:nvSpPr>
+        <p:spPr>
+          <a:xfrm>
+            <a:off x="3737647" y="3908362"/>
+            <a:ext cx="1223173" cy="914400"/>
+          </a:xfrm>
+          <a:prstGeom prst="rect">
+            <a:avLst/>
+          </a:prstGeom>
+        </p:spPr>
+        <p:style>
+          <a:lnRef idx="2">
+            <a:schemeClr val="accent1">
+              <a:shade val="50000"/>
+            </a:schemeClr>
+          </a:lnRef>
+          <a:fillRef idx="1">
+            <a:schemeClr val="accent1"/>
+          </a:fillRef>
+          <a:effectRef idx="0">
+            <a:schemeClr val="accent1"/>
+          </a:effectRef>
+          <a:fontRef idx="minor">
+            <a:schemeClr val="lt1"/>
+          </a:fontRef>
+        </p:style>
+        <p:txBody>
+          <a:bodyPr rtlCol="0" anchor="ctr"/>
+          <a:lstStyle/>
+          <a:p>
+            <a:pPr algn="ctr"/>
+            <a:r>
+              <a:rPr lang="ja-JP" altLang="en-US" sz="1200" dirty="0"/>
+              <a:t>全二重</a:t>
+            </a:r>
+            <a:r>
+              <a:rPr lang="en-US" altLang="ja-JP" sz="1200" dirty="0"/>
+              <a:t>/</a:t>
+            </a:r>
+            <a:r>
+              <a:rPr lang="ja-JP" altLang="en-US" sz="1200" dirty="0"/>
+              <a:t>半二重</a:t>
+            </a:r>
+            <a:endParaRPr lang="en-US" altLang="ja-JP" sz="1200" dirty="0"/>
+          </a:p>
+          <a:p>
+            <a:pPr algn="ctr"/>
+            <a:r>
+              <a:rPr kumimoji="1" lang="ja-JP" altLang="en-US" sz="1200" dirty="0"/>
+              <a:t>変換基板</a:t>
+            </a:r>
+          </a:p>
+        </p:txBody>
+      </p:sp>
+      <p:sp>
+        <p:nvSpPr>
+          <p:cNvPr id="28" name="正方形/長方形 27"/>
+          <p:cNvSpPr/>
+          <p:nvPr/>
+        </p:nvSpPr>
+        <p:spPr>
+          <a:xfrm>
+            <a:off x="1165622" y="1825355"/>
+            <a:ext cx="1088497" cy="470338"/>
+          </a:xfrm>
+          <a:prstGeom prst="rect">
+            <a:avLst/>
+          </a:prstGeom>
+          <a:solidFill>
+            <a:schemeClr val="accent2"/>
+          </a:solidFill>
+        </p:spPr>
+        <p:style>
+          <a:lnRef idx="2">
+            <a:schemeClr val="accent1">
+              <a:shade val="50000"/>
+            </a:schemeClr>
+          </a:lnRef>
+          <a:fillRef idx="1">
+            <a:schemeClr val="accent1"/>
+          </a:fillRef>
+          <a:effectRef idx="0">
+            <a:schemeClr val="accent1"/>
+          </a:effectRef>
+          <a:fontRef idx="minor">
+            <a:schemeClr val="lt1"/>
+          </a:fontRef>
+        </p:style>
+        <p:txBody>
+          <a:bodyPr rtlCol="0" anchor="ctr"/>
+          <a:lstStyle/>
+          <a:p>
+            <a:pPr algn="ctr"/>
+            <a:r>
+              <a:rPr kumimoji="1" lang="en-US" altLang="ja-JP" sz="1200" dirty="0" err="1"/>
+              <a:t>μC_BATT</a:t>
+            </a:r>
+            <a:endParaRPr kumimoji="1" lang="en-US" altLang="ja-JP" sz="1200" dirty="0"/>
+          </a:p>
+          <a:p>
+            <a:pPr algn="ctr"/>
+            <a:r>
+              <a:rPr lang="en-US" altLang="ja-JP" sz="1200" dirty="0"/>
+              <a:t>(Li-Po 7.4V)</a:t>
+            </a:r>
+            <a:endParaRPr kumimoji="1" lang="ja-JP" altLang="en-US" sz="1200" dirty="0"/>
+          </a:p>
+        </p:txBody>
+      </p:sp>
+      <p:sp>
+        <p:nvSpPr>
+          <p:cNvPr id="29" name="四角形: 角を丸くする 28"/>
+          <p:cNvSpPr/>
+          <p:nvPr/>
+        </p:nvSpPr>
+        <p:spPr>
+          <a:xfrm>
+            <a:off x="1348435" y="2530787"/>
+            <a:ext cx="722870" cy="256616"/>
+          </a:xfrm>
+          <a:prstGeom prst="roundRect">
+            <a:avLst/>
+          </a:prstGeom>
+        </p:spPr>
+        <p:style>
+          <a:lnRef idx="2">
+            <a:schemeClr val="accent1">
+              <a:shade val="50000"/>
+            </a:schemeClr>
+          </a:lnRef>
+          <a:fillRef idx="1">
+            <a:schemeClr val="accent1"/>
+          </a:fillRef>
+          <a:effectRef idx="0">
+            <a:schemeClr val="accent1"/>
+          </a:effectRef>
+          <a:fontRef idx="minor">
+            <a:schemeClr val="lt1"/>
+          </a:fontRef>
+        </p:style>
+        <p:txBody>
+          <a:bodyPr rtlCol="0" anchor="ctr"/>
+          <a:lstStyle/>
+          <a:p>
+            <a:pPr algn="ctr"/>
             <a:r>
               <a:rPr lang="ja-JP" altLang="en-US" dirty="0"/>
-              <a:t>水平尾翼または垂直尾翼の故障によって発生する損害をそれぞれ</a:t>
-            </a:r>
+              <a:t>配線</a:t>
+            </a:r>
+            <a:endParaRPr kumimoji="1" lang="ja-JP" altLang="en-US" dirty="0"/>
+          </a:p>
+        </p:txBody>
+      </p:sp>
+      <p:sp>
+        <p:nvSpPr>
+          <p:cNvPr id="30" name="四角形: 角を丸くする 29"/>
+          <p:cNvSpPr/>
+          <p:nvPr/>
+        </p:nvSpPr>
+        <p:spPr>
+          <a:xfrm>
+            <a:off x="2754403" y="4237254"/>
+            <a:ext cx="722870" cy="256616"/>
+          </a:xfrm>
+          <a:prstGeom prst="roundRect">
+            <a:avLst/>
+          </a:prstGeom>
+        </p:spPr>
+        <p:style>
+          <a:lnRef idx="2">
+            <a:schemeClr val="accent1">
+              <a:shade val="50000"/>
+            </a:schemeClr>
+          </a:lnRef>
+          <a:fillRef idx="1">
+            <a:schemeClr val="accent1"/>
+          </a:fillRef>
+          <a:effectRef idx="0">
+            <a:schemeClr val="accent1"/>
+          </a:effectRef>
+          <a:fontRef idx="minor">
+            <a:schemeClr val="lt1"/>
+          </a:fontRef>
+        </p:style>
+        <p:txBody>
+          <a:bodyPr rtlCol="0" anchor="ctr"/>
+          <a:lstStyle/>
+          <a:p>
+            <a:pPr algn="ctr"/>
+            <a:r>
+              <a:rPr lang="ja-JP" altLang="en-US" dirty="0"/>
+              <a:t>配線</a:t>
+            </a:r>
+            <a:endParaRPr kumimoji="1" lang="ja-JP" altLang="en-US" dirty="0"/>
+          </a:p>
+        </p:txBody>
+      </p:sp>
+      <p:sp>
+        <p:nvSpPr>
+          <p:cNvPr id="32" name="四角形: 角を丸くする 31"/>
+          <p:cNvSpPr/>
+          <p:nvPr/>
+        </p:nvSpPr>
+        <p:spPr>
+          <a:xfrm>
+            <a:off x="5221194" y="4232030"/>
+            <a:ext cx="722870" cy="256616"/>
+          </a:xfrm>
+          <a:prstGeom prst="roundRect">
+            <a:avLst/>
+          </a:prstGeom>
+        </p:spPr>
+        <p:style>
+          <a:lnRef idx="2">
+            <a:schemeClr val="accent1">
+              <a:shade val="50000"/>
+            </a:schemeClr>
+          </a:lnRef>
+          <a:fillRef idx="1">
+            <a:schemeClr val="accent1"/>
+          </a:fillRef>
+          <a:effectRef idx="0">
+            <a:schemeClr val="accent1"/>
+          </a:effectRef>
+          <a:fontRef idx="minor">
+            <a:schemeClr val="lt1"/>
+          </a:fontRef>
+        </p:style>
+        <p:txBody>
+          <a:bodyPr rtlCol="0" anchor="ctr"/>
+          <a:lstStyle/>
+          <a:p>
+            <a:pPr algn="ctr"/>
+            <a:r>
+              <a:rPr lang="ja-JP" altLang="en-US" dirty="0"/>
+              <a:t>配線</a:t>
+            </a:r>
+            <a:endParaRPr kumimoji="1" lang="ja-JP" altLang="en-US" dirty="0"/>
+          </a:p>
+        </p:txBody>
+      </p:sp>
+      <p:sp>
+        <p:nvSpPr>
+          <p:cNvPr id="33" name="四角形: 角を丸くする 32"/>
+          <p:cNvSpPr/>
+          <p:nvPr/>
+        </p:nvSpPr>
+        <p:spPr>
+          <a:xfrm>
+            <a:off x="8186293" y="4232030"/>
+            <a:ext cx="722870" cy="256616"/>
+          </a:xfrm>
+          <a:prstGeom prst="roundRect">
+            <a:avLst/>
+          </a:prstGeom>
+        </p:spPr>
+        <p:style>
+          <a:lnRef idx="2">
+            <a:schemeClr val="accent1">
+              <a:shade val="50000"/>
+            </a:schemeClr>
+          </a:lnRef>
+          <a:fillRef idx="1">
+            <a:schemeClr val="accent1"/>
+          </a:fillRef>
+          <a:effectRef idx="0">
+            <a:schemeClr val="accent1"/>
+          </a:effectRef>
+          <a:fontRef idx="minor">
+            <a:schemeClr val="lt1"/>
+          </a:fontRef>
+        </p:style>
+        <p:txBody>
+          <a:bodyPr rtlCol="0" anchor="ctr"/>
+          <a:lstStyle/>
+          <a:p>
+            <a:pPr algn="ctr"/>
+            <a:r>
+              <a:rPr lang="ja-JP" altLang="en-US" dirty="0"/>
+              <a:t>配線</a:t>
+            </a:r>
+            <a:endParaRPr kumimoji="1" lang="ja-JP" altLang="en-US" dirty="0"/>
+          </a:p>
+        </p:txBody>
+      </p:sp>
+      <p:sp>
+        <p:nvSpPr>
+          <p:cNvPr id="34" name="四角形: 角を丸くする 33"/>
+          <p:cNvSpPr/>
+          <p:nvPr/>
+        </p:nvSpPr>
+        <p:spPr>
+          <a:xfrm>
+            <a:off x="6682641" y="3427849"/>
+            <a:ext cx="722870" cy="256616"/>
+          </a:xfrm>
+          <a:prstGeom prst="roundRect">
+            <a:avLst/>
+          </a:prstGeom>
+        </p:spPr>
+        <p:style>
+          <a:lnRef idx="2">
+            <a:schemeClr val="accent1">
+              <a:shade val="50000"/>
+            </a:schemeClr>
+          </a:lnRef>
+          <a:fillRef idx="1">
+            <a:schemeClr val="accent1"/>
+          </a:fillRef>
+          <a:effectRef idx="0">
+            <a:schemeClr val="accent1"/>
+          </a:effectRef>
+          <a:fontRef idx="minor">
+            <a:schemeClr val="lt1"/>
+          </a:fontRef>
+        </p:style>
+        <p:txBody>
+          <a:bodyPr rtlCol="0" anchor="ctr"/>
+          <a:lstStyle/>
+          <a:p>
+            <a:pPr algn="ctr"/>
+            <a:r>
+              <a:rPr lang="ja-JP" altLang="en-US" dirty="0"/>
+              <a:t>配線</a:t>
+            </a:r>
+            <a:endParaRPr kumimoji="1" lang="ja-JP" altLang="en-US" dirty="0"/>
+          </a:p>
+        </p:txBody>
+      </p:sp>
+      <p:cxnSp>
+        <p:nvCxnSpPr>
+          <p:cNvPr id="37" name="直線コネクタ 36"/>
+          <p:cNvCxnSpPr>
+            <a:stCxn id="28" idx="2"/>
+            <a:endCxn id="29" idx="0"/>
+          </p:cNvCxnSpPr>
+          <p:nvPr/>
+        </p:nvCxnSpPr>
+        <p:spPr>
+          <a:xfrm flipH="1">
+            <a:off x="1709870" y="2295693"/>
+            <a:ext cx="1" cy="235094"/>
+          </a:xfrm>
+          <a:prstGeom prst="line">
+            <a:avLst/>
+          </a:prstGeom>
+        </p:spPr>
+        <p:style>
+          <a:lnRef idx="3">
+            <a:schemeClr val="dk1"/>
+          </a:lnRef>
+          <a:fillRef idx="0">
+            <a:schemeClr val="dk1"/>
+          </a:fillRef>
+          <a:effectRef idx="2">
+            <a:schemeClr val="dk1"/>
+          </a:effectRef>
+          <a:fontRef idx="minor">
+            <a:schemeClr val="tx1"/>
+          </a:fontRef>
+        </p:style>
+      </p:cxnSp>
+      <p:cxnSp>
+        <p:nvCxnSpPr>
+          <p:cNvPr id="38" name="直線コネクタ 37"/>
+          <p:cNvCxnSpPr/>
+          <p:nvPr/>
+        </p:nvCxnSpPr>
+        <p:spPr>
+          <a:xfrm flipH="1">
+            <a:off x="1709869" y="2787403"/>
+            <a:ext cx="1" cy="235094"/>
+          </a:xfrm>
+          <a:prstGeom prst="line">
+            <a:avLst/>
+          </a:prstGeom>
+        </p:spPr>
+        <p:style>
+          <a:lnRef idx="3">
+            <a:schemeClr val="dk1"/>
+          </a:lnRef>
+          <a:fillRef idx="0">
+            <a:schemeClr val="dk1"/>
+          </a:fillRef>
+          <a:effectRef idx="2">
+            <a:schemeClr val="dk1"/>
+          </a:effectRef>
+          <a:fontRef idx="minor">
+            <a:schemeClr val="tx1"/>
+          </a:fontRef>
+        </p:style>
+      </p:cxnSp>
+      <p:cxnSp>
+        <p:nvCxnSpPr>
+          <p:cNvPr id="39" name="直線コネクタ 38"/>
+          <p:cNvCxnSpPr/>
+          <p:nvPr/>
+        </p:nvCxnSpPr>
+        <p:spPr>
+          <a:xfrm flipH="1">
+            <a:off x="7074971" y="3188091"/>
+            <a:ext cx="1" cy="235094"/>
+          </a:xfrm>
+          <a:prstGeom prst="line">
+            <a:avLst/>
+          </a:prstGeom>
+        </p:spPr>
+        <p:style>
+          <a:lnRef idx="3">
+            <a:schemeClr val="dk1"/>
+          </a:lnRef>
+          <a:fillRef idx="0">
+            <a:schemeClr val="dk1"/>
+          </a:fillRef>
+          <a:effectRef idx="2">
+            <a:schemeClr val="dk1"/>
+          </a:effectRef>
+          <a:fontRef idx="minor">
+            <a:schemeClr val="tx1"/>
+          </a:fontRef>
+        </p:style>
+      </p:cxnSp>
+      <p:cxnSp>
+        <p:nvCxnSpPr>
+          <p:cNvPr id="40" name="直線コネクタ 39"/>
+          <p:cNvCxnSpPr/>
+          <p:nvPr/>
+        </p:nvCxnSpPr>
+        <p:spPr>
+          <a:xfrm flipH="1">
+            <a:off x="7074971" y="3684465"/>
+            <a:ext cx="1" cy="235094"/>
+          </a:xfrm>
+          <a:prstGeom prst="line">
+            <a:avLst/>
+          </a:prstGeom>
+        </p:spPr>
+        <p:style>
+          <a:lnRef idx="3">
+            <a:schemeClr val="dk1"/>
+          </a:lnRef>
+          <a:fillRef idx="0">
+            <a:schemeClr val="dk1"/>
+          </a:fillRef>
+          <a:effectRef idx="2">
+            <a:schemeClr val="dk1"/>
+          </a:effectRef>
+          <a:fontRef idx="minor">
+            <a:schemeClr val="tx1"/>
+          </a:fontRef>
+        </p:style>
+      </p:cxnSp>
+      <p:cxnSp>
+        <p:nvCxnSpPr>
+          <p:cNvPr id="44" name="直線コネクタ 43"/>
+          <p:cNvCxnSpPr>
+            <a:stCxn id="30" idx="1"/>
+          </p:cNvCxnSpPr>
+          <p:nvPr/>
+        </p:nvCxnSpPr>
+        <p:spPr>
+          <a:xfrm flipH="1" flipV="1">
+            <a:off x="2494030" y="4360338"/>
+            <a:ext cx="260373" cy="5224"/>
+          </a:xfrm>
+          <a:prstGeom prst="line">
+            <a:avLst/>
+          </a:prstGeom>
+        </p:spPr>
+        <p:style>
+          <a:lnRef idx="3">
+            <a:schemeClr val="dk1"/>
+          </a:lnRef>
+          <a:fillRef idx="0">
+            <a:schemeClr val="dk1"/>
+          </a:fillRef>
+          <a:effectRef idx="2">
+            <a:schemeClr val="dk1"/>
+          </a:effectRef>
+          <a:fontRef idx="minor">
+            <a:schemeClr val="tx1"/>
+          </a:fontRef>
+        </p:style>
+      </p:cxnSp>
+      <p:cxnSp>
+        <p:nvCxnSpPr>
+          <p:cNvPr id="45" name="直線コネクタ 44"/>
+          <p:cNvCxnSpPr/>
+          <p:nvPr/>
+        </p:nvCxnSpPr>
+        <p:spPr>
+          <a:xfrm flipH="1" flipV="1">
+            <a:off x="3477273" y="4383629"/>
+            <a:ext cx="260373" cy="5224"/>
+          </a:xfrm>
+          <a:prstGeom prst="line">
+            <a:avLst/>
+          </a:prstGeom>
+        </p:spPr>
+        <p:style>
+          <a:lnRef idx="3">
+            <a:schemeClr val="dk1"/>
+          </a:lnRef>
+          <a:fillRef idx="0">
+            <a:schemeClr val="dk1"/>
+          </a:fillRef>
+          <a:effectRef idx="2">
+            <a:schemeClr val="dk1"/>
+          </a:effectRef>
+          <a:fontRef idx="minor">
+            <a:schemeClr val="tx1"/>
+          </a:fontRef>
+        </p:style>
+      </p:cxnSp>
+      <p:cxnSp>
+        <p:nvCxnSpPr>
+          <p:cNvPr id="47" name="直線コネクタ 46"/>
+          <p:cNvCxnSpPr/>
+          <p:nvPr/>
+        </p:nvCxnSpPr>
+        <p:spPr>
+          <a:xfrm flipH="1" flipV="1">
+            <a:off x="4973932" y="4378405"/>
+            <a:ext cx="260373" cy="5224"/>
+          </a:xfrm>
+          <a:prstGeom prst="line">
+            <a:avLst/>
+          </a:prstGeom>
+        </p:spPr>
+        <p:style>
+          <a:lnRef idx="3">
+            <a:schemeClr val="dk1"/>
+          </a:lnRef>
+          <a:fillRef idx="0">
+            <a:schemeClr val="dk1"/>
+          </a:fillRef>
+          <a:effectRef idx="2">
+            <a:schemeClr val="dk1"/>
+          </a:effectRef>
+          <a:fontRef idx="minor">
+            <a:schemeClr val="tx1"/>
+          </a:fontRef>
+        </p:style>
+      </p:cxnSp>
+      <p:cxnSp>
+        <p:nvCxnSpPr>
+          <p:cNvPr id="48" name="直線コネクタ 47"/>
+          <p:cNvCxnSpPr>
+            <a:stCxn id="4" idx="1"/>
+            <a:endCxn id="32" idx="3"/>
+          </p:cNvCxnSpPr>
+          <p:nvPr/>
+        </p:nvCxnSpPr>
+        <p:spPr>
+          <a:xfrm flipH="1">
+            <a:off x="5944064" y="4360338"/>
+            <a:ext cx="642814" cy="0"/>
+          </a:xfrm>
+          <a:prstGeom prst="line">
+            <a:avLst/>
+          </a:prstGeom>
+        </p:spPr>
+        <p:style>
+          <a:lnRef idx="3">
+            <a:schemeClr val="dk1"/>
+          </a:lnRef>
+          <a:fillRef idx="0">
+            <a:schemeClr val="dk1"/>
+          </a:fillRef>
+          <a:effectRef idx="2">
+            <a:schemeClr val="dk1"/>
+          </a:effectRef>
+          <a:fontRef idx="minor">
+            <a:schemeClr val="tx1"/>
+          </a:fontRef>
+        </p:style>
+      </p:cxnSp>
+      <p:cxnSp>
+        <p:nvCxnSpPr>
+          <p:cNvPr id="51" name="直線コネクタ 50"/>
+          <p:cNvCxnSpPr>
+            <a:stCxn id="33" idx="1"/>
+          </p:cNvCxnSpPr>
+          <p:nvPr/>
+        </p:nvCxnSpPr>
+        <p:spPr>
+          <a:xfrm flipH="1" flipV="1">
+            <a:off x="7496439" y="4353782"/>
+            <a:ext cx="689854" cy="6556"/>
+          </a:xfrm>
+          <a:prstGeom prst="line">
+            <a:avLst/>
+          </a:prstGeom>
+        </p:spPr>
+        <p:style>
+          <a:lnRef idx="3">
+            <a:schemeClr val="dk1"/>
+          </a:lnRef>
+          <a:fillRef idx="0">
+            <a:schemeClr val="dk1"/>
+          </a:fillRef>
+          <a:effectRef idx="2">
+            <a:schemeClr val="dk1"/>
+          </a:effectRef>
+          <a:fontRef idx="minor">
+            <a:schemeClr val="tx1"/>
+          </a:fontRef>
+        </p:style>
+      </p:cxnSp>
+      <p:sp>
+        <p:nvSpPr>
+          <p:cNvPr id="52" name="四角形: 角を丸くする 51"/>
+          <p:cNvSpPr/>
+          <p:nvPr/>
+        </p:nvSpPr>
+        <p:spPr>
+          <a:xfrm>
+            <a:off x="9822309" y="3434959"/>
+            <a:ext cx="722870" cy="256616"/>
+          </a:xfrm>
+          <a:prstGeom prst="roundRect">
+            <a:avLst/>
+          </a:prstGeom>
+        </p:spPr>
+        <p:style>
+          <a:lnRef idx="2">
+            <a:schemeClr val="accent1">
+              <a:shade val="50000"/>
+            </a:schemeClr>
+          </a:lnRef>
+          <a:fillRef idx="1">
+            <a:schemeClr val="accent1"/>
+          </a:fillRef>
+          <a:effectRef idx="0">
+            <a:schemeClr val="accent1"/>
+          </a:effectRef>
+          <a:fontRef idx="minor">
+            <a:schemeClr val="lt1"/>
+          </a:fontRef>
+        </p:style>
+        <p:txBody>
+          <a:bodyPr rtlCol="0" anchor="ctr"/>
+          <a:lstStyle/>
+          <a:p>
+            <a:pPr algn="ctr"/>
+            <a:r>
+              <a:rPr lang="ja-JP" altLang="en-US" dirty="0"/>
+              <a:t>配線</a:t>
+            </a:r>
+            <a:endParaRPr kumimoji="1" lang="ja-JP" altLang="en-US" dirty="0"/>
+          </a:p>
+        </p:txBody>
+      </p:sp>
+      <p:cxnSp>
+        <p:nvCxnSpPr>
+          <p:cNvPr id="53" name="直線コネクタ 52"/>
+          <p:cNvCxnSpPr/>
+          <p:nvPr/>
+        </p:nvCxnSpPr>
+        <p:spPr>
+          <a:xfrm flipH="1">
+            <a:off x="10214639" y="3195201"/>
+            <a:ext cx="1" cy="235094"/>
+          </a:xfrm>
+          <a:prstGeom prst="line">
+            <a:avLst/>
+          </a:prstGeom>
+        </p:spPr>
+        <p:style>
+          <a:lnRef idx="3">
+            <a:schemeClr val="dk1"/>
+          </a:lnRef>
+          <a:fillRef idx="0">
+            <a:schemeClr val="dk1"/>
+          </a:fillRef>
+          <a:effectRef idx="2">
+            <a:schemeClr val="dk1"/>
+          </a:effectRef>
+          <a:fontRef idx="minor">
+            <a:schemeClr val="tx1"/>
+          </a:fontRef>
+        </p:style>
+      </p:cxnSp>
+      <p:cxnSp>
+        <p:nvCxnSpPr>
+          <p:cNvPr id="54" name="直線コネクタ 53"/>
+          <p:cNvCxnSpPr/>
+          <p:nvPr/>
+        </p:nvCxnSpPr>
+        <p:spPr>
+          <a:xfrm flipH="1">
+            <a:off x="10214639" y="3691575"/>
+            <a:ext cx="1" cy="235094"/>
+          </a:xfrm>
+          <a:prstGeom prst="line">
+            <a:avLst/>
+          </a:prstGeom>
+        </p:spPr>
+        <p:style>
+          <a:lnRef idx="3">
+            <a:schemeClr val="dk1"/>
+          </a:lnRef>
+          <a:fillRef idx="0">
+            <a:schemeClr val="dk1"/>
+          </a:fillRef>
+          <a:effectRef idx="2">
+            <a:schemeClr val="dk1"/>
+          </a:effectRef>
+          <a:fontRef idx="minor">
+            <a:schemeClr val="tx1"/>
+          </a:fontRef>
+        </p:style>
+      </p:cxnSp>
+      <p:cxnSp>
+        <p:nvCxnSpPr>
+          <p:cNvPr id="55" name="直線コネクタ 54"/>
+          <p:cNvCxnSpPr>
+            <a:stCxn id="5" idx="1"/>
+            <a:endCxn id="33" idx="3"/>
+          </p:cNvCxnSpPr>
+          <p:nvPr/>
+        </p:nvCxnSpPr>
+        <p:spPr>
+          <a:xfrm flipH="1" flipV="1">
+            <a:off x="8909163" y="4360338"/>
+            <a:ext cx="848276" cy="6550"/>
+          </a:xfrm>
+          <a:prstGeom prst="line">
+            <a:avLst/>
+          </a:prstGeom>
+        </p:spPr>
+        <p:style>
+          <a:lnRef idx="3">
+            <a:schemeClr val="dk1"/>
+          </a:lnRef>
+          <a:fillRef idx="0">
+            <a:schemeClr val="dk1"/>
+          </a:fillRef>
+          <a:effectRef idx="2">
+            <a:schemeClr val="dk1"/>
+          </a:effectRef>
+          <a:fontRef idx="minor">
+            <a:schemeClr val="tx1"/>
+          </a:fontRef>
+        </p:style>
+      </p:cxnSp>
+      <p:grpSp>
+        <p:nvGrpSpPr>
+          <p:cNvPr id="56" name="グループ化 55"/>
+          <p:cNvGrpSpPr/>
+          <p:nvPr/>
+        </p:nvGrpSpPr>
+        <p:grpSpPr>
+          <a:xfrm>
+            <a:off x="2567414" y="3777108"/>
+            <a:ext cx="3446492" cy="1153347"/>
+            <a:chOff x="2595962" y="2802518"/>
+            <a:chExt cx="3446492" cy="1153347"/>
+          </a:xfrm>
+        </p:grpSpPr>
+        <p:sp>
+          <p:nvSpPr>
+            <p:cNvPr id="57" name="正方形/長方形 56"/>
+            <p:cNvSpPr/>
+            <p:nvPr/>
+          </p:nvSpPr>
+          <p:spPr>
+            <a:xfrm>
+              <a:off x="2595962" y="2802518"/>
+              <a:ext cx="3446492" cy="1153347"/>
+            </a:xfrm>
+            <a:prstGeom prst="rect">
+              <a:avLst/>
+            </a:prstGeom>
+            <a:noFill/>
+            <a:ln w="9525" cap="flat" cmpd="sng" algn="ctr">
+              <a:solidFill>
+                <a:schemeClr val="dk1"/>
+              </a:solidFill>
+              <a:prstDash val="solid"/>
+              <a:round/>
+              <a:headEnd type="none" w="med" len="med"/>
+              <a:tailEnd type="none" w="med" len="med"/>
+            </a:ln>
+          </p:spPr>
+          <p:style>
+            <a:lnRef idx="0">
+              <a:scrgbClr r="0" g="0" b="0"/>
+            </a:lnRef>
+            <a:fillRef idx="0">
+              <a:scrgbClr r="0" g="0" b="0"/>
+            </a:fillRef>
+            <a:effectRef idx="0">
+              <a:scrgbClr r="0" g="0" b="0"/>
+            </a:effectRef>
+            <a:fontRef idx="minor">
+              <a:schemeClr val="dk1"/>
+            </a:fontRef>
+          </p:style>
+          <p:txBody>
+            <a:bodyPr rtlCol="0" anchor="ctr"/>
+            <a:lstStyle/>
+            <a:p>
+              <a:pPr algn="ctr"/>
+              <a:endParaRPr kumimoji="1" lang="ja-JP" altLang="en-US"/>
+            </a:p>
+          </p:txBody>
+        </p:sp>
+        <p:sp>
+          <p:nvSpPr>
+            <p:cNvPr id="58" name="正方形/長方形 57"/>
+            <p:cNvSpPr/>
+            <p:nvPr/>
+          </p:nvSpPr>
+          <p:spPr>
+            <a:xfrm>
+              <a:off x="2595962" y="2808764"/>
+              <a:ext cx="253817" cy="225459"/>
+            </a:xfrm>
+            <a:prstGeom prst="rect">
+              <a:avLst/>
+            </a:prstGeom>
+          </p:spPr>
+          <p:style>
+            <a:lnRef idx="2">
+              <a:schemeClr val="dk1">
+                <a:shade val="50000"/>
+              </a:schemeClr>
+            </a:lnRef>
+            <a:fillRef idx="1">
+              <a:schemeClr val="dk1"/>
+            </a:fillRef>
+            <a:effectRef idx="0">
+              <a:schemeClr val="dk1"/>
+            </a:effectRef>
+            <a:fontRef idx="minor">
+              <a:schemeClr val="lt1"/>
+            </a:fontRef>
+          </p:style>
+          <p:txBody>
+            <a:bodyPr rtlCol="0" anchor="ctr"/>
+            <a:lstStyle/>
+            <a:p>
+              <a:pPr algn="ctr"/>
+              <a:r>
+                <a:rPr lang="en-US" altLang="ja-JP" dirty="0"/>
+                <a:t>B</a:t>
+              </a:r>
+              <a:endParaRPr kumimoji="1" lang="ja-JP" altLang="en-US" dirty="0"/>
+            </a:p>
+          </p:txBody>
+        </p:sp>
+      </p:grpSp>
+      <p:sp>
+        <p:nvSpPr>
+          <p:cNvPr id="60" name="正方形/長方形 59"/>
+          <p:cNvSpPr/>
+          <p:nvPr/>
+        </p:nvSpPr>
+        <p:spPr>
+          <a:xfrm>
+            <a:off x="6063172" y="2480393"/>
+            <a:ext cx="1909854" cy="2576092"/>
+          </a:xfrm>
+          <a:prstGeom prst="rect">
+            <a:avLst/>
+          </a:prstGeom>
+          <a:noFill/>
+          <a:ln w="9525" cap="flat" cmpd="sng" algn="ctr">
+            <a:solidFill>
+              <a:schemeClr val="dk1"/>
+            </a:solidFill>
+            <a:prstDash val="solid"/>
+            <a:round/>
+            <a:headEnd type="none" w="med" len="med"/>
+            <a:tailEnd type="none" w="med" len="med"/>
+          </a:ln>
+        </p:spPr>
+        <p:style>
+          <a:lnRef idx="0">
+            <a:scrgbClr r="0" g="0" b="0"/>
+          </a:lnRef>
+          <a:fillRef idx="0">
+            <a:scrgbClr r="0" g="0" b="0"/>
+          </a:fillRef>
+          <a:effectRef idx="0">
+            <a:scrgbClr r="0" g="0" b="0"/>
+          </a:effectRef>
+          <a:fontRef idx="minor">
+            <a:schemeClr val="dk1"/>
+          </a:fontRef>
+        </p:style>
+        <p:txBody>
+          <a:bodyPr rtlCol="0" anchor="ctr"/>
+          <a:lstStyle/>
+          <a:p>
+            <a:pPr algn="ctr"/>
+            <a:endParaRPr kumimoji="1" lang="ja-JP" altLang="en-US"/>
+          </a:p>
+        </p:txBody>
+      </p:sp>
+      <p:sp>
+        <p:nvSpPr>
+          <p:cNvPr id="61" name="正方形/長方形 60"/>
+          <p:cNvSpPr/>
+          <p:nvPr/>
+        </p:nvSpPr>
+        <p:spPr>
+          <a:xfrm>
+            <a:off x="6063171" y="2486639"/>
+            <a:ext cx="253817" cy="225459"/>
+          </a:xfrm>
+          <a:prstGeom prst="rect">
+            <a:avLst/>
+          </a:prstGeom>
+        </p:spPr>
+        <p:style>
+          <a:lnRef idx="2">
+            <a:schemeClr val="dk1">
+              <a:shade val="50000"/>
+            </a:schemeClr>
+          </a:lnRef>
+          <a:fillRef idx="1">
+            <a:schemeClr val="dk1"/>
+          </a:fillRef>
+          <a:effectRef idx="0">
+            <a:schemeClr val="dk1"/>
+          </a:effectRef>
+          <a:fontRef idx="minor">
+            <a:schemeClr val="lt1"/>
+          </a:fontRef>
+        </p:style>
+        <p:txBody>
+          <a:bodyPr rtlCol="0" anchor="ctr"/>
+          <a:lstStyle/>
+          <a:p>
+            <a:pPr algn="ctr"/>
             <a:r>
               <a:rPr lang="en-US" altLang="ja-JP" dirty="0"/>
-              <a:t>Dh</a:t>
-            </a:r>
-            <a:r>
-              <a:rPr lang="ja-JP" altLang="en-US" dirty="0" err="1"/>
-              <a:t>、</a:t>
-            </a:r>
-            <a:r>
-              <a:rPr lang="en-US" altLang="ja-JP" dirty="0" err="1"/>
-              <a:t>Dv</a:t>
-            </a:r>
+              <a:t>C</a:t>
+            </a:r>
+            <a:endParaRPr kumimoji="1" lang="ja-JP" altLang="en-US" dirty="0"/>
+          </a:p>
+        </p:txBody>
+      </p:sp>
+      <p:sp>
+        <p:nvSpPr>
+          <p:cNvPr id="62" name="正方形/長方形 61"/>
+          <p:cNvSpPr/>
+          <p:nvPr/>
+        </p:nvSpPr>
+        <p:spPr>
+          <a:xfrm>
+            <a:off x="9255847" y="2480393"/>
+            <a:ext cx="1909854" cy="2576092"/>
+          </a:xfrm>
+          <a:prstGeom prst="rect">
+            <a:avLst/>
+          </a:prstGeom>
+          <a:noFill/>
+          <a:ln w="9525" cap="flat" cmpd="sng" algn="ctr">
+            <a:solidFill>
+              <a:schemeClr val="dk1"/>
+            </a:solidFill>
+            <a:prstDash val="solid"/>
+            <a:round/>
+            <a:headEnd type="none" w="med" len="med"/>
+            <a:tailEnd type="none" w="med" len="med"/>
+          </a:ln>
+        </p:spPr>
+        <p:style>
+          <a:lnRef idx="0">
+            <a:scrgbClr r="0" g="0" b="0"/>
+          </a:lnRef>
+          <a:fillRef idx="0">
+            <a:scrgbClr r="0" g="0" b="0"/>
+          </a:fillRef>
+          <a:effectRef idx="0">
+            <a:scrgbClr r="0" g="0" b="0"/>
+          </a:effectRef>
+          <a:fontRef idx="minor">
+            <a:schemeClr val="dk1"/>
+          </a:fontRef>
+        </p:style>
+        <p:txBody>
+          <a:bodyPr rtlCol="0" anchor="ctr"/>
+          <a:lstStyle/>
+          <a:p>
+            <a:pPr algn="ctr"/>
+            <a:endParaRPr kumimoji="1" lang="ja-JP" altLang="en-US"/>
+          </a:p>
+        </p:txBody>
+      </p:sp>
+      <p:sp>
+        <p:nvSpPr>
+          <p:cNvPr id="63" name="正方形/長方形 62"/>
+          <p:cNvSpPr/>
+          <p:nvPr/>
+        </p:nvSpPr>
+        <p:spPr>
+          <a:xfrm>
+            <a:off x="9255846" y="2486639"/>
+            <a:ext cx="253817" cy="225459"/>
+          </a:xfrm>
+          <a:prstGeom prst="rect">
+            <a:avLst/>
+          </a:prstGeom>
+        </p:spPr>
+        <p:style>
+          <a:lnRef idx="2">
+            <a:schemeClr val="dk1">
+              <a:shade val="50000"/>
+            </a:schemeClr>
+          </a:lnRef>
+          <a:fillRef idx="1">
+            <a:schemeClr val="dk1"/>
+          </a:fillRef>
+          <a:effectRef idx="0">
+            <a:schemeClr val="dk1"/>
+          </a:effectRef>
+          <a:fontRef idx="minor">
+            <a:schemeClr val="lt1"/>
+          </a:fontRef>
+        </p:style>
+        <p:txBody>
+          <a:bodyPr rtlCol="0" anchor="ctr"/>
+          <a:lstStyle/>
+          <a:p>
+            <a:pPr algn="ctr"/>
+            <a:r>
+              <a:rPr lang="en-US" altLang="ja-JP" dirty="0"/>
+              <a:t>C</a:t>
+            </a:r>
+            <a:endParaRPr kumimoji="1" lang="ja-JP" altLang="en-US" dirty="0"/>
+          </a:p>
+        </p:txBody>
+      </p:sp>
+      <p:sp>
+        <p:nvSpPr>
+          <p:cNvPr id="64" name="正方形/長方形 63"/>
+          <p:cNvSpPr/>
+          <p:nvPr/>
+        </p:nvSpPr>
+        <p:spPr>
+          <a:xfrm>
+            <a:off x="652919" y="1655938"/>
+            <a:ext cx="1873293" cy="4089954"/>
+          </a:xfrm>
+          <a:prstGeom prst="rect">
+            <a:avLst/>
+          </a:prstGeom>
+          <a:noFill/>
+          <a:ln w="9525" cap="flat" cmpd="sng" algn="ctr">
+            <a:solidFill>
+              <a:schemeClr val="dk1"/>
+            </a:solidFill>
+            <a:prstDash val="solid"/>
+            <a:round/>
+            <a:headEnd type="none" w="med" len="med"/>
+            <a:tailEnd type="none" w="med" len="med"/>
+          </a:ln>
+        </p:spPr>
+        <p:style>
+          <a:lnRef idx="0">
+            <a:scrgbClr r="0" g="0" b="0"/>
+          </a:lnRef>
+          <a:fillRef idx="0">
+            <a:scrgbClr r="0" g="0" b="0"/>
+          </a:fillRef>
+          <a:effectRef idx="0">
+            <a:scrgbClr r="0" g="0" b="0"/>
+          </a:effectRef>
+          <a:fontRef idx="minor">
+            <a:schemeClr val="dk1"/>
+          </a:fontRef>
+        </p:style>
+        <p:txBody>
+          <a:bodyPr rtlCol="0" anchor="ctr"/>
+          <a:lstStyle/>
+          <a:p>
+            <a:pPr algn="ctr"/>
+            <a:endParaRPr kumimoji="1" lang="ja-JP" altLang="en-US"/>
+          </a:p>
+        </p:txBody>
+      </p:sp>
+      <p:sp>
+        <p:nvSpPr>
+          <p:cNvPr id="66" name="正方形/長方形 65"/>
+          <p:cNvSpPr/>
+          <p:nvPr/>
+        </p:nvSpPr>
+        <p:spPr>
+          <a:xfrm>
+            <a:off x="655453" y="1655938"/>
+            <a:ext cx="253817" cy="225459"/>
+          </a:xfrm>
+          <a:prstGeom prst="rect">
+            <a:avLst/>
+          </a:prstGeom>
+        </p:spPr>
+        <p:style>
+          <a:lnRef idx="2">
+            <a:schemeClr val="dk1">
+              <a:shade val="50000"/>
+            </a:schemeClr>
+          </a:lnRef>
+          <a:fillRef idx="1">
+            <a:schemeClr val="dk1"/>
+          </a:fillRef>
+          <a:effectRef idx="0">
+            <a:schemeClr val="dk1"/>
+          </a:effectRef>
+          <a:fontRef idx="minor">
+            <a:schemeClr val="lt1"/>
+          </a:fontRef>
+        </p:style>
+        <p:txBody>
+          <a:bodyPr rtlCol="0" anchor="ctr"/>
+          <a:lstStyle/>
+          <a:p>
+            <a:pPr algn="ctr"/>
+            <a:r>
+              <a:rPr lang="en-US" altLang="ja-JP" dirty="0"/>
+              <a:t>A</a:t>
+            </a:r>
+            <a:endParaRPr kumimoji="1" lang="ja-JP" altLang="en-US" dirty="0"/>
+          </a:p>
+        </p:txBody>
+      </p:sp>
+      <p:sp>
+        <p:nvSpPr>
+          <p:cNvPr id="41" name="四角形: 角を丸くする 40"/>
+          <p:cNvSpPr/>
+          <p:nvPr/>
+        </p:nvSpPr>
+        <p:spPr>
+          <a:xfrm>
+            <a:off x="8186293" y="4548813"/>
+            <a:ext cx="722870" cy="256616"/>
+          </a:xfrm>
+          <a:prstGeom prst="roundRect">
+            <a:avLst/>
+          </a:prstGeom>
+        </p:spPr>
+        <p:style>
+          <a:lnRef idx="2">
+            <a:schemeClr val="accent1">
+              <a:shade val="50000"/>
+            </a:schemeClr>
+          </a:lnRef>
+          <a:fillRef idx="1">
+            <a:schemeClr val="accent1"/>
+          </a:fillRef>
+          <a:effectRef idx="0">
+            <a:schemeClr val="accent1"/>
+          </a:effectRef>
+          <a:fontRef idx="minor">
+            <a:schemeClr val="lt1"/>
+          </a:fontRef>
+        </p:style>
+        <p:txBody>
+          <a:bodyPr rtlCol="0" anchor="ctr"/>
+          <a:lstStyle/>
+          <a:p>
+            <a:pPr algn="ctr"/>
             <a:r>
               <a:rPr lang="ja-JP" altLang="en-US" dirty="0"/>
-              <a:t>とする。</a:t>
-            </a:r>
-            <a:endParaRPr lang="en-US" altLang="ja-JP" dirty="0"/>
-          </a:p>
-          <a:p>
-            <a:r>
-              <a:rPr lang="ja-JP" altLang="en-US" dirty="0"/>
-              <a:t>水平尾翼または垂直尾翼のどちらかが故障する確率をそれぞれ</a:t>
-            </a:r>
-            <a:r>
-              <a:rPr lang="en-US" altLang="ja-JP" dirty="0" err="1"/>
-              <a:t>Fh</a:t>
-            </a:r>
-            <a:r>
-              <a:rPr lang="ja-JP" altLang="en-US" dirty="0" err="1"/>
-              <a:t>、</a:t>
-            </a:r>
-            <a:r>
-              <a:rPr lang="en-US" altLang="ja-JP" dirty="0" err="1"/>
-              <a:t>Fv</a:t>
-            </a:r>
-            <a:r>
-              <a:rPr lang="ja-JP" altLang="en-US" dirty="0"/>
-              <a:t>とする。</a:t>
-            </a:r>
-            <a:endParaRPr lang="en-US" altLang="ja-JP" dirty="0"/>
-          </a:p>
-          <a:p>
-            <a:r>
-              <a:rPr lang="ja-JP" altLang="en-US" dirty="0"/>
-              <a:t>水平尾翼および垂直尾翼が故障する確率をそれぞれ</a:t>
-            </a:r>
-            <a:r>
-              <a:rPr lang="en-US" altLang="ja-JP" dirty="0" err="1"/>
-              <a:t>Fhv</a:t>
-            </a:r>
-            <a:r>
-              <a:rPr lang="ja-JP" altLang="en-US" dirty="0"/>
-              <a:t>とする。</a:t>
-            </a:r>
-            <a:endParaRPr lang="en-US" altLang="ja-JP" dirty="0"/>
-          </a:p>
-          <a:p>
-            <a:r>
-              <a:rPr kumimoji="1" lang="ja-JP" altLang="en-US" dirty="0"/>
-              <a:t>配線，グループ</a:t>
-            </a:r>
-            <a:r>
-              <a:rPr kumimoji="1" lang="en-US" altLang="ja-JP" dirty="0"/>
-              <a:t>A</a:t>
-            </a:r>
-            <a:r>
-              <a:rPr kumimoji="1" lang="ja-JP" altLang="en-US" dirty="0" err="1"/>
-              <a:t>，</a:t>
-            </a:r>
-            <a:r>
-              <a:rPr kumimoji="1" lang="en-US" altLang="ja-JP" dirty="0"/>
-              <a:t>B</a:t>
-            </a:r>
-            <a:r>
-              <a:rPr kumimoji="1" lang="ja-JP" altLang="en-US" dirty="0" err="1"/>
-              <a:t>，</a:t>
-            </a:r>
-            <a:r>
-              <a:rPr kumimoji="1" lang="en-US" altLang="ja-JP" dirty="0"/>
-              <a:t>C</a:t>
-            </a:r>
-            <a:r>
-              <a:rPr lang="ja-JP" altLang="en-US" dirty="0"/>
-              <a:t>が故障する確率をそれぞれ</a:t>
-            </a:r>
-            <a:r>
-              <a:rPr lang="en-US" altLang="ja-JP" dirty="0"/>
-              <a:t>F0</a:t>
-            </a:r>
-            <a:r>
-              <a:rPr lang="ja-JP" altLang="en-US" dirty="0" err="1"/>
-              <a:t>，</a:t>
-            </a:r>
-            <a:r>
-              <a:rPr lang="en-US" altLang="ja-JP" dirty="0"/>
-              <a:t>Fa</a:t>
-            </a:r>
-            <a:r>
-              <a:rPr lang="ja-JP" altLang="en-US" dirty="0"/>
-              <a:t> ，</a:t>
-            </a:r>
-            <a:r>
-              <a:rPr lang="en-US" altLang="ja-JP" dirty="0"/>
-              <a:t>Fb</a:t>
-            </a:r>
-            <a:r>
-              <a:rPr lang="ja-JP" altLang="en-US" dirty="0"/>
-              <a:t> ，</a:t>
-            </a:r>
-            <a:r>
-              <a:rPr lang="en-US" altLang="ja-JP" dirty="0"/>
-              <a:t>Fc</a:t>
-            </a:r>
-            <a:r>
-              <a:rPr lang="ja-JP" altLang="en-US" dirty="0"/>
-              <a:t>とする</a:t>
-            </a:r>
-            <a:endParaRPr lang="en-US" altLang="ja-JP" dirty="0"/>
-          </a:p>
-          <a:p>
-            <a:r>
-              <a:rPr lang="ja-JP" altLang="en-US" dirty="0"/>
-              <a:t>損害の期待値</a:t>
-            </a:r>
-            <a:r>
-              <a:rPr lang="en-US" altLang="ja-JP" dirty="0"/>
-              <a:t>D</a:t>
-            </a:r>
-            <a:r>
-              <a:rPr lang="ja-JP" altLang="en-US" dirty="0"/>
-              <a:t>を以下のように定義する</a:t>
-            </a:r>
-            <a:endParaRPr lang="en-US" altLang="ja-JP" dirty="0"/>
-          </a:p>
-          <a:p>
-            <a:pPr lvl="1"/>
-            <a:r>
-              <a:rPr lang="en-US" altLang="ja-JP" dirty="0"/>
-              <a:t>D=</a:t>
-            </a:r>
-            <a:r>
-              <a:rPr lang="en-US" altLang="ja-JP" dirty="0" err="1"/>
-              <a:t>Fh</a:t>
-            </a:r>
-            <a:r>
-              <a:rPr lang="en-US" altLang="ja-JP" dirty="0"/>
-              <a:t>*</a:t>
-            </a:r>
-            <a:r>
-              <a:rPr lang="en-US" altLang="ja-JP" dirty="0" err="1"/>
-              <a:t>Dh+Fv</a:t>
-            </a:r>
-            <a:r>
-              <a:rPr lang="en-US" altLang="ja-JP" dirty="0"/>
-              <a:t>*</a:t>
-            </a:r>
-            <a:r>
-              <a:rPr lang="en-US" altLang="ja-JP" dirty="0" err="1"/>
-              <a:t>Dv+Fhv</a:t>
-            </a:r>
-            <a:r>
-              <a:rPr lang="en-US" altLang="ja-JP" dirty="0"/>
-              <a:t>*(</a:t>
-            </a:r>
-            <a:r>
-              <a:rPr lang="en-US" altLang="ja-JP" dirty="0" err="1"/>
-              <a:t>Dh+Dv</a:t>
-            </a:r>
-            <a:r>
-              <a:rPr lang="en-US" altLang="ja-JP" dirty="0"/>
-              <a:t>)</a:t>
-            </a:r>
-          </a:p>
-          <a:p>
-            <a:endParaRPr lang="ja-JP" altLang="en-US" dirty="0"/>
-          </a:p>
-        </p:txBody>
-      </p:sp>
+              <a:t>配線</a:t>
+            </a:r>
+            <a:endParaRPr kumimoji="1" lang="ja-JP" altLang="en-US" dirty="0"/>
+          </a:p>
+        </p:txBody>
+      </p:sp>
+      <p:cxnSp>
+        <p:nvCxnSpPr>
+          <p:cNvPr id="42" name="直線コネクタ 41"/>
+          <p:cNvCxnSpPr>
+            <a:stCxn id="41" idx="1"/>
+          </p:cNvCxnSpPr>
+          <p:nvPr/>
+        </p:nvCxnSpPr>
+        <p:spPr>
+          <a:xfrm flipH="1" flipV="1">
+            <a:off x="7496439" y="4670565"/>
+            <a:ext cx="689854" cy="6556"/>
+          </a:xfrm>
+          <a:prstGeom prst="line">
+            <a:avLst/>
+          </a:prstGeom>
+        </p:spPr>
+        <p:style>
+          <a:lnRef idx="3">
+            <a:schemeClr val="dk1"/>
+          </a:lnRef>
+          <a:fillRef idx="0">
+            <a:schemeClr val="dk1"/>
+          </a:fillRef>
+          <a:effectRef idx="2">
+            <a:schemeClr val="dk1"/>
+          </a:effectRef>
+          <a:fontRef idx="minor">
+            <a:schemeClr val="tx1"/>
+          </a:fontRef>
+        </p:style>
+      </p:cxnSp>
+      <p:cxnSp>
+        <p:nvCxnSpPr>
+          <p:cNvPr id="43" name="直線コネクタ 42"/>
+          <p:cNvCxnSpPr>
+            <a:endCxn id="41" idx="3"/>
+          </p:cNvCxnSpPr>
+          <p:nvPr/>
+        </p:nvCxnSpPr>
+        <p:spPr>
+          <a:xfrm flipH="1" flipV="1">
+            <a:off x="8909163" y="4677121"/>
+            <a:ext cx="848276" cy="6550"/>
+          </a:xfrm>
+          <a:prstGeom prst="line">
+            <a:avLst/>
+          </a:prstGeom>
+        </p:spPr>
+        <p:style>
+          <a:lnRef idx="3">
+            <a:schemeClr val="dk1"/>
+          </a:lnRef>
+          <a:fillRef idx="0">
+            <a:schemeClr val="dk1"/>
+          </a:fillRef>
+          <a:effectRef idx="2">
+            <a:schemeClr val="dk1"/>
+          </a:effectRef>
+          <a:fontRef idx="minor">
+            <a:schemeClr val="tx1"/>
+          </a:fontRef>
+        </p:style>
+      </p:cxnSp>
     </p:spTree>
     <p:extLst>
       <p:ext uri="{BB962C8B-B14F-4D97-AF65-F5344CB8AC3E}">
-        <p14:creationId xmlns:p14="http://schemas.microsoft.com/office/powerpoint/2010/main" val="2030242449"/>
+        <p14:creationId xmlns:p14="http://schemas.microsoft.com/office/powerpoint/2010/main" val="652338833"/>
       </p:ext>
     </p:extLst>
   </p:cSld>
@@ -6975,94 +8265,178 @@
             <p:ph idx="1"/>
           </p:nvPr>
         </p:nvSpPr>
-        <p:spPr>
-          <a:xfrm>
-            <a:off x="838199" y="1825625"/>
-            <a:ext cx="10515601" cy="4351338"/>
-          </a:xfrm>
-        </p:spPr>
+        <p:spPr/>
         <p:txBody>
           <a:bodyPr/>
           <a:lstStyle/>
           <a:p>
             <a:r>
               <a:rPr lang="ja-JP" altLang="en-US" dirty="0"/>
-              <a:t>方式①</a:t>
+              <a:t>水平尾翼または垂直尾翼の故障によって発生する損害をそれぞれ</a:t>
+            </a:r>
+            <a:r>
+              <a:rPr lang="en-US" altLang="ja-JP" dirty="0"/>
+              <a:t>Dh</a:t>
+            </a:r>
+            <a:r>
+              <a:rPr lang="ja-JP" altLang="en-US" dirty="0" err="1"/>
+              <a:t>、</a:t>
+            </a:r>
+            <a:r>
+              <a:rPr lang="en-US" altLang="ja-JP" dirty="0" err="1"/>
+              <a:t>Dv</a:t>
+            </a:r>
+            <a:r>
+              <a:rPr lang="ja-JP" altLang="en-US" dirty="0"/>
+              <a:t>とする。</a:t>
             </a:r>
             <a:endParaRPr lang="en-US" altLang="ja-JP" dirty="0"/>
           </a:p>
           <a:p>
-            <a:pPr lvl="1"/>
+            <a:r>
+              <a:rPr lang="ja-JP" altLang="en-US" dirty="0"/>
+              <a:t>水平尾翼または垂直尾翼のどちらかが故障する確率をそれぞれ</a:t>
+            </a:r>
             <a:r>
               <a:rPr lang="en-US" altLang="ja-JP" dirty="0" err="1"/>
               <a:t>Fh</a:t>
             </a:r>
             <a:r>
-              <a:rPr lang="en-US" altLang="ja-JP" dirty="0"/>
-              <a:t>=</a:t>
-            </a:r>
-            <a:r>
-              <a:rPr lang="en-US" altLang="ja-JP" dirty="0" err="1"/>
-              <a:t>Fb+Fc</a:t>
-            </a:r>
-            <a:endParaRPr lang="en-US" altLang="ja-JP" dirty="0"/>
-          </a:p>
-          <a:p>
-            <a:pPr lvl="1"/>
+              <a:rPr lang="ja-JP" altLang="en-US" dirty="0" err="1"/>
+              <a:t>、</a:t>
+            </a:r>
             <a:r>
               <a:rPr lang="en-US" altLang="ja-JP" dirty="0" err="1"/>
               <a:t>Fv</a:t>
             </a:r>
             <a:r>
-              <a:rPr lang="en-US" altLang="ja-JP" dirty="0"/>
-              <a:t>=</a:t>
-            </a:r>
-            <a:r>
-              <a:rPr lang="en-US" altLang="ja-JP" dirty="0" err="1"/>
-              <a:t>Fb+Fc</a:t>
+              <a:rPr lang="ja-JP" altLang="en-US" dirty="0"/>
+              <a:t>とする。</a:t>
             </a:r>
             <a:endParaRPr lang="en-US" altLang="ja-JP" dirty="0"/>
           </a:p>
           <a:p>
-            <a:pPr lvl="1"/>
+            <a:r>
+              <a:rPr lang="ja-JP" altLang="en-US" dirty="0"/>
+              <a:t>水平尾翼および垂直尾翼が故障する確率をそれぞれ</a:t>
+            </a:r>
             <a:r>
               <a:rPr lang="en-US" altLang="ja-JP" dirty="0" err="1"/>
               <a:t>Fhv</a:t>
             </a:r>
             <a:r>
+              <a:rPr lang="ja-JP" altLang="en-US" dirty="0"/>
+              <a:t>とする。</a:t>
+            </a:r>
+            <a:endParaRPr lang="en-US" altLang="ja-JP" dirty="0"/>
+          </a:p>
+          <a:p>
+            <a:r>
+              <a:rPr kumimoji="1" lang="ja-JP" altLang="en-US" dirty="0"/>
+              <a:t>配線，グループ</a:t>
+            </a:r>
+            <a:r>
+              <a:rPr kumimoji="1" lang="en-US" altLang="ja-JP" dirty="0"/>
+              <a:t>A</a:t>
+            </a:r>
+            <a:r>
+              <a:rPr kumimoji="1" lang="ja-JP" altLang="en-US" dirty="0" err="1"/>
+              <a:t>，</a:t>
+            </a:r>
+            <a:r>
+              <a:rPr kumimoji="1" lang="en-US" altLang="ja-JP" dirty="0"/>
+              <a:t>B</a:t>
+            </a:r>
+            <a:r>
+              <a:rPr kumimoji="1" lang="ja-JP" altLang="en-US" dirty="0" err="1"/>
+              <a:t>，</a:t>
+            </a:r>
+            <a:r>
+              <a:rPr kumimoji="1" lang="en-US" altLang="ja-JP" dirty="0"/>
+              <a:t>C</a:t>
+            </a:r>
+            <a:r>
+              <a:rPr lang="ja-JP" altLang="en-US" dirty="0"/>
+              <a:t>が故障する確率をそれぞれ</a:t>
+            </a:r>
+            <a:r>
               <a:rPr lang="en-US" altLang="ja-JP" dirty="0"/>
-              <a:t>=Fa+(</a:t>
+              <a:t>F0</a:t>
+            </a:r>
+            <a:r>
+              <a:rPr lang="ja-JP" altLang="en-US" dirty="0" err="1"/>
+              <a:t>，</a:t>
+            </a:r>
+            <a:r>
+              <a:rPr lang="en-US" altLang="ja-JP" dirty="0"/>
+              <a:t>Fa</a:t>
+            </a:r>
+            <a:r>
+              <a:rPr lang="ja-JP" altLang="en-US" dirty="0"/>
+              <a:t> ，</a:t>
+            </a:r>
+            <a:r>
+              <a:rPr lang="en-US" altLang="ja-JP" dirty="0"/>
+              <a:t>Fb</a:t>
+            </a:r>
+            <a:r>
+              <a:rPr lang="ja-JP" altLang="en-US" dirty="0"/>
+              <a:t> ，</a:t>
+            </a:r>
+            <a:r>
+              <a:rPr lang="en-US" altLang="ja-JP" dirty="0"/>
+              <a:t>Fc</a:t>
+            </a:r>
+            <a:r>
+              <a:rPr lang="ja-JP" altLang="en-US" dirty="0"/>
+              <a:t>とする</a:t>
+            </a:r>
+            <a:endParaRPr lang="en-US" altLang="ja-JP" dirty="0"/>
+          </a:p>
+          <a:p>
+            <a:r>
+              <a:rPr lang="ja-JP" altLang="en-US" dirty="0"/>
+              <a:t>損害の期待値</a:t>
+            </a:r>
+            <a:r>
+              <a:rPr lang="en-US" altLang="ja-JP" dirty="0"/>
+              <a:t>D</a:t>
+            </a:r>
+            <a:r>
+              <a:rPr lang="ja-JP" altLang="en-US" dirty="0"/>
+              <a:t>を以下のように定義する</a:t>
+            </a:r>
+            <a:endParaRPr lang="en-US" altLang="ja-JP" dirty="0"/>
+          </a:p>
+          <a:p>
+            <a:pPr lvl="1"/>
+            <a:r>
+              <a:rPr lang="en-US" altLang="ja-JP" dirty="0"/>
+              <a:t>D=</a:t>
             </a:r>
             <a:r>
               <a:rPr lang="en-US" altLang="ja-JP" dirty="0" err="1"/>
-              <a:t>Fb+Fc</a:t>
+              <a:t>Fh</a:t>
             </a:r>
             <a:r>
               <a:rPr lang="en-US" altLang="ja-JP" dirty="0"/>
-              <a:t>)^2</a:t>
-            </a:r>
-          </a:p>
-          <a:p>
-            <a:pPr lvl="1"/>
+              <a:t>*</a:t>
+            </a:r>
+            <a:r>
+              <a:rPr lang="en-US" altLang="ja-JP" dirty="0" err="1"/>
+              <a:t>Dh+Fv</a:t>
+            </a:r>
             <a:r>
               <a:rPr lang="en-US" altLang="ja-JP" dirty="0"/>
-              <a:t>D=(</a:t>
+              <a:t>*</a:t>
             </a:r>
             <a:r>
               <a:rPr lang="en-US" altLang="ja-JP" dirty="0" err="1"/>
-              <a:t>Fa+Fb+Fc</a:t>
+              <a:t>Dv+Fhv</a:t>
             </a:r>
             <a:r>
               <a:rPr lang="en-US" altLang="ja-JP" dirty="0"/>
-              <a:t>+(</a:t>
-            </a:r>
-            <a:r>
-              <a:rPr lang="en-US" altLang="ja-JP" dirty="0" err="1"/>
-              <a:t>Fb+Fc</a:t>
-            </a:r>
-            <a:r>
-              <a:rPr lang="en-US" altLang="ja-JP" dirty="0"/>
-              <a:t>)^2)*(</a:t>
+              <a:t>*(</a:t>
             </a:r>
             <a:r>
               <a:rPr lang="en-US" altLang="ja-JP" dirty="0" err="1"/>
@@ -7074,87 +8448,14 @@
             </a:r>
           </a:p>
           <a:p>
-            <a:r>
-              <a:rPr lang="ja-JP" altLang="en-US" dirty="0"/>
-              <a:t>方式②</a:t>
-            </a:r>
-            <a:endParaRPr lang="en-US" altLang="ja-JP" dirty="0"/>
-          </a:p>
-          <a:p>
-            <a:pPr lvl="1"/>
-            <a:r>
-              <a:rPr lang="en-US" altLang="ja-JP" dirty="0" err="1"/>
-              <a:t>Fh</a:t>
-            </a:r>
-            <a:r>
-              <a:rPr lang="en-US" altLang="ja-JP" dirty="0"/>
-              <a:t>=0</a:t>
-            </a:r>
-          </a:p>
-          <a:p>
-            <a:pPr lvl="1"/>
-            <a:r>
-              <a:rPr lang="en-US" altLang="ja-JP" dirty="0" err="1"/>
-              <a:t>Fv</a:t>
-            </a:r>
-            <a:r>
-              <a:rPr lang="en-US" altLang="ja-JP" dirty="0"/>
-              <a:t>=F0+Fc</a:t>
-            </a:r>
-          </a:p>
-          <a:p>
-            <a:pPr lvl="1"/>
-            <a:r>
-              <a:rPr lang="en-US" altLang="ja-JP" dirty="0" err="1"/>
-              <a:t>Fhv</a:t>
-            </a:r>
-            <a:r>
-              <a:rPr lang="en-US" altLang="ja-JP" dirty="0"/>
-              <a:t>=</a:t>
-            </a:r>
-            <a:r>
-              <a:rPr lang="en-US" altLang="ja-JP" dirty="0" err="1"/>
-              <a:t>Fa+Fb+Fc</a:t>
-            </a:r>
-            <a:endParaRPr lang="en-US" altLang="ja-JP" dirty="0"/>
-          </a:p>
-          <a:p>
-            <a:pPr lvl="1"/>
-            <a:r>
-              <a:rPr lang="en-US" altLang="ja-JP" dirty="0"/>
-              <a:t>D=(F0+Fc)*</a:t>
-            </a:r>
-            <a:r>
-              <a:rPr lang="en-US" altLang="ja-JP" dirty="0" err="1"/>
-              <a:t>Dv</a:t>
-            </a:r>
-            <a:r>
-              <a:rPr lang="en-US" altLang="ja-JP" dirty="0"/>
-              <a:t>+(</a:t>
-            </a:r>
-            <a:r>
-              <a:rPr lang="en-US" altLang="ja-JP" dirty="0" err="1"/>
-              <a:t>Fa+Fb+Fc</a:t>
-            </a:r>
-            <a:r>
-              <a:rPr lang="en-US" altLang="ja-JP" dirty="0"/>
-              <a:t>)*(</a:t>
-            </a:r>
-            <a:r>
-              <a:rPr lang="en-US" altLang="ja-JP" dirty="0" err="1"/>
-              <a:t>Dh+Dv</a:t>
-            </a:r>
-            <a:r>
-              <a:rPr lang="en-US" altLang="ja-JP" dirty="0"/>
-              <a:t>)</a:t>
-            </a:r>
+            <a:endParaRPr lang="ja-JP" altLang="en-US" dirty="0"/>
           </a:p>
         </p:txBody>
       </p:sp>
     </p:spTree>
     <p:extLst>
       <p:ext uri="{BB962C8B-B14F-4D97-AF65-F5344CB8AC3E}">
-        <p14:creationId xmlns:p14="http://schemas.microsoft.com/office/powerpoint/2010/main" val="3929466833"/>
+        <p14:creationId xmlns:p14="http://schemas.microsoft.com/office/powerpoint/2010/main" val="2030242449"/>
       </p:ext>
     </p:extLst>
   </p:cSld>
@@ -7236,6 +8537,468 @@
           </a:xfrm>
         </p:spPr>
         <p:txBody>
+          <a:bodyPr/>
+          <a:lstStyle/>
+          <a:p>
+            <a:r>
+              <a:rPr lang="ja-JP" altLang="en-US" dirty="0"/>
+              <a:t>方式①</a:t>
+            </a:r>
+            <a:endParaRPr lang="en-US" altLang="ja-JP" dirty="0"/>
+          </a:p>
+          <a:p>
+            <a:pPr lvl="1"/>
+            <a:r>
+              <a:rPr lang="en-US" altLang="ja-JP" dirty="0" err="1"/>
+              <a:t>Fh</a:t>
+            </a:r>
+            <a:r>
+              <a:rPr lang="en-US" altLang="ja-JP" dirty="0"/>
+              <a:t>=</a:t>
+            </a:r>
+            <a:r>
+              <a:rPr lang="en-US" altLang="ja-JP" dirty="0" err="1"/>
+              <a:t>Fb+Fc</a:t>
+            </a:r>
+            <a:endParaRPr lang="en-US" altLang="ja-JP" dirty="0"/>
+          </a:p>
+          <a:p>
+            <a:pPr lvl="1"/>
+            <a:r>
+              <a:rPr lang="en-US" altLang="ja-JP" dirty="0" err="1"/>
+              <a:t>Fv</a:t>
+            </a:r>
+            <a:r>
+              <a:rPr lang="en-US" altLang="ja-JP" dirty="0"/>
+              <a:t>=</a:t>
+            </a:r>
+            <a:r>
+              <a:rPr lang="en-US" altLang="ja-JP" dirty="0" err="1"/>
+              <a:t>Fb+Fc</a:t>
+            </a:r>
+            <a:endParaRPr lang="en-US" altLang="ja-JP" dirty="0"/>
+          </a:p>
+          <a:p>
+            <a:pPr lvl="1"/>
+            <a:r>
+              <a:rPr lang="en-US" altLang="ja-JP" dirty="0" err="1"/>
+              <a:t>Fhv</a:t>
+            </a:r>
+            <a:r>
+              <a:rPr lang="en-US" altLang="ja-JP" dirty="0"/>
+              <a:t>=Fa+(</a:t>
+            </a:r>
+            <a:r>
+              <a:rPr lang="en-US" altLang="ja-JP" dirty="0" err="1"/>
+              <a:t>Fb+Fc</a:t>
+            </a:r>
+            <a:r>
+              <a:rPr lang="en-US" altLang="ja-JP" dirty="0"/>
+              <a:t>)^2</a:t>
+            </a:r>
+          </a:p>
+          <a:p>
+            <a:pPr lvl="1"/>
+            <a:r>
+              <a:rPr lang="en-US" altLang="ja-JP" dirty="0"/>
+              <a:t>D=(</a:t>
+            </a:r>
+            <a:r>
+              <a:rPr lang="en-US" altLang="ja-JP" dirty="0" err="1"/>
+              <a:t>Fa+Fb+Fc</a:t>
+            </a:r>
+            <a:r>
+              <a:rPr lang="en-US" altLang="ja-JP" dirty="0"/>
+              <a:t>+(</a:t>
+            </a:r>
+            <a:r>
+              <a:rPr lang="en-US" altLang="ja-JP" dirty="0" err="1"/>
+              <a:t>Fb+Fc</a:t>
+            </a:r>
+            <a:r>
+              <a:rPr lang="en-US" altLang="ja-JP" dirty="0"/>
+              <a:t>)^2)*(</a:t>
+            </a:r>
+            <a:r>
+              <a:rPr lang="en-US" altLang="ja-JP" dirty="0" err="1"/>
+              <a:t>Dh+Dv</a:t>
+            </a:r>
+            <a:r>
+              <a:rPr lang="en-US" altLang="ja-JP" dirty="0"/>
+              <a:t>)</a:t>
+            </a:r>
+          </a:p>
+          <a:p>
+            <a:r>
+              <a:rPr lang="ja-JP" altLang="en-US" dirty="0"/>
+              <a:t>方式②</a:t>
+            </a:r>
+            <a:endParaRPr lang="en-US" altLang="ja-JP" dirty="0"/>
+          </a:p>
+          <a:p>
+            <a:pPr lvl="1"/>
+            <a:r>
+              <a:rPr lang="en-US" altLang="ja-JP" dirty="0" err="1"/>
+              <a:t>Fh</a:t>
+            </a:r>
+            <a:r>
+              <a:rPr lang="en-US" altLang="ja-JP" dirty="0"/>
+              <a:t>=0</a:t>
+            </a:r>
+          </a:p>
+          <a:p>
+            <a:pPr lvl="1"/>
+            <a:r>
+              <a:rPr lang="en-US" altLang="ja-JP" dirty="0" err="1"/>
+              <a:t>Fv</a:t>
+            </a:r>
+            <a:r>
+              <a:rPr lang="en-US" altLang="ja-JP" dirty="0"/>
+              <a:t>=F0+Fc</a:t>
+            </a:r>
+          </a:p>
+          <a:p>
+            <a:pPr lvl="1"/>
+            <a:r>
+              <a:rPr lang="en-US" altLang="ja-JP" dirty="0" err="1"/>
+              <a:t>Fhv</a:t>
+            </a:r>
+            <a:r>
+              <a:rPr lang="en-US" altLang="ja-JP" dirty="0"/>
+              <a:t>=</a:t>
+            </a:r>
+            <a:r>
+              <a:rPr lang="en-US" altLang="ja-JP" dirty="0" err="1"/>
+              <a:t>Fa+Fb+Fc</a:t>
+            </a:r>
+            <a:endParaRPr lang="en-US" altLang="ja-JP" dirty="0"/>
+          </a:p>
+          <a:p>
+            <a:pPr lvl="1"/>
+            <a:r>
+              <a:rPr lang="en-US" altLang="ja-JP" dirty="0"/>
+              <a:t>D=(F0+Fc)*</a:t>
+            </a:r>
+            <a:r>
+              <a:rPr lang="en-US" altLang="ja-JP" dirty="0" err="1"/>
+              <a:t>Dv</a:t>
+            </a:r>
+            <a:r>
+              <a:rPr lang="en-US" altLang="ja-JP" dirty="0"/>
+              <a:t>+(</a:t>
+            </a:r>
+            <a:r>
+              <a:rPr lang="en-US" altLang="ja-JP" dirty="0" err="1"/>
+              <a:t>Fa+Fb+Fc</a:t>
+            </a:r>
+            <a:r>
+              <a:rPr lang="en-US" altLang="ja-JP" dirty="0"/>
+              <a:t>)*(</a:t>
+            </a:r>
+            <a:r>
+              <a:rPr lang="en-US" altLang="ja-JP" dirty="0" err="1"/>
+              <a:t>Dh+Dv</a:t>
+            </a:r>
+            <a:r>
+              <a:rPr lang="en-US" altLang="ja-JP" dirty="0"/>
+              <a:t>)</a:t>
+            </a:r>
+          </a:p>
+        </p:txBody>
+      </p:sp>
+    </p:spTree>
+    <p:extLst>
+      <p:ext uri="{BB962C8B-B14F-4D97-AF65-F5344CB8AC3E}">
+        <p14:creationId xmlns:p14="http://schemas.microsoft.com/office/powerpoint/2010/main" val="3929466833"/>
+      </p:ext>
+    </p:extLst>
+  </p:cSld>
+  <p:clrMapOvr>
+    <a:masterClrMapping/>
+  </p:clrMapOvr>
+</p:sld>
+</file>
+
+<file path=ppt/slides/slide16.xml><?xml version="1.0" encoding="utf-8"?>
+<p:sld xmlns:a="http://schemas.openxmlformats.org/drawingml/2006/main" xmlns:r="http://schemas.openxmlformats.org/officeDocument/2006/relationships" xmlns:p="http://schemas.openxmlformats.org/presentationml/2006/main">
+  <p:cSld>
+    <p:spTree>
+      <p:nvGrpSpPr>
+        <p:cNvPr id="1" name=""/>
+        <p:cNvGrpSpPr/>
+        <p:nvPr/>
+      </p:nvGrpSpPr>
+      <p:grpSpPr>
+        <a:xfrm>
+          <a:off x="0" y="0"/>
+          <a:ext cx="0" cy="0"/>
+          <a:chOff x="0" y="0"/>
+          <a:chExt cx="0" cy="0"/>
+        </a:xfrm>
+      </p:grpSpPr>
+      <p:sp>
+        <p:nvSpPr>
+          <p:cNvPr id="2" name="タイトル 1"/>
+          <p:cNvSpPr>
+            <a:spLocks noGrp="1"/>
+          </p:cNvSpPr>
+          <p:nvPr>
+            <p:ph type="title"/>
+          </p:nvPr>
+        </p:nvSpPr>
+        <p:spPr/>
+        <p:txBody>
+          <a:bodyPr/>
+          <a:lstStyle/>
+          <a:p>
+            <a:r>
+              <a:rPr lang="ja-JP" altLang="en-US" dirty="0"/>
+              <a:t>駆動系主</a:t>
+            </a:r>
+            <a:r>
+              <a:rPr lang="en-US" altLang="ja-JP" dirty="0" err="1"/>
+              <a:t>μC</a:t>
+            </a:r>
+            <a:r>
+              <a:rPr lang="ja-JP" altLang="en-US" dirty="0"/>
+              <a:t>の選定</a:t>
+            </a:r>
+            <a:br>
+              <a:rPr lang="en-US" altLang="ja-JP" dirty="0"/>
+            </a:br>
+            <a:r>
+              <a:rPr lang="ja-JP" altLang="en-US" dirty="0"/>
+              <a:t>故障リスクの推算</a:t>
+            </a:r>
+            <a:endParaRPr kumimoji="1" lang="ja-JP" altLang="en-US" dirty="0"/>
+          </a:p>
+        </p:txBody>
+      </p:sp>
+      <p:sp>
+        <p:nvSpPr>
+          <p:cNvPr id="3" name="コンテンツ プレースホルダー 2"/>
+          <p:cNvSpPr>
+            <a:spLocks noGrp="1"/>
+          </p:cNvSpPr>
+          <p:nvPr>
+            <p:ph idx="1"/>
+          </p:nvPr>
+        </p:nvSpPr>
+        <p:spPr>
+          <a:xfrm>
+            <a:off x="838199" y="1825625"/>
+            <a:ext cx="10515601" cy="4351338"/>
+          </a:xfrm>
+        </p:spPr>
+        <p:txBody>
+          <a:bodyPr/>
+          <a:lstStyle/>
+          <a:p>
+            <a:r>
+              <a:rPr lang="ja-JP" altLang="en-US" dirty="0"/>
+              <a:t>方式③</a:t>
+            </a:r>
+            <a:endParaRPr lang="en-US" altLang="ja-JP" dirty="0"/>
+          </a:p>
+          <a:p>
+            <a:pPr lvl="1"/>
+            <a:r>
+              <a:rPr lang="en-US" altLang="ja-JP" dirty="0" err="1"/>
+              <a:t>Fh</a:t>
+            </a:r>
+            <a:r>
+              <a:rPr lang="en-US" altLang="ja-JP" dirty="0"/>
+              <a:t>=0</a:t>
+            </a:r>
+          </a:p>
+          <a:p>
+            <a:pPr lvl="1"/>
+            <a:r>
+              <a:rPr lang="en-US" altLang="ja-JP" dirty="0" err="1"/>
+              <a:t>Fv</a:t>
+            </a:r>
+            <a:r>
+              <a:rPr lang="en-US" altLang="ja-JP" dirty="0"/>
+              <a:t>=F0^2+Fc</a:t>
+            </a:r>
+          </a:p>
+          <a:p>
+            <a:pPr lvl="1"/>
+            <a:r>
+              <a:rPr lang="en-US" altLang="ja-JP" dirty="0" err="1"/>
+              <a:t>Fhv</a:t>
+            </a:r>
+            <a:r>
+              <a:rPr lang="en-US" altLang="ja-JP" dirty="0"/>
+              <a:t>=</a:t>
+            </a:r>
+            <a:r>
+              <a:rPr lang="en-US" altLang="ja-JP" dirty="0" err="1"/>
+              <a:t>Fa+Fb+Fc</a:t>
+            </a:r>
+            <a:endParaRPr lang="en-US" altLang="ja-JP" dirty="0"/>
+          </a:p>
+          <a:p>
+            <a:pPr lvl="1"/>
+            <a:r>
+              <a:rPr lang="en-US" altLang="ja-JP" dirty="0"/>
+              <a:t>D=</a:t>
+            </a:r>
+            <a:r>
+              <a:rPr lang="en-US" altLang="ja-JP" dirty="0" err="1"/>
+              <a:t>Fh</a:t>
+            </a:r>
+            <a:r>
+              <a:rPr lang="en-US" altLang="ja-JP" dirty="0"/>
+              <a:t>*</a:t>
+            </a:r>
+            <a:r>
+              <a:rPr lang="en-US" altLang="ja-JP" dirty="0" err="1"/>
+              <a:t>Dh+Fv</a:t>
+            </a:r>
+            <a:r>
+              <a:rPr lang="en-US" altLang="ja-JP" dirty="0"/>
+              <a:t>*</a:t>
+            </a:r>
+            <a:r>
+              <a:rPr lang="en-US" altLang="ja-JP" dirty="0" err="1"/>
+              <a:t>Dv+Fhv</a:t>
+            </a:r>
+            <a:r>
+              <a:rPr lang="en-US" altLang="ja-JP" dirty="0"/>
+              <a:t>*(</a:t>
+            </a:r>
+            <a:r>
+              <a:rPr lang="en-US" altLang="ja-JP" dirty="0" err="1"/>
+              <a:t>Dh+Dv</a:t>
+            </a:r>
+            <a:r>
+              <a:rPr lang="en-US" altLang="ja-JP" dirty="0"/>
+              <a:t>)</a:t>
+            </a:r>
+          </a:p>
+          <a:p>
+            <a:pPr lvl="2"/>
+            <a:r>
+              <a:rPr lang="en-US" altLang="ja-JP" dirty="0"/>
+              <a:t>=(F0^2+Fc)*</a:t>
+            </a:r>
+            <a:r>
+              <a:rPr lang="en-US" altLang="ja-JP" dirty="0" err="1"/>
+              <a:t>Dv</a:t>
+            </a:r>
+            <a:r>
+              <a:rPr lang="en-US" altLang="ja-JP" dirty="0"/>
+              <a:t>+(</a:t>
+            </a:r>
+            <a:r>
+              <a:rPr lang="en-US" altLang="ja-JP" dirty="0" err="1"/>
+              <a:t>Fa+Fb+Fc</a:t>
+            </a:r>
+            <a:r>
+              <a:rPr lang="en-US" altLang="ja-JP" dirty="0"/>
+              <a:t>)*(</a:t>
+            </a:r>
+            <a:r>
+              <a:rPr lang="en-US" altLang="ja-JP" dirty="0" err="1"/>
+              <a:t>Dh+Dv</a:t>
+            </a:r>
+            <a:r>
+              <a:rPr lang="en-US" altLang="ja-JP" dirty="0"/>
+              <a:t>)</a:t>
+            </a:r>
+          </a:p>
+          <a:p>
+            <a:pPr lvl="2"/>
+            <a:endParaRPr lang="en-US" altLang="ja-JP" dirty="0"/>
+          </a:p>
+        </p:txBody>
+      </p:sp>
+    </p:spTree>
+    <p:extLst>
+      <p:ext uri="{BB962C8B-B14F-4D97-AF65-F5344CB8AC3E}">
+        <p14:creationId xmlns:p14="http://schemas.microsoft.com/office/powerpoint/2010/main" val="3546848442"/>
+      </p:ext>
+    </p:extLst>
+  </p:cSld>
+  <p:clrMapOvr>
+    <a:masterClrMapping/>
+  </p:clrMapOvr>
+</p:sld>
+</file>
+
+<file path=ppt/slides/slide17.xml><?xml version="1.0" encoding="utf-8"?>
+<p:sld xmlns:a="http://schemas.openxmlformats.org/drawingml/2006/main" xmlns:r="http://schemas.openxmlformats.org/officeDocument/2006/relationships" xmlns:p="http://schemas.openxmlformats.org/presentationml/2006/main">
+  <p:cSld>
+    <p:spTree>
+      <p:nvGrpSpPr>
+        <p:cNvPr id="1" name=""/>
+        <p:cNvGrpSpPr/>
+        <p:nvPr/>
+      </p:nvGrpSpPr>
+      <p:grpSpPr>
+        <a:xfrm>
+          <a:off x="0" y="0"/>
+          <a:ext cx="0" cy="0"/>
+          <a:chOff x="0" y="0"/>
+          <a:chExt cx="0" cy="0"/>
+        </a:xfrm>
+      </p:grpSpPr>
+      <p:sp>
+        <p:nvSpPr>
+          <p:cNvPr id="2" name="タイトル 1"/>
+          <p:cNvSpPr>
+            <a:spLocks noGrp="1"/>
+          </p:cNvSpPr>
+          <p:nvPr>
+            <p:ph type="title"/>
+          </p:nvPr>
+        </p:nvSpPr>
+        <p:spPr/>
+        <p:txBody>
+          <a:bodyPr/>
+          <a:lstStyle/>
+          <a:p>
+            <a:r>
+              <a:rPr lang="ja-JP" altLang="en-US" dirty="0"/>
+              <a:t>駆動系主</a:t>
+            </a:r>
+            <a:r>
+              <a:rPr lang="en-US" altLang="ja-JP" dirty="0" err="1"/>
+              <a:t>μC</a:t>
+            </a:r>
+            <a:r>
+              <a:rPr lang="ja-JP" altLang="en-US" dirty="0"/>
+              <a:t>の選定</a:t>
+            </a:r>
+            <a:br>
+              <a:rPr lang="en-US" altLang="ja-JP" dirty="0"/>
+            </a:br>
+            <a:r>
+              <a:rPr lang="ja-JP" altLang="en-US" dirty="0"/>
+              <a:t>故障リスクの推算</a:t>
+            </a:r>
+            <a:endParaRPr kumimoji="1" lang="ja-JP" altLang="en-US" dirty="0"/>
+          </a:p>
+        </p:txBody>
+      </p:sp>
+      <p:sp>
+        <p:nvSpPr>
+          <p:cNvPr id="3" name="コンテンツ プレースホルダー 2"/>
+          <p:cNvSpPr>
+            <a:spLocks noGrp="1"/>
+          </p:cNvSpPr>
+          <p:nvPr>
+            <p:ph idx="1"/>
+          </p:nvPr>
+        </p:nvSpPr>
+        <p:spPr>
+          <a:xfrm>
+            <a:off x="838199" y="1825625"/>
+            <a:ext cx="10515601" cy="4351338"/>
+          </a:xfrm>
+        </p:spPr>
+        <p:txBody>
           <a:bodyPr>
             <a:normAutofit fontScale="85000" lnSpcReduction="20000"/>
           </a:bodyPr>
@@ -7338,15 +9101,7 @@
             <a:pPr lvl="1"/>
             <a:r>
               <a:rPr lang="ja-JP" altLang="en-US" sz="1900" dirty="0"/>
-              <a:t>損害とその</a:t>
-            </a:r>
-            <a:r>
-              <a:rPr lang="ja-JP" altLang="en-US" sz="1900"/>
-              <a:t>期待値を直接比較</a:t>
-            </a:r>
-            <a:r>
-              <a:rPr lang="ja-JP" altLang="en-US" sz="1900" dirty="0"/>
-              <a:t>するのには違和感があるかもしれないが一応の参考として</a:t>
+              <a:t>損害とその期待値を直接比較するのには違和感があるかもしれないが一応の参考として</a:t>
             </a:r>
             <a:endParaRPr lang="en-US" altLang="ja-JP" sz="1900" dirty="0"/>
           </a:p>
@@ -7372,6 +9127,155 @@
     <p:extLst>
       <p:ext uri="{BB962C8B-B14F-4D97-AF65-F5344CB8AC3E}">
         <p14:creationId xmlns:p14="http://schemas.microsoft.com/office/powerpoint/2010/main" val="426820599"/>
+      </p:ext>
+    </p:extLst>
+  </p:cSld>
+  <p:clrMapOvr>
+    <a:masterClrMapping/>
+  </p:clrMapOvr>
+</p:sld>
+</file>
+
+<file path=ppt/slides/slide18.xml><?xml version="1.0" encoding="utf-8"?>
+<p:sld xmlns:a="http://schemas.openxmlformats.org/drawingml/2006/main" xmlns:r="http://schemas.openxmlformats.org/officeDocument/2006/relationships" xmlns:p="http://schemas.openxmlformats.org/presentationml/2006/main">
+  <p:cSld>
+    <p:spTree>
+      <p:nvGrpSpPr>
+        <p:cNvPr id="1" name=""/>
+        <p:cNvGrpSpPr/>
+        <p:nvPr/>
+      </p:nvGrpSpPr>
+      <p:grpSpPr>
+        <a:xfrm>
+          <a:off x="0" y="0"/>
+          <a:ext cx="0" cy="0"/>
+          <a:chOff x="0" y="0"/>
+          <a:chExt cx="0" cy="0"/>
+        </a:xfrm>
+      </p:grpSpPr>
+      <p:sp>
+        <p:nvSpPr>
+          <p:cNvPr id="2" name="タイトル 1"/>
+          <p:cNvSpPr>
+            <a:spLocks noGrp="1"/>
+          </p:cNvSpPr>
+          <p:nvPr>
+            <p:ph type="title"/>
+          </p:nvPr>
+        </p:nvSpPr>
+        <p:spPr/>
+        <p:txBody>
+          <a:bodyPr/>
+          <a:lstStyle/>
+          <a:p>
+            <a:r>
+              <a:rPr lang="ja-JP" altLang="en-US" dirty="0"/>
+              <a:t>重量</a:t>
+            </a:r>
+            <a:endParaRPr kumimoji="1" lang="ja-JP" altLang="en-US" dirty="0"/>
+          </a:p>
+        </p:txBody>
+      </p:sp>
+      <p:sp>
+        <p:nvSpPr>
+          <p:cNvPr id="3" name="コンテンツ プレースホルダー 2"/>
+          <p:cNvSpPr>
+            <a:spLocks noGrp="1"/>
+          </p:cNvSpPr>
+          <p:nvPr>
+            <p:ph idx="1"/>
+          </p:nvPr>
+        </p:nvSpPr>
+        <p:spPr/>
+        <p:txBody>
+          <a:bodyPr>
+            <a:normAutofit fontScale="85000" lnSpcReduction="20000"/>
+          </a:bodyPr>
+          <a:lstStyle/>
+          <a:p>
+            <a:r>
+              <a:rPr kumimoji="1" lang="ja-JP" altLang="en-US" dirty="0"/>
+              <a:t>バッテリー</a:t>
+            </a:r>
+            <a:r>
+              <a:rPr kumimoji="1" lang="en-US" altLang="ja-JP"/>
+              <a:t>10min.</a:t>
+            </a:r>
+            <a:endParaRPr kumimoji="1" lang="en-US" altLang="ja-JP" dirty="0"/>
+          </a:p>
+          <a:p>
+            <a:r>
+              <a:rPr lang="ja-JP" altLang="en-US" dirty="0"/>
+              <a:t>ピトー管</a:t>
+            </a:r>
+            <a:endParaRPr lang="en-US" altLang="ja-JP" dirty="0"/>
+          </a:p>
+          <a:p>
+            <a:r>
+              <a:rPr kumimoji="1" lang="ja-JP" altLang="en-US" dirty="0"/>
+              <a:t>操舵系</a:t>
+            </a:r>
+            <a:endParaRPr kumimoji="1" lang="en-US" altLang="ja-JP" dirty="0"/>
+          </a:p>
+          <a:p>
+            <a:r>
+              <a:rPr lang="ja-JP" altLang="en-US" dirty="0"/>
+              <a:t>計測系</a:t>
+            </a:r>
+            <a:endParaRPr lang="en-US" altLang="ja-JP" dirty="0"/>
+          </a:p>
+          <a:p>
+            <a:r>
+              <a:rPr kumimoji="1" lang="en-US" altLang="ja-JP" dirty="0"/>
+              <a:t>Hpan0.227</a:t>
+            </a:r>
+          </a:p>
+          <a:p>
+            <a:r>
+              <a:rPr lang="en-US" altLang="ja-JP" dirty="0"/>
+              <a:t>Svcode0.242</a:t>
+            </a:r>
+          </a:p>
+          <a:p>
+            <a:r>
+              <a:rPr kumimoji="1" lang="en-US" altLang="ja-JP" dirty="0"/>
+              <a:t>Sv_bo_log0.107</a:t>
+            </a:r>
+          </a:p>
+          <a:p>
+            <a:r>
+              <a:rPr lang="en-US" altLang="ja-JP" dirty="0"/>
+              <a:t>Batt0.413</a:t>
+            </a:r>
+          </a:p>
+          <a:p>
+            <a:r>
+              <a:rPr kumimoji="1" lang="en-US" altLang="ja-JP" dirty="0"/>
+              <a:t>uCbatt0.202</a:t>
+            </a:r>
+          </a:p>
+          <a:p>
+            <a:r>
+              <a:rPr lang="en-US" altLang="ja-JP" dirty="0"/>
+              <a:t>Hvm0.366</a:t>
+            </a:r>
+          </a:p>
+          <a:p>
+            <a:r>
+              <a:rPr kumimoji="1" lang="en-US" altLang="ja-JP" dirty="0"/>
+              <a:t>Asm0.010</a:t>
+            </a:r>
+          </a:p>
+          <a:p>
+            <a:pPr lvl="1"/>
+            <a:endParaRPr lang="en-US" altLang="ja-JP" dirty="0"/>
+          </a:p>
+        </p:txBody>
+      </p:sp>
+    </p:spTree>
+    <p:extLst>
+      <p:ext uri="{BB962C8B-B14F-4D97-AF65-F5344CB8AC3E}">
+        <p14:creationId xmlns:p14="http://schemas.microsoft.com/office/powerpoint/2010/main" val="21394510"/>
       </p:ext>
     </p:extLst>
   </p:cSld>

--- a/電装全体構成_TORICA_17_LUMINOUS.pptx
+++ b/電装全体構成_TORICA_17_LUMINOUS.pptx
@@ -4,6 +4,9 @@
   <p:sldMasterIdLst>
     <p:sldMasterId id="2147483648" r:id="rId1"/>
   </p:sldMasterIdLst>
+  <p:notesMasterIdLst>
+    <p:notesMasterId r:id="rId23"/>
+  </p:notesMasterIdLst>
   <p:sldIdLst>
     <p:sldId id="256" r:id="rId2"/>
     <p:sldId id="259" r:id="rId3"/>
@@ -23,6 +26,9 @@
     <p:sldId id="275" r:id="rId17"/>
     <p:sldId id="273" r:id="rId18"/>
     <p:sldId id="276" r:id="rId19"/>
+    <p:sldId id="277" r:id="rId20"/>
+    <p:sldId id="278" r:id="rId21"/>
+    <p:sldId id="279" r:id="rId22"/>
   </p:sldIdLst>
   <p:sldSz cx="12192000" cy="6858000"/>
   <p:notesSz cx="6858000" cy="9144000"/>
@@ -129,6 +135,388 @@
 </p:presentation>
 </file>
 
+<file path=ppt/notesMasters/notesMaster1.xml><?xml version="1.0" encoding="utf-8"?>
+<p:notesMaster xmlns:a="http://schemas.openxmlformats.org/drawingml/2006/main" xmlns:r="http://schemas.openxmlformats.org/officeDocument/2006/relationships" xmlns:p="http://schemas.openxmlformats.org/presentationml/2006/main">
+  <p:cSld>
+    <p:bg>
+      <p:bgRef idx="1001">
+        <a:schemeClr val="bg1"/>
+      </p:bgRef>
+    </p:bg>
+    <p:spTree>
+      <p:nvGrpSpPr>
+        <p:cNvPr id="1" name=""/>
+        <p:cNvGrpSpPr/>
+        <p:nvPr/>
+      </p:nvGrpSpPr>
+      <p:grpSpPr>
+        <a:xfrm>
+          <a:off x="0" y="0"/>
+          <a:ext cx="0" cy="0"/>
+          <a:chOff x="0" y="0"/>
+          <a:chExt cx="0" cy="0"/>
+        </a:xfrm>
+      </p:grpSpPr>
+      <p:sp>
+        <p:nvSpPr>
+          <p:cNvPr id="2" name="ヘッダー プレースホルダー 1"/>
+          <p:cNvSpPr>
+            <a:spLocks noGrp="1"/>
+          </p:cNvSpPr>
+          <p:nvPr>
+            <p:ph type="hdr" sz="quarter"/>
+          </p:nvPr>
+        </p:nvSpPr>
+        <p:spPr>
+          <a:xfrm>
+            <a:off x="0" y="0"/>
+            <a:ext cx="2971800" cy="458788"/>
+          </a:xfrm>
+          <a:prstGeom prst="rect">
+            <a:avLst/>
+          </a:prstGeom>
+        </p:spPr>
+        <p:txBody>
+          <a:bodyPr vert="horz" lIns="91440" tIns="45720" rIns="91440" bIns="45720" rtlCol="0"/>
+          <a:lstStyle>
+            <a:lvl1pPr algn="l">
+              <a:defRPr sz="1200"/>
+            </a:lvl1pPr>
+          </a:lstStyle>
+          <a:p>
+            <a:endParaRPr kumimoji="1" lang="ja-JP" altLang="en-US"/>
+          </a:p>
+        </p:txBody>
+      </p:sp>
+      <p:sp>
+        <p:nvSpPr>
+          <p:cNvPr id="3" name="日付プレースホルダー 2"/>
+          <p:cNvSpPr>
+            <a:spLocks noGrp="1"/>
+          </p:cNvSpPr>
+          <p:nvPr>
+            <p:ph type="dt" idx="1"/>
+          </p:nvPr>
+        </p:nvSpPr>
+        <p:spPr>
+          <a:xfrm>
+            <a:off x="3884613" y="0"/>
+            <a:ext cx="2971800" cy="458788"/>
+          </a:xfrm>
+          <a:prstGeom prst="rect">
+            <a:avLst/>
+          </a:prstGeom>
+        </p:spPr>
+        <p:txBody>
+          <a:bodyPr vert="horz" lIns="91440" tIns="45720" rIns="91440" bIns="45720" rtlCol="0"/>
+          <a:lstStyle>
+            <a:lvl1pPr algn="r">
+              <a:defRPr sz="1200"/>
+            </a:lvl1pPr>
+          </a:lstStyle>
+          <a:p>
+            <a:fld id="{2B79FCD9-C80D-44AD-8AA7-6CD54D163909}" type="datetimeFigureOut">
+              <a:rPr kumimoji="1" lang="ja-JP" altLang="en-US" smtClean="0"/>
+              <a:t>2017/4/16</a:t>
+            </a:fld>
+            <a:endParaRPr kumimoji="1" lang="ja-JP" altLang="en-US"/>
+          </a:p>
+        </p:txBody>
+      </p:sp>
+      <p:sp>
+        <p:nvSpPr>
+          <p:cNvPr id="4" name="スライド イメージ プレースホルダー 3"/>
+          <p:cNvSpPr>
+            <a:spLocks noGrp="1" noRot="1" noChangeAspect="1"/>
+          </p:cNvSpPr>
+          <p:nvPr>
+            <p:ph type="sldImg" idx="2"/>
+          </p:nvPr>
+        </p:nvSpPr>
+        <p:spPr>
+          <a:xfrm>
+            <a:off x="685800" y="1143000"/>
+            <a:ext cx="5486400" cy="3086100"/>
+          </a:xfrm>
+          <a:prstGeom prst="rect">
+            <a:avLst/>
+          </a:prstGeom>
+          <a:noFill/>
+          <a:ln w="12700">
+            <a:solidFill>
+              <a:prstClr val="black"/>
+            </a:solidFill>
+          </a:ln>
+        </p:spPr>
+        <p:txBody>
+          <a:bodyPr vert="horz" lIns="91440" tIns="45720" rIns="91440" bIns="45720" rtlCol="0" anchor="ctr"/>
+          <a:lstStyle/>
+          <a:p>
+            <a:endParaRPr lang="ja-JP" altLang="en-US"/>
+          </a:p>
+        </p:txBody>
+      </p:sp>
+      <p:sp>
+        <p:nvSpPr>
+          <p:cNvPr id="5" name="ノート プレースホルダー 4"/>
+          <p:cNvSpPr>
+            <a:spLocks noGrp="1"/>
+          </p:cNvSpPr>
+          <p:nvPr>
+            <p:ph type="body" sz="quarter" idx="3"/>
+          </p:nvPr>
+        </p:nvSpPr>
+        <p:spPr>
+          <a:xfrm>
+            <a:off x="685800" y="4400550"/>
+            <a:ext cx="5486400" cy="3600450"/>
+          </a:xfrm>
+          <a:prstGeom prst="rect">
+            <a:avLst/>
+          </a:prstGeom>
+        </p:spPr>
+        <p:txBody>
+          <a:bodyPr vert="horz" lIns="91440" tIns="45720" rIns="91440" bIns="45720" rtlCol="0"/>
+          <a:lstStyle/>
+          <a:p>
+            <a:pPr lvl="0"/>
+            <a:r>
+              <a:rPr kumimoji="1" lang="ja-JP" altLang="en-US"/>
+              <a:t>マスター テキストの書式設定</a:t>
+            </a:r>
+          </a:p>
+          <a:p>
+            <a:pPr lvl="1"/>
+            <a:r>
+              <a:rPr kumimoji="1" lang="ja-JP" altLang="en-US"/>
+              <a:t>第 </a:t>
+            </a:r>
+            <a:r>
+              <a:rPr kumimoji="1" lang="en-US" altLang="ja-JP"/>
+              <a:t>2 </a:t>
+            </a:r>
+            <a:r>
+              <a:rPr kumimoji="1" lang="ja-JP" altLang="en-US"/>
+              <a:t>レベル</a:t>
+            </a:r>
+          </a:p>
+          <a:p>
+            <a:pPr lvl="2"/>
+            <a:r>
+              <a:rPr kumimoji="1" lang="ja-JP" altLang="en-US"/>
+              <a:t>第 </a:t>
+            </a:r>
+            <a:r>
+              <a:rPr kumimoji="1" lang="en-US" altLang="ja-JP"/>
+              <a:t>3 </a:t>
+            </a:r>
+            <a:r>
+              <a:rPr kumimoji="1" lang="ja-JP" altLang="en-US"/>
+              <a:t>レベル</a:t>
+            </a:r>
+          </a:p>
+          <a:p>
+            <a:pPr lvl="3"/>
+            <a:r>
+              <a:rPr kumimoji="1" lang="ja-JP" altLang="en-US"/>
+              <a:t>第 </a:t>
+            </a:r>
+            <a:r>
+              <a:rPr kumimoji="1" lang="en-US" altLang="ja-JP"/>
+              <a:t>4 </a:t>
+            </a:r>
+            <a:r>
+              <a:rPr kumimoji="1" lang="ja-JP" altLang="en-US"/>
+              <a:t>レベル</a:t>
+            </a:r>
+          </a:p>
+          <a:p>
+            <a:pPr lvl="4"/>
+            <a:r>
+              <a:rPr kumimoji="1" lang="ja-JP" altLang="en-US"/>
+              <a:t>第 </a:t>
+            </a:r>
+            <a:r>
+              <a:rPr kumimoji="1" lang="en-US" altLang="ja-JP"/>
+              <a:t>5 </a:t>
+            </a:r>
+            <a:r>
+              <a:rPr kumimoji="1" lang="ja-JP" altLang="en-US"/>
+              <a:t>レベル</a:t>
+            </a:r>
+            <a:endParaRPr kumimoji="1" lang="ja-JP" altLang="en-US"/>
+          </a:p>
+        </p:txBody>
+      </p:sp>
+      <p:sp>
+        <p:nvSpPr>
+          <p:cNvPr id="6" name="フッター プレースホルダー 5"/>
+          <p:cNvSpPr>
+            <a:spLocks noGrp="1"/>
+          </p:cNvSpPr>
+          <p:nvPr>
+            <p:ph type="ftr" sz="quarter" idx="4"/>
+          </p:nvPr>
+        </p:nvSpPr>
+        <p:spPr>
+          <a:xfrm>
+            <a:off x="0" y="8685213"/>
+            <a:ext cx="2971800" cy="458787"/>
+          </a:xfrm>
+          <a:prstGeom prst="rect">
+            <a:avLst/>
+          </a:prstGeom>
+        </p:spPr>
+        <p:txBody>
+          <a:bodyPr vert="horz" lIns="91440" tIns="45720" rIns="91440" bIns="45720" rtlCol="0" anchor="b"/>
+          <a:lstStyle>
+            <a:lvl1pPr algn="l">
+              <a:defRPr sz="1200"/>
+            </a:lvl1pPr>
+          </a:lstStyle>
+          <a:p>
+            <a:endParaRPr kumimoji="1" lang="ja-JP" altLang="en-US"/>
+          </a:p>
+        </p:txBody>
+      </p:sp>
+      <p:sp>
+        <p:nvSpPr>
+          <p:cNvPr id="7" name="スライド番号プレースホルダー 6"/>
+          <p:cNvSpPr>
+            <a:spLocks noGrp="1"/>
+          </p:cNvSpPr>
+          <p:nvPr>
+            <p:ph type="sldNum" sz="quarter" idx="5"/>
+          </p:nvPr>
+        </p:nvSpPr>
+        <p:spPr>
+          <a:xfrm>
+            <a:off x="3884613" y="8685213"/>
+            <a:ext cx="2971800" cy="458787"/>
+          </a:xfrm>
+          <a:prstGeom prst="rect">
+            <a:avLst/>
+          </a:prstGeom>
+        </p:spPr>
+        <p:txBody>
+          <a:bodyPr vert="horz" lIns="91440" tIns="45720" rIns="91440" bIns="45720" rtlCol="0" anchor="b"/>
+          <a:lstStyle>
+            <a:lvl1pPr algn="r">
+              <a:defRPr sz="1200"/>
+            </a:lvl1pPr>
+          </a:lstStyle>
+          <a:p>
+            <a:fld id="{E4FA357F-A601-4A94-8A68-3264C7C6301C}" type="slidenum">
+              <a:rPr kumimoji="1" lang="ja-JP" altLang="en-US" smtClean="0"/>
+              <a:t>‹#›</a:t>
+            </a:fld>
+            <a:endParaRPr kumimoji="1" lang="ja-JP" altLang="en-US"/>
+          </a:p>
+        </p:txBody>
+      </p:sp>
+    </p:spTree>
+    <p:extLst>
+      <p:ext uri="{BB962C8B-B14F-4D97-AF65-F5344CB8AC3E}">
+        <p14:creationId xmlns:p14="http://schemas.microsoft.com/office/powerpoint/2010/main" val="253246537"/>
+      </p:ext>
+    </p:extLst>
+  </p:cSld>
+  <p:clrMap bg1="lt1" tx1="dk1" bg2="lt2" tx2="dk2" accent1="accent1" accent2="accent2" accent3="accent3" accent4="accent4" accent5="accent5" accent6="accent6" hlink="hlink" folHlink="folHlink"/>
+  <p:notesStyle>
+    <a:lvl1pPr marL="0" algn="l" defTabSz="914400" rtl="0" eaLnBrk="1" latinLnBrk="0" hangingPunct="1">
+      <a:defRPr kumimoji="1" sz="1200" kern="1200">
+        <a:solidFill>
+          <a:schemeClr val="tx1"/>
+        </a:solidFill>
+        <a:latin typeface="+mn-lt"/>
+        <a:ea typeface="+mn-ea"/>
+        <a:cs typeface="+mn-cs"/>
+      </a:defRPr>
+    </a:lvl1pPr>
+    <a:lvl2pPr marL="457200" algn="l" defTabSz="914400" rtl="0" eaLnBrk="1" latinLnBrk="0" hangingPunct="1">
+      <a:defRPr kumimoji="1" sz="1200" kern="1200">
+        <a:solidFill>
+          <a:schemeClr val="tx1"/>
+        </a:solidFill>
+        <a:latin typeface="+mn-lt"/>
+        <a:ea typeface="+mn-ea"/>
+        <a:cs typeface="+mn-cs"/>
+      </a:defRPr>
+    </a:lvl2pPr>
+    <a:lvl3pPr marL="914400" algn="l" defTabSz="914400" rtl="0" eaLnBrk="1" latinLnBrk="0" hangingPunct="1">
+      <a:defRPr kumimoji="1" sz="1200" kern="1200">
+        <a:solidFill>
+          <a:schemeClr val="tx1"/>
+        </a:solidFill>
+        <a:latin typeface="+mn-lt"/>
+        <a:ea typeface="+mn-ea"/>
+        <a:cs typeface="+mn-cs"/>
+      </a:defRPr>
+    </a:lvl3pPr>
+    <a:lvl4pPr marL="1371600" algn="l" defTabSz="914400" rtl="0" eaLnBrk="1" latinLnBrk="0" hangingPunct="1">
+      <a:defRPr kumimoji="1" sz="1200" kern="1200">
+        <a:solidFill>
+          <a:schemeClr val="tx1"/>
+        </a:solidFill>
+        <a:latin typeface="+mn-lt"/>
+        <a:ea typeface="+mn-ea"/>
+        <a:cs typeface="+mn-cs"/>
+      </a:defRPr>
+    </a:lvl4pPr>
+    <a:lvl5pPr marL="1828800" algn="l" defTabSz="914400" rtl="0" eaLnBrk="1" latinLnBrk="0" hangingPunct="1">
+      <a:defRPr kumimoji="1" sz="1200" kern="1200">
+        <a:solidFill>
+          <a:schemeClr val="tx1"/>
+        </a:solidFill>
+        <a:latin typeface="+mn-lt"/>
+        <a:ea typeface="+mn-ea"/>
+        <a:cs typeface="+mn-cs"/>
+      </a:defRPr>
+    </a:lvl5pPr>
+    <a:lvl6pPr marL="2286000" algn="l" defTabSz="914400" rtl="0" eaLnBrk="1" latinLnBrk="0" hangingPunct="1">
+      <a:defRPr kumimoji="1" sz="1200" kern="1200">
+        <a:solidFill>
+          <a:schemeClr val="tx1"/>
+        </a:solidFill>
+        <a:latin typeface="+mn-lt"/>
+        <a:ea typeface="+mn-ea"/>
+        <a:cs typeface="+mn-cs"/>
+      </a:defRPr>
+    </a:lvl6pPr>
+    <a:lvl7pPr marL="2743200" algn="l" defTabSz="914400" rtl="0" eaLnBrk="1" latinLnBrk="0" hangingPunct="1">
+      <a:defRPr kumimoji="1" sz="1200" kern="1200">
+        <a:solidFill>
+          <a:schemeClr val="tx1"/>
+        </a:solidFill>
+        <a:latin typeface="+mn-lt"/>
+        <a:ea typeface="+mn-ea"/>
+        <a:cs typeface="+mn-cs"/>
+      </a:defRPr>
+    </a:lvl7pPr>
+    <a:lvl8pPr marL="3200400" algn="l" defTabSz="914400" rtl="0" eaLnBrk="1" latinLnBrk="0" hangingPunct="1">
+      <a:defRPr kumimoji="1" sz="1200" kern="1200">
+        <a:solidFill>
+          <a:schemeClr val="tx1"/>
+        </a:solidFill>
+        <a:latin typeface="+mn-lt"/>
+        <a:ea typeface="+mn-ea"/>
+        <a:cs typeface="+mn-cs"/>
+      </a:defRPr>
+    </a:lvl8pPr>
+    <a:lvl9pPr marL="3657600" algn="l" defTabSz="914400" rtl="0" eaLnBrk="1" latinLnBrk="0" hangingPunct="1">
+      <a:defRPr kumimoji="1" sz="1200" kern="1200">
+        <a:solidFill>
+          <a:schemeClr val="tx1"/>
+        </a:solidFill>
+        <a:latin typeface="+mn-lt"/>
+        <a:ea typeface="+mn-ea"/>
+        <a:cs typeface="+mn-cs"/>
+      </a:defRPr>
+    </a:lvl9pPr>
+  </p:notesStyle>
+</p:notesMaster>
+</file>
+
 <file path=ppt/slideLayouts/slideLayout1.xml><?xml version="1.0" encoding="utf-8"?>
 <p:sldLayout xmlns:a="http://schemas.openxmlformats.org/drawingml/2006/main" xmlns:r="http://schemas.openxmlformats.org/officeDocument/2006/relationships" xmlns:p="http://schemas.openxmlformats.org/presentationml/2006/main" type="title" preserve="1">
   <p:cSld name="タイトル スライド">
@@ -258,7 +646,7 @@
           <a:p>
             <a:fld id="{E1791171-5E45-4E30-AB4E-6D197D487D40}" type="datetimeFigureOut">
               <a:rPr kumimoji="1" lang="ja-JP" altLang="en-US" smtClean="0"/>
-              <a:t>2017/4/11</a:t>
+              <a:t>2017/4/16</a:t>
             </a:fld>
             <a:endParaRPr kumimoji="1" lang="ja-JP" altLang="en-US"/>
           </a:p>
@@ -458,7 +846,7 @@
           <a:p>
             <a:fld id="{E1791171-5E45-4E30-AB4E-6D197D487D40}" type="datetimeFigureOut">
               <a:rPr kumimoji="1" lang="ja-JP" altLang="en-US" smtClean="0"/>
-              <a:t>2017/4/11</a:t>
+              <a:t>2017/4/16</a:t>
             </a:fld>
             <a:endParaRPr kumimoji="1" lang="ja-JP" altLang="en-US"/>
           </a:p>
@@ -668,7 +1056,7 @@
           <a:p>
             <a:fld id="{E1791171-5E45-4E30-AB4E-6D197D487D40}" type="datetimeFigureOut">
               <a:rPr kumimoji="1" lang="ja-JP" altLang="en-US" smtClean="0"/>
-              <a:t>2017/4/11</a:t>
+              <a:t>2017/4/16</a:t>
             </a:fld>
             <a:endParaRPr kumimoji="1" lang="ja-JP" altLang="en-US"/>
           </a:p>
@@ -868,7 +1256,7 @@
           <a:p>
             <a:fld id="{E1791171-5E45-4E30-AB4E-6D197D487D40}" type="datetimeFigureOut">
               <a:rPr kumimoji="1" lang="ja-JP" altLang="en-US" smtClean="0"/>
-              <a:t>2017/4/11</a:t>
+              <a:t>2017/4/16</a:t>
             </a:fld>
             <a:endParaRPr kumimoji="1" lang="ja-JP" altLang="en-US"/>
           </a:p>
@@ -1113,7 +1501,7 @@
           <a:p>
             <a:fld id="{E1791171-5E45-4E30-AB4E-6D197D487D40}" type="datetimeFigureOut">
               <a:rPr kumimoji="1" lang="ja-JP" altLang="en-US" smtClean="0"/>
-              <a:t>2017/4/11</a:t>
+              <a:t>2017/4/16</a:t>
             </a:fld>
             <a:endParaRPr kumimoji="1" lang="ja-JP" altLang="en-US"/>
           </a:p>
@@ -1406,7 +1794,7 @@
           <a:p>
             <a:fld id="{E1791171-5E45-4E30-AB4E-6D197D487D40}" type="datetimeFigureOut">
               <a:rPr kumimoji="1" lang="ja-JP" altLang="en-US" smtClean="0"/>
-              <a:t>2017/4/11</a:t>
+              <a:t>2017/4/16</a:t>
             </a:fld>
             <a:endParaRPr kumimoji="1" lang="ja-JP" altLang="en-US"/>
           </a:p>
@@ -1834,7 +2222,7 @@
           <a:p>
             <a:fld id="{E1791171-5E45-4E30-AB4E-6D197D487D40}" type="datetimeFigureOut">
               <a:rPr kumimoji="1" lang="ja-JP" altLang="en-US" smtClean="0"/>
-              <a:t>2017/4/11</a:t>
+              <a:t>2017/4/16</a:t>
             </a:fld>
             <a:endParaRPr kumimoji="1" lang="ja-JP" altLang="en-US"/>
           </a:p>
@@ -1951,7 +2339,7 @@
           <a:p>
             <a:fld id="{E1791171-5E45-4E30-AB4E-6D197D487D40}" type="datetimeFigureOut">
               <a:rPr kumimoji="1" lang="ja-JP" altLang="en-US" smtClean="0"/>
-              <a:t>2017/4/11</a:t>
+              <a:t>2017/4/16</a:t>
             </a:fld>
             <a:endParaRPr kumimoji="1" lang="ja-JP" altLang="en-US"/>
           </a:p>
@@ -2046,7 +2434,7 @@
           <a:p>
             <a:fld id="{E1791171-5E45-4E30-AB4E-6D197D487D40}" type="datetimeFigureOut">
               <a:rPr kumimoji="1" lang="ja-JP" altLang="en-US" smtClean="0"/>
-              <a:t>2017/4/11</a:t>
+              <a:t>2017/4/16</a:t>
             </a:fld>
             <a:endParaRPr kumimoji="1" lang="ja-JP" altLang="en-US"/>
           </a:p>
@@ -2353,7 +2741,7 @@
           <a:p>
             <a:fld id="{E1791171-5E45-4E30-AB4E-6D197D487D40}" type="datetimeFigureOut">
               <a:rPr kumimoji="1" lang="ja-JP" altLang="en-US" smtClean="0"/>
-              <a:t>2017/4/11</a:t>
+              <a:t>2017/4/16</a:t>
             </a:fld>
             <a:endParaRPr kumimoji="1" lang="ja-JP" altLang="en-US"/>
           </a:p>
@@ -2605,7 +2993,7 @@
           <a:p>
             <a:fld id="{E1791171-5E45-4E30-AB4E-6D197D487D40}" type="datetimeFigureOut">
               <a:rPr kumimoji="1" lang="ja-JP" altLang="en-US" smtClean="0"/>
-              <a:t>2017/4/11</a:t>
+              <a:t>2017/4/16</a:t>
             </a:fld>
             <a:endParaRPr kumimoji="1" lang="ja-JP" altLang="en-US"/>
           </a:p>
@@ -2848,7 +3236,7 @@
           <a:p>
             <a:fld id="{E1791171-5E45-4E30-AB4E-6D197D487D40}" type="datetimeFigureOut">
               <a:rPr kumimoji="1" lang="ja-JP" altLang="en-US" smtClean="0"/>
-              <a:t>2017/4/11</a:t>
+              <a:t>2017/4/16</a:t>
             </a:fld>
             <a:endParaRPr kumimoji="1" lang="ja-JP" altLang="en-US"/>
           </a:p>
@@ -9285,6 +9673,244 @@
 </p:sld>
 </file>
 
+<file path=ppt/slides/slide19.xml><?xml version="1.0" encoding="utf-8"?>
+<p:sld xmlns:a="http://schemas.openxmlformats.org/drawingml/2006/main" xmlns:r="http://schemas.openxmlformats.org/officeDocument/2006/relationships" xmlns:p="http://schemas.openxmlformats.org/presentationml/2006/main">
+  <p:cSld>
+    <p:spTree>
+      <p:nvGrpSpPr>
+        <p:cNvPr id="1" name=""/>
+        <p:cNvGrpSpPr/>
+        <p:nvPr/>
+      </p:nvGrpSpPr>
+      <p:grpSpPr>
+        <a:xfrm>
+          <a:off x="0" y="0"/>
+          <a:ext cx="0" cy="0"/>
+          <a:chOff x="0" y="0"/>
+          <a:chExt cx="0" cy="0"/>
+        </a:xfrm>
+      </p:grpSpPr>
+      <p:sp>
+        <p:nvSpPr>
+          <p:cNvPr id="2" name="タイトル 1"/>
+          <p:cNvSpPr>
+            <a:spLocks noGrp="1"/>
+          </p:cNvSpPr>
+          <p:nvPr>
+            <p:ph type="title"/>
+          </p:nvPr>
+        </p:nvSpPr>
+        <p:spPr/>
+        <p:txBody>
+          <a:bodyPr/>
+          <a:lstStyle/>
+          <a:p>
+            <a:r>
+              <a:rPr kumimoji="1" lang="en-US" altLang="ja-JP" dirty="0" err="1"/>
+              <a:t>SV_batt</a:t>
+            </a:r>
+            <a:r>
+              <a:rPr kumimoji="1" lang="en-US" altLang="ja-JP" dirty="0"/>
+              <a:t>.</a:t>
+            </a:r>
+            <a:r>
+              <a:rPr kumimoji="1" lang="ja-JP" altLang="en-US" dirty="0"/>
+              <a:t>　要求</a:t>
+            </a:r>
+          </a:p>
+        </p:txBody>
+      </p:sp>
+      <p:sp>
+        <p:nvSpPr>
+          <p:cNvPr id="3" name="コンテンツ プレースホルダー 2"/>
+          <p:cNvSpPr>
+            <a:spLocks noGrp="1"/>
+          </p:cNvSpPr>
+          <p:nvPr>
+            <p:ph idx="1"/>
+          </p:nvPr>
+        </p:nvSpPr>
+        <p:spPr>
+          <a:xfrm>
+            <a:off x="838200" y="1825625"/>
+            <a:ext cx="10515600" cy="4351338"/>
+          </a:xfrm>
+        </p:spPr>
+        <p:txBody>
+          <a:bodyPr>
+            <a:normAutofit lnSpcReduction="10000"/>
+          </a:bodyPr>
+          <a:lstStyle/>
+          <a:p>
+            <a:r>
+              <a:rPr kumimoji="1" lang="en-US" altLang="ja-JP" dirty="0"/>
+              <a:t>SV</a:t>
+            </a:r>
+            <a:r>
+              <a:rPr kumimoji="1" lang="ja-JP" altLang="en-US" dirty="0"/>
+              <a:t>動作電圧</a:t>
+            </a:r>
+            <a:endParaRPr kumimoji="1" lang="en-US" altLang="ja-JP" dirty="0"/>
+          </a:p>
+          <a:p>
+            <a:pPr lvl="1"/>
+            <a:r>
+              <a:rPr lang="en-US" altLang="ja-JP" dirty="0"/>
+              <a:t>KRS-4033HV &amp; KRS-4034HV</a:t>
+            </a:r>
+          </a:p>
+          <a:p>
+            <a:pPr lvl="2"/>
+            <a:r>
+              <a:rPr kumimoji="1" lang="en-US" altLang="ja-JP" dirty="0"/>
+              <a:t>11.1[V]</a:t>
+            </a:r>
+          </a:p>
+          <a:p>
+            <a:r>
+              <a:rPr kumimoji="1" lang="en-US" altLang="ja-JP" dirty="0"/>
+              <a:t>SV</a:t>
+            </a:r>
+            <a:r>
+              <a:rPr kumimoji="1" lang="ja-JP" altLang="en-US" dirty="0"/>
+              <a:t>消費電力</a:t>
+            </a:r>
+            <a:endParaRPr kumimoji="1" lang="en-US" altLang="ja-JP" dirty="0"/>
+          </a:p>
+          <a:p>
+            <a:pPr lvl="1"/>
+            <a:r>
+              <a:rPr lang="en-US" altLang="ja-JP" dirty="0"/>
+              <a:t>KRS-4033HV &amp; </a:t>
+            </a:r>
+            <a:r>
+              <a:rPr lang="en-US" altLang="ja-JP" dirty="0"/>
+              <a:t>KRS-4034HV</a:t>
+            </a:r>
+            <a:endParaRPr lang="en-US" altLang="ja-JP" dirty="0"/>
+          </a:p>
+          <a:p>
+            <a:pPr lvl="2"/>
+            <a:r>
+              <a:rPr lang="ja-JP" altLang="en-US" dirty="0"/>
+              <a:t>最大消費電流 </a:t>
+            </a:r>
+            <a:r>
+              <a:rPr lang="en-US" altLang="ja-JP" dirty="0"/>
+              <a:t>3.1[A]</a:t>
+            </a:r>
+          </a:p>
+          <a:p>
+            <a:r>
+              <a:rPr lang="ja-JP" altLang="en-US" dirty="0"/>
+              <a:t>動作時間</a:t>
+            </a:r>
+            <a:endParaRPr lang="en-US" altLang="ja-JP" dirty="0"/>
+          </a:p>
+          <a:p>
+            <a:pPr lvl="1"/>
+            <a:r>
+              <a:rPr lang="ja-JP" altLang="en-US" dirty="0"/>
+              <a:t>最低</a:t>
+            </a:r>
+            <a:r>
+              <a:rPr lang="en-US" altLang="ja-JP" dirty="0"/>
+              <a:t>10[min.]</a:t>
+            </a:r>
+          </a:p>
+          <a:p>
+            <a:pPr lvl="1"/>
+            <a:r>
+              <a:rPr lang="ja-JP" altLang="en-US" dirty="0"/>
+              <a:t>余裕を見て</a:t>
+            </a:r>
+            <a:r>
+              <a:rPr lang="en-US" altLang="ja-JP" dirty="0"/>
+              <a:t>30[min.]</a:t>
+            </a:r>
+          </a:p>
+          <a:p>
+            <a:r>
+              <a:rPr lang="ja-JP" altLang="en-US" dirty="0"/>
+              <a:t>必要容量</a:t>
+            </a:r>
+            <a:endParaRPr lang="en-US" altLang="ja-JP" dirty="0"/>
+          </a:p>
+          <a:p>
+            <a:pPr lvl="1"/>
+            <a:r>
+              <a:rPr lang="en-US" altLang="ja-JP" dirty="0"/>
+              <a:t>3.1*0.5=1550[</a:t>
+            </a:r>
+            <a:r>
+              <a:rPr lang="en-US" altLang="ja-JP" dirty="0" err="1"/>
+              <a:t>mAh</a:t>
+            </a:r>
+            <a:r>
+              <a:rPr lang="en-US" altLang="ja-JP" dirty="0"/>
+              <a:t>]</a:t>
+            </a:r>
+          </a:p>
+          <a:p>
+            <a:pPr lvl="1"/>
+            <a:endParaRPr lang="en-US" altLang="ja-JP" dirty="0"/>
+          </a:p>
+        </p:txBody>
+      </p:sp>
+      <p:sp>
+        <p:nvSpPr>
+          <p:cNvPr id="5" name="テキスト ボックス 4"/>
+          <p:cNvSpPr txBox="1"/>
+          <p:nvPr/>
+        </p:nvSpPr>
+        <p:spPr>
+          <a:xfrm>
+            <a:off x="209984" y="5988734"/>
+            <a:ext cx="5344733" cy="646331"/>
+          </a:xfrm>
+          <a:prstGeom prst="rect">
+            <a:avLst/>
+          </a:prstGeom>
+          <a:noFill/>
+        </p:spPr>
+        <p:txBody>
+          <a:bodyPr wrap="none" rtlCol="0">
+            <a:spAutoFit/>
+          </a:bodyPr>
+          <a:lstStyle/>
+          <a:p>
+            <a:r>
+              <a:rPr lang="en-US" altLang="ja-JP" dirty="0">
+                <a:hlinkClick r:id="rId2"/>
+              </a:rPr>
+              <a:t>http://kondo-robot.com/product/krs-4034hv-ics</a:t>
+            </a:r>
+            <a:endParaRPr lang="en-US" altLang="ja-JP" dirty="0"/>
+          </a:p>
+          <a:p>
+            <a:r>
+              <a:rPr lang="en-US" altLang="ja-JP" dirty="0">
+                <a:hlinkClick r:id="rId3"/>
+              </a:rPr>
+              <a:t>http://kondo-robot.com/product/krs-4033hv-ics</a:t>
+            </a:r>
+            <a:endParaRPr lang="en-US" altLang="ja-JP" dirty="0"/>
+          </a:p>
+        </p:txBody>
+      </p:sp>
+    </p:spTree>
+    <p:extLst>
+      <p:ext uri="{BB962C8B-B14F-4D97-AF65-F5344CB8AC3E}">
+        <p14:creationId xmlns:p14="http://schemas.microsoft.com/office/powerpoint/2010/main" val="403391179"/>
+      </p:ext>
+    </p:extLst>
+  </p:cSld>
+  <p:clrMapOvr>
+    <a:masterClrMapping/>
+  </p:clrMapOvr>
+</p:sld>
+</file>
+
 <file path=ppt/slides/slide2.xml><?xml version="1.0" encoding="utf-8"?>
 <p:sld xmlns:a="http://schemas.openxmlformats.org/drawingml/2006/main" xmlns:r="http://schemas.openxmlformats.org/officeDocument/2006/relationships" xmlns:p="http://schemas.openxmlformats.org/presentationml/2006/main">
   <p:cSld>
@@ -9370,6 +9996,514 @@
     <p:extLst>
       <p:ext uri="{BB962C8B-B14F-4D97-AF65-F5344CB8AC3E}">
         <p14:creationId xmlns:p14="http://schemas.microsoft.com/office/powerpoint/2010/main" val="615375756"/>
+      </p:ext>
+    </p:extLst>
+  </p:cSld>
+  <p:clrMapOvr>
+    <a:masterClrMapping/>
+  </p:clrMapOvr>
+</p:sld>
+</file>
+
+<file path=ppt/slides/slide20.xml><?xml version="1.0" encoding="utf-8"?>
+<p:sld xmlns:a="http://schemas.openxmlformats.org/drawingml/2006/main" xmlns:r="http://schemas.openxmlformats.org/officeDocument/2006/relationships" xmlns:p="http://schemas.openxmlformats.org/presentationml/2006/main">
+  <p:cSld>
+    <p:spTree>
+      <p:nvGrpSpPr>
+        <p:cNvPr id="1" name=""/>
+        <p:cNvGrpSpPr/>
+        <p:nvPr/>
+      </p:nvGrpSpPr>
+      <p:grpSpPr>
+        <a:xfrm>
+          <a:off x="0" y="0"/>
+          <a:ext cx="0" cy="0"/>
+          <a:chOff x="0" y="0"/>
+          <a:chExt cx="0" cy="0"/>
+        </a:xfrm>
+      </p:grpSpPr>
+      <p:sp>
+        <p:nvSpPr>
+          <p:cNvPr id="2" name="タイトル 1"/>
+          <p:cNvSpPr>
+            <a:spLocks noGrp="1"/>
+          </p:cNvSpPr>
+          <p:nvPr>
+            <p:ph type="title"/>
+          </p:nvPr>
+        </p:nvSpPr>
+        <p:spPr/>
+        <p:txBody>
+          <a:bodyPr/>
+          <a:lstStyle/>
+          <a:p>
+            <a:r>
+              <a:rPr lang="en-US" altLang="ja-JP" dirty="0" err="1"/>
+              <a:t>SV_batt</a:t>
+            </a:r>
+            <a:r>
+              <a:rPr lang="en-US" altLang="ja-JP" dirty="0"/>
+              <a:t>.</a:t>
+            </a:r>
+            <a:r>
+              <a:rPr lang="ja-JP" altLang="en-US" dirty="0"/>
+              <a:t>　候補</a:t>
+            </a:r>
+            <a:endParaRPr kumimoji="1" lang="ja-JP" altLang="en-US" dirty="0"/>
+          </a:p>
+        </p:txBody>
+      </p:sp>
+      <p:sp>
+        <p:nvSpPr>
+          <p:cNvPr id="3" name="コンテンツ プレースホルダー 2"/>
+          <p:cNvSpPr>
+            <a:spLocks noGrp="1"/>
+          </p:cNvSpPr>
+          <p:nvPr>
+            <p:ph idx="1"/>
+          </p:nvPr>
+        </p:nvSpPr>
+        <p:spPr/>
+        <p:txBody>
+          <a:bodyPr>
+            <a:normAutofit fontScale="70000" lnSpcReduction="20000"/>
+          </a:bodyPr>
+          <a:lstStyle/>
+          <a:p>
+            <a:r>
+              <a:rPr lang="en-US" altLang="ja-JP" dirty="0" err="1">
+                <a:hlinkClick r:id="rId2"/>
+              </a:rPr>
+              <a:t>Turnigy</a:t>
+            </a:r>
+            <a:r>
+              <a:rPr lang="en-US" altLang="ja-JP" dirty="0">
+                <a:hlinkClick r:id="rId2"/>
+              </a:rPr>
+              <a:t> 1800mAh 3S 20C </a:t>
+            </a:r>
+            <a:r>
+              <a:rPr lang="en-US" altLang="ja-JP" dirty="0" err="1">
+                <a:hlinkClick r:id="rId2"/>
+              </a:rPr>
+              <a:t>LiPoly</a:t>
+            </a:r>
+            <a:r>
+              <a:rPr lang="en-US" altLang="ja-JP" dirty="0">
+                <a:hlinkClick r:id="rId2"/>
+              </a:rPr>
+              <a:t> Pack w/ EC3 (E-flite Compatible EFLB32003S)</a:t>
+            </a:r>
+            <a:endParaRPr lang="en-US" altLang="ja-JP" dirty="0"/>
+          </a:p>
+          <a:p>
+            <a:pPr lvl="1"/>
+            <a:r>
+              <a:rPr lang="en-US" altLang="ja-JP" dirty="0"/>
+              <a:t>Minimum Capacity: </a:t>
+            </a:r>
+            <a:r>
+              <a:rPr lang="en-US" altLang="ja-JP" b="1" dirty="0"/>
+              <a:t>1800mAh (True 100% Capacity)</a:t>
+            </a:r>
+            <a:br>
+              <a:rPr lang="en-US" altLang="ja-JP" dirty="0"/>
+            </a:br>
+            <a:r>
+              <a:rPr lang="en-US" altLang="ja-JP" dirty="0"/>
+              <a:t>Configuration: </a:t>
+            </a:r>
+            <a:r>
+              <a:rPr lang="en-US" altLang="ja-JP" b="1" dirty="0"/>
+              <a:t>3S1P / 11.1v / 3Cell</a:t>
+            </a:r>
+            <a:br>
+              <a:rPr lang="en-US" altLang="ja-JP" dirty="0"/>
+            </a:br>
+            <a:r>
+              <a:rPr lang="en-US" altLang="ja-JP" dirty="0"/>
+              <a:t>Constant Discharge: </a:t>
+            </a:r>
+            <a:r>
+              <a:rPr lang="en-US" altLang="ja-JP" b="1" dirty="0"/>
+              <a:t>20C</a:t>
+            </a:r>
+            <a:br>
+              <a:rPr lang="en-US" altLang="ja-JP" dirty="0"/>
+            </a:br>
+            <a:r>
+              <a:rPr lang="en-US" altLang="ja-JP" dirty="0"/>
+              <a:t>Peak Discharge (10sec): </a:t>
+            </a:r>
+            <a:r>
+              <a:rPr lang="en-US" altLang="ja-JP" b="1" dirty="0"/>
+              <a:t>40C</a:t>
+            </a:r>
+            <a:br>
+              <a:rPr lang="en-US" altLang="ja-JP" dirty="0"/>
+            </a:br>
+            <a:r>
+              <a:rPr lang="en-US" altLang="ja-JP" dirty="0"/>
+              <a:t>Pack Weight: </a:t>
+            </a:r>
+            <a:r>
+              <a:rPr lang="en-US" altLang="ja-JP" b="1" dirty="0"/>
+              <a:t>150g</a:t>
+            </a:r>
+            <a:br>
+              <a:rPr lang="en-US" altLang="ja-JP" dirty="0"/>
+            </a:br>
+            <a:r>
+              <a:rPr lang="en-US" altLang="ja-JP" dirty="0"/>
+              <a:t>Pack Size: </a:t>
+            </a:r>
+            <a:r>
+              <a:rPr lang="en-US" altLang="ja-JP" b="1" dirty="0"/>
+              <a:t>108 x 36 x 20mm</a:t>
+            </a:r>
+            <a:br>
+              <a:rPr lang="en-US" altLang="ja-JP" dirty="0"/>
+            </a:br>
+            <a:r>
+              <a:rPr lang="en-US" altLang="ja-JP" dirty="0"/>
+              <a:t>Charge Plug: </a:t>
+            </a:r>
+            <a:r>
+              <a:rPr lang="en-US" altLang="ja-JP" b="1" dirty="0"/>
+              <a:t>JST-XH</a:t>
+            </a:r>
+            <a:br>
+              <a:rPr lang="en-US" altLang="ja-JP" dirty="0"/>
+            </a:br>
+            <a:r>
+              <a:rPr lang="en-US" altLang="ja-JP" dirty="0"/>
+              <a:t>Discharge Plug: </a:t>
+            </a:r>
+            <a:r>
+              <a:rPr lang="en-US" altLang="ja-JP" b="1" dirty="0"/>
+              <a:t>EC3</a:t>
+            </a:r>
+          </a:p>
+          <a:p>
+            <a:pPr lvl="1"/>
+            <a:r>
+              <a:rPr lang="en-US" altLang="ja-JP" b="1" dirty="0"/>
+              <a:t>$11.25</a:t>
+            </a:r>
+          </a:p>
+          <a:p>
+            <a:r>
+              <a:rPr lang="en-US" altLang="ja-JP" dirty="0" err="1">
+                <a:hlinkClick r:id="rId3"/>
+              </a:rPr>
+              <a:t>Turnigy</a:t>
+            </a:r>
+            <a:r>
+              <a:rPr lang="en-US" altLang="ja-JP" dirty="0">
+                <a:hlinkClick r:id="rId3"/>
+              </a:rPr>
+              <a:t> 1600mAh 3S 20C </a:t>
+            </a:r>
+            <a:r>
+              <a:rPr lang="en-US" altLang="ja-JP" dirty="0" err="1">
+                <a:hlinkClick r:id="rId3"/>
+              </a:rPr>
+              <a:t>Lipo</a:t>
+            </a:r>
+            <a:r>
+              <a:rPr lang="en-US" altLang="ja-JP" dirty="0">
+                <a:hlinkClick r:id="rId3"/>
+              </a:rPr>
+              <a:t> Pack</a:t>
+            </a:r>
+            <a:endParaRPr lang="en-US" altLang="ja-JP" dirty="0"/>
+          </a:p>
+          <a:p>
+            <a:pPr lvl="1"/>
+            <a:r>
+              <a:rPr lang="en-US" altLang="ja-JP" dirty="0"/>
+              <a:t>Minimum Capacity: </a:t>
+            </a:r>
+            <a:r>
+              <a:rPr lang="en-US" altLang="ja-JP" b="1" dirty="0"/>
+              <a:t>1600mAh</a:t>
+            </a:r>
+            <a:br>
+              <a:rPr lang="en-US" altLang="ja-JP" dirty="0"/>
+            </a:br>
+            <a:r>
+              <a:rPr lang="en-US" altLang="ja-JP" dirty="0"/>
+              <a:t>Configuration: </a:t>
+            </a:r>
+            <a:r>
+              <a:rPr lang="en-US" altLang="ja-JP" b="1" dirty="0"/>
+              <a:t>3S1P / 11.1v / 3Cell</a:t>
+            </a:r>
+            <a:br>
+              <a:rPr lang="en-US" altLang="ja-JP" dirty="0"/>
+            </a:br>
+            <a:r>
+              <a:rPr lang="en-US" altLang="ja-JP" dirty="0"/>
+              <a:t>Constant Discharge: </a:t>
+            </a:r>
+            <a:r>
+              <a:rPr lang="en-US" altLang="ja-JP" b="1" dirty="0"/>
+              <a:t>20C</a:t>
+            </a:r>
+            <a:br>
+              <a:rPr lang="en-US" altLang="ja-JP" dirty="0"/>
+            </a:br>
+            <a:r>
+              <a:rPr lang="en-US" altLang="ja-JP" dirty="0"/>
+              <a:t>Peak Discharge (10sec): </a:t>
+            </a:r>
+            <a:r>
+              <a:rPr lang="en-US" altLang="ja-JP" b="1" dirty="0"/>
+              <a:t>30C</a:t>
+            </a:r>
+            <a:br>
+              <a:rPr lang="en-US" altLang="ja-JP" dirty="0"/>
+            </a:br>
+            <a:r>
+              <a:rPr lang="en-US" altLang="ja-JP" dirty="0"/>
+              <a:t>Pack Weight: </a:t>
+            </a:r>
+            <a:r>
+              <a:rPr lang="en-US" altLang="ja-JP" b="1" dirty="0"/>
+              <a:t>142g</a:t>
+            </a:r>
+            <a:br>
+              <a:rPr lang="en-US" altLang="ja-JP" dirty="0"/>
+            </a:br>
+            <a:r>
+              <a:rPr lang="en-US" altLang="ja-JP" dirty="0"/>
+              <a:t>Pack Size: </a:t>
+            </a:r>
+            <a:r>
+              <a:rPr lang="en-US" altLang="ja-JP" b="1" dirty="0"/>
+              <a:t>105 x 35 x 21mm</a:t>
+            </a:r>
+            <a:br>
+              <a:rPr lang="en-US" altLang="ja-JP" b="1" dirty="0"/>
+            </a:br>
+            <a:r>
+              <a:rPr lang="en-US" altLang="ja-JP" dirty="0"/>
+              <a:t>Charge Plug: </a:t>
+            </a:r>
+            <a:r>
+              <a:rPr lang="en-US" altLang="ja-JP" b="1" dirty="0"/>
+              <a:t>JST-XH</a:t>
+            </a:r>
+            <a:br>
+              <a:rPr lang="en-US" altLang="ja-JP" dirty="0"/>
+            </a:br>
+            <a:r>
+              <a:rPr lang="en-US" altLang="ja-JP" dirty="0"/>
+              <a:t>Discharge plug: </a:t>
+            </a:r>
+            <a:r>
+              <a:rPr lang="en-US" altLang="ja-JP" b="1" dirty="0"/>
+              <a:t>XT60</a:t>
+            </a:r>
+          </a:p>
+          <a:p>
+            <a:pPr lvl="1"/>
+            <a:r>
+              <a:rPr kumimoji="1" lang="en-US" altLang="ja-JP" b="1" dirty="0"/>
+              <a:t>$11.94</a:t>
+            </a:r>
+            <a:endParaRPr kumimoji="1" lang="ja-JP" altLang="en-US" dirty="0"/>
+          </a:p>
+        </p:txBody>
+      </p:sp>
+    </p:spTree>
+    <p:extLst>
+      <p:ext uri="{BB962C8B-B14F-4D97-AF65-F5344CB8AC3E}">
+        <p14:creationId xmlns:p14="http://schemas.microsoft.com/office/powerpoint/2010/main" val="3369421384"/>
+      </p:ext>
+    </p:extLst>
+  </p:cSld>
+  <p:clrMapOvr>
+    <a:masterClrMapping/>
+  </p:clrMapOvr>
+</p:sld>
+</file>
+
+<file path=ppt/slides/slide21.xml><?xml version="1.0" encoding="utf-8"?>
+<p:sld xmlns:a="http://schemas.openxmlformats.org/drawingml/2006/main" xmlns:r="http://schemas.openxmlformats.org/officeDocument/2006/relationships" xmlns:p="http://schemas.openxmlformats.org/presentationml/2006/main">
+  <p:cSld>
+    <p:spTree>
+      <p:nvGrpSpPr>
+        <p:cNvPr id="1" name=""/>
+        <p:cNvGrpSpPr/>
+        <p:nvPr/>
+      </p:nvGrpSpPr>
+      <p:grpSpPr>
+        <a:xfrm>
+          <a:off x="0" y="0"/>
+          <a:ext cx="0" cy="0"/>
+          <a:chOff x="0" y="0"/>
+          <a:chExt cx="0" cy="0"/>
+        </a:xfrm>
+      </p:grpSpPr>
+      <p:sp>
+        <p:nvSpPr>
+          <p:cNvPr id="2" name="タイトル 1"/>
+          <p:cNvSpPr>
+            <a:spLocks noGrp="1"/>
+          </p:cNvSpPr>
+          <p:nvPr>
+            <p:ph type="title"/>
+          </p:nvPr>
+        </p:nvSpPr>
+        <p:spPr/>
+        <p:txBody>
+          <a:bodyPr/>
+          <a:lstStyle/>
+          <a:p>
+            <a:r>
+              <a:rPr lang="en-US" altLang="ja-JP" dirty="0" err="1"/>
+              <a:t>SV_batt</a:t>
+            </a:r>
+            <a:r>
+              <a:rPr lang="en-US" altLang="ja-JP" dirty="0"/>
+              <a:t>.</a:t>
+            </a:r>
+            <a:r>
+              <a:rPr lang="ja-JP" altLang="en-US" dirty="0"/>
+              <a:t>　候補</a:t>
+            </a:r>
+            <a:endParaRPr kumimoji="1" lang="ja-JP" altLang="en-US" dirty="0"/>
+          </a:p>
+        </p:txBody>
+      </p:sp>
+      <p:sp>
+        <p:nvSpPr>
+          <p:cNvPr id="3" name="コンテンツ プレースホルダー 2"/>
+          <p:cNvSpPr>
+            <a:spLocks noGrp="1"/>
+          </p:cNvSpPr>
+          <p:nvPr>
+            <p:ph idx="1"/>
+          </p:nvPr>
+        </p:nvSpPr>
+        <p:spPr/>
+        <p:txBody>
+          <a:bodyPr>
+            <a:normAutofit/>
+          </a:bodyPr>
+          <a:lstStyle/>
+          <a:p>
+            <a:r>
+              <a:rPr lang="en-US" altLang="ja-JP" dirty="0">
+                <a:hlinkClick r:id="rId2"/>
+              </a:rPr>
+              <a:t>ZIPPY </a:t>
+            </a:r>
+            <a:r>
+              <a:rPr lang="en-US" altLang="ja-JP" dirty="0" err="1">
+                <a:hlinkClick r:id="rId2"/>
+              </a:rPr>
+              <a:t>Flightmax</a:t>
+            </a:r>
+            <a:r>
+              <a:rPr lang="en-US" altLang="ja-JP" dirty="0">
+                <a:hlinkClick r:id="rId2"/>
+              </a:rPr>
+              <a:t> 1600mAh 3S1P 20C</a:t>
+            </a:r>
+            <a:endParaRPr lang="en-US" altLang="ja-JP" dirty="0"/>
+          </a:p>
+          <a:p>
+            <a:pPr lvl="1"/>
+            <a:r>
+              <a:rPr lang="en-US" altLang="ja-JP" dirty="0"/>
+              <a:t>Capacity: </a:t>
+            </a:r>
+            <a:r>
+              <a:rPr lang="en-US" altLang="ja-JP" b="1" dirty="0"/>
+              <a:t>1600mAh</a:t>
+            </a:r>
+            <a:br>
+              <a:rPr lang="en-US" altLang="ja-JP" dirty="0"/>
+            </a:br>
+            <a:r>
+              <a:rPr lang="en-US" altLang="ja-JP" dirty="0"/>
+              <a:t>Voltage: </a:t>
+            </a:r>
+            <a:r>
+              <a:rPr lang="en-US" altLang="ja-JP" b="1" dirty="0"/>
+              <a:t>3S1P / 3 Cell / 11.1v</a:t>
+            </a:r>
+            <a:br>
+              <a:rPr lang="en-US" altLang="ja-JP" dirty="0"/>
+            </a:br>
+            <a:r>
+              <a:rPr lang="en-US" altLang="ja-JP" dirty="0"/>
+              <a:t>Discharge:</a:t>
+            </a:r>
+            <a:r>
+              <a:rPr lang="en-US" altLang="ja-JP" b="1" dirty="0"/>
+              <a:t> 20C Constant / 30C Burst</a:t>
+            </a:r>
+            <a:br>
+              <a:rPr lang="en-US" altLang="ja-JP" dirty="0"/>
+            </a:br>
+            <a:r>
+              <a:rPr lang="en-US" altLang="ja-JP" dirty="0"/>
+              <a:t>Weight:</a:t>
+            </a:r>
+            <a:r>
+              <a:rPr lang="en-US" altLang="ja-JP" b="1" dirty="0"/>
+              <a:t> 140g (including wire, plug &amp; shrink wrap)</a:t>
+            </a:r>
+            <a:br>
+              <a:rPr lang="en-US" altLang="ja-JP" dirty="0"/>
+            </a:br>
+            <a:r>
+              <a:rPr lang="en-US" altLang="ja-JP" dirty="0"/>
+              <a:t>Dimensions: </a:t>
+            </a:r>
+            <a:r>
+              <a:rPr lang="en-US" altLang="ja-JP" b="1" dirty="0"/>
+              <a:t>104x34x21mm</a:t>
+            </a:r>
+            <a:br>
+              <a:rPr lang="en-US" altLang="ja-JP" dirty="0"/>
+            </a:br>
+            <a:r>
+              <a:rPr lang="en-US" altLang="ja-JP" dirty="0"/>
+              <a:t>Balance Plug:</a:t>
+            </a:r>
+            <a:r>
+              <a:rPr lang="en-US" altLang="ja-JP" b="1" dirty="0"/>
+              <a:t> JST-XH</a:t>
+            </a:r>
+            <a:br>
+              <a:rPr lang="en-US" altLang="ja-JP" dirty="0"/>
+            </a:br>
+            <a:r>
+              <a:rPr lang="en-US" altLang="ja-JP" dirty="0"/>
+              <a:t>Discharge plug:</a:t>
+            </a:r>
+            <a:r>
+              <a:rPr lang="en-US" altLang="ja-JP" b="1" dirty="0"/>
+              <a:t> XT60 </a:t>
+            </a:r>
+          </a:p>
+          <a:p>
+            <a:pPr lvl="1"/>
+            <a:r>
+              <a:rPr lang="en-US" altLang="ja-JP" b="1" dirty="0"/>
+              <a:t>$9.09</a:t>
+            </a:r>
+          </a:p>
+        </p:txBody>
+      </p:sp>
+    </p:spTree>
+    <p:extLst>
+      <p:ext uri="{BB962C8B-B14F-4D97-AF65-F5344CB8AC3E}">
+        <p14:creationId xmlns:p14="http://schemas.microsoft.com/office/powerpoint/2010/main" val="4255954654"/>
       </p:ext>
     </p:extLst>
   </p:cSld>
@@ -19417,4 +20551,299 @@
     </a:ext>
   </a:extLst>
 </a:theme>
+</file>
+
+<file path=ppt/theme/theme2.xml><?xml version="1.0" encoding="utf-8"?>
+<a:theme xmlns:a="http://schemas.openxmlformats.org/drawingml/2006/main" name="Office テーマ">
+  <a:themeElements>
+    <a:clrScheme name="Office">
+      <a:dk1>
+        <a:sysClr val="windowText" lastClr="000000"/>
+      </a:dk1>
+      <a:lt1>
+        <a:sysClr val="window" lastClr="FFFFFF"/>
+      </a:lt1>
+      <a:dk2>
+        <a:srgbClr val="44546A"/>
+      </a:dk2>
+      <a:lt2>
+        <a:srgbClr val="E7E6E6"/>
+      </a:lt2>
+      <a:accent1>
+        <a:srgbClr val="5B9BD5"/>
+      </a:accent1>
+      <a:accent2>
+        <a:srgbClr val="ED7D31"/>
+      </a:accent2>
+      <a:accent3>
+        <a:srgbClr val="A5A5A5"/>
+      </a:accent3>
+      <a:accent4>
+        <a:srgbClr val="FFC000"/>
+      </a:accent4>
+      <a:accent5>
+        <a:srgbClr val="4472C4"/>
+      </a:accent5>
+      <a:accent6>
+        <a:srgbClr val="70AD47"/>
+      </a:accent6>
+      <a:hlink>
+        <a:srgbClr val="0563C1"/>
+      </a:hlink>
+      <a:folHlink>
+        <a:srgbClr val="954F72"/>
+      </a:folHlink>
+    </a:clrScheme>
+    <a:fontScheme name="Office">
+      <a:majorFont>
+        <a:latin typeface="游ゴシック Light" panose="020F0302020204030204"/>
+        <a:ea typeface=""/>
+        <a:cs typeface=""/>
+        <a:font script="Jpan" typeface="游ゴシック Light"/>
+        <a:font script="Hang" typeface="맑은 고딕"/>
+        <a:font script="Hans" typeface="等线 Light"/>
+        <a:font script="Hant" typeface="新細明體"/>
+        <a:font script="Arab" typeface="Times New Roman"/>
+        <a:font script="Hebr" typeface="Times New Roman"/>
+        <a:font script="Thai" typeface="Angsana New"/>
+        <a:font script="Ethi" typeface="Nyala"/>
+        <a:font script="Beng" typeface="Vrinda"/>
+        <a:font script="Gujr" typeface="Shruti"/>
+        <a:font script="Khmr" typeface="MoolBoran"/>
+        <a:font script="Knda" typeface="Tunga"/>
+        <a:font script="Guru" typeface="Raavi"/>
+        <a:font script="Cans" typeface="Euphemia"/>
+        <a:font script="Cher" typeface="Plantagenet Cherokee"/>
+        <a:font script="Yiii" typeface="Microsoft Yi Baiti"/>
+        <a:font script="Tibt" typeface="Microsoft Himalaya"/>
+        <a:font script="Thaa" typeface="MV Boli"/>
+        <a:font script="Deva" typeface="Mangal"/>
+        <a:font script="Telu" typeface="Gautami"/>
+        <a:font script="Taml" typeface="Latha"/>
+        <a:font script="Syrc" typeface="Estrangelo Edessa"/>
+        <a:font script="Orya" typeface="Kalinga"/>
+        <a:font script="Mlym" typeface="Kartika"/>
+        <a:font script="Laoo" typeface="DokChampa"/>
+        <a:font script="Sinh" typeface="Iskoola Pota"/>
+        <a:font script="Mong" typeface="Mongolian Baiti"/>
+        <a:font script="Viet" typeface="Times New Roman"/>
+        <a:font script="Uigh" typeface="Microsoft Uighur"/>
+        <a:font script="Geor" typeface="Sylfaen"/>
+        <a:font script="Armn" typeface="Arial"/>
+        <a:font script="Bugi" typeface="Leelawadee UI"/>
+        <a:font script="Bopo" typeface="Microsoft JhengHei"/>
+        <a:font script="Java" typeface="Javanese Text"/>
+        <a:font script="Lisu" typeface="Segoe UI"/>
+        <a:font script="Mymr" typeface="Myanmar Text"/>
+        <a:font script="Nkoo" typeface="Ebrima"/>
+        <a:font script="Olck" typeface="Nirmala UI"/>
+        <a:font script="Osma" typeface="Ebrima"/>
+        <a:font script="Phag" typeface="Phagspa"/>
+        <a:font script="Syrn" typeface="Estrangelo Edessa"/>
+        <a:font script="Syrj" typeface="Estrangelo Edessa"/>
+        <a:font script="Syre" typeface="Estrangelo Edessa"/>
+        <a:font script="Sora" typeface="Nirmala UI"/>
+        <a:font script="Tale" typeface="Microsoft Tai Le"/>
+        <a:font script="Talu" typeface="Microsoft New Tai Lue"/>
+        <a:font script="Tfng" typeface="Ebrima"/>
+      </a:majorFont>
+      <a:minorFont>
+        <a:latin typeface="游ゴシック" panose="020F0502020204030204"/>
+        <a:ea typeface=""/>
+        <a:cs typeface=""/>
+        <a:font script="Jpan" typeface="游ゴシック"/>
+        <a:font script="Hang" typeface="맑은 고딕"/>
+        <a:font script="Hans" typeface="等线"/>
+        <a:font script="Hant" typeface="新細明體"/>
+        <a:font script="Arab" typeface="Arial"/>
+        <a:font script="Hebr" typeface="Arial"/>
+        <a:font script="Thai" typeface="Cordia New"/>
+        <a:font script="Ethi" typeface="Nyala"/>
+        <a:font script="Beng" typeface="Vrinda"/>
+        <a:font script="Gujr" typeface="Shruti"/>
+        <a:font script="Khmr" typeface="DaunPenh"/>
+        <a:font script="Knda" typeface="Tunga"/>
+        <a:font script="Guru" typeface="Raavi"/>
+        <a:font script="Cans" typeface="Euphemia"/>
+        <a:font script="Cher" typeface="Plantagenet Cherokee"/>
+        <a:font script="Yiii" typeface="Microsoft Yi Baiti"/>
+        <a:font script="Tibt" typeface="Microsoft Himalaya"/>
+        <a:font script="Thaa" typeface="MV Boli"/>
+        <a:font script="Deva" typeface="Mangal"/>
+        <a:font script="Telu" typeface="Gautami"/>
+        <a:font script="Taml" typeface="Latha"/>
+        <a:font script="Syrc" typeface="Estrangelo Edessa"/>
+        <a:font script="Orya" typeface="Kalinga"/>
+        <a:font script="Mlym" typeface="Kartika"/>
+        <a:font script="Laoo" typeface="DokChampa"/>
+        <a:font script="Sinh" typeface="Iskoola Pota"/>
+        <a:font script="Mong" typeface="Mongolian Baiti"/>
+        <a:font script="Viet" typeface="Arial"/>
+        <a:font script="Uigh" typeface="Microsoft Uighur"/>
+        <a:font script="Geor" typeface="Sylfaen"/>
+        <a:font script="Armn" typeface="Arial"/>
+        <a:font script="Bugi" typeface="Leelawadee UI"/>
+        <a:font script="Bopo" typeface="Microsoft JhengHei"/>
+        <a:font script="Java" typeface="Javanese Text"/>
+        <a:font script="Lisu" typeface="Segoe UI"/>
+        <a:font script="Mymr" typeface="Myanmar Text"/>
+        <a:font script="Nkoo" typeface="Ebrima"/>
+        <a:font script="Olck" typeface="Nirmala UI"/>
+        <a:font script="Osma" typeface="Ebrima"/>
+        <a:font script="Phag" typeface="Phagspa"/>
+        <a:font script="Syrn" typeface="Estrangelo Edessa"/>
+        <a:font script="Syrj" typeface="Estrangelo Edessa"/>
+        <a:font script="Syre" typeface="Estrangelo Edessa"/>
+        <a:font script="Sora" typeface="Nirmala UI"/>
+        <a:font script="Tale" typeface="Microsoft Tai Le"/>
+        <a:font script="Talu" typeface="Microsoft New Tai Lue"/>
+        <a:font script="Tfng" typeface="Ebrima"/>
+      </a:minorFont>
+    </a:fontScheme>
+    <a:fmtScheme name="Office">
+      <a:fillStyleLst>
+        <a:solidFill>
+          <a:schemeClr val="phClr"/>
+        </a:solidFill>
+        <a:gradFill rotWithShape="1">
+          <a:gsLst>
+            <a:gs pos="0">
+              <a:schemeClr val="phClr">
+                <a:lumMod val="110000"/>
+                <a:satMod val="105000"/>
+                <a:tint val="67000"/>
+              </a:schemeClr>
+            </a:gs>
+            <a:gs pos="50000">
+              <a:schemeClr val="phClr">
+                <a:lumMod val="105000"/>
+                <a:satMod val="103000"/>
+                <a:tint val="73000"/>
+              </a:schemeClr>
+            </a:gs>
+            <a:gs pos="100000">
+              <a:schemeClr val="phClr">
+                <a:lumMod val="105000"/>
+                <a:satMod val="109000"/>
+                <a:tint val="81000"/>
+              </a:schemeClr>
+            </a:gs>
+          </a:gsLst>
+          <a:lin ang="5400000" scaled="0"/>
+        </a:gradFill>
+        <a:gradFill rotWithShape="1">
+          <a:gsLst>
+            <a:gs pos="0">
+              <a:schemeClr val="phClr">
+                <a:satMod val="103000"/>
+                <a:lumMod val="102000"/>
+                <a:tint val="94000"/>
+              </a:schemeClr>
+            </a:gs>
+            <a:gs pos="50000">
+              <a:schemeClr val="phClr">
+                <a:satMod val="110000"/>
+                <a:lumMod val="100000"/>
+                <a:shade val="100000"/>
+              </a:schemeClr>
+            </a:gs>
+            <a:gs pos="100000">
+              <a:schemeClr val="phClr">
+                <a:lumMod val="99000"/>
+                <a:satMod val="120000"/>
+                <a:shade val="78000"/>
+              </a:schemeClr>
+            </a:gs>
+          </a:gsLst>
+          <a:lin ang="5400000" scaled="0"/>
+        </a:gradFill>
+      </a:fillStyleLst>
+      <a:lnStyleLst>
+        <a:ln w="6350" cap="flat" cmpd="sng" algn="ctr">
+          <a:solidFill>
+            <a:schemeClr val="phClr"/>
+          </a:solidFill>
+          <a:prstDash val="solid"/>
+          <a:miter lim="800000"/>
+        </a:ln>
+        <a:ln w="12700" cap="flat" cmpd="sng" algn="ctr">
+          <a:solidFill>
+            <a:schemeClr val="phClr"/>
+          </a:solidFill>
+          <a:prstDash val="solid"/>
+          <a:miter lim="800000"/>
+        </a:ln>
+        <a:ln w="19050" cap="flat" cmpd="sng" algn="ctr">
+          <a:solidFill>
+            <a:schemeClr val="phClr"/>
+          </a:solidFill>
+          <a:prstDash val="solid"/>
+          <a:miter lim="800000"/>
+        </a:ln>
+      </a:lnStyleLst>
+      <a:effectStyleLst>
+        <a:effectStyle>
+          <a:effectLst/>
+        </a:effectStyle>
+        <a:effectStyle>
+          <a:effectLst/>
+        </a:effectStyle>
+        <a:effectStyle>
+          <a:effectLst>
+            <a:outerShdw blurRad="57150" dist="19050" dir="5400000" algn="ctr" rotWithShape="0">
+              <a:srgbClr val="000000">
+                <a:alpha val="63000"/>
+              </a:srgbClr>
+            </a:outerShdw>
+          </a:effectLst>
+        </a:effectStyle>
+      </a:effectStyleLst>
+      <a:bgFillStyleLst>
+        <a:solidFill>
+          <a:schemeClr val="phClr"/>
+        </a:solidFill>
+        <a:solidFill>
+          <a:schemeClr val="phClr">
+            <a:tint val="95000"/>
+            <a:satMod val="170000"/>
+          </a:schemeClr>
+        </a:solidFill>
+        <a:gradFill rotWithShape="1">
+          <a:gsLst>
+            <a:gs pos="0">
+              <a:schemeClr val="phClr">
+                <a:tint val="93000"/>
+                <a:satMod val="150000"/>
+                <a:shade val="98000"/>
+                <a:lumMod val="102000"/>
+              </a:schemeClr>
+            </a:gs>
+            <a:gs pos="50000">
+              <a:schemeClr val="phClr">
+                <a:tint val="98000"/>
+                <a:satMod val="130000"/>
+                <a:shade val="90000"/>
+                <a:lumMod val="103000"/>
+              </a:schemeClr>
+            </a:gs>
+            <a:gs pos="100000">
+              <a:schemeClr val="phClr">
+                <a:shade val="63000"/>
+                <a:satMod val="120000"/>
+              </a:schemeClr>
+            </a:gs>
+          </a:gsLst>
+          <a:lin ang="5400000" scaled="0"/>
+        </a:gradFill>
+      </a:bgFillStyleLst>
+    </a:fmtScheme>
+  </a:themeElements>
+  <a:objectDefaults/>
+  <a:extraClrSchemeLst/>
+  <a:extLst>
+    <a:ext uri="{05A4C25C-085E-4340-85A3-A5531E510DB2}">
+      <thm15:themeFamily xmlns:thm15="http://schemas.microsoft.com/office/thememl/2012/main" name="Office Theme" id="{62F939B6-93AF-4DB8-9C6B-D6C7DFDC589F}" vid="{4A3C46E8-61CC-4603-A589-7422A47A8E4A}"/>
+    </a:ext>
+  </a:extLst>
+</a:theme>
 </file>
--- a/電装全体構成_TORICA_17_LUMINOUS.pptx
+++ b/電装全体構成_TORICA_17_LUMINOUS.pptx
@@ -5,7 +5,7 @@
     <p:sldMasterId id="2147483648" r:id="rId1"/>
   </p:sldMasterIdLst>
   <p:notesMasterIdLst>
-    <p:notesMasterId r:id="rId23"/>
+    <p:notesMasterId r:id="rId25"/>
   </p:notesMasterIdLst>
   <p:sldIdLst>
     <p:sldId id="256" r:id="rId2"/>
@@ -29,6 +29,8 @@
     <p:sldId id="277" r:id="rId20"/>
     <p:sldId id="278" r:id="rId21"/>
     <p:sldId id="279" r:id="rId22"/>
+    <p:sldId id="280" r:id="rId23"/>
+    <p:sldId id="281" r:id="rId24"/>
   </p:sldIdLst>
   <p:sldSz cx="12192000" cy="6858000"/>
   <p:notesSz cx="6858000" cy="9144000"/>
@@ -217,7 +219,7 @@
           <a:p>
             <a:fld id="{2B79FCD9-C80D-44AD-8AA7-6CD54D163909}" type="datetimeFigureOut">
               <a:rPr kumimoji="1" lang="ja-JP" altLang="en-US" smtClean="0"/>
-              <a:t>2017/4/16</a:t>
+              <a:t>2017/4/18</a:t>
             </a:fld>
             <a:endParaRPr kumimoji="1" lang="ja-JP" altLang="en-US"/>
           </a:p>
@@ -344,7 +346,6 @@
               <a:rPr kumimoji="1" lang="ja-JP" altLang="en-US"/>
               <a:t>レベル</a:t>
             </a:r>
-            <a:endParaRPr kumimoji="1" lang="ja-JP" altLang="en-US"/>
           </a:p>
         </p:txBody>
       </p:sp>
@@ -646,7 +647,7 @@
           <a:p>
             <a:fld id="{E1791171-5E45-4E30-AB4E-6D197D487D40}" type="datetimeFigureOut">
               <a:rPr kumimoji="1" lang="ja-JP" altLang="en-US" smtClean="0"/>
-              <a:t>2017/4/16</a:t>
+              <a:t>2017/4/18</a:t>
             </a:fld>
             <a:endParaRPr kumimoji="1" lang="ja-JP" altLang="en-US"/>
           </a:p>
@@ -846,7 +847,7 @@
           <a:p>
             <a:fld id="{E1791171-5E45-4E30-AB4E-6D197D487D40}" type="datetimeFigureOut">
               <a:rPr kumimoji="1" lang="ja-JP" altLang="en-US" smtClean="0"/>
-              <a:t>2017/4/16</a:t>
+              <a:t>2017/4/18</a:t>
             </a:fld>
             <a:endParaRPr kumimoji="1" lang="ja-JP" altLang="en-US"/>
           </a:p>
@@ -1056,7 +1057,7 @@
           <a:p>
             <a:fld id="{E1791171-5E45-4E30-AB4E-6D197D487D40}" type="datetimeFigureOut">
               <a:rPr kumimoji="1" lang="ja-JP" altLang="en-US" smtClean="0"/>
-              <a:t>2017/4/16</a:t>
+              <a:t>2017/4/18</a:t>
             </a:fld>
             <a:endParaRPr kumimoji="1" lang="ja-JP" altLang="en-US"/>
           </a:p>
@@ -1256,7 +1257,7 @@
           <a:p>
             <a:fld id="{E1791171-5E45-4E30-AB4E-6D197D487D40}" type="datetimeFigureOut">
               <a:rPr kumimoji="1" lang="ja-JP" altLang="en-US" smtClean="0"/>
-              <a:t>2017/4/16</a:t>
+              <a:t>2017/4/18</a:t>
             </a:fld>
             <a:endParaRPr kumimoji="1" lang="ja-JP" altLang="en-US"/>
           </a:p>
@@ -1501,7 +1502,7 @@
           <a:p>
             <a:fld id="{E1791171-5E45-4E30-AB4E-6D197D487D40}" type="datetimeFigureOut">
               <a:rPr kumimoji="1" lang="ja-JP" altLang="en-US" smtClean="0"/>
-              <a:t>2017/4/16</a:t>
+              <a:t>2017/4/18</a:t>
             </a:fld>
             <a:endParaRPr kumimoji="1" lang="ja-JP" altLang="en-US"/>
           </a:p>
@@ -1794,7 +1795,7 @@
           <a:p>
             <a:fld id="{E1791171-5E45-4E30-AB4E-6D197D487D40}" type="datetimeFigureOut">
               <a:rPr kumimoji="1" lang="ja-JP" altLang="en-US" smtClean="0"/>
-              <a:t>2017/4/16</a:t>
+              <a:t>2017/4/18</a:t>
             </a:fld>
             <a:endParaRPr kumimoji="1" lang="ja-JP" altLang="en-US"/>
           </a:p>
@@ -2222,7 +2223,7 @@
           <a:p>
             <a:fld id="{E1791171-5E45-4E30-AB4E-6D197D487D40}" type="datetimeFigureOut">
               <a:rPr kumimoji="1" lang="ja-JP" altLang="en-US" smtClean="0"/>
-              <a:t>2017/4/16</a:t>
+              <a:t>2017/4/18</a:t>
             </a:fld>
             <a:endParaRPr kumimoji="1" lang="ja-JP" altLang="en-US"/>
           </a:p>
@@ -2339,7 +2340,7 @@
           <a:p>
             <a:fld id="{E1791171-5E45-4E30-AB4E-6D197D487D40}" type="datetimeFigureOut">
               <a:rPr kumimoji="1" lang="ja-JP" altLang="en-US" smtClean="0"/>
-              <a:t>2017/4/16</a:t>
+              <a:t>2017/4/18</a:t>
             </a:fld>
             <a:endParaRPr kumimoji="1" lang="ja-JP" altLang="en-US"/>
           </a:p>
@@ -2434,7 +2435,7 @@
           <a:p>
             <a:fld id="{E1791171-5E45-4E30-AB4E-6D197D487D40}" type="datetimeFigureOut">
               <a:rPr kumimoji="1" lang="ja-JP" altLang="en-US" smtClean="0"/>
-              <a:t>2017/4/16</a:t>
+              <a:t>2017/4/18</a:t>
             </a:fld>
             <a:endParaRPr kumimoji="1" lang="ja-JP" altLang="en-US"/>
           </a:p>
@@ -2741,7 +2742,7 @@
           <a:p>
             <a:fld id="{E1791171-5E45-4E30-AB4E-6D197D487D40}" type="datetimeFigureOut">
               <a:rPr kumimoji="1" lang="ja-JP" altLang="en-US" smtClean="0"/>
-              <a:t>2017/4/16</a:t>
+              <a:t>2017/4/18</a:t>
             </a:fld>
             <a:endParaRPr kumimoji="1" lang="ja-JP" altLang="en-US"/>
           </a:p>
@@ -2993,7 +2994,7 @@
           <a:p>
             <a:fld id="{E1791171-5E45-4E30-AB4E-6D197D487D40}" type="datetimeFigureOut">
               <a:rPr kumimoji="1" lang="ja-JP" altLang="en-US" smtClean="0"/>
-              <a:t>2017/4/16</a:t>
+              <a:t>2017/4/18</a:t>
             </a:fld>
             <a:endParaRPr kumimoji="1" lang="ja-JP" altLang="en-US"/>
           </a:p>
@@ -3236,7 +3237,7 @@
           <a:p>
             <a:fld id="{E1791171-5E45-4E30-AB4E-6D197D487D40}" type="datetimeFigureOut">
               <a:rPr kumimoji="1" lang="ja-JP" altLang="en-US" smtClean="0"/>
-              <a:t>2017/4/16</a:t>
+              <a:t>2017/4/18</a:t>
             </a:fld>
             <a:endParaRPr kumimoji="1" lang="ja-JP" altLang="en-US"/>
           </a:p>
@@ -9781,13 +9782,8 @@
             <a:pPr lvl="1"/>
             <a:r>
               <a:rPr lang="en-US" altLang="ja-JP" dirty="0"/>
-              <a:t>KRS-4033HV &amp; </a:t>
-            </a:r>
-            <a:r>
-              <a:rPr lang="en-US" altLang="ja-JP" dirty="0"/>
-              <a:t>KRS-4034HV</a:t>
-            </a:r>
-            <a:endParaRPr lang="en-US" altLang="ja-JP" dirty="0"/>
+              <a:t>KRS-4033HV &amp; KRS-4034HV</a:t>
+            </a:r>
           </a:p>
           <a:p>
             <a:pPr lvl="2"/>
@@ -10066,7 +10062,7 @@
         <p:spPr/>
         <p:txBody>
           <a:bodyPr>
-            <a:normAutofit fontScale="70000" lnSpcReduction="20000"/>
+            <a:normAutofit fontScale="62500" lnSpcReduction="20000"/>
           </a:bodyPr>
           <a:lstStyle/>
           <a:p>
@@ -10183,6 +10179,14 @@
               <a:rPr lang="en-US" altLang="ja-JP" b="1" dirty="0"/>
               <a:t>EC3</a:t>
             </a:r>
+          </a:p>
+          <a:p>
+            <a:pPr lvl="1"/>
+            <a:r>
+              <a:rPr lang="en-US" altLang="ja-JP" b="1"/>
+              <a:t>Weight:116.00[g]</a:t>
+            </a:r>
+            <a:endParaRPr lang="en-US" altLang="ja-JP" b="1" dirty="0"/>
           </a:p>
           <a:p>
             <a:pPr lvl="1"/>
@@ -10504,6 +10508,352 @@
     <p:extLst>
       <p:ext uri="{BB962C8B-B14F-4D97-AF65-F5344CB8AC3E}">
         <p14:creationId xmlns:p14="http://schemas.microsoft.com/office/powerpoint/2010/main" val="4255954654"/>
+      </p:ext>
+    </p:extLst>
+  </p:cSld>
+  <p:clrMapOvr>
+    <a:masterClrMapping/>
+  </p:clrMapOvr>
+</p:sld>
+</file>
+
+<file path=ppt/slides/slide22.xml><?xml version="1.0" encoding="utf-8"?>
+<p:sld xmlns:a="http://schemas.openxmlformats.org/drawingml/2006/main" xmlns:r="http://schemas.openxmlformats.org/officeDocument/2006/relationships" xmlns:p="http://schemas.openxmlformats.org/presentationml/2006/main">
+  <p:cSld>
+    <p:spTree>
+      <p:nvGrpSpPr>
+        <p:cNvPr id="1" name=""/>
+        <p:cNvGrpSpPr/>
+        <p:nvPr/>
+      </p:nvGrpSpPr>
+      <p:grpSpPr>
+        <a:xfrm>
+          <a:off x="0" y="0"/>
+          <a:ext cx="0" cy="0"/>
+          <a:chOff x="0" y="0"/>
+          <a:chExt cx="0" cy="0"/>
+        </a:xfrm>
+      </p:grpSpPr>
+      <p:sp>
+        <p:nvSpPr>
+          <p:cNvPr id="2" name="タイトル 1"/>
+          <p:cNvSpPr>
+            <a:spLocks noGrp="1"/>
+          </p:cNvSpPr>
+          <p:nvPr>
+            <p:ph type="title"/>
+          </p:nvPr>
+        </p:nvSpPr>
+        <p:spPr/>
+        <p:txBody>
+          <a:bodyPr/>
+          <a:lstStyle/>
+          <a:p>
+            <a:r>
+              <a:rPr lang="ja-JP" altLang="en-US" dirty="0"/>
+              <a:t>操舵系</a:t>
+            </a:r>
+            <a:r>
+              <a:rPr lang="en-US" altLang="ja-JP" dirty="0" err="1"/>
+              <a:t>μC_batt</a:t>
+            </a:r>
+            <a:r>
+              <a:rPr lang="en-US" altLang="ja-JP" dirty="0"/>
+              <a:t>.</a:t>
+            </a:r>
+            <a:endParaRPr kumimoji="1" lang="ja-JP" altLang="en-US" dirty="0"/>
+          </a:p>
+        </p:txBody>
+      </p:sp>
+      <p:sp>
+        <p:nvSpPr>
+          <p:cNvPr id="3" name="コンテンツ プレースホルダー 2"/>
+          <p:cNvSpPr>
+            <a:spLocks noGrp="1"/>
+          </p:cNvSpPr>
+          <p:nvPr>
+            <p:ph idx="1"/>
+          </p:nvPr>
+        </p:nvSpPr>
+        <p:spPr/>
+        <p:txBody>
+          <a:bodyPr/>
+          <a:lstStyle/>
+          <a:p>
+            <a:r>
+              <a:rPr lang="en-US" altLang="ja-JP" dirty="0" err="1">
+                <a:hlinkClick r:id="rId2"/>
+              </a:rPr>
+              <a:t>Turnigy</a:t>
+            </a:r>
+            <a:r>
+              <a:rPr lang="en-US" altLang="ja-JP" dirty="0">
+                <a:hlinkClick r:id="rId2"/>
+              </a:rPr>
+              <a:t> 500mAh 2S 20C </a:t>
+            </a:r>
+            <a:r>
+              <a:rPr lang="en-US" altLang="ja-JP" dirty="0" err="1">
+                <a:hlinkClick r:id="rId2"/>
+              </a:rPr>
+              <a:t>Lipo</a:t>
+            </a:r>
+            <a:r>
+              <a:rPr lang="en-US" altLang="ja-JP" dirty="0">
+                <a:hlinkClick r:id="rId2"/>
+              </a:rPr>
+              <a:t> Pack</a:t>
+            </a:r>
+            <a:endParaRPr lang="en-US" altLang="ja-JP" dirty="0"/>
+          </a:p>
+          <a:p>
+            <a:pPr lvl="1"/>
+            <a:r>
+              <a:rPr lang="en-US" altLang="ja-JP" dirty="0"/>
+              <a:t>Minimum Capacity: </a:t>
+            </a:r>
+            <a:r>
+              <a:rPr lang="en-US" altLang="ja-JP" b="1" dirty="0"/>
+              <a:t>500mAh</a:t>
+            </a:r>
+            <a:br>
+              <a:rPr lang="en-US" altLang="ja-JP" dirty="0"/>
+            </a:br>
+            <a:r>
+              <a:rPr lang="en-US" altLang="ja-JP" dirty="0"/>
+              <a:t>Configuration: </a:t>
+            </a:r>
+            <a:r>
+              <a:rPr lang="en-US" altLang="ja-JP" b="1" dirty="0"/>
+              <a:t>2S1P / 7.4v / 2Cell</a:t>
+            </a:r>
+            <a:br>
+              <a:rPr lang="en-US" altLang="ja-JP" dirty="0"/>
+            </a:br>
+            <a:r>
+              <a:rPr lang="en-US" altLang="ja-JP" dirty="0"/>
+              <a:t>Constant Discharge: </a:t>
+            </a:r>
+            <a:r>
+              <a:rPr lang="en-US" altLang="ja-JP" b="1" dirty="0"/>
+              <a:t>20C</a:t>
+            </a:r>
+            <a:br>
+              <a:rPr lang="en-US" altLang="ja-JP" dirty="0"/>
+            </a:br>
+            <a:r>
+              <a:rPr lang="en-US" altLang="ja-JP" dirty="0"/>
+              <a:t>Peak Discharge (10sec): </a:t>
+            </a:r>
+            <a:r>
+              <a:rPr lang="en-US" altLang="ja-JP" b="1" dirty="0"/>
+              <a:t>30C</a:t>
+            </a:r>
+            <a:br>
+              <a:rPr lang="en-US" altLang="ja-JP" dirty="0"/>
+            </a:br>
+            <a:r>
+              <a:rPr lang="en-US" altLang="ja-JP" dirty="0"/>
+              <a:t>Pack Weight: </a:t>
+            </a:r>
+            <a:r>
+              <a:rPr lang="en-US" altLang="ja-JP" b="1" dirty="0"/>
+              <a:t>36g</a:t>
+            </a:r>
+            <a:br>
+              <a:rPr lang="en-US" altLang="ja-JP" dirty="0"/>
+            </a:br>
+            <a:r>
+              <a:rPr lang="en-US" altLang="ja-JP" dirty="0"/>
+              <a:t>Pack Size: </a:t>
+            </a:r>
+            <a:r>
+              <a:rPr lang="en-US" altLang="ja-JP" b="1" dirty="0"/>
+              <a:t>55 x 30 x 14mm</a:t>
+            </a:r>
+            <a:br>
+              <a:rPr lang="en-US" altLang="ja-JP" dirty="0"/>
+            </a:br>
+            <a:r>
+              <a:rPr lang="en-US" altLang="ja-JP" dirty="0"/>
+              <a:t>Charge Plug: </a:t>
+            </a:r>
+            <a:r>
+              <a:rPr lang="en-US" altLang="ja-JP" b="1" dirty="0"/>
+              <a:t>JST-XH </a:t>
+            </a:r>
+            <a:endParaRPr kumimoji="1" lang="ja-JP" altLang="en-US" dirty="0"/>
+          </a:p>
+        </p:txBody>
+      </p:sp>
+    </p:spTree>
+    <p:extLst>
+      <p:ext uri="{BB962C8B-B14F-4D97-AF65-F5344CB8AC3E}">
+        <p14:creationId xmlns:p14="http://schemas.microsoft.com/office/powerpoint/2010/main" val="985537632"/>
+      </p:ext>
+    </p:extLst>
+  </p:cSld>
+  <p:clrMapOvr>
+    <a:masterClrMapping/>
+  </p:clrMapOvr>
+</p:sld>
+</file>
+
+<file path=ppt/slides/slide23.xml><?xml version="1.0" encoding="utf-8"?>
+<p:sld xmlns:a="http://schemas.openxmlformats.org/drawingml/2006/main" xmlns:r="http://schemas.openxmlformats.org/officeDocument/2006/relationships" xmlns:p="http://schemas.openxmlformats.org/presentationml/2006/main">
+  <p:cSld>
+    <p:spTree>
+      <p:nvGrpSpPr>
+        <p:cNvPr id="1" name=""/>
+        <p:cNvGrpSpPr/>
+        <p:nvPr/>
+      </p:nvGrpSpPr>
+      <p:grpSpPr>
+        <a:xfrm>
+          <a:off x="0" y="0"/>
+          <a:ext cx="0" cy="0"/>
+          <a:chOff x="0" y="0"/>
+          <a:chExt cx="0" cy="0"/>
+        </a:xfrm>
+      </p:grpSpPr>
+      <p:sp>
+        <p:nvSpPr>
+          <p:cNvPr id="2" name="タイトル 1"/>
+          <p:cNvSpPr>
+            <a:spLocks noGrp="1"/>
+          </p:cNvSpPr>
+          <p:nvPr>
+            <p:ph type="title"/>
+          </p:nvPr>
+        </p:nvSpPr>
+        <p:spPr/>
+        <p:txBody>
+          <a:bodyPr/>
+          <a:lstStyle/>
+          <a:p>
+            <a:r>
+              <a:rPr kumimoji="1" lang="ja-JP" altLang="en-US" dirty="0"/>
+              <a:t>計測系</a:t>
+            </a:r>
+            <a:r>
+              <a:rPr kumimoji="1" lang="en-US" altLang="ja-JP" dirty="0" err="1"/>
+              <a:t>μC_batt</a:t>
+            </a:r>
+            <a:r>
+              <a:rPr kumimoji="1" lang="en-US" altLang="ja-JP" dirty="0"/>
+              <a:t>.</a:t>
+            </a:r>
+            <a:endParaRPr kumimoji="1" lang="ja-JP" altLang="en-US" dirty="0"/>
+          </a:p>
+        </p:txBody>
+      </p:sp>
+      <p:sp>
+        <p:nvSpPr>
+          <p:cNvPr id="3" name="コンテンツ プレースホルダー 2"/>
+          <p:cNvSpPr>
+            <a:spLocks noGrp="1"/>
+          </p:cNvSpPr>
+          <p:nvPr>
+            <p:ph idx="1"/>
+          </p:nvPr>
+        </p:nvSpPr>
+        <p:spPr/>
+        <p:txBody>
+          <a:bodyPr/>
+          <a:lstStyle/>
+          <a:p>
+            <a:r>
+              <a:rPr lang="pl-PL" altLang="ja-JP" dirty="0">
+                <a:hlinkClick r:id="rId2"/>
+              </a:rPr>
+              <a:t>Turnigy nano-tech 850mah 3S 25~40C Lipo Pack</a:t>
+            </a:r>
+            <a:endParaRPr lang="pl-PL" altLang="ja-JP" dirty="0"/>
+          </a:p>
+          <a:p>
+            <a:pPr lvl="1"/>
+            <a:r>
+              <a:rPr lang="en-US" altLang="ja-JP" dirty="0"/>
+              <a:t>Capacity: </a:t>
+            </a:r>
+            <a:r>
+              <a:rPr lang="en-US" altLang="ja-JP" b="1" dirty="0"/>
+              <a:t>850mAh</a:t>
+            </a:r>
+            <a:br>
+              <a:rPr lang="en-US" altLang="ja-JP" dirty="0"/>
+            </a:br>
+            <a:r>
+              <a:rPr lang="en-US" altLang="ja-JP" dirty="0"/>
+              <a:t>Voltage: </a:t>
+            </a:r>
+            <a:r>
+              <a:rPr lang="en-US" altLang="ja-JP" b="1" dirty="0"/>
+              <a:t>3S1P / 3 Cell / 11.1V</a:t>
+            </a:r>
+            <a:br>
+              <a:rPr lang="en-US" altLang="ja-JP" dirty="0"/>
+            </a:br>
+            <a:r>
+              <a:rPr lang="en-US" altLang="ja-JP" dirty="0"/>
+              <a:t>Discharge: </a:t>
+            </a:r>
+            <a:r>
+              <a:rPr lang="en-US" altLang="ja-JP" b="1" dirty="0"/>
+              <a:t>25C Constant / 40C Burst</a:t>
+            </a:r>
+            <a:br>
+              <a:rPr lang="en-US" altLang="ja-JP" dirty="0"/>
+            </a:br>
+            <a:r>
+              <a:rPr lang="en-US" altLang="ja-JP" dirty="0"/>
+              <a:t>Weight: </a:t>
+            </a:r>
+            <a:r>
+              <a:rPr lang="en-US" altLang="ja-JP" b="1" dirty="0"/>
+              <a:t>69g (including wire, plug &amp; case)</a:t>
+            </a:r>
+            <a:br>
+              <a:rPr lang="en-US" altLang="ja-JP" dirty="0"/>
+            </a:br>
+            <a:r>
+              <a:rPr lang="en-US" altLang="ja-JP" dirty="0"/>
+              <a:t>Dimensions: </a:t>
+            </a:r>
+            <a:r>
+              <a:rPr lang="en-US" altLang="ja-JP" b="1" dirty="0"/>
+              <a:t>63x32x25mm</a:t>
+            </a:r>
+            <a:br>
+              <a:rPr lang="en-US" altLang="ja-JP" dirty="0"/>
+            </a:br>
+            <a:r>
+              <a:rPr lang="en-US" altLang="ja-JP" dirty="0"/>
+              <a:t>Balance Plug: </a:t>
+            </a:r>
+            <a:r>
+              <a:rPr lang="en-US" altLang="ja-JP" b="1" dirty="0"/>
+              <a:t>JST-XH</a:t>
+            </a:r>
+            <a:br>
+              <a:rPr lang="en-US" altLang="ja-JP" dirty="0"/>
+            </a:br>
+            <a:r>
+              <a:rPr lang="en-US" altLang="ja-JP" dirty="0"/>
+              <a:t>Discharge Plug:</a:t>
+            </a:r>
+            <a:r>
+              <a:rPr lang="en-US" altLang="ja-JP" b="1" dirty="0"/>
+              <a:t> Mini-JST</a:t>
+            </a:r>
+            <a:endParaRPr kumimoji="1" lang="ja-JP" altLang="en-US" dirty="0"/>
+          </a:p>
+        </p:txBody>
+      </p:sp>
+    </p:spTree>
+    <p:extLst>
+      <p:ext uri="{BB962C8B-B14F-4D97-AF65-F5344CB8AC3E}">
+        <p14:creationId xmlns:p14="http://schemas.microsoft.com/office/powerpoint/2010/main" val="2468148441"/>
       </p:ext>
     </p:extLst>
   </p:cSld>
